--- a/Demonstration.pptx
+++ b/Demonstration.pptx
@@ -7,6 +7,11 @@
   <p:sldIdLst>
     <p:sldId id="256" r:id="rId2"/>
     <p:sldId id="257" r:id="rId3"/>
+    <p:sldId id="258" r:id="rId4"/>
+    <p:sldId id="259" r:id="rId5"/>
+    <p:sldId id="260" r:id="rId6"/>
+    <p:sldId id="261" r:id="rId7"/>
+    <p:sldId id="262" r:id="rId8"/>
   </p:sldIdLst>
   <p:sldSz cx="12192000" cy="6858000"/>
   <p:notesSz cx="6858000" cy="9144000"/>
@@ -835,7 +840,7 @@
           <a:p>
             <a:fld id="{2A7567FF-5FC6-44B1-B509-8955990E2FDC}" type="datetimeFigureOut">
               <a:rPr lang="en-IN" smtClean="0"/>
-              <a:t>12-01-2023</a:t>
+              <a:t>14-01-2023</a:t>
             </a:fld>
             <a:endParaRPr lang="en-IN"/>
           </a:p>
@@ -1086,7 +1091,7 @@
           <a:p>
             <a:fld id="{2A7567FF-5FC6-44B1-B509-8955990E2FDC}" type="datetimeFigureOut">
               <a:rPr lang="en-IN" smtClean="0"/>
-              <a:t>12-01-2023</a:t>
+              <a:t>14-01-2023</a:t>
             </a:fld>
             <a:endParaRPr lang="en-IN"/>
           </a:p>
@@ -1400,7 +1405,7 @@
           <a:p>
             <a:fld id="{2A7567FF-5FC6-44B1-B509-8955990E2FDC}" type="datetimeFigureOut">
               <a:rPr lang="en-IN" smtClean="0"/>
-              <a:t>12-01-2023</a:t>
+              <a:t>14-01-2023</a:t>
             </a:fld>
             <a:endParaRPr lang="en-IN"/>
           </a:p>
@@ -1741,7 +1746,7 @@
           <a:p>
             <a:fld id="{2A7567FF-5FC6-44B1-B509-8955990E2FDC}" type="datetimeFigureOut">
               <a:rPr lang="en-IN" smtClean="0"/>
-              <a:t>12-01-2023</a:t>
+              <a:t>14-01-2023</a:t>
             </a:fld>
             <a:endParaRPr lang="en-IN"/>
           </a:p>
@@ -2055,7 +2060,7 @@
           <a:p>
             <a:fld id="{2A7567FF-5FC6-44B1-B509-8955990E2FDC}" type="datetimeFigureOut">
               <a:rPr lang="en-IN" smtClean="0"/>
-              <a:t>12-01-2023</a:t>
+              <a:t>14-01-2023</a:t>
             </a:fld>
             <a:endParaRPr lang="en-IN"/>
           </a:p>
@@ -2448,7 +2453,7 @@
           <a:p>
             <a:fld id="{2A7567FF-5FC6-44B1-B509-8955990E2FDC}" type="datetimeFigureOut">
               <a:rPr lang="en-IN" smtClean="0"/>
-              <a:t>12-01-2023</a:t>
+              <a:t>14-01-2023</a:t>
             </a:fld>
             <a:endParaRPr lang="en-IN"/>
           </a:p>
@@ -2618,7 +2623,7 @@
           <a:p>
             <a:fld id="{2A7567FF-5FC6-44B1-B509-8955990E2FDC}" type="datetimeFigureOut">
               <a:rPr lang="en-IN" smtClean="0"/>
-              <a:t>12-01-2023</a:t>
+              <a:t>14-01-2023</a:t>
             </a:fld>
             <a:endParaRPr lang="en-IN"/>
           </a:p>
@@ -2798,7 +2803,7 @@
           <a:p>
             <a:fld id="{2A7567FF-5FC6-44B1-B509-8955990E2FDC}" type="datetimeFigureOut">
               <a:rPr lang="en-IN" smtClean="0"/>
-              <a:t>12-01-2023</a:t>
+              <a:t>14-01-2023</a:t>
             </a:fld>
             <a:endParaRPr lang="en-IN"/>
           </a:p>
@@ -2974,7 +2979,7 @@
           <a:p>
             <a:fld id="{2A7567FF-5FC6-44B1-B509-8955990E2FDC}" type="datetimeFigureOut">
               <a:rPr lang="en-IN" smtClean="0"/>
-              <a:t>12-01-2023</a:t>
+              <a:t>14-01-2023</a:t>
             </a:fld>
             <a:endParaRPr lang="en-IN"/>
           </a:p>
@@ -3221,7 +3226,7 @@
           <a:p>
             <a:fld id="{2A7567FF-5FC6-44B1-B509-8955990E2FDC}" type="datetimeFigureOut">
               <a:rPr lang="en-IN" smtClean="0"/>
-              <a:t>12-01-2023</a:t>
+              <a:t>14-01-2023</a:t>
             </a:fld>
             <a:endParaRPr lang="en-IN"/>
           </a:p>
@@ -3453,7 +3458,7 @@
           <a:p>
             <a:fld id="{2A7567FF-5FC6-44B1-B509-8955990E2FDC}" type="datetimeFigureOut">
               <a:rPr lang="en-IN" smtClean="0"/>
-              <a:t>12-01-2023</a:t>
+              <a:t>14-01-2023</a:t>
             </a:fld>
             <a:endParaRPr lang="en-IN"/>
           </a:p>
@@ -3827,7 +3832,7 @@
           <a:p>
             <a:fld id="{2A7567FF-5FC6-44B1-B509-8955990E2FDC}" type="datetimeFigureOut">
               <a:rPr lang="en-IN" smtClean="0"/>
-              <a:t>12-01-2023</a:t>
+              <a:t>14-01-2023</a:t>
             </a:fld>
             <a:endParaRPr lang="en-IN"/>
           </a:p>
@@ -3950,7 +3955,7 @@
           <a:p>
             <a:fld id="{2A7567FF-5FC6-44B1-B509-8955990E2FDC}" type="datetimeFigureOut">
               <a:rPr lang="en-IN" smtClean="0"/>
-              <a:t>12-01-2023</a:t>
+              <a:t>14-01-2023</a:t>
             </a:fld>
             <a:endParaRPr lang="en-IN"/>
           </a:p>
@@ -4045,7 +4050,7 @@
           <a:p>
             <a:fld id="{2A7567FF-5FC6-44B1-B509-8955990E2FDC}" type="datetimeFigureOut">
               <a:rPr lang="en-IN" smtClean="0"/>
-              <a:t>12-01-2023</a:t>
+              <a:t>14-01-2023</a:t>
             </a:fld>
             <a:endParaRPr lang="en-IN"/>
           </a:p>
@@ -4300,7 +4305,7 @@
           <a:p>
             <a:fld id="{2A7567FF-5FC6-44B1-B509-8955990E2FDC}" type="datetimeFigureOut">
               <a:rPr lang="en-IN" smtClean="0"/>
-              <a:t>12-01-2023</a:t>
+              <a:t>14-01-2023</a:t>
             </a:fld>
             <a:endParaRPr lang="en-IN"/>
           </a:p>
@@ -4563,7 +4568,7 @@
           <a:p>
             <a:fld id="{2A7567FF-5FC6-44B1-B509-8955990E2FDC}" type="datetimeFigureOut">
               <a:rPr lang="en-IN" smtClean="0"/>
-              <a:t>12-01-2023</a:t>
+              <a:t>14-01-2023</a:t>
             </a:fld>
             <a:endParaRPr lang="en-IN"/>
           </a:p>
@@ -5306,7 +5311,7 @@
           <a:p>
             <a:fld id="{2A7567FF-5FC6-44B1-B509-8955990E2FDC}" type="datetimeFigureOut">
               <a:rPr lang="en-IN" smtClean="0"/>
-              <a:t>12-01-2023</a:t>
+              <a:t>14-01-2023</a:t>
             </a:fld>
             <a:endParaRPr lang="en-IN"/>
           </a:p>
@@ -6160,7 +6165,7 @@
                   </a:outerShdw>
                 </a:effectLst>
               </a:rPr>
-              <a:t>NEXT STEP TOWARDS SUSTAINABLE  FABRICATION!</a:t>
+              <a:t>NEXT STEP TOWARDS DIGITAL  FABRICATION!</a:t>
             </a:r>
           </a:p>
         </p:txBody>
@@ -6203,10 +6208,10 @@
       </p:pic>
       <p:pic>
         <p:nvPicPr>
-          <p:cNvPr id="19" name="Picture 18">
+          <p:cNvPr id="4" name="Picture 3">
             <a:extLst>
               <a:ext uri="{FF2B5EF4-FFF2-40B4-BE49-F238E27FC236}">
-                <a16:creationId xmlns:a16="http://schemas.microsoft.com/office/drawing/2014/main" id="{597BB7C8-5C4F-294D-DA46-2AED4178DE22}"/>
+                <a16:creationId xmlns:a16="http://schemas.microsoft.com/office/drawing/2014/main" id="{CEC48AEF-D8A3-03BB-0DA5-7311593674A0}"/>
               </a:ext>
             </a:extLst>
           </p:cNvPr>
@@ -6229,8 +6234,8 @@
         </p:blipFill>
         <p:spPr>
           <a:xfrm>
-            <a:off x="4645154" y="152265"/>
-            <a:ext cx="2134150" cy="910626"/>
+            <a:off x="4478901" y="89664"/>
+            <a:ext cx="2609088" cy="1114007"/>
           </a:xfrm>
           <a:prstGeom prst="rect">
             <a:avLst/>
@@ -6281,8 +6286,8 @@
         </p:nvSpPr>
         <p:spPr>
           <a:xfrm>
-            <a:off x="841248" y="365760"/>
-            <a:ext cx="3895344" cy="523220"/>
+            <a:off x="724035" y="484631"/>
+            <a:ext cx="2037453" cy="523220"/>
           </a:xfrm>
           <a:prstGeom prst="rect">
             <a:avLst/>
@@ -6296,22 +6301,22 @@
           <a:lstStyle/>
           <a:p>
             <a:r>
-              <a:rPr lang="en-IN" sz="2800" dirty="0">
+              <a:rPr lang="en-IN" sz="2800" u="sng" dirty="0">
                 <a:solidFill>
                   <a:schemeClr val="tx2"/>
                 </a:solidFill>
               </a:rPr>
-              <a:t>INTRODUCTION</a:t>
+              <a:t>OUR VISION</a:t>
             </a:r>
           </a:p>
         </p:txBody>
       </p:sp>
       <p:pic>
         <p:nvPicPr>
-          <p:cNvPr id="4" name="Picture 3">
+          <p:cNvPr id="3" name="Picture 2">
             <a:extLst>
               <a:ext uri="{FF2B5EF4-FFF2-40B4-BE49-F238E27FC236}">
-                <a16:creationId xmlns:a16="http://schemas.microsoft.com/office/drawing/2014/main" id="{E3242F2F-0090-9001-5702-B7DC29CC78D0}"/>
+                <a16:creationId xmlns:a16="http://schemas.microsoft.com/office/drawing/2014/main" id="{7DA1BBFA-132F-C687-AD2A-1557B5C93ABA}"/>
               </a:ext>
             </a:extLst>
           </p:cNvPr>
@@ -6334,18 +6339,794 @@
         </p:blipFill>
         <p:spPr>
           <a:xfrm>
-            <a:off x="7414730" y="0"/>
-            <a:ext cx="2083419" cy="888980"/>
+            <a:off x="6911205" y="70366"/>
+            <a:ext cx="2609088" cy="1114007"/>
           </a:xfrm>
           <a:prstGeom prst="rect">
             <a:avLst/>
           </a:prstGeom>
         </p:spPr>
       </p:pic>
+      <p:sp>
+        <p:nvSpPr>
+          <p:cNvPr id="6" name="TextBox 5">
+            <a:extLst>
+              <a:ext uri="{FF2B5EF4-FFF2-40B4-BE49-F238E27FC236}">
+                <a16:creationId xmlns:a16="http://schemas.microsoft.com/office/drawing/2014/main" id="{778D9B83-6FA9-204C-0E2A-B762DB752752}"/>
+              </a:ext>
+            </a:extLst>
+          </p:cNvPr>
+          <p:cNvSpPr txBox="1"/>
+          <p:nvPr/>
+        </p:nvSpPr>
+        <p:spPr>
+          <a:xfrm>
+            <a:off x="724035" y="1298448"/>
+            <a:ext cx="8494776" cy="646331"/>
+          </a:xfrm>
+          <a:prstGeom prst="rect">
+            <a:avLst/>
+          </a:prstGeom>
+          <a:noFill/>
+        </p:spPr>
+        <p:txBody>
+          <a:bodyPr wrap="square" rtlCol="0">
+            <a:spAutoFit/>
+          </a:bodyPr>
+          <a:lstStyle/>
+          <a:p>
+            <a:r>
+              <a:rPr lang="en-US" dirty="0"/>
+              <a:t>LOREM300</a:t>
+            </a:r>
+          </a:p>
+          <a:p>
+            <a:endParaRPr lang="en-IN" dirty="0"/>
+          </a:p>
+        </p:txBody>
+      </p:sp>
     </p:spTree>
     <p:extLst>
       <p:ext uri="{BB962C8B-B14F-4D97-AF65-F5344CB8AC3E}">
         <p14:creationId xmlns:p14="http://schemas.microsoft.com/office/powerpoint/2010/main" val="3386163857"/>
+      </p:ext>
+    </p:extLst>
+  </p:cSld>
+  <p:clrMapOvr>
+    <a:masterClrMapping/>
+  </p:clrMapOvr>
+</p:sld>
+</file>
+
+<file path=ppt/slides/slide3.xml><?xml version="1.0" encoding="utf-8"?>
+<p:sld xmlns:a="http://schemas.openxmlformats.org/drawingml/2006/main" xmlns:r="http://schemas.openxmlformats.org/officeDocument/2006/relationships" xmlns:p="http://schemas.openxmlformats.org/presentationml/2006/main">
+  <p:cSld>
+    <p:spTree>
+      <p:nvGrpSpPr>
+        <p:cNvPr id="1" name=""/>
+        <p:cNvGrpSpPr/>
+        <p:nvPr/>
+      </p:nvGrpSpPr>
+      <p:grpSpPr>
+        <a:xfrm>
+          <a:off x="0" y="0"/>
+          <a:ext cx="0" cy="0"/>
+          <a:chOff x="0" y="0"/>
+          <a:chExt cx="0" cy="0"/>
+        </a:xfrm>
+      </p:grpSpPr>
+      <p:sp>
+        <p:nvSpPr>
+          <p:cNvPr id="2" name="TextBox 1">
+            <a:extLst>
+              <a:ext uri="{FF2B5EF4-FFF2-40B4-BE49-F238E27FC236}">
+                <a16:creationId xmlns:a16="http://schemas.microsoft.com/office/drawing/2014/main" id="{4DA61C1F-2626-1E9E-4397-255AFE856209}"/>
+              </a:ext>
+            </a:extLst>
+          </p:cNvPr>
+          <p:cNvSpPr txBox="1"/>
+          <p:nvPr/>
+        </p:nvSpPr>
+        <p:spPr>
+          <a:xfrm>
+            <a:off x="724035" y="484631"/>
+            <a:ext cx="3079869" cy="523220"/>
+          </a:xfrm>
+          <a:prstGeom prst="rect">
+            <a:avLst/>
+          </a:prstGeom>
+          <a:noFill/>
+        </p:spPr>
+        <p:txBody>
+          <a:bodyPr wrap="square" rtlCol="0">
+            <a:spAutoFit/>
+          </a:bodyPr>
+          <a:lstStyle/>
+          <a:p>
+            <a:r>
+              <a:rPr lang="en-IN" sz="2800" u="sng" dirty="0">
+                <a:solidFill>
+                  <a:schemeClr val="tx2"/>
+                </a:solidFill>
+              </a:rPr>
+              <a:t>OUR STRATEGY</a:t>
+            </a:r>
+          </a:p>
+        </p:txBody>
+      </p:sp>
+      <p:pic>
+        <p:nvPicPr>
+          <p:cNvPr id="3" name="Picture 2">
+            <a:extLst>
+              <a:ext uri="{FF2B5EF4-FFF2-40B4-BE49-F238E27FC236}">
+                <a16:creationId xmlns:a16="http://schemas.microsoft.com/office/drawing/2014/main" id="{7DA1BBFA-132F-C687-AD2A-1557B5C93ABA}"/>
+              </a:ext>
+            </a:extLst>
+          </p:cNvPr>
+          <p:cNvPicPr>
+            <a:picLocks noChangeAspect="1"/>
+          </p:cNvPicPr>
+          <p:nvPr/>
+        </p:nvPicPr>
+        <p:blipFill>
+          <a:blip r:embed="rId2">
+            <a:extLst>
+              <a:ext uri="{28A0092B-C50C-407E-A947-70E740481C1C}">
+                <a14:useLocalDpi xmlns:a14="http://schemas.microsoft.com/office/drawing/2010/main" val="0"/>
+              </a:ext>
+            </a:extLst>
+          </a:blip>
+          <a:stretch>
+            <a:fillRect/>
+          </a:stretch>
+        </p:blipFill>
+        <p:spPr>
+          <a:xfrm>
+            <a:off x="6911205" y="70366"/>
+            <a:ext cx="2609088" cy="1114007"/>
+          </a:xfrm>
+          <a:prstGeom prst="rect">
+            <a:avLst/>
+          </a:prstGeom>
+        </p:spPr>
+      </p:pic>
+      <p:sp>
+        <p:nvSpPr>
+          <p:cNvPr id="6" name="TextBox 5">
+            <a:extLst>
+              <a:ext uri="{FF2B5EF4-FFF2-40B4-BE49-F238E27FC236}">
+                <a16:creationId xmlns:a16="http://schemas.microsoft.com/office/drawing/2014/main" id="{778D9B83-6FA9-204C-0E2A-B762DB752752}"/>
+              </a:ext>
+            </a:extLst>
+          </p:cNvPr>
+          <p:cNvSpPr txBox="1"/>
+          <p:nvPr/>
+        </p:nvSpPr>
+        <p:spPr>
+          <a:xfrm>
+            <a:off x="724035" y="1298448"/>
+            <a:ext cx="8494776" cy="646331"/>
+          </a:xfrm>
+          <a:prstGeom prst="rect">
+            <a:avLst/>
+          </a:prstGeom>
+          <a:noFill/>
+        </p:spPr>
+        <p:txBody>
+          <a:bodyPr wrap="square" rtlCol="0">
+            <a:spAutoFit/>
+          </a:bodyPr>
+          <a:lstStyle/>
+          <a:p>
+            <a:r>
+              <a:rPr lang="en-US" dirty="0"/>
+              <a:t>LOREM300</a:t>
+            </a:r>
+          </a:p>
+          <a:p>
+            <a:endParaRPr lang="en-IN" dirty="0"/>
+          </a:p>
+        </p:txBody>
+      </p:sp>
+    </p:spTree>
+    <p:extLst>
+      <p:ext uri="{BB962C8B-B14F-4D97-AF65-F5344CB8AC3E}">
+        <p14:creationId xmlns:p14="http://schemas.microsoft.com/office/powerpoint/2010/main" val="2209599043"/>
+      </p:ext>
+    </p:extLst>
+  </p:cSld>
+  <p:clrMapOvr>
+    <a:masterClrMapping/>
+  </p:clrMapOvr>
+</p:sld>
+</file>
+
+<file path=ppt/slides/slide4.xml><?xml version="1.0" encoding="utf-8"?>
+<p:sld xmlns:a="http://schemas.openxmlformats.org/drawingml/2006/main" xmlns:r="http://schemas.openxmlformats.org/officeDocument/2006/relationships" xmlns:p="http://schemas.openxmlformats.org/presentationml/2006/main">
+  <p:cSld>
+    <p:spTree>
+      <p:nvGrpSpPr>
+        <p:cNvPr id="1" name=""/>
+        <p:cNvGrpSpPr/>
+        <p:nvPr/>
+      </p:nvGrpSpPr>
+      <p:grpSpPr>
+        <a:xfrm>
+          <a:off x="0" y="0"/>
+          <a:ext cx="0" cy="0"/>
+          <a:chOff x="0" y="0"/>
+          <a:chExt cx="0" cy="0"/>
+        </a:xfrm>
+      </p:grpSpPr>
+      <p:sp>
+        <p:nvSpPr>
+          <p:cNvPr id="2" name="TextBox 1">
+            <a:extLst>
+              <a:ext uri="{FF2B5EF4-FFF2-40B4-BE49-F238E27FC236}">
+                <a16:creationId xmlns:a16="http://schemas.microsoft.com/office/drawing/2014/main" id="{4DA61C1F-2626-1E9E-4397-255AFE856209}"/>
+              </a:ext>
+            </a:extLst>
+          </p:cNvPr>
+          <p:cNvSpPr txBox="1"/>
+          <p:nvPr/>
+        </p:nvSpPr>
+        <p:spPr>
+          <a:xfrm>
+            <a:off x="724035" y="484631"/>
+            <a:ext cx="4122285" cy="523220"/>
+          </a:xfrm>
+          <a:prstGeom prst="rect">
+            <a:avLst/>
+          </a:prstGeom>
+          <a:noFill/>
+        </p:spPr>
+        <p:txBody>
+          <a:bodyPr wrap="square" rtlCol="0">
+            <a:spAutoFit/>
+          </a:bodyPr>
+          <a:lstStyle/>
+          <a:p>
+            <a:r>
+              <a:rPr lang="en-US" sz="2800" u="sng" dirty="0">
+                <a:solidFill>
+                  <a:schemeClr val="tx2"/>
+                </a:solidFill>
+              </a:rPr>
+              <a:t>F</a:t>
+            </a:r>
+            <a:r>
+              <a:rPr lang="en-IN" sz="2800" u="sng" dirty="0">
+                <a:solidFill>
+                  <a:schemeClr val="tx2"/>
+                </a:solidFill>
+              </a:rPr>
+              <a:t>INANCE &amp; ACCOUNTING</a:t>
+            </a:r>
+          </a:p>
+        </p:txBody>
+      </p:sp>
+      <p:pic>
+        <p:nvPicPr>
+          <p:cNvPr id="3" name="Picture 2">
+            <a:extLst>
+              <a:ext uri="{FF2B5EF4-FFF2-40B4-BE49-F238E27FC236}">
+                <a16:creationId xmlns:a16="http://schemas.microsoft.com/office/drawing/2014/main" id="{7DA1BBFA-132F-C687-AD2A-1557B5C93ABA}"/>
+              </a:ext>
+            </a:extLst>
+          </p:cNvPr>
+          <p:cNvPicPr>
+            <a:picLocks noChangeAspect="1"/>
+          </p:cNvPicPr>
+          <p:nvPr/>
+        </p:nvPicPr>
+        <p:blipFill>
+          <a:blip r:embed="rId2">
+            <a:extLst>
+              <a:ext uri="{28A0092B-C50C-407E-A947-70E740481C1C}">
+                <a14:useLocalDpi xmlns:a14="http://schemas.microsoft.com/office/drawing/2010/main" val="0"/>
+              </a:ext>
+            </a:extLst>
+          </a:blip>
+          <a:stretch>
+            <a:fillRect/>
+          </a:stretch>
+        </p:blipFill>
+        <p:spPr>
+          <a:xfrm>
+            <a:off x="6911205" y="70366"/>
+            <a:ext cx="2609088" cy="1114007"/>
+          </a:xfrm>
+          <a:prstGeom prst="rect">
+            <a:avLst/>
+          </a:prstGeom>
+        </p:spPr>
+      </p:pic>
+      <p:sp>
+        <p:nvSpPr>
+          <p:cNvPr id="6" name="TextBox 5">
+            <a:extLst>
+              <a:ext uri="{FF2B5EF4-FFF2-40B4-BE49-F238E27FC236}">
+                <a16:creationId xmlns:a16="http://schemas.microsoft.com/office/drawing/2014/main" id="{778D9B83-6FA9-204C-0E2A-B762DB752752}"/>
+              </a:ext>
+            </a:extLst>
+          </p:cNvPr>
+          <p:cNvSpPr txBox="1"/>
+          <p:nvPr/>
+        </p:nvSpPr>
+        <p:spPr>
+          <a:xfrm>
+            <a:off x="724035" y="1298448"/>
+            <a:ext cx="8494776" cy="646331"/>
+          </a:xfrm>
+          <a:prstGeom prst="rect">
+            <a:avLst/>
+          </a:prstGeom>
+          <a:noFill/>
+        </p:spPr>
+        <p:txBody>
+          <a:bodyPr wrap="square" rtlCol="0">
+            <a:spAutoFit/>
+          </a:bodyPr>
+          <a:lstStyle/>
+          <a:p>
+            <a:r>
+              <a:rPr lang="en-US" dirty="0"/>
+              <a:t>LOREM300</a:t>
+            </a:r>
+          </a:p>
+          <a:p>
+            <a:endParaRPr lang="en-IN" dirty="0"/>
+          </a:p>
+        </p:txBody>
+      </p:sp>
+    </p:spTree>
+    <p:extLst>
+      <p:ext uri="{BB962C8B-B14F-4D97-AF65-F5344CB8AC3E}">
+        <p14:creationId xmlns:p14="http://schemas.microsoft.com/office/powerpoint/2010/main" val="293100182"/>
+      </p:ext>
+    </p:extLst>
+  </p:cSld>
+  <p:clrMapOvr>
+    <a:masterClrMapping/>
+  </p:clrMapOvr>
+</p:sld>
+</file>
+
+<file path=ppt/slides/slide5.xml><?xml version="1.0" encoding="utf-8"?>
+<p:sld xmlns:a="http://schemas.openxmlformats.org/drawingml/2006/main" xmlns:r="http://schemas.openxmlformats.org/officeDocument/2006/relationships" xmlns:p="http://schemas.openxmlformats.org/presentationml/2006/main">
+  <p:cSld>
+    <p:spTree>
+      <p:nvGrpSpPr>
+        <p:cNvPr id="1" name=""/>
+        <p:cNvGrpSpPr/>
+        <p:nvPr/>
+      </p:nvGrpSpPr>
+      <p:grpSpPr>
+        <a:xfrm>
+          <a:off x="0" y="0"/>
+          <a:ext cx="0" cy="0"/>
+          <a:chOff x="0" y="0"/>
+          <a:chExt cx="0" cy="0"/>
+        </a:xfrm>
+      </p:grpSpPr>
+      <p:sp>
+        <p:nvSpPr>
+          <p:cNvPr id="2" name="TextBox 1">
+            <a:extLst>
+              <a:ext uri="{FF2B5EF4-FFF2-40B4-BE49-F238E27FC236}">
+                <a16:creationId xmlns:a16="http://schemas.microsoft.com/office/drawing/2014/main" id="{4DA61C1F-2626-1E9E-4397-255AFE856209}"/>
+              </a:ext>
+            </a:extLst>
+          </p:cNvPr>
+          <p:cNvSpPr txBox="1"/>
+          <p:nvPr/>
+        </p:nvSpPr>
+        <p:spPr>
+          <a:xfrm>
+            <a:off x="724035" y="484631"/>
+            <a:ext cx="4122285" cy="523220"/>
+          </a:xfrm>
+          <a:prstGeom prst="rect">
+            <a:avLst/>
+          </a:prstGeom>
+          <a:noFill/>
+        </p:spPr>
+        <p:txBody>
+          <a:bodyPr wrap="square" rtlCol="0">
+            <a:spAutoFit/>
+          </a:bodyPr>
+          <a:lstStyle/>
+          <a:p>
+            <a:r>
+              <a:rPr lang="en-US" sz="2800" u="sng" dirty="0">
+                <a:solidFill>
+                  <a:schemeClr val="tx2"/>
+                </a:solidFill>
+              </a:rPr>
+              <a:t>SALES &amp; MARKETING</a:t>
+            </a:r>
+            <a:endParaRPr lang="en-IN" sz="2800" u="sng" dirty="0">
+              <a:solidFill>
+                <a:schemeClr val="tx2"/>
+              </a:solidFill>
+            </a:endParaRPr>
+          </a:p>
+        </p:txBody>
+      </p:sp>
+      <p:pic>
+        <p:nvPicPr>
+          <p:cNvPr id="3" name="Picture 2">
+            <a:extLst>
+              <a:ext uri="{FF2B5EF4-FFF2-40B4-BE49-F238E27FC236}">
+                <a16:creationId xmlns:a16="http://schemas.microsoft.com/office/drawing/2014/main" id="{7DA1BBFA-132F-C687-AD2A-1557B5C93ABA}"/>
+              </a:ext>
+            </a:extLst>
+          </p:cNvPr>
+          <p:cNvPicPr>
+            <a:picLocks noChangeAspect="1"/>
+          </p:cNvPicPr>
+          <p:nvPr/>
+        </p:nvPicPr>
+        <p:blipFill>
+          <a:blip r:embed="rId2">
+            <a:extLst>
+              <a:ext uri="{28A0092B-C50C-407E-A947-70E740481C1C}">
+                <a14:useLocalDpi xmlns:a14="http://schemas.microsoft.com/office/drawing/2010/main" val="0"/>
+              </a:ext>
+            </a:extLst>
+          </a:blip>
+          <a:stretch>
+            <a:fillRect/>
+          </a:stretch>
+        </p:blipFill>
+        <p:spPr>
+          <a:xfrm>
+            <a:off x="6911205" y="70366"/>
+            <a:ext cx="2609088" cy="1114007"/>
+          </a:xfrm>
+          <a:prstGeom prst="rect">
+            <a:avLst/>
+          </a:prstGeom>
+        </p:spPr>
+      </p:pic>
+      <p:sp>
+        <p:nvSpPr>
+          <p:cNvPr id="6" name="TextBox 5">
+            <a:extLst>
+              <a:ext uri="{FF2B5EF4-FFF2-40B4-BE49-F238E27FC236}">
+                <a16:creationId xmlns:a16="http://schemas.microsoft.com/office/drawing/2014/main" id="{778D9B83-6FA9-204C-0E2A-B762DB752752}"/>
+              </a:ext>
+            </a:extLst>
+          </p:cNvPr>
+          <p:cNvSpPr txBox="1"/>
+          <p:nvPr/>
+        </p:nvSpPr>
+        <p:spPr>
+          <a:xfrm>
+            <a:off x="724035" y="1298448"/>
+            <a:ext cx="8494776" cy="646331"/>
+          </a:xfrm>
+          <a:prstGeom prst="rect">
+            <a:avLst/>
+          </a:prstGeom>
+          <a:noFill/>
+        </p:spPr>
+        <p:txBody>
+          <a:bodyPr wrap="square" rtlCol="0">
+            <a:spAutoFit/>
+          </a:bodyPr>
+          <a:lstStyle/>
+          <a:p>
+            <a:r>
+              <a:rPr lang="en-US" dirty="0"/>
+              <a:t>LOREM300</a:t>
+            </a:r>
+          </a:p>
+          <a:p>
+            <a:endParaRPr lang="en-IN" dirty="0"/>
+          </a:p>
+        </p:txBody>
+      </p:sp>
+    </p:spTree>
+    <p:extLst>
+      <p:ext uri="{BB962C8B-B14F-4D97-AF65-F5344CB8AC3E}">
+        <p14:creationId xmlns:p14="http://schemas.microsoft.com/office/powerpoint/2010/main" val="145813596"/>
+      </p:ext>
+    </p:extLst>
+  </p:cSld>
+  <p:clrMapOvr>
+    <a:masterClrMapping/>
+  </p:clrMapOvr>
+</p:sld>
+</file>
+
+<file path=ppt/slides/slide6.xml><?xml version="1.0" encoding="utf-8"?>
+<p:sld xmlns:a="http://schemas.openxmlformats.org/drawingml/2006/main" xmlns:r="http://schemas.openxmlformats.org/officeDocument/2006/relationships" xmlns:p="http://schemas.openxmlformats.org/presentationml/2006/main">
+  <p:cSld>
+    <p:spTree>
+      <p:nvGrpSpPr>
+        <p:cNvPr id="1" name=""/>
+        <p:cNvGrpSpPr/>
+        <p:nvPr/>
+      </p:nvGrpSpPr>
+      <p:grpSpPr>
+        <a:xfrm>
+          <a:off x="0" y="0"/>
+          <a:ext cx="0" cy="0"/>
+          <a:chOff x="0" y="0"/>
+          <a:chExt cx="0" cy="0"/>
+        </a:xfrm>
+      </p:grpSpPr>
+      <p:sp>
+        <p:nvSpPr>
+          <p:cNvPr id="2" name="TextBox 1">
+            <a:extLst>
+              <a:ext uri="{FF2B5EF4-FFF2-40B4-BE49-F238E27FC236}">
+                <a16:creationId xmlns:a16="http://schemas.microsoft.com/office/drawing/2014/main" id="{4DA61C1F-2626-1E9E-4397-255AFE856209}"/>
+              </a:ext>
+            </a:extLst>
+          </p:cNvPr>
+          <p:cNvSpPr txBox="1"/>
+          <p:nvPr/>
+        </p:nvSpPr>
+        <p:spPr>
+          <a:xfrm>
+            <a:off x="724035" y="484631"/>
+            <a:ext cx="4122285" cy="523220"/>
+          </a:xfrm>
+          <a:prstGeom prst="rect">
+            <a:avLst/>
+          </a:prstGeom>
+          <a:noFill/>
+        </p:spPr>
+        <p:txBody>
+          <a:bodyPr wrap="square" rtlCol="0">
+            <a:spAutoFit/>
+          </a:bodyPr>
+          <a:lstStyle/>
+          <a:p>
+            <a:r>
+              <a:rPr lang="en-US" sz="2800" u="sng" dirty="0">
+                <a:solidFill>
+                  <a:schemeClr val="tx2"/>
+                </a:solidFill>
+              </a:rPr>
+              <a:t>WHY US?</a:t>
+            </a:r>
+            <a:endParaRPr lang="en-IN" sz="2800" u="sng" dirty="0">
+              <a:solidFill>
+                <a:schemeClr val="tx2"/>
+              </a:solidFill>
+            </a:endParaRPr>
+          </a:p>
+        </p:txBody>
+      </p:sp>
+      <p:pic>
+        <p:nvPicPr>
+          <p:cNvPr id="3" name="Picture 2">
+            <a:extLst>
+              <a:ext uri="{FF2B5EF4-FFF2-40B4-BE49-F238E27FC236}">
+                <a16:creationId xmlns:a16="http://schemas.microsoft.com/office/drawing/2014/main" id="{7DA1BBFA-132F-C687-AD2A-1557B5C93ABA}"/>
+              </a:ext>
+            </a:extLst>
+          </p:cNvPr>
+          <p:cNvPicPr>
+            <a:picLocks noChangeAspect="1"/>
+          </p:cNvPicPr>
+          <p:nvPr/>
+        </p:nvPicPr>
+        <p:blipFill>
+          <a:blip r:embed="rId2">
+            <a:extLst>
+              <a:ext uri="{28A0092B-C50C-407E-A947-70E740481C1C}">
+                <a14:useLocalDpi xmlns:a14="http://schemas.microsoft.com/office/drawing/2010/main" val="0"/>
+              </a:ext>
+            </a:extLst>
+          </a:blip>
+          <a:stretch>
+            <a:fillRect/>
+          </a:stretch>
+        </p:blipFill>
+        <p:spPr>
+          <a:xfrm>
+            <a:off x="6911205" y="70366"/>
+            <a:ext cx="2609088" cy="1114007"/>
+          </a:xfrm>
+          <a:prstGeom prst="rect">
+            <a:avLst/>
+          </a:prstGeom>
+        </p:spPr>
+      </p:pic>
+      <p:sp>
+        <p:nvSpPr>
+          <p:cNvPr id="6" name="TextBox 5">
+            <a:extLst>
+              <a:ext uri="{FF2B5EF4-FFF2-40B4-BE49-F238E27FC236}">
+                <a16:creationId xmlns:a16="http://schemas.microsoft.com/office/drawing/2014/main" id="{778D9B83-6FA9-204C-0E2A-B762DB752752}"/>
+              </a:ext>
+            </a:extLst>
+          </p:cNvPr>
+          <p:cNvSpPr txBox="1"/>
+          <p:nvPr/>
+        </p:nvSpPr>
+        <p:spPr>
+          <a:xfrm>
+            <a:off x="724035" y="1298448"/>
+            <a:ext cx="8494776" cy="646331"/>
+          </a:xfrm>
+          <a:prstGeom prst="rect">
+            <a:avLst/>
+          </a:prstGeom>
+          <a:noFill/>
+        </p:spPr>
+        <p:txBody>
+          <a:bodyPr wrap="square" rtlCol="0">
+            <a:spAutoFit/>
+          </a:bodyPr>
+          <a:lstStyle/>
+          <a:p>
+            <a:r>
+              <a:rPr lang="en-US" dirty="0"/>
+              <a:t>LOREM300</a:t>
+            </a:r>
+          </a:p>
+          <a:p>
+            <a:endParaRPr lang="en-IN" dirty="0"/>
+          </a:p>
+        </p:txBody>
+      </p:sp>
+    </p:spTree>
+    <p:extLst>
+      <p:ext uri="{BB962C8B-B14F-4D97-AF65-F5344CB8AC3E}">
+        <p14:creationId xmlns:p14="http://schemas.microsoft.com/office/powerpoint/2010/main" val="2147565473"/>
+      </p:ext>
+    </p:extLst>
+  </p:cSld>
+  <p:clrMapOvr>
+    <a:masterClrMapping/>
+  </p:clrMapOvr>
+</p:sld>
+</file>
+
+<file path=ppt/slides/slide7.xml><?xml version="1.0" encoding="utf-8"?>
+<p:sld xmlns:a="http://schemas.openxmlformats.org/drawingml/2006/main" xmlns:r="http://schemas.openxmlformats.org/officeDocument/2006/relationships" xmlns:p="http://schemas.openxmlformats.org/presentationml/2006/main">
+  <p:cSld>
+    <p:spTree>
+      <p:nvGrpSpPr>
+        <p:cNvPr id="1" name=""/>
+        <p:cNvGrpSpPr/>
+        <p:nvPr/>
+      </p:nvGrpSpPr>
+      <p:grpSpPr>
+        <a:xfrm>
+          <a:off x="0" y="0"/>
+          <a:ext cx="0" cy="0"/>
+          <a:chOff x="0" y="0"/>
+          <a:chExt cx="0" cy="0"/>
+        </a:xfrm>
+      </p:grpSpPr>
+      <p:sp>
+        <p:nvSpPr>
+          <p:cNvPr id="2" name="TextBox 1">
+            <a:extLst>
+              <a:ext uri="{FF2B5EF4-FFF2-40B4-BE49-F238E27FC236}">
+                <a16:creationId xmlns:a16="http://schemas.microsoft.com/office/drawing/2014/main" id="{4DA61C1F-2626-1E9E-4397-255AFE856209}"/>
+              </a:ext>
+            </a:extLst>
+          </p:cNvPr>
+          <p:cNvSpPr txBox="1"/>
+          <p:nvPr/>
+        </p:nvSpPr>
+        <p:spPr>
+          <a:xfrm>
+            <a:off x="724035" y="484631"/>
+            <a:ext cx="4698357" cy="523220"/>
+          </a:xfrm>
+          <a:prstGeom prst="rect">
+            <a:avLst/>
+          </a:prstGeom>
+          <a:noFill/>
+        </p:spPr>
+        <p:txBody>
+          <a:bodyPr wrap="square" rtlCol="0">
+            <a:spAutoFit/>
+          </a:bodyPr>
+          <a:lstStyle/>
+          <a:p>
+            <a:r>
+              <a:rPr lang="en-US" sz="2800" u="sng" dirty="0">
+                <a:solidFill>
+                  <a:schemeClr val="tx2"/>
+                </a:solidFill>
+              </a:rPr>
+              <a:t>FUTURE VISIONS</a:t>
+            </a:r>
+            <a:endParaRPr lang="en-IN" sz="2800" u="sng" dirty="0">
+              <a:solidFill>
+                <a:schemeClr val="tx2"/>
+              </a:solidFill>
+            </a:endParaRPr>
+          </a:p>
+        </p:txBody>
+      </p:sp>
+      <p:pic>
+        <p:nvPicPr>
+          <p:cNvPr id="3" name="Picture 2">
+            <a:extLst>
+              <a:ext uri="{FF2B5EF4-FFF2-40B4-BE49-F238E27FC236}">
+                <a16:creationId xmlns:a16="http://schemas.microsoft.com/office/drawing/2014/main" id="{7DA1BBFA-132F-C687-AD2A-1557B5C93ABA}"/>
+              </a:ext>
+            </a:extLst>
+          </p:cNvPr>
+          <p:cNvPicPr>
+            <a:picLocks noChangeAspect="1"/>
+          </p:cNvPicPr>
+          <p:nvPr/>
+        </p:nvPicPr>
+        <p:blipFill>
+          <a:blip r:embed="rId2">
+            <a:extLst>
+              <a:ext uri="{28A0092B-C50C-407E-A947-70E740481C1C}">
+                <a14:useLocalDpi xmlns:a14="http://schemas.microsoft.com/office/drawing/2010/main" val="0"/>
+              </a:ext>
+            </a:extLst>
+          </a:blip>
+          <a:stretch>
+            <a:fillRect/>
+          </a:stretch>
+        </p:blipFill>
+        <p:spPr>
+          <a:xfrm>
+            <a:off x="6911205" y="70366"/>
+            <a:ext cx="2609088" cy="1114007"/>
+          </a:xfrm>
+          <a:prstGeom prst="rect">
+            <a:avLst/>
+          </a:prstGeom>
+        </p:spPr>
+      </p:pic>
+      <p:sp>
+        <p:nvSpPr>
+          <p:cNvPr id="6" name="TextBox 5">
+            <a:extLst>
+              <a:ext uri="{FF2B5EF4-FFF2-40B4-BE49-F238E27FC236}">
+                <a16:creationId xmlns:a16="http://schemas.microsoft.com/office/drawing/2014/main" id="{778D9B83-6FA9-204C-0E2A-B762DB752752}"/>
+              </a:ext>
+            </a:extLst>
+          </p:cNvPr>
+          <p:cNvSpPr txBox="1"/>
+          <p:nvPr/>
+        </p:nvSpPr>
+        <p:spPr>
+          <a:xfrm>
+            <a:off x="724035" y="1298448"/>
+            <a:ext cx="8494776" cy="646331"/>
+          </a:xfrm>
+          <a:prstGeom prst="rect">
+            <a:avLst/>
+          </a:prstGeom>
+          <a:noFill/>
+        </p:spPr>
+        <p:txBody>
+          <a:bodyPr wrap="square" rtlCol="0">
+            <a:spAutoFit/>
+          </a:bodyPr>
+          <a:lstStyle/>
+          <a:p>
+            <a:r>
+              <a:rPr lang="en-US" dirty="0"/>
+              <a:t>LOREM300</a:t>
+            </a:r>
+          </a:p>
+          <a:p>
+            <a:endParaRPr lang="en-IN" dirty="0"/>
+          </a:p>
+        </p:txBody>
+      </p:sp>
+    </p:spTree>
+    <p:extLst>
+      <p:ext uri="{BB962C8B-B14F-4D97-AF65-F5344CB8AC3E}">
+        <p14:creationId xmlns:p14="http://schemas.microsoft.com/office/powerpoint/2010/main" val="133439612"/>
       </p:ext>
     </p:extLst>
   </p:cSld>

--- a/Demonstration.pptx
+++ b/Demonstration.pptx
@@ -4,6 +4,9 @@
   <p:sldMasterIdLst>
     <p:sldMasterId id="2147483708" r:id="rId1"/>
   </p:sldMasterIdLst>
+  <p:notesMasterIdLst>
+    <p:notesMasterId r:id="rId9"/>
+  </p:notesMasterIdLst>
   <p:sldIdLst>
     <p:sldId id="256" r:id="rId2"/>
     <p:sldId id="257" r:id="rId3"/>
@@ -116,6 +119,440 @@
     </p:ext>
   </p:extLst>
 </p:presentation>
+</file>
+
+<file path=ppt/notesMasters/notesMaster1.xml><?xml version="1.0" encoding="utf-8"?>
+<p:notesMaster xmlns:a="http://schemas.openxmlformats.org/drawingml/2006/main" xmlns:r="http://schemas.openxmlformats.org/officeDocument/2006/relationships" xmlns:p="http://schemas.openxmlformats.org/presentationml/2006/main">
+  <p:cSld>
+    <p:bg>
+      <p:bgRef idx="1001">
+        <a:schemeClr val="bg1"/>
+      </p:bgRef>
+    </p:bg>
+    <p:spTree>
+      <p:nvGrpSpPr>
+        <p:cNvPr id="1" name=""/>
+        <p:cNvGrpSpPr/>
+        <p:nvPr/>
+      </p:nvGrpSpPr>
+      <p:grpSpPr>
+        <a:xfrm>
+          <a:off x="0" y="0"/>
+          <a:ext cx="0" cy="0"/>
+          <a:chOff x="0" y="0"/>
+          <a:chExt cx="0" cy="0"/>
+        </a:xfrm>
+      </p:grpSpPr>
+      <p:sp>
+        <p:nvSpPr>
+          <p:cNvPr id="2" name="Header Placeholder 1"/>
+          <p:cNvSpPr>
+            <a:spLocks noGrp="1"/>
+          </p:cNvSpPr>
+          <p:nvPr>
+            <p:ph type="hdr" sz="quarter"/>
+          </p:nvPr>
+        </p:nvSpPr>
+        <p:spPr>
+          <a:xfrm>
+            <a:off x="0" y="0"/>
+            <a:ext cx="2971800" cy="458788"/>
+          </a:xfrm>
+          <a:prstGeom prst="rect">
+            <a:avLst/>
+          </a:prstGeom>
+        </p:spPr>
+        <p:txBody>
+          <a:bodyPr vert="horz" lIns="91440" tIns="45720" rIns="91440" bIns="45720" rtlCol="0"/>
+          <a:lstStyle>
+            <a:lvl1pPr algn="l">
+              <a:defRPr sz="1200"/>
+            </a:lvl1pPr>
+          </a:lstStyle>
+          <a:p>
+            <a:endParaRPr lang="en-IN"/>
+          </a:p>
+        </p:txBody>
+      </p:sp>
+      <p:sp>
+        <p:nvSpPr>
+          <p:cNvPr id="3" name="Date Placeholder 2"/>
+          <p:cNvSpPr>
+            <a:spLocks noGrp="1"/>
+          </p:cNvSpPr>
+          <p:nvPr>
+            <p:ph type="dt" idx="1"/>
+          </p:nvPr>
+        </p:nvSpPr>
+        <p:spPr>
+          <a:xfrm>
+            <a:off x="3884613" y="0"/>
+            <a:ext cx="2971800" cy="458788"/>
+          </a:xfrm>
+          <a:prstGeom prst="rect">
+            <a:avLst/>
+          </a:prstGeom>
+        </p:spPr>
+        <p:txBody>
+          <a:bodyPr vert="horz" lIns="91440" tIns="45720" rIns="91440" bIns="45720" rtlCol="0"/>
+          <a:lstStyle>
+            <a:lvl1pPr algn="r">
+              <a:defRPr sz="1200"/>
+            </a:lvl1pPr>
+          </a:lstStyle>
+          <a:p>
+            <a:fld id="{D0C19D20-80B6-4924-999B-F50093D00BAB}" type="datetimeFigureOut">
+              <a:rPr lang="en-IN" smtClean="0"/>
+              <a:t>14-01-2023</a:t>
+            </a:fld>
+            <a:endParaRPr lang="en-IN"/>
+          </a:p>
+        </p:txBody>
+      </p:sp>
+      <p:sp>
+        <p:nvSpPr>
+          <p:cNvPr id="4" name="Slide Image Placeholder 3"/>
+          <p:cNvSpPr>
+            <a:spLocks noGrp="1" noRot="1" noChangeAspect="1"/>
+          </p:cNvSpPr>
+          <p:nvPr>
+            <p:ph type="sldImg" idx="2"/>
+          </p:nvPr>
+        </p:nvSpPr>
+        <p:spPr>
+          <a:xfrm>
+            <a:off x="685800" y="1143000"/>
+            <a:ext cx="5486400" cy="3086100"/>
+          </a:xfrm>
+          <a:prstGeom prst="rect">
+            <a:avLst/>
+          </a:prstGeom>
+          <a:noFill/>
+          <a:ln w="12700">
+            <a:solidFill>
+              <a:prstClr val="black"/>
+            </a:solidFill>
+          </a:ln>
+        </p:spPr>
+        <p:txBody>
+          <a:bodyPr vert="horz" lIns="91440" tIns="45720" rIns="91440" bIns="45720" rtlCol="0" anchor="ctr"/>
+          <a:lstStyle/>
+          <a:p>
+            <a:endParaRPr lang="en-IN"/>
+          </a:p>
+        </p:txBody>
+      </p:sp>
+      <p:sp>
+        <p:nvSpPr>
+          <p:cNvPr id="5" name="Notes Placeholder 4"/>
+          <p:cNvSpPr>
+            <a:spLocks noGrp="1"/>
+          </p:cNvSpPr>
+          <p:nvPr>
+            <p:ph type="body" sz="quarter" idx="3"/>
+          </p:nvPr>
+        </p:nvSpPr>
+        <p:spPr>
+          <a:xfrm>
+            <a:off x="685800" y="4400550"/>
+            <a:ext cx="5486400" cy="3600450"/>
+          </a:xfrm>
+          <a:prstGeom prst="rect">
+            <a:avLst/>
+          </a:prstGeom>
+        </p:spPr>
+        <p:txBody>
+          <a:bodyPr vert="horz" lIns="91440" tIns="45720" rIns="91440" bIns="45720" rtlCol="0"/>
+          <a:lstStyle/>
+          <a:p>
+            <a:pPr lvl="0"/>
+            <a:r>
+              <a:rPr lang="en-US"/>
+              <a:t>Click to edit Master text styles</a:t>
+            </a:r>
+          </a:p>
+          <a:p>
+            <a:pPr lvl="1"/>
+            <a:r>
+              <a:rPr lang="en-US"/>
+              <a:t>Second level</a:t>
+            </a:r>
+          </a:p>
+          <a:p>
+            <a:pPr lvl="2"/>
+            <a:r>
+              <a:rPr lang="en-US"/>
+              <a:t>Third level</a:t>
+            </a:r>
+          </a:p>
+          <a:p>
+            <a:pPr lvl="3"/>
+            <a:r>
+              <a:rPr lang="en-US"/>
+              <a:t>Fourth level</a:t>
+            </a:r>
+          </a:p>
+          <a:p>
+            <a:pPr lvl="4"/>
+            <a:r>
+              <a:rPr lang="en-US"/>
+              <a:t>Fifth level</a:t>
+            </a:r>
+            <a:endParaRPr lang="en-IN"/>
+          </a:p>
+        </p:txBody>
+      </p:sp>
+      <p:sp>
+        <p:nvSpPr>
+          <p:cNvPr id="6" name="Footer Placeholder 5"/>
+          <p:cNvSpPr>
+            <a:spLocks noGrp="1"/>
+          </p:cNvSpPr>
+          <p:nvPr>
+            <p:ph type="ftr" sz="quarter" idx="4"/>
+          </p:nvPr>
+        </p:nvSpPr>
+        <p:spPr>
+          <a:xfrm>
+            <a:off x="0" y="8685213"/>
+            <a:ext cx="2971800" cy="458787"/>
+          </a:xfrm>
+          <a:prstGeom prst="rect">
+            <a:avLst/>
+          </a:prstGeom>
+        </p:spPr>
+        <p:txBody>
+          <a:bodyPr vert="horz" lIns="91440" tIns="45720" rIns="91440" bIns="45720" rtlCol="0" anchor="b"/>
+          <a:lstStyle>
+            <a:lvl1pPr algn="l">
+              <a:defRPr sz="1200"/>
+            </a:lvl1pPr>
+          </a:lstStyle>
+          <a:p>
+            <a:endParaRPr lang="en-IN"/>
+          </a:p>
+        </p:txBody>
+      </p:sp>
+      <p:sp>
+        <p:nvSpPr>
+          <p:cNvPr id="7" name="Slide Number Placeholder 6"/>
+          <p:cNvSpPr>
+            <a:spLocks noGrp="1"/>
+          </p:cNvSpPr>
+          <p:nvPr>
+            <p:ph type="sldNum" sz="quarter" idx="5"/>
+          </p:nvPr>
+        </p:nvSpPr>
+        <p:spPr>
+          <a:xfrm>
+            <a:off x="3884613" y="8685213"/>
+            <a:ext cx="2971800" cy="458787"/>
+          </a:xfrm>
+          <a:prstGeom prst="rect">
+            <a:avLst/>
+          </a:prstGeom>
+        </p:spPr>
+        <p:txBody>
+          <a:bodyPr vert="horz" lIns="91440" tIns="45720" rIns="91440" bIns="45720" rtlCol="0" anchor="b"/>
+          <a:lstStyle>
+            <a:lvl1pPr algn="r">
+              <a:defRPr sz="1200"/>
+            </a:lvl1pPr>
+          </a:lstStyle>
+          <a:p>
+            <a:fld id="{698C2E8F-B4DA-456A-8313-3DF855DF298B}" type="slidenum">
+              <a:rPr lang="en-IN" smtClean="0"/>
+              <a:t>‹#›</a:t>
+            </a:fld>
+            <a:endParaRPr lang="en-IN"/>
+          </a:p>
+        </p:txBody>
+      </p:sp>
+    </p:spTree>
+    <p:extLst>
+      <p:ext uri="{BB962C8B-B14F-4D97-AF65-F5344CB8AC3E}">
+        <p14:creationId xmlns:p14="http://schemas.microsoft.com/office/powerpoint/2010/main" val="2271867082"/>
+      </p:ext>
+    </p:extLst>
+  </p:cSld>
+  <p:clrMap bg1="lt1" tx1="dk1" bg2="lt2" tx2="dk2" accent1="accent1" accent2="accent2" accent3="accent3" accent4="accent4" accent5="accent5" accent6="accent6" hlink="hlink" folHlink="folHlink"/>
+  <p:notesStyle>
+    <a:lvl1pPr marL="0" algn="l" defTabSz="914400" rtl="0" eaLnBrk="1" latinLnBrk="0" hangingPunct="1">
+      <a:defRPr sz="1200" kern="1200">
+        <a:solidFill>
+          <a:schemeClr val="tx1"/>
+        </a:solidFill>
+        <a:latin typeface="+mn-lt"/>
+        <a:ea typeface="+mn-ea"/>
+        <a:cs typeface="+mn-cs"/>
+      </a:defRPr>
+    </a:lvl1pPr>
+    <a:lvl2pPr marL="457200" algn="l" defTabSz="914400" rtl="0" eaLnBrk="1" latinLnBrk="0" hangingPunct="1">
+      <a:defRPr sz="1200" kern="1200">
+        <a:solidFill>
+          <a:schemeClr val="tx1"/>
+        </a:solidFill>
+        <a:latin typeface="+mn-lt"/>
+        <a:ea typeface="+mn-ea"/>
+        <a:cs typeface="+mn-cs"/>
+      </a:defRPr>
+    </a:lvl2pPr>
+    <a:lvl3pPr marL="914400" algn="l" defTabSz="914400" rtl="0" eaLnBrk="1" latinLnBrk="0" hangingPunct="1">
+      <a:defRPr sz="1200" kern="1200">
+        <a:solidFill>
+          <a:schemeClr val="tx1"/>
+        </a:solidFill>
+        <a:latin typeface="+mn-lt"/>
+        <a:ea typeface="+mn-ea"/>
+        <a:cs typeface="+mn-cs"/>
+      </a:defRPr>
+    </a:lvl3pPr>
+    <a:lvl4pPr marL="1371600" algn="l" defTabSz="914400" rtl="0" eaLnBrk="1" latinLnBrk="0" hangingPunct="1">
+      <a:defRPr sz="1200" kern="1200">
+        <a:solidFill>
+          <a:schemeClr val="tx1"/>
+        </a:solidFill>
+        <a:latin typeface="+mn-lt"/>
+        <a:ea typeface="+mn-ea"/>
+        <a:cs typeface="+mn-cs"/>
+      </a:defRPr>
+    </a:lvl4pPr>
+    <a:lvl5pPr marL="1828800" algn="l" defTabSz="914400" rtl="0" eaLnBrk="1" latinLnBrk="0" hangingPunct="1">
+      <a:defRPr sz="1200" kern="1200">
+        <a:solidFill>
+          <a:schemeClr val="tx1"/>
+        </a:solidFill>
+        <a:latin typeface="+mn-lt"/>
+        <a:ea typeface="+mn-ea"/>
+        <a:cs typeface="+mn-cs"/>
+      </a:defRPr>
+    </a:lvl5pPr>
+    <a:lvl6pPr marL="2286000" algn="l" defTabSz="914400" rtl="0" eaLnBrk="1" latinLnBrk="0" hangingPunct="1">
+      <a:defRPr sz="1200" kern="1200">
+        <a:solidFill>
+          <a:schemeClr val="tx1"/>
+        </a:solidFill>
+        <a:latin typeface="+mn-lt"/>
+        <a:ea typeface="+mn-ea"/>
+        <a:cs typeface="+mn-cs"/>
+      </a:defRPr>
+    </a:lvl6pPr>
+    <a:lvl7pPr marL="2743200" algn="l" defTabSz="914400" rtl="0" eaLnBrk="1" latinLnBrk="0" hangingPunct="1">
+      <a:defRPr sz="1200" kern="1200">
+        <a:solidFill>
+          <a:schemeClr val="tx1"/>
+        </a:solidFill>
+        <a:latin typeface="+mn-lt"/>
+        <a:ea typeface="+mn-ea"/>
+        <a:cs typeface="+mn-cs"/>
+      </a:defRPr>
+    </a:lvl7pPr>
+    <a:lvl8pPr marL="3200400" algn="l" defTabSz="914400" rtl="0" eaLnBrk="1" latinLnBrk="0" hangingPunct="1">
+      <a:defRPr sz="1200" kern="1200">
+        <a:solidFill>
+          <a:schemeClr val="tx1"/>
+        </a:solidFill>
+        <a:latin typeface="+mn-lt"/>
+        <a:ea typeface="+mn-ea"/>
+        <a:cs typeface="+mn-cs"/>
+      </a:defRPr>
+    </a:lvl8pPr>
+    <a:lvl9pPr marL="3657600" algn="l" defTabSz="914400" rtl="0" eaLnBrk="1" latinLnBrk="0" hangingPunct="1">
+      <a:defRPr sz="1200" kern="1200">
+        <a:solidFill>
+          <a:schemeClr val="tx1"/>
+        </a:solidFill>
+        <a:latin typeface="+mn-lt"/>
+        <a:ea typeface="+mn-ea"/>
+        <a:cs typeface="+mn-cs"/>
+      </a:defRPr>
+    </a:lvl9pPr>
+  </p:notesStyle>
+</p:notesMaster>
+</file>
+
+<file path=ppt/notesSlides/notesSlide1.xml><?xml version="1.0" encoding="utf-8"?>
+<p:notes xmlns:a="http://schemas.openxmlformats.org/drawingml/2006/main" xmlns:r="http://schemas.openxmlformats.org/officeDocument/2006/relationships" xmlns:p="http://schemas.openxmlformats.org/presentationml/2006/main">
+  <p:cSld>
+    <p:spTree>
+      <p:nvGrpSpPr>
+        <p:cNvPr id="1" name=""/>
+        <p:cNvGrpSpPr/>
+        <p:nvPr/>
+      </p:nvGrpSpPr>
+      <p:grpSpPr>
+        <a:xfrm>
+          <a:off x="0" y="0"/>
+          <a:ext cx="0" cy="0"/>
+          <a:chOff x="0" y="0"/>
+          <a:chExt cx="0" cy="0"/>
+        </a:xfrm>
+      </p:grpSpPr>
+      <p:sp>
+        <p:nvSpPr>
+          <p:cNvPr id="2" name="Slide Image Placeholder 1"/>
+          <p:cNvSpPr>
+            <a:spLocks noGrp="1" noRot="1" noChangeAspect="1"/>
+          </p:cNvSpPr>
+          <p:nvPr>
+            <p:ph type="sldImg"/>
+          </p:nvPr>
+        </p:nvSpPr>
+        <p:spPr/>
+      </p:sp>
+      <p:sp>
+        <p:nvSpPr>
+          <p:cNvPr id="3" name="Notes Placeholder 2"/>
+          <p:cNvSpPr>
+            <a:spLocks noGrp="1"/>
+          </p:cNvSpPr>
+          <p:nvPr>
+            <p:ph type="body" idx="1"/>
+          </p:nvPr>
+        </p:nvSpPr>
+        <p:spPr/>
+        <p:txBody>
+          <a:bodyPr/>
+          <a:lstStyle/>
+          <a:p>
+            <a:endParaRPr lang="en-IN" dirty="0"/>
+          </a:p>
+        </p:txBody>
+      </p:sp>
+      <p:sp>
+        <p:nvSpPr>
+          <p:cNvPr id="4" name="Slide Number Placeholder 3"/>
+          <p:cNvSpPr>
+            <a:spLocks noGrp="1"/>
+          </p:cNvSpPr>
+          <p:nvPr>
+            <p:ph type="sldNum" sz="quarter" idx="5"/>
+          </p:nvPr>
+        </p:nvSpPr>
+        <p:spPr/>
+        <p:txBody>
+          <a:bodyPr/>
+          <a:lstStyle/>
+          <a:p>
+            <a:fld id="{698C2E8F-B4DA-456A-8313-3DF855DF298B}" type="slidenum">
+              <a:rPr lang="en-IN" smtClean="0"/>
+              <a:t>1</a:t>
+            </a:fld>
+            <a:endParaRPr lang="en-IN"/>
+          </a:p>
+        </p:txBody>
+      </p:sp>
+    </p:spTree>
+    <p:extLst>
+      <p:ext uri="{BB962C8B-B14F-4D97-AF65-F5344CB8AC3E}">
+        <p14:creationId xmlns:p14="http://schemas.microsoft.com/office/powerpoint/2010/main" val="1844730881"/>
+      </p:ext>
+    </p:extLst>
+  </p:cSld>
+  <p:clrMapOvr>
+    <a:masterClrMapping/>
+  </p:clrMapOvr>
+</p:notes>
 </file>
 
 <file path=ppt/slideLayouts/slideLayout1.xml><?xml version="1.0" encoding="utf-8"?>
@@ -4633,8 +5070,8 @@
 <p:sldMaster xmlns:a="http://schemas.openxmlformats.org/drawingml/2006/main" xmlns:r="http://schemas.openxmlformats.org/officeDocument/2006/relationships" xmlns:p="http://schemas.openxmlformats.org/presentationml/2006/main">
   <p:cSld>
     <p:bg>
-      <p:bgRef idx="1001">
-        <a:schemeClr val="bg1"/>
+      <p:bgRef idx="1002">
+        <a:schemeClr val="bg2"/>
       </p:bgRef>
     </p:bg>
     <p:spTree>
@@ -5835,6 +6272,42 @@
           <a:chExt cx="0" cy="0"/>
         </a:xfrm>
       </p:grpSpPr>
+      <p:pic>
+        <p:nvPicPr>
+          <p:cNvPr id="22" name="Picture 21">
+            <a:extLst>
+              <a:ext uri="{FF2B5EF4-FFF2-40B4-BE49-F238E27FC236}">
+                <a16:creationId xmlns:a16="http://schemas.microsoft.com/office/drawing/2014/main" id="{6C4B2309-F2F2-1C4B-B939-B5068D7D9939}"/>
+              </a:ext>
+            </a:extLst>
+          </p:cNvPr>
+          <p:cNvPicPr>
+            <a:picLocks noChangeAspect="1"/>
+          </p:cNvPicPr>
+          <p:nvPr/>
+        </p:nvPicPr>
+        <p:blipFill>
+          <a:blip r:embed="rId3">
+            <a:extLst>
+              <a:ext uri="{28A0092B-C50C-407E-A947-70E740481C1C}">
+                <a14:useLocalDpi xmlns:a14="http://schemas.microsoft.com/office/drawing/2010/main" val="0"/>
+              </a:ext>
+            </a:extLst>
+          </a:blip>
+          <a:stretch>
+            <a:fillRect/>
+          </a:stretch>
+        </p:blipFill>
+        <p:spPr>
+          <a:xfrm>
+            <a:off x="0" y="0"/>
+            <a:ext cx="12192000" cy="6858000"/>
+          </a:xfrm>
+          <a:prstGeom prst="rect">
+            <a:avLst/>
+          </a:prstGeom>
+        </p:spPr>
+      </p:pic>
       <p:sp>
         <p:nvSpPr>
           <p:cNvPr id="2" name="Title 1">
@@ -5853,7 +6326,7 @@
         </p:nvSpPr>
         <p:spPr>
           <a:xfrm>
-            <a:off x="4652637" y="2236307"/>
+            <a:off x="4921512" y="2601876"/>
             <a:ext cx="3447289" cy="990337"/>
           </a:xfrm>
         </p:spPr>
@@ -5929,7 +6402,7 @@
           <p:nvPr/>
         </p:nvPicPr>
         <p:blipFill>
-          <a:blip r:embed="rId2">
+          <a:blip r:embed="rId4">
             <a:extLst>
               <a:ext uri="{28A0092B-C50C-407E-A947-70E740481C1C}">
                 <a14:useLocalDpi xmlns:a14="http://schemas.microsoft.com/office/drawing/2010/main" val="0"/>
@@ -5942,7 +6415,7 @@
         </p:blipFill>
         <p:spPr>
           <a:xfrm>
-            <a:off x="1330315" y="403743"/>
+            <a:off x="2312424" y="542271"/>
             <a:ext cx="2609088" cy="407670"/>
           </a:xfrm>
           <a:prstGeom prst="rect">
@@ -5965,7 +6438,7 @@
           <p:nvPr/>
         </p:nvPicPr>
         <p:blipFill>
-          <a:blip r:embed="rId3">
+          <a:blip r:embed="rId5">
             <a:extLst>
               <a:ext uri="{28A0092B-C50C-407E-A947-70E740481C1C}">
                 <a14:useLocalDpi xmlns:a14="http://schemas.microsoft.com/office/drawing/2010/main" val="0"/>
@@ -5978,7 +6451,7 @@
         </p:blipFill>
         <p:spPr>
           <a:xfrm>
-            <a:off x="7565137" y="89664"/>
+            <a:off x="8517131" y="189102"/>
             <a:ext cx="993648" cy="990336"/>
           </a:xfrm>
           <a:prstGeom prst="rect">
@@ -6002,7 +6475,7 @@
         </p:nvSpPr>
         <p:spPr>
           <a:xfrm>
-            <a:off x="4728836" y="3167208"/>
+            <a:off x="4997711" y="3532777"/>
             <a:ext cx="3371090" cy="690285"/>
           </a:xfrm>
           <a:prstGeom prst="rect">
@@ -6101,7 +6574,7 @@
         </p:nvCxnSpPr>
         <p:spPr>
           <a:xfrm>
-            <a:off x="4478901" y="2394540"/>
+            <a:off x="4747776" y="2760109"/>
             <a:ext cx="0" cy="1321308"/>
           </a:xfrm>
           <a:prstGeom prst="line">
@@ -6138,8 +6611,8 @@
         </p:nvSpPr>
         <p:spPr>
           <a:xfrm>
-            <a:off x="2927469" y="3857493"/>
-            <a:ext cx="5638799" cy="369332"/>
+            <a:off x="3388369" y="4132101"/>
+            <a:ext cx="4786370" cy="369332"/>
           </a:xfrm>
           <a:prstGeom prst="rect">
             <a:avLst/>
@@ -6165,7 +6638,7 @@
                   </a:outerShdw>
                 </a:effectLst>
               </a:rPr>
-              <a:t>NEXT STEP TOWARDS DIGITAL  FABRICATION!</a:t>
+              <a:t>NEXT STEP TOWARDS DIGITAL FABRICATION</a:t>
             </a:r>
           </a:p>
         </p:txBody>
@@ -6185,7 +6658,7 @@
           <p:nvPr/>
         </p:nvPicPr>
         <p:blipFill>
-          <a:blip r:embed="rId4">
+          <a:blip r:embed="rId6">
             <a:extLst>
               <a:ext uri="{28A0092B-C50C-407E-A947-70E740481C1C}">
                 <a14:useLocalDpi xmlns:a14="http://schemas.microsoft.com/office/drawing/2010/main" val="0"/>
@@ -6198,7 +6671,7 @@
         </p:blipFill>
         <p:spPr>
           <a:xfrm>
-            <a:off x="2891057" y="2537589"/>
+            <a:off x="3268731" y="2906477"/>
             <a:ext cx="1295238" cy="1028571"/>
           </a:xfrm>
           <a:prstGeom prst="rect">
@@ -6208,10 +6681,10 @@
       </p:pic>
       <p:pic>
         <p:nvPicPr>
-          <p:cNvPr id="4" name="Picture 3">
+          <p:cNvPr id="13" name="Picture 12">
             <a:extLst>
               <a:ext uri="{FF2B5EF4-FFF2-40B4-BE49-F238E27FC236}">
-                <a16:creationId xmlns:a16="http://schemas.microsoft.com/office/drawing/2014/main" id="{CEC48AEF-D8A3-03BB-0DA5-7311593674A0}"/>
+                <a16:creationId xmlns:a16="http://schemas.microsoft.com/office/drawing/2014/main" id="{1F050158-1A29-B01D-0037-046F75E6C892}"/>
               </a:ext>
             </a:extLst>
           </p:cNvPr>
@@ -6221,7 +6694,7 @@
           <p:nvPr/>
         </p:nvPicPr>
         <p:blipFill>
-          <a:blip r:embed="rId5">
+          <a:blip r:embed="rId7">
             <a:extLst>
               <a:ext uri="{28A0092B-C50C-407E-A947-70E740481C1C}">
                 <a14:useLocalDpi xmlns:a14="http://schemas.microsoft.com/office/drawing/2010/main" val="0"/>
@@ -6234,8 +6707,8 @@
         </p:blipFill>
         <p:spPr>
           <a:xfrm>
-            <a:off x="4478901" y="89664"/>
-            <a:ext cx="2609088" cy="1114007"/>
+            <a:off x="5387854" y="132893"/>
+            <a:ext cx="2546928" cy="1102754"/>
           </a:xfrm>
           <a:prstGeom prst="rect">
             <a:avLst/>
@@ -6311,12 +6784,50 @@
           </a:p>
         </p:txBody>
       </p:sp>
+      <p:sp>
+        <p:nvSpPr>
+          <p:cNvPr id="6" name="TextBox 5">
+            <a:extLst>
+              <a:ext uri="{FF2B5EF4-FFF2-40B4-BE49-F238E27FC236}">
+                <a16:creationId xmlns:a16="http://schemas.microsoft.com/office/drawing/2014/main" id="{778D9B83-6FA9-204C-0E2A-B762DB752752}"/>
+              </a:ext>
+            </a:extLst>
+          </p:cNvPr>
+          <p:cNvSpPr txBox="1"/>
+          <p:nvPr/>
+        </p:nvSpPr>
+        <p:spPr>
+          <a:xfrm>
+            <a:off x="724035" y="1298448"/>
+            <a:ext cx="8494776" cy="646331"/>
+          </a:xfrm>
+          <a:prstGeom prst="rect">
+            <a:avLst/>
+          </a:prstGeom>
+          <a:noFill/>
+        </p:spPr>
+        <p:txBody>
+          <a:bodyPr wrap="square" rtlCol="0">
+            <a:spAutoFit/>
+          </a:bodyPr>
+          <a:lstStyle/>
+          <a:p>
+            <a:r>
+              <a:rPr lang="en-US" dirty="0"/>
+              <a:t>LOREM300</a:t>
+            </a:r>
+          </a:p>
+          <a:p>
+            <a:endParaRPr lang="en-IN" dirty="0"/>
+          </a:p>
+        </p:txBody>
+      </p:sp>
       <p:pic>
         <p:nvPicPr>
-          <p:cNvPr id="3" name="Picture 2">
+          <p:cNvPr id="7" name="Picture 6">
             <a:extLst>
               <a:ext uri="{FF2B5EF4-FFF2-40B4-BE49-F238E27FC236}">
-                <a16:creationId xmlns:a16="http://schemas.microsoft.com/office/drawing/2014/main" id="{7DA1BBFA-132F-C687-AD2A-1557B5C93ABA}"/>
+                <a16:creationId xmlns:a16="http://schemas.microsoft.com/office/drawing/2014/main" id="{3EAEC7FA-5568-D4BB-5B86-7E19205CD462}"/>
               </a:ext>
             </a:extLst>
           </p:cNvPr>
@@ -6339,52 +6850,14 @@
         </p:blipFill>
         <p:spPr>
           <a:xfrm>
-            <a:off x="6911205" y="70366"/>
-            <a:ext cx="2609088" cy="1114007"/>
+            <a:off x="6671883" y="0"/>
+            <a:ext cx="2546928" cy="1102754"/>
           </a:xfrm>
           <a:prstGeom prst="rect">
             <a:avLst/>
           </a:prstGeom>
         </p:spPr>
       </p:pic>
-      <p:sp>
-        <p:nvSpPr>
-          <p:cNvPr id="6" name="TextBox 5">
-            <a:extLst>
-              <a:ext uri="{FF2B5EF4-FFF2-40B4-BE49-F238E27FC236}">
-                <a16:creationId xmlns:a16="http://schemas.microsoft.com/office/drawing/2014/main" id="{778D9B83-6FA9-204C-0E2A-B762DB752752}"/>
-              </a:ext>
-            </a:extLst>
-          </p:cNvPr>
-          <p:cNvSpPr txBox="1"/>
-          <p:nvPr/>
-        </p:nvSpPr>
-        <p:spPr>
-          <a:xfrm>
-            <a:off x="724035" y="1298448"/>
-            <a:ext cx="8494776" cy="646331"/>
-          </a:xfrm>
-          <a:prstGeom prst="rect">
-            <a:avLst/>
-          </a:prstGeom>
-          <a:noFill/>
-        </p:spPr>
-        <p:txBody>
-          <a:bodyPr wrap="square" rtlCol="0">
-            <a:spAutoFit/>
-          </a:bodyPr>
-          <a:lstStyle/>
-          <a:p>
-            <a:r>
-              <a:rPr lang="en-US" dirty="0"/>
-              <a:t>LOREM300</a:t>
-            </a:r>
-          </a:p>
-          <a:p>
-            <a:endParaRPr lang="en-IN" dirty="0"/>
-          </a:p>
-        </p:txBody>
-      </p:sp>
     </p:spTree>
     <p:extLst>
       <p:ext uri="{BB962C8B-B14F-4D97-AF65-F5344CB8AC3E}">
@@ -6454,12 +6927,50 @@
           </a:p>
         </p:txBody>
       </p:sp>
+      <p:sp>
+        <p:nvSpPr>
+          <p:cNvPr id="6" name="TextBox 5">
+            <a:extLst>
+              <a:ext uri="{FF2B5EF4-FFF2-40B4-BE49-F238E27FC236}">
+                <a16:creationId xmlns:a16="http://schemas.microsoft.com/office/drawing/2014/main" id="{778D9B83-6FA9-204C-0E2A-B762DB752752}"/>
+              </a:ext>
+            </a:extLst>
+          </p:cNvPr>
+          <p:cNvSpPr txBox="1"/>
+          <p:nvPr/>
+        </p:nvSpPr>
+        <p:spPr>
+          <a:xfrm>
+            <a:off x="724035" y="1298448"/>
+            <a:ext cx="8494776" cy="646331"/>
+          </a:xfrm>
+          <a:prstGeom prst="rect">
+            <a:avLst/>
+          </a:prstGeom>
+          <a:noFill/>
+        </p:spPr>
+        <p:txBody>
+          <a:bodyPr wrap="square" rtlCol="0">
+            <a:spAutoFit/>
+          </a:bodyPr>
+          <a:lstStyle/>
+          <a:p>
+            <a:r>
+              <a:rPr lang="en-US" dirty="0"/>
+              <a:t>LOREM300</a:t>
+            </a:r>
+          </a:p>
+          <a:p>
+            <a:endParaRPr lang="en-IN" dirty="0"/>
+          </a:p>
+        </p:txBody>
+      </p:sp>
       <p:pic>
         <p:nvPicPr>
-          <p:cNvPr id="3" name="Picture 2">
+          <p:cNvPr id="4" name="Picture 3">
             <a:extLst>
               <a:ext uri="{FF2B5EF4-FFF2-40B4-BE49-F238E27FC236}">
-                <a16:creationId xmlns:a16="http://schemas.microsoft.com/office/drawing/2014/main" id="{7DA1BBFA-132F-C687-AD2A-1557B5C93ABA}"/>
+                <a16:creationId xmlns:a16="http://schemas.microsoft.com/office/drawing/2014/main" id="{72CC9B19-3931-14B9-0BD9-D841F70D4780}"/>
               </a:ext>
             </a:extLst>
           </p:cNvPr>
@@ -6482,52 +6993,14 @@
         </p:blipFill>
         <p:spPr>
           <a:xfrm>
-            <a:off x="6911205" y="70366"/>
-            <a:ext cx="2609088" cy="1114007"/>
+            <a:off x="6841750" y="0"/>
+            <a:ext cx="2546928" cy="1102754"/>
           </a:xfrm>
           <a:prstGeom prst="rect">
             <a:avLst/>
           </a:prstGeom>
         </p:spPr>
       </p:pic>
-      <p:sp>
-        <p:nvSpPr>
-          <p:cNvPr id="6" name="TextBox 5">
-            <a:extLst>
-              <a:ext uri="{FF2B5EF4-FFF2-40B4-BE49-F238E27FC236}">
-                <a16:creationId xmlns:a16="http://schemas.microsoft.com/office/drawing/2014/main" id="{778D9B83-6FA9-204C-0E2A-B762DB752752}"/>
-              </a:ext>
-            </a:extLst>
-          </p:cNvPr>
-          <p:cNvSpPr txBox="1"/>
-          <p:nvPr/>
-        </p:nvSpPr>
-        <p:spPr>
-          <a:xfrm>
-            <a:off x="724035" y="1298448"/>
-            <a:ext cx="8494776" cy="646331"/>
-          </a:xfrm>
-          <a:prstGeom prst="rect">
-            <a:avLst/>
-          </a:prstGeom>
-          <a:noFill/>
-        </p:spPr>
-        <p:txBody>
-          <a:bodyPr wrap="square" rtlCol="0">
-            <a:spAutoFit/>
-          </a:bodyPr>
-          <a:lstStyle/>
-          <a:p>
-            <a:r>
-              <a:rPr lang="en-US" dirty="0"/>
-              <a:t>LOREM300</a:t>
-            </a:r>
-          </a:p>
-          <a:p>
-            <a:endParaRPr lang="en-IN" dirty="0"/>
-          </a:p>
-        </p:txBody>
-      </p:sp>
     </p:spTree>
     <p:extLst>
       <p:ext uri="{BB962C8B-B14F-4D97-AF65-F5344CB8AC3E}">
@@ -6605,12 +7078,50 @@
           </a:p>
         </p:txBody>
       </p:sp>
+      <p:sp>
+        <p:nvSpPr>
+          <p:cNvPr id="6" name="TextBox 5">
+            <a:extLst>
+              <a:ext uri="{FF2B5EF4-FFF2-40B4-BE49-F238E27FC236}">
+                <a16:creationId xmlns:a16="http://schemas.microsoft.com/office/drawing/2014/main" id="{778D9B83-6FA9-204C-0E2A-B762DB752752}"/>
+              </a:ext>
+            </a:extLst>
+          </p:cNvPr>
+          <p:cNvSpPr txBox="1"/>
+          <p:nvPr/>
+        </p:nvSpPr>
+        <p:spPr>
+          <a:xfrm>
+            <a:off x="724035" y="1298448"/>
+            <a:ext cx="8494776" cy="646331"/>
+          </a:xfrm>
+          <a:prstGeom prst="rect">
+            <a:avLst/>
+          </a:prstGeom>
+          <a:noFill/>
+        </p:spPr>
+        <p:txBody>
+          <a:bodyPr wrap="square" rtlCol="0">
+            <a:spAutoFit/>
+          </a:bodyPr>
+          <a:lstStyle/>
+          <a:p>
+            <a:r>
+              <a:rPr lang="en-US" dirty="0"/>
+              <a:t>LOREM300</a:t>
+            </a:r>
+          </a:p>
+          <a:p>
+            <a:endParaRPr lang="en-IN" dirty="0"/>
+          </a:p>
+        </p:txBody>
+      </p:sp>
       <p:pic>
         <p:nvPicPr>
-          <p:cNvPr id="3" name="Picture 2">
+          <p:cNvPr id="4" name="Picture 3">
             <a:extLst>
               <a:ext uri="{FF2B5EF4-FFF2-40B4-BE49-F238E27FC236}">
-                <a16:creationId xmlns:a16="http://schemas.microsoft.com/office/drawing/2014/main" id="{7DA1BBFA-132F-C687-AD2A-1557B5C93ABA}"/>
+                <a16:creationId xmlns:a16="http://schemas.microsoft.com/office/drawing/2014/main" id="{A5A26916-085F-AA32-8E4F-6E2C114563BC}"/>
               </a:ext>
             </a:extLst>
           </p:cNvPr>
@@ -6633,52 +7144,14 @@
         </p:blipFill>
         <p:spPr>
           <a:xfrm>
-            <a:off x="6911205" y="70366"/>
-            <a:ext cx="2609088" cy="1114007"/>
+            <a:off x="6869182" y="50396"/>
+            <a:ext cx="2546928" cy="1102754"/>
           </a:xfrm>
           <a:prstGeom prst="rect">
             <a:avLst/>
           </a:prstGeom>
         </p:spPr>
       </p:pic>
-      <p:sp>
-        <p:nvSpPr>
-          <p:cNvPr id="6" name="TextBox 5">
-            <a:extLst>
-              <a:ext uri="{FF2B5EF4-FFF2-40B4-BE49-F238E27FC236}">
-                <a16:creationId xmlns:a16="http://schemas.microsoft.com/office/drawing/2014/main" id="{778D9B83-6FA9-204C-0E2A-B762DB752752}"/>
-              </a:ext>
-            </a:extLst>
-          </p:cNvPr>
-          <p:cNvSpPr txBox="1"/>
-          <p:nvPr/>
-        </p:nvSpPr>
-        <p:spPr>
-          <a:xfrm>
-            <a:off x="724035" y="1298448"/>
-            <a:ext cx="8494776" cy="646331"/>
-          </a:xfrm>
-          <a:prstGeom prst="rect">
-            <a:avLst/>
-          </a:prstGeom>
-          <a:noFill/>
-        </p:spPr>
-        <p:txBody>
-          <a:bodyPr wrap="square" rtlCol="0">
-            <a:spAutoFit/>
-          </a:bodyPr>
-          <a:lstStyle/>
-          <a:p>
-            <a:r>
-              <a:rPr lang="en-US" dirty="0"/>
-              <a:t>LOREM300</a:t>
-            </a:r>
-          </a:p>
-          <a:p>
-            <a:endParaRPr lang="en-IN" dirty="0"/>
-          </a:p>
-        </p:txBody>
-      </p:sp>
     </p:spTree>
     <p:extLst>
       <p:ext uri="{BB962C8B-B14F-4D97-AF65-F5344CB8AC3E}">
@@ -6753,12 +7226,50 @@
           </a:p>
         </p:txBody>
       </p:sp>
+      <p:sp>
+        <p:nvSpPr>
+          <p:cNvPr id="6" name="TextBox 5">
+            <a:extLst>
+              <a:ext uri="{FF2B5EF4-FFF2-40B4-BE49-F238E27FC236}">
+                <a16:creationId xmlns:a16="http://schemas.microsoft.com/office/drawing/2014/main" id="{778D9B83-6FA9-204C-0E2A-B762DB752752}"/>
+              </a:ext>
+            </a:extLst>
+          </p:cNvPr>
+          <p:cNvSpPr txBox="1"/>
+          <p:nvPr/>
+        </p:nvSpPr>
+        <p:spPr>
+          <a:xfrm>
+            <a:off x="724035" y="1298448"/>
+            <a:ext cx="8494776" cy="646331"/>
+          </a:xfrm>
+          <a:prstGeom prst="rect">
+            <a:avLst/>
+          </a:prstGeom>
+          <a:noFill/>
+        </p:spPr>
+        <p:txBody>
+          <a:bodyPr wrap="square" rtlCol="0">
+            <a:spAutoFit/>
+          </a:bodyPr>
+          <a:lstStyle/>
+          <a:p>
+            <a:r>
+              <a:rPr lang="en-US" dirty="0"/>
+              <a:t>LOREM300</a:t>
+            </a:r>
+          </a:p>
+          <a:p>
+            <a:endParaRPr lang="en-IN" dirty="0"/>
+          </a:p>
+        </p:txBody>
+      </p:sp>
       <p:pic>
         <p:nvPicPr>
-          <p:cNvPr id="3" name="Picture 2">
+          <p:cNvPr id="4" name="Picture 3">
             <a:extLst>
               <a:ext uri="{FF2B5EF4-FFF2-40B4-BE49-F238E27FC236}">
-                <a16:creationId xmlns:a16="http://schemas.microsoft.com/office/drawing/2014/main" id="{7DA1BBFA-132F-C687-AD2A-1557B5C93ABA}"/>
+                <a16:creationId xmlns:a16="http://schemas.microsoft.com/office/drawing/2014/main" id="{BB52B331-D50B-DE8D-20C0-01507F11EEA8}"/>
               </a:ext>
             </a:extLst>
           </p:cNvPr>
@@ -6781,52 +7292,14 @@
         </p:blipFill>
         <p:spPr>
           <a:xfrm>
-            <a:off x="6911205" y="70366"/>
-            <a:ext cx="2609088" cy="1114007"/>
+            <a:off x="6777742" y="0"/>
+            <a:ext cx="2546928" cy="1102754"/>
           </a:xfrm>
           <a:prstGeom prst="rect">
             <a:avLst/>
           </a:prstGeom>
         </p:spPr>
       </p:pic>
-      <p:sp>
-        <p:nvSpPr>
-          <p:cNvPr id="6" name="TextBox 5">
-            <a:extLst>
-              <a:ext uri="{FF2B5EF4-FFF2-40B4-BE49-F238E27FC236}">
-                <a16:creationId xmlns:a16="http://schemas.microsoft.com/office/drawing/2014/main" id="{778D9B83-6FA9-204C-0E2A-B762DB752752}"/>
-              </a:ext>
-            </a:extLst>
-          </p:cNvPr>
-          <p:cNvSpPr txBox="1"/>
-          <p:nvPr/>
-        </p:nvSpPr>
-        <p:spPr>
-          <a:xfrm>
-            <a:off x="724035" y="1298448"/>
-            <a:ext cx="8494776" cy="646331"/>
-          </a:xfrm>
-          <a:prstGeom prst="rect">
-            <a:avLst/>
-          </a:prstGeom>
-          <a:noFill/>
-        </p:spPr>
-        <p:txBody>
-          <a:bodyPr wrap="square" rtlCol="0">
-            <a:spAutoFit/>
-          </a:bodyPr>
-          <a:lstStyle/>
-          <a:p>
-            <a:r>
-              <a:rPr lang="en-US" dirty="0"/>
-              <a:t>LOREM300</a:t>
-            </a:r>
-          </a:p>
-          <a:p>
-            <a:endParaRPr lang="en-IN" dirty="0"/>
-          </a:p>
-        </p:txBody>
-      </p:sp>
     </p:spTree>
     <p:extLst>
       <p:ext uri="{BB962C8B-B14F-4D97-AF65-F5344CB8AC3E}">
@@ -6901,12 +7374,50 @@
           </a:p>
         </p:txBody>
       </p:sp>
+      <p:sp>
+        <p:nvSpPr>
+          <p:cNvPr id="6" name="TextBox 5">
+            <a:extLst>
+              <a:ext uri="{FF2B5EF4-FFF2-40B4-BE49-F238E27FC236}">
+                <a16:creationId xmlns:a16="http://schemas.microsoft.com/office/drawing/2014/main" id="{778D9B83-6FA9-204C-0E2A-B762DB752752}"/>
+              </a:ext>
+            </a:extLst>
+          </p:cNvPr>
+          <p:cNvSpPr txBox="1"/>
+          <p:nvPr/>
+        </p:nvSpPr>
+        <p:spPr>
+          <a:xfrm>
+            <a:off x="724035" y="1298448"/>
+            <a:ext cx="8494776" cy="646331"/>
+          </a:xfrm>
+          <a:prstGeom prst="rect">
+            <a:avLst/>
+          </a:prstGeom>
+          <a:noFill/>
+        </p:spPr>
+        <p:txBody>
+          <a:bodyPr wrap="square" rtlCol="0">
+            <a:spAutoFit/>
+          </a:bodyPr>
+          <a:lstStyle/>
+          <a:p>
+            <a:r>
+              <a:rPr lang="en-US" dirty="0"/>
+              <a:t>LOREM300</a:t>
+            </a:r>
+          </a:p>
+          <a:p>
+            <a:endParaRPr lang="en-IN" dirty="0"/>
+          </a:p>
+        </p:txBody>
+      </p:sp>
       <p:pic>
         <p:nvPicPr>
-          <p:cNvPr id="3" name="Picture 2">
+          <p:cNvPr id="4" name="Picture 3">
             <a:extLst>
               <a:ext uri="{FF2B5EF4-FFF2-40B4-BE49-F238E27FC236}">
-                <a16:creationId xmlns:a16="http://schemas.microsoft.com/office/drawing/2014/main" id="{7DA1BBFA-132F-C687-AD2A-1557B5C93ABA}"/>
+                <a16:creationId xmlns:a16="http://schemas.microsoft.com/office/drawing/2014/main" id="{C6D844B5-8E1A-2B9D-7150-07AD8533527F}"/>
               </a:ext>
             </a:extLst>
           </p:cNvPr>
@@ -6929,52 +7440,14 @@
         </p:blipFill>
         <p:spPr>
           <a:xfrm>
-            <a:off x="6911205" y="70366"/>
-            <a:ext cx="2609088" cy="1114007"/>
+            <a:off x="6878326" y="-58431"/>
+            <a:ext cx="2546928" cy="1102754"/>
           </a:xfrm>
           <a:prstGeom prst="rect">
             <a:avLst/>
           </a:prstGeom>
         </p:spPr>
       </p:pic>
-      <p:sp>
-        <p:nvSpPr>
-          <p:cNvPr id="6" name="TextBox 5">
-            <a:extLst>
-              <a:ext uri="{FF2B5EF4-FFF2-40B4-BE49-F238E27FC236}">
-                <a16:creationId xmlns:a16="http://schemas.microsoft.com/office/drawing/2014/main" id="{778D9B83-6FA9-204C-0E2A-B762DB752752}"/>
-              </a:ext>
-            </a:extLst>
-          </p:cNvPr>
-          <p:cNvSpPr txBox="1"/>
-          <p:nvPr/>
-        </p:nvSpPr>
-        <p:spPr>
-          <a:xfrm>
-            <a:off x="724035" y="1298448"/>
-            <a:ext cx="8494776" cy="646331"/>
-          </a:xfrm>
-          <a:prstGeom prst="rect">
-            <a:avLst/>
-          </a:prstGeom>
-          <a:noFill/>
-        </p:spPr>
-        <p:txBody>
-          <a:bodyPr wrap="square" rtlCol="0">
-            <a:spAutoFit/>
-          </a:bodyPr>
-          <a:lstStyle/>
-          <a:p>
-            <a:r>
-              <a:rPr lang="en-US" dirty="0"/>
-              <a:t>LOREM300</a:t>
-            </a:r>
-          </a:p>
-          <a:p>
-            <a:endParaRPr lang="en-IN" dirty="0"/>
-          </a:p>
-        </p:txBody>
-      </p:sp>
     </p:spTree>
     <p:extLst>
       <p:ext uri="{BB962C8B-B14F-4D97-AF65-F5344CB8AC3E}">
@@ -7049,12 +7522,50 @@
           </a:p>
         </p:txBody>
       </p:sp>
+      <p:sp>
+        <p:nvSpPr>
+          <p:cNvPr id="6" name="TextBox 5">
+            <a:extLst>
+              <a:ext uri="{FF2B5EF4-FFF2-40B4-BE49-F238E27FC236}">
+                <a16:creationId xmlns:a16="http://schemas.microsoft.com/office/drawing/2014/main" id="{778D9B83-6FA9-204C-0E2A-B762DB752752}"/>
+              </a:ext>
+            </a:extLst>
+          </p:cNvPr>
+          <p:cNvSpPr txBox="1"/>
+          <p:nvPr/>
+        </p:nvSpPr>
+        <p:spPr>
+          <a:xfrm>
+            <a:off x="724035" y="1298448"/>
+            <a:ext cx="8494776" cy="646331"/>
+          </a:xfrm>
+          <a:prstGeom prst="rect">
+            <a:avLst/>
+          </a:prstGeom>
+          <a:noFill/>
+        </p:spPr>
+        <p:txBody>
+          <a:bodyPr wrap="square" rtlCol="0">
+            <a:spAutoFit/>
+          </a:bodyPr>
+          <a:lstStyle/>
+          <a:p>
+            <a:r>
+              <a:rPr lang="en-US" dirty="0"/>
+              <a:t>LOREM300</a:t>
+            </a:r>
+          </a:p>
+          <a:p>
+            <a:endParaRPr lang="en-IN" dirty="0"/>
+          </a:p>
+        </p:txBody>
+      </p:sp>
       <p:pic>
         <p:nvPicPr>
-          <p:cNvPr id="3" name="Picture 2">
+          <p:cNvPr id="4" name="Picture 3">
             <a:extLst>
               <a:ext uri="{FF2B5EF4-FFF2-40B4-BE49-F238E27FC236}">
-                <a16:creationId xmlns:a16="http://schemas.microsoft.com/office/drawing/2014/main" id="{7DA1BBFA-132F-C687-AD2A-1557B5C93ABA}"/>
+                <a16:creationId xmlns:a16="http://schemas.microsoft.com/office/drawing/2014/main" id="{C8B57763-CACD-DE54-46F2-F0D199D96643}"/>
               </a:ext>
             </a:extLst>
           </p:cNvPr>
@@ -7077,52 +7588,14 @@
         </p:blipFill>
         <p:spPr>
           <a:xfrm>
-            <a:off x="6911205" y="70366"/>
-            <a:ext cx="2609088" cy="1114007"/>
+            <a:off x="6978910" y="0"/>
+            <a:ext cx="2546928" cy="1102754"/>
           </a:xfrm>
           <a:prstGeom prst="rect">
             <a:avLst/>
           </a:prstGeom>
         </p:spPr>
       </p:pic>
-      <p:sp>
-        <p:nvSpPr>
-          <p:cNvPr id="6" name="TextBox 5">
-            <a:extLst>
-              <a:ext uri="{FF2B5EF4-FFF2-40B4-BE49-F238E27FC236}">
-                <a16:creationId xmlns:a16="http://schemas.microsoft.com/office/drawing/2014/main" id="{778D9B83-6FA9-204C-0E2A-B762DB752752}"/>
-              </a:ext>
-            </a:extLst>
-          </p:cNvPr>
-          <p:cNvSpPr txBox="1"/>
-          <p:nvPr/>
-        </p:nvSpPr>
-        <p:spPr>
-          <a:xfrm>
-            <a:off x="724035" y="1298448"/>
-            <a:ext cx="8494776" cy="646331"/>
-          </a:xfrm>
-          <a:prstGeom prst="rect">
-            <a:avLst/>
-          </a:prstGeom>
-          <a:noFill/>
-        </p:spPr>
-        <p:txBody>
-          <a:bodyPr wrap="square" rtlCol="0">
-            <a:spAutoFit/>
-          </a:bodyPr>
-          <a:lstStyle/>
-          <a:p>
-            <a:r>
-              <a:rPr lang="en-US" dirty="0"/>
-              <a:t>LOREM300</a:t>
-            </a:r>
-          </a:p>
-          <a:p>
-            <a:endParaRPr lang="en-IN" dirty="0"/>
-          </a:p>
-        </p:txBody>
-      </p:sp>
     </p:spTree>
     <p:extLst>
       <p:ext uri="{BB962C8B-B14F-4D97-AF65-F5344CB8AC3E}">
@@ -7139,18 +7612,18 @@
 <file path=ppt/theme/theme1.xml><?xml version="1.0" encoding="utf-8"?>
 <a:theme xmlns:a="http://schemas.openxmlformats.org/drawingml/2006/main" name="Facet">
   <a:themeElements>
-    <a:clrScheme name="Blue Warm">
+    <a:clrScheme name="Custom 1">
       <a:dk1>
-        <a:sysClr val="windowText" lastClr="000000"/>
+        <a:srgbClr val="184C57"/>
       </a:dk1>
       <a:lt1>
-        <a:sysClr val="window" lastClr="FFFFFF"/>
+        <a:srgbClr val="A8BFC5"/>
       </a:lt1>
       <a:dk2>
-        <a:srgbClr val="242852"/>
+        <a:srgbClr val="005F75"/>
       </a:dk2>
       <a:lt2>
-        <a:srgbClr val="ACCBF9"/>
+        <a:srgbClr val="FBFDFF"/>
       </a:lt2>
       <a:accent1>
         <a:srgbClr val="4A66AC"/>
@@ -7391,4 +7864,299 @@
     </a:ext>
   </a:extLst>
 </a:theme>
+</file>
+
+<file path=ppt/theme/theme2.xml><?xml version="1.0" encoding="utf-8"?>
+<a:theme xmlns:a="http://schemas.openxmlformats.org/drawingml/2006/main" name="Office Theme">
+  <a:themeElements>
+    <a:clrScheme name="Office">
+      <a:dk1>
+        <a:sysClr val="windowText" lastClr="000000"/>
+      </a:dk1>
+      <a:lt1>
+        <a:sysClr val="window" lastClr="FFFFFF"/>
+      </a:lt1>
+      <a:dk2>
+        <a:srgbClr val="44546A"/>
+      </a:dk2>
+      <a:lt2>
+        <a:srgbClr val="E7E6E6"/>
+      </a:lt2>
+      <a:accent1>
+        <a:srgbClr val="4472C4"/>
+      </a:accent1>
+      <a:accent2>
+        <a:srgbClr val="ED7D31"/>
+      </a:accent2>
+      <a:accent3>
+        <a:srgbClr val="A5A5A5"/>
+      </a:accent3>
+      <a:accent4>
+        <a:srgbClr val="FFC000"/>
+      </a:accent4>
+      <a:accent5>
+        <a:srgbClr val="5B9BD5"/>
+      </a:accent5>
+      <a:accent6>
+        <a:srgbClr val="70AD47"/>
+      </a:accent6>
+      <a:hlink>
+        <a:srgbClr val="0563C1"/>
+      </a:hlink>
+      <a:folHlink>
+        <a:srgbClr val="954F72"/>
+      </a:folHlink>
+    </a:clrScheme>
+    <a:fontScheme name="Office">
+      <a:majorFont>
+        <a:latin typeface="Calibri Light" panose="020F0302020204030204"/>
+        <a:ea typeface=""/>
+        <a:cs typeface=""/>
+        <a:font script="Jpan" typeface="游ゴシック Light"/>
+        <a:font script="Hang" typeface="맑은 고딕"/>
+        <a:font script="Hans" typeface="等线 Light"/>
+        <a:font script="Hant" typeface="新細明體"/>
+        <a:font script="Arab" typeface="Times New Roman"/>
+        <a:font script="Hebr" typeface="Times New Roman"/>
+        <a:font script="Thai" typeface="Angsana New"/>
+        <a:font script="Ethi" typeface="Nyala"/>
+        <a:font script="Beng" typeface="Vrinda"/>
+        <a:font script="Gujr" typeface="Shruti"/>
+        <a:font script="Khmr" typeface="MoolBoran"/>
+        <a:font script="Knda" typeface="Tunga"/>
+        <a:font script="Guru" typeface="Raavi"/>
+        <a:font script="Cans" typeface="Euphemia"/>
+        <a:font script="Cher" typeface="Plantagenet Cherokee"/>
+        <a:font script="Yiii" typeface="Microsoft Yi Baiti"/>
+        <a:font script="Tibt" typeface="Microsoft Himalaya"/>
+        <a:font script="Thaa" typeface="MV Boli"/>
+        <a:font script="Deva" typeface="Mangal"/>
+        <a:font script="Telu" typeface="Gautami"/>
+        <a:font script="Taml" typeface="Latha"/>
+        <a:font script="Syrc" typeface="Estrangelo Edessa"/>
+        <a:font script="Orya" typeface="Kalinga"/>
+        <a:font script="Mlym" typeface="Kartika"/>
+        <a:font script="Laoo" typeface="DokChampa"/>
+        <a:font script="Sinh" typeface="Iskoola Pota"/>
+        <a:font script="Mong" typeface="Mongolian Baiti"/>
+        <a:font script="Viet" typeface="Times New Roman"/>
+        <a:font script="Uigh" typeface="Microsoft Uighur"/>
+        <a:font script="Geor" typeface="Sylfaen"/>
+        <a:font script="Armn" typeface="Arial"/>
+        <a:font script="Bugi" typeface="Leelawadee UI"/>
+        <a:font script="Bopo" typeface="Microsoft JhengHei"/>
+        <a:font script="Java" typeface="Javanese Text"/>
+        <a:font script="Lisu" typeface="Segoe UI"/>
+        <a:font script="Mymr" typeface="Myanmar Text"/>
+        <a:font script="Nkoo" typeface="Ebrima"/>
+        <a:font script="Olck" typeface="Nirmala UI"/>
+        <a:font script="Osma" typeface="Ebrima"/>
+        <a:font script="Phag" typeface="Phagspa"/>
+        <a:font script="Syrn" typeface="Estrangelo Edessa"/>
+        <a:font script="Syrj" typeface="Estrangelo Edessa"/>
+        <a:font script="Syre" typeface="Estrangelo Edessa"/>
+        <a:font script="Sora" typeface="Nirmala UI"/>
+        <a:font script="Tale" typeface="Microsoft Tai Le"/>
+        <a:font script="Talu" typeface="Microsoft New Tai Lue"/>
+        <a:font script="Tfng" typeface="Ebrima"/>
+      </a:majorFont>
+      <a:minorFont>
+        <a:latin typeface="Calibri" panose="020F0502020204030204"/>
+        <a:ea typeface=""/>
+        <a:cs typeface=""/>
+        <a:font script="Jpan" typeface="游ゴシック"/>
+        <a:font script="Hang" typeface="맑은 고딕"/>
+        <a:font script="Hans" typeface="等线"/>
+        <a:font script="Hant" typeface="新細明體"/>
+        <a:font script="Arab" typeface="Arial"/>
+        <a:font script="Hebr" typeface="Arial"/>
+        <a:font script="Thai" typeface="Cordia New"/>
+        <a:font script="Ethi" typeface="Nyala"/>
+        <a:font script="Beng" typeface="Vrinda"/>
+        <a:font script="Gujr" typeface="Shruti"/>
+        <a:font script="Khmr" typeface="DaunPenh"/>
+        <a:font script="Knda" typeface="Tunga"/>
+        <a:font script="Guru" typeface="Raavi"/>
+        <a:font script="Cans" typeface="Euphemia"/>
+        <a:font script="Cher" typeface="Plantagenet Cherokee"/>
+        <a:font script="Yiii" typeface="Microsoft Yi Baiti"/>
+        <a:font script="Tibt" typeface="Microsoft Himalaya"/>
+        <a:font script="Thaa" typeface="MV Boli"/>
+        <a:font script="Deva" typeface="Mangal"/>
+        <a:font script="Telu" typeface="Gautami"/>
+        <a:font script="Taml" typeface="Latha"/>
+        <a:font script="Syrc" typeface="Estrangelo Edessa"/>
+        <a:font script="Orya" typeface="Kalinga"/>
+        <a:font script="Mlym" typeface="Kartika"/>
+        <a:font script="Laoo" typeface="DokChampa"/>
+        <a:font script="Sinh" typeface="Iskoola Pota"/>
+        <a:font script="Mong" typeface="Mongolian Baiti"/>
+        <a:font script="Viet" typeface="Arial"/>
+        <a:font script="Uigh" typeface="Microsoft Uighur"/>
+        <a:font script="Geor" typeface="Sylfaen"/>
+        <a:font script="Armn" typeface="Arial"/>
+        <a:font script="Bugi" typeface="Leelawadee UI"/>
+        <a:font script="Bopo" typeface="Microsoft JhengHei"/>
+        <a:font script="Java" typeface="Javanese Text"/>
+        <a:font script="Lisu" typeface="Segoe UI"/>
+        <a:font script="Mymr" typeface="Myanmar Text"/>
+        <a:font script="Nkoo" typeface="Ebrima"/>
+        <a:font script="Olck" typeface="Nirmala UI"/>
+        <a:font script="Osma" typeface="Ebrima"/>
+        <a:font script="Phag" typeface="Phagspa"/>
+        <a:font script="Syrn" typeface="Estrangelo Edessa"/>
+        <a:font script="Syrj" typeface="Estrangelo Edessa"/>
+        <a:font script="Syre" typeface="Estrangelo Edessa"/>
+        <a:font script="Sora" typeface="Nirmala UI"/>
+        <a:font script="Tale" typeface="Microsoft Tai Le"/>
+        <a:font script="Talu" typeface="Microsoft New Tai Lue"/>
+        <a:font script="Tfng" typeface="Ebrima"/>
+      </a:minorFont>
+    </a:fontScheme>
+    <a:fmtScheme name="Office">
+      <a:fillStyleLst>
+        <a:solidFill>
+          <a:schemeClr val="phClr"/>
+        </a:solidFill>
+        <a:gradFill rotWithShape="1">
+          <a:gsLst>
+            <a:gs pos="0">
+              <a:schemeClr val="phClr">
+                <a:lumMod val="110000"/>
+                <a:satMod val="105000"/>
+                <a:tint val="67000"/>
+              </a:schemeClr>
+            </a:gs>
+            <a:gs pos="50000">
+              <a:schemeClr val="phClr">
+                <a:lumMod val="105000"/>
+                <a:satMod val="103000"/>
+                <a:tint val="73000"/>
+              </a:schemeClr>
+            </a:gs>
+            <a:gs pos="100000">
+              <a:schemeClr val="phClr">
+                <a:lumMod val="105000"/>
+                <a:satMod val="109000"/>
+                <a:tint val="81000"/>
+              </a:schemeClr>
+            </a:gs>
+          </a:gsLst>
+          <a:lin ang="5400000" scaled="0"/>
+        </a:gradFill>
+        <a:gradFill rotWithShape="1">
+          <a:gsLst>
+            <a:gs pos="0">
+              <a:schemeClr val="phClr">
+                <a:satMod val="103000"/>
+                <a:lumMod val="102000"/>
+                <a:tint val="94000"/>
+              </a:schemeClr>
+            </a:gs>
+            <a:gs pos="50000">
+              <a:schemeClr val="phClr">
+                <a:satMod val="110000"/>
+                <a:lumMod val="100000"/>
+                <a:shade val="100000"/>
+              </a:schemeClr>
+            </a:gs>
+            <a:gs pos="100000">
+              <a:schemeClr val="phClr">
+                <a:lumMod val="99000"/>
+                <a:satMod val="120000"/>
+                <a:shade val="78000"/>
+              </a:schemeClr>
+            </a:gs>
+          </a:gsLst>
+          <a:lin ang="5400000" scaled="0"/>
+        </a:gradFill>
+      </a:fillStyleLst>
+      <a:lnStyleLst>
+        <a:ln w="6350" cap="flat" cmpd="sng" algn="ctr">
+          <a:solidFill>
+            <a:schemeClr val="phClr"/>
+          </a:solidFill>
+          <a:prstDash val="solid"/>
+          <a:miter lim="800000"/>
+        </a:ln>
+        <a:ln w="12700" cap="flat" cmpd="sng" algn="ctr">
+          <a:solidFill>
+            <a:schemeClr val="phClr"/>
+          </a:solidFill>
+          <a:prstDash val="solid"/>
+          <a:miter lim="800000"/>
+        </a:ln>
+        <a:ln w="19050" cap="flat" cmpd="sng" algn="ctr">
+          <a:solidFill>
+            <a:schemeClr val="phClr"/>
+          </a:solidFill>
+          <a:prstDash val="solid"/>
+          <a:miter lim="800000"/>
+        </a:ln>
+      </a:lnStyleLst>
+      <a:effectStyleLst>
+        <a:effectStyle>
+          <a:effectLst/>
+        </a:effectStyle>
+        <a:effectStyle>
+          <a:effectLst/>
+        </a:effectStyle>
+        <a:effectStyle>
+          <a:effectLst>
+            <a:outerShdw blurRad="57150" dist="19050" dir="5400000" algn="ctr" rotWithShape="0">
+              <a:srgbClr val="000000">
+                <a:alpha val="63000"/>
+              </a:srgbClr>
+            </a:outerShdw>
+          </a:effectLst>
+        </a:effectStyle>
+      </a:effectStyleLst>
+      <a:bgFillStyleLst>
+        <a:solidFill>
+          <a:schemeClr val="phClr"/>
+        </a:solidFill>
+        <a:solidFill>
+          <a:schemeClr val="phClr">
+            <a:tint val="95000"/>
+            <a:satMod val="170000"/>
+          </a:schemeClr>
+        </a:solidFill>
+        <a:gradFill rotWithShape="1">
+          <a:gsLst>
+            <a:gs pos="0">
+              <a:schemeClr val="phClr">
+                <a:tint val="93000"/>
+                <a:satMod val="150000"/>
+                <a:shade val="98000"/>
+                <a:lumMod val="102000"/>
+              </a:schemeClr>
+            </a:gs>
+            <a:gs pos="50000">
+              <a:schemeClr val="phClr">
+                <a:tint val="98000"/>
+                <a:satMod val="130000"/>
+                <a:shade val="90000"/>
+                <a:lumMod val="103000"/>
+              </a:schemeClr>
+            </a:gs>
+            <a:gs pos="100000">
+              <a:schemeClr val="phClr">
+                <a:shade val="63000"/>
+                <a:satMod val="120000"/>
+              </a:schemeClr>
+            </a:gs>
+          </a:gsLst>
+          <a:lin ang="5400000" scaled="0"/>
+        </a:gradFill>
+      </a:bgFillStyleLst>
+    </a:fmtScheme>
+  </a:themeElements>
+  <a:objectDefaults/>
+  <a:extraClrSchemeLst/>
+  <a:extLst>
+    <a:ext uri="{05A4C25C-085E-4340-85A3-A5531E510DB2}">
+      <thm15:themeFamily xmlns:thm15="http://schemas.microsoft.com/office/thememl/2012/main" name="Office Theme" id="{62F939B6-93AF-4DB8-9C6B-D6C7DFDC589F}" vid="{4A3C46E8-61CC-4603-A589-7422A47A8E4A}"/>
+    </a:ext>
+  </a:extLst>
+</a:theme>
 </file>
--- a/Demonstration.pptx
+++ b/Demonstration.pptx
@@ -5,16 +5,18 @@
     <p:sldMasterId id="2147483708" r:id="rId1"/>
   </p:sldMasterIdLst>
   <p:notesMasterIdLst>
-    <p:notesMasterId r:id="rId9"/>
+    <p:notesMasterId r:id="rId11"/>
   </p:notesMasterIdLst>
   <p:sldIdLst>
     <p:sldId id="256" r:id="rId2"/>
     <p:sldId id="257" r:id="rId3"/>
-    <p:sldId id="258" r:id="rId4"/>
-    <p:sldId id="259" r:id="rId5"/>
-    <p:sldId id="260" r:id="rId6"/>
-    <p:sldId id="261" r:id="rId7"/>
-    <p:sldId id="262" r:id="rId8"/>
+    <p:sldId id="265" r:id="rId4"/>
+    <p:sldId id="264" r:id="rId5"/>
+    <p:sldId id="258" r:id="rId6"/>
+    <p:sldId id="259" r:id="rId7"/>
+    <p:sldId id="260" r:id="rId8"/>
+    <p:sldId id="261" r:id="rId9"/>
+    <p:sldId id="262" r:id="rId10"/>
   </p:sldIdLst>
   <p:sldSz cx="12192000" cy="6858000"/>
   <p:notesSz cx="6858000" cy="9144000"/>
@@ -203,7 +205,7 @@
           <a:p>
             <a:fld id="{D0C19D20-80B6-4924-999B-F50093D00BAB}" type="datetimeFigureOut">
               <a:rPr lang="en-IN" smtClean="0"/>
-              <a:t>14-01-2023</a:t>
+              <a:t>15-01-2023</a:t>
             </a:fld>
             <a:endParaRPr lang="en-IN"/>
           </a:p>
@@ -1277,7 +1279,7 @@
           <a:p>
             <a:fld id="{2A7567FF-5FC6-44B1-B509-8955990E2FDC}" type="datetimeFigureOut">
               <a:rPr lang="en-IN" smtClean="0"/>
-              <a:t>14-01-2023</a:t>
+              <a:t>15-01-2023</a:t>
             </a:fld>
             <a:endParaRPr lang="en-IN"/>
           </a:p>
@@ -1528,7 +1530,7 @@
           <a:p>
             <a:fld id="{2A7567FF-5FC6-44B1-B509-8955990E2FDC}" type="datetimeFigureOut">
               <a:rPr lang="en-IN" smtClean="0"/>
-              <a:t>14-01-2023</a:t>
+              <a:t>15-01-2023</a:t>
             </a:fld>
             <a:endParaRPr lang="en-IN"/>
           </a:p>
@@ -1842,7 +1844,7 @@
           <a:p>
             <a:fld id="{2A7567FF-5FC6-44B1-B509-8955990E2FDC}" type="datetimeFigureOut">
               <a:rPr lang="en-IN" smtClean="0"/>
-              <a:t>14-01-2023</a:t>
+              <a:t>15-01-2023</a:t>
             </a:fld>
             <a:endParaRPr lang="en-IN"/>
           </a:p>
@@ -2183,7 +2185,7 @@
           <a:p>
             <a:fld id="{2A7567FF-5FC6-44B1-B509-8955990E2FDC}" type="datetimeFigureOut">
               <a:rPr lang="en-IN" smtClean="0"/>
-              <a:t>14-01-2023</a:t>
+              <a:t>15-01-2023</a:t>
             </a:fld>
             <a:endParaRPr lang="en-IN"/>
           </a:p>
@@ -2497,7 +2499,7 @@
           <a:p>
             <a:fld id="{2A7567FF-5FC6-44B1-B509-8955990E2FDC}" type="datetimeFigureOut">
               <a:rPr lang="en-IN" smtClean="0"/>
-              <a:t>14-01-2023</a:t>
+              <a:t>15-01-2023</a:t>
             </a:fld>
             <a:endParaRPr lang="en-IN"/>
           </a:p>
@@ -2890,7 +2892,7 @@
           <a:p>
             <a:fld id="{2A7567FF-5FC6-44B1-B509-8955990E2FDC}" type="datetimeFigureOut">
               <a:rPr lang="en-IN" smtClean="0"/>
-              <a:t>14-01-2023</a:t>
+              <a:t>15-01-2023</a:t>
             </a:fld>
             <a:endParaRPr lang="en-IN"/>
           </a:p>
@@ -3060,7 +3062,7 @@
           <a:p>
             <a:fld id="{2A7567FF-5FC6-44B1-B509-8955990E2FDC}" type="datetimeFigureOut">
               <a:rPr lang="en-IN" smtClean="0"/>
-              <a:t>14-01-2023</a:t>
+              <a:t>15-01-2023</a:t>
             </a:fld>
             <a:endParaRPr lang="en-IN"/>
           </a:p>
@@ -3240,7 +3242,7 @@
           <a:p>
             <a:fld id="{2A7567FF-5FC6-44B1-B509-8955990E2FDC}" type="datetimeFigureOut">
               <a:rPr lang="en-IN" smtClean="0"/>
-              <a:t>14-01-2023</a:t>
+              <a:t>15-01-2023</a:t>
             </a:fld>
             <a:endParaRPr lang="en-IN"/>
           </a:p>
@@ -3416,7 +3418,7 @@
           <a:p>
             <a:fld id="{2A7567FF-5FC6-44B1-B509-8955990E2FDC}" type="datetimeFigureOut">
               <a:rPr lang="en-IN" smtClean="0"/>
-              <a:t>14-01-2023</a:t>
+              <a:t>15-01-2023</a:t>
             </a:fld>
             <a:endParaRPr lang="en-IN"/>
           </a:p>
@@ -3663,7 +3665,7 @@
           <a:p>
             <a:fld id="{2A7567FF-5FC6-44B1-B509-8955990E2FDC}" type="datetimeFigureOut">
               <a:rPr lang="en-IN" smtClean="0"/>
-              <a:t>14-01-2023</a:t>
+              <a:t>15-01-2023</a:t>
             </a:fld>
             <a:endParaRPr lang="en-IN"/>
           </a:p>
@@ -3895,7 +3897,7 @@
           <a:p>
             <a:fld id="{2A7567FF-5FC6-44B1-B509-8955990E2FDC}" type="datetimeFigureOut">
               <a:rPr lang="en-IN" smtClean="0"/>
-              <a:t>14-01-2023</a:t>
+              <a:t>15-01-2023</a:t>
             </a:fld>
             <a:endParaRPr lang="en-IN"/>
           </a:p>
@@ -4269,7 +4271,7 @@
           <a:p>
             <a:fld id="{2A7567FF-5FC6-44B1-B509-8955990E2FDC}" type="datetimeFigureOut">
               <a:rPr lang="en-IN" smtClean="0"/>
-              <a:t>14-01-2023</a:t>
+              <a:t>15-01-2023</a:t>
             </a:fld>
             <a:endParaRPr lang="en-IN"/>
           </a:p>
@@ -4392,7 +4394,7 @@
           <a:p>
             <a:fld id="{2A7567FF-5FC6-44B1-B509-8955990E2FDC}" type="datetimeFigureOut">
               <a:rPr lang="en-IN" smtClean="0"/>
-              <a:t>14-01-2023</a:t>
+              <a:t>15-01-2023</a:t>
             </a:fld>
             <a:endParaRPr lang="en-IN"/>
           </a:p>
@@ -4487,7 +4489,7 @@
           <a:p>
             <a:fld id="{2A7567FF-5FC6-44B1-B509-8955990E2FDC}" type="datetimeFigureOut">
               <a:rPr lang="en-IN" smtClean="0"/>
-              <a:t>14-01-2023</a:t>
+              <a:t>15-01-2023</a:t>
             </a:fld>
             <a:endParaRPr lang="en-IN"/>
           </a:p>
@@ -4742,7 +4744,7 @@
           <a:p>
             <a:fld id="{2A7567FF-5FC6-44B1-B509-8955990E2FDC}" type="datetimeFigureOut">
               <a:rPr lang="en-IN" smtClean="0"/>
-              <a:t>14-01-2023</a:t>
+              <a:t>15-01-2023</a:t>
             </a:fld>
             <a:endParaRPr lang="en-IN"/>
           </a:p>
@@ -5005,7 +5007,7 @@
           <a:p>
             <a:fld id="{2A7567FF-5FC6-44B1-B509-8955990E2FDC}" type="datetimeFigureOut">
               <a:rPr lang="en-IN" smtClean="0"/>
-              <a:t>14-01-2023</a:t>
+              <a:t>15-01-2023</a:t>
             </a:fld>
             <a:endParaRPr lang="en-IN"/>
           </a:p>
@@ -5748,7 +5750,7 @@
           <a:p>
             <a:fld id="{2A7567FF-5FC6-44B1-B509-8955990E2FDC}" type="datetimeFigureOut">
               <a:rPr lang="en-IN" smtClean="0"/>
-              <a:t>14-01-2023</a:t>
+              <a:t>15-01-2023</a:t>
             </a:fld>
             <a:endParaRPr lang="en-IN"/>
           </a:p>
@@ -6760,7 +6762,7 @@
         <p:spPr>
           <a:xfrm>
             <a:off x="724035" y="484631"/>
-            <a:ext cx="2037453" cy="523220"/>
+            <a:ext cx="5558778" cy="523220"/>
           </a:xfrm>
           <a:prstGeom prst="rect">
             <a:avLst/>
@@ -6779,7 +6781,7 @@
                   <a:schemeClr val="tx2"/>
                 </a:solidFill>
               </a:rPr>
-              <a:t>OUR VISION</a:t>
+              <a:t>Brief Introduction</a:t>
             </a:r>
           </a:p>
         </p:txBody>
@@ -6799,7 +6801,7 @@
         <p:spPr>
           <a:xfrm>
             <a:off x="724035" y="1298448"/>
-            <a:ext cx="8494776" cy="646331"/>
+            <a:ext cx="8494776" cy="1287981"/>
           </a:xfrm>
           <a:prstGeom prst="rect">
             <a:avLst/>
@@ -6812,12 +6814,30 @@
           </a:bodyPr>
           <a:lstStyle/>
           <a:p>
+            <a:pPr marL="285750" indent="-285750">
+              <a:lnSpc>
+                <a:spcPct val="150000"/>
+              </a:lnSpc>
+              <a:buFont typeface="Wingdings" panose="05000000000000000000" pitchFamily="2" charset="2"/>
+              <a:buChar char="Ø"/>
+            </a:pPr>
             <a:r>
               <a:rPr lang="en-US" dirty="0"/>
-              <a:t>LOREM300</a:t>
-            </a:r>
-          </a:p>
-          <a:p>
+              <a:t>As we all know, today’s apparel industry is not sustainable. Each stage of it’s value chain is harmful to both people and planet.</a:t>
+            </a:r>
+          </a:p>
+          <a:p>
+            <a:pPr marL="285750" indent="-285750">
+              <a:lnSpc>
+                <a:spcPct val="150000"/>
+              </a:lnSpc>
+              <a:buFont typeface="Wingdings" panose="05000000000000000000" pitchFamily="2" charset="2"/>
+              <a:buChar char="Ø"/>
+            </a:pPr>
+            <a:r>
+              <a:rPr lang="en-US" dirty="0"/>
+              <a:t>In fact, fashion is world’s second-most pollution industry.</a:t>
+            </a:r>
             <a:endParaRPr lang="en-IN" dirty="0"/>
           </a:p>
         </p:txBody>
@@ -6903,6 +6923,310 @@
         <p:spPr>
           <a:xfrm>
             <a:off x="724035" y="484631"/>
+            <a:ext cx="5558778" cy="523220"/>
+          </a:xfrm>
+          <a:prstGeom prst="rect">
+            <a:avLst/>
+          </a:prstGeom>
+          <a:noFill/>
+        </p:spPr>
+        <p:txBody>
+          <a:bodyPr wrap="square" rtlCol="0">
+            <a:spAutoFit/>
+          </a:bodyPr>
+          <a:lstStyle/>
+          <a:p>
+            <a:r>
+              <a:rPr lang="en-IN" sz="2800" u="sng" dirty="0">
+                <a:solidFill>
+                  <a:schemeClr val="tx2"/>
+                </a:solidFill>
+              </a:rPr>
+              <a:t>What is 3D Printing Technology?</a:t>
+            </a:r>
+          </a:p>
+        </p:txBody>
+      </p:sp>
+      <p:sp>
+        <p:nvSpPr>
+          <p:cNvPr id="6" name="TextBox 5">
+            <a:extLst>
+              <a:ext uri="{FF2B5EF4-FFF2-40B4-BE49-F238E27FC236}">
+                <a16:creationId xmlns:a16="http://schemas.microsoft.com/office/drawing/2014/main" id="{778D9B83-6FA9-204C-0E2A-B762DB752752}"/>
+              </a:ext>
+            </a:extLst>
+          </p:cNvPr>
+          <p:cNvSpPr txBox="1"/>
+          <p:nvPr/>
+        </p:nvSpPr>
+        <p:spPr>
+          <a:xfrm>
+            <a:off x="724035" y="1298448"/>
+            <a:ext cx="8494776" cy="2534476"/>
+          </a:xfrm>
+          <a:prstGeom prst="rect">
+            <a:avLst/>
+          </a:prstGeom>
+          <a:noFill/>
+        </p:spPr>
+        <p:txBody>
+          <a:bodyPr wrap="square" rtlCol="0">
+            <a:spAutoFit/>
+          </a:bodyPr>
+          <a:lstStyle/>
+          <a:p>
+            <a:pPr marL="285750" indent="-285750">
+              <a:lnSpc>
+                <a:spcPct val="150000"/>
+              </a:lnSpc>
+              <a:buFont typeface="Wingdings" panose="05000000000000000000" pitchFamily="2" charset="2"/>
+              <a:buChar char="Ø"/>
+            </a:pPr>
+            <a:r>
+              <a:rPr lang="en-US" dirty="0"/>
+              <a:t>3D printing technology is considered as one of the most emerging and significant technology of the forth industrial revolution in the fashion industry.</a:t>
+            </a:r>
+          </a:p>
+          <a:p>
+            <a:pPr marL="285750" indent="-285750">
+              <a:lnSpc>
+                <a:spcPct val="150000"/>
+              </a:lnSpc>
+              <a:buFont typeface="Wingdings" panose="05000000000000000000" pitchFamily="2" charset="2"/>
+              <a:buChar char="Ø"/>
+            </a:pPr>
+            <a:r>
+              <a:rPr lang="en-US" dirty="0"/>
+              <a:t>One can use 3D printing technology in fashion to design accessories build prototypes and manufacturing tools, boost towards sustainability efforts and expand customization options.</a:t>
+            </a:r>
+            <a:endParaRPr lang="en-IN" dirty="0"/>
+          </a:p>
+        </p:txBody>
+      </p:sp>
+      <p:pic>
+        <p:nvPicPr>
+          <p:cNvPr id="7" name="Picture 6">
+            <a:extLst>
+              <a:ext uri="{FF2B5EF4-FFF2-40B4-BE49-F238E27FC236}">
+                <a16:creationId xmlns:a16="http://schemas.microsoft.com/office/drawing/2014/main" id="{3EAEC7FA-5568-D4BB-5B86-7E19205CD462}"/>
+              </a:ext>
+            </a:extLst>
+          </p:cNvPr>
+          <p:cNvPicPr>
+            <a:picLocks noChangeAspect="1"/>
+          </p:cNvPicPr>
+          <p:nvPr/>
+        </p:nvPicPr>
+        <p:blipFill>
+          <a:blip r:embed="rId2">
+            <a:extLst>
+              <a:ext uri="{28A0092B-C50C-407E-A947-70E740481C1C}">
+                <a14:useLocalDpi xmlns:a14="http://schemas.microsoft.com/office/drawing/2010/main" val="0"/>
+              </a:ext>
+            </a:extLst>
+          </a:blip>
+          <a:stretch>
+            <a:fillRect/>
+          </a:stretch>
+        </p:blipFill>
+        <p:spPr>
+          <a:xfrm>
+            <a:off x="6671883" y="0"/>
+            <a:ext cx="2546928" cy="1102754"/>
+          </a:xfrm>
+          <a:prstGeom prst="rect">
+            <a:avLst/>
+          </a:prstGeom>
+        </p:spPr>
+      </p:pic>
+    </p:spTree>
+    <p:extLst>
+      <p:ext uri="{BB962C8B-B14F-4D97-AF65-F5344CB8AC3E}">
+        <p14:creationId xmlns:p14="http://schemas.microsoft.com/office/powerpoint/2010/main" val="164900225"/>
+      </p:ext>
+    </p:extLst>
+  </p:cSld>
+  <p:clrMapOvr>
+    <a:masterClrMapping/>
+  </p:clrMapOvr>
+</p:sld>
+</file>
+
+<file path=ppt/slides/slide4.xml><?xml version="1.0" encoding="utf-8"?>
+<p:sld xmlns:a="http://schemas.openxmlformats.org/drawingml/2006/main" xmlns:r="http://schemas.openxmlformats.org/officeDocument/2006/relationships" xmlns:p="http://schemas.openxmlformats.org/presentationml/2006/main">
+  <p:cSld>
+    <p:spTree>
+      <p:nvGrpSpPr>
+        <p:cNvPr id="1" name=""/>
+        <p:cNvGrpSpPr/>
+        <p:nvPr/>
+      </p:nvGrpSpPr>
+      <p:grpSpPr>
+        <a:xfrm>
+          <a:off x="0" y="0"/>
+          <a:ext cx="0" cy="0"/>
+          <a:chOff x="0" y="0"/>
+          <a:chExt cx="0" cy="0"/>
+        </a:xfrm>
+      </p:grpSpPr>
+      <p:sp>
+        <p:nvSpPr>
+          <p:cNvPr id="2" name="TextBox 1">
+            <a:extLst>
+              <a:ext uri="{FF2B5EF4-FFF2-40B4-BE49-F238E27FC236}">
+                <a16:creationId xmlns:a16="http://schemas.microsoft.com/office/drawing/2014/main" id="{4DA61C1F-2626-1E9E-4397-255AFE856209}"/>
+              </a:ext>
+            </a:extLst>
+          </p:cNvPr>
+          <p:cNvSpPr txBox="1"/>
+          <p:nvPr/>
+        </p:nvSpPr>
+        <p:spPr>
+          <a:xfrm>
+            <a:off x="724035" y="484631"/>
+            <a:ext cx="2037453" cy="523220"/>
+          </a:xfrm>
+          <a:prstGeom prst="rect">
+            <a:avLst/>
+          </a:prstGeom>
+          <a:noFill/>
+        </p:spPr>
+        <p:txBody>
+          <a:bodyPr wrap="square" rtlCol="0">
+            <a:spAutoFit/>
+          </a:bodyPr>
+          <a:lstStyle/>
+          <a:p>
+            <a:r>
+              <a:rPr lang="en-IN" sz="2800" u="sng" dirty="0">
+                <a:solidFill>
+                  <a:schemeClr val="tx2"/>
+                </a:solidFill>
+              </a:rPr>
+              <a:t>OUR VISION</a:t>
+            </a:r>
+          </a:p>
+        </p:txBody>
+      </p:sp>
+      <p:sp>
+        <p:nvSpPr>
+          <p:cNvPr id="6" name="TextBox 5">
+            <a:extLst>
+              <a:ext uri="{FF2B5EF4-FFF2-40B4-BE49-F238E27FC236}">
+                <a16:creationId xmlns:a16="http://schemas.microsoft.com/office/drawing/2014/main" id="{778D9B83-6FA9-204C-0E2A-B762DB752752}"/>
+              </a:ext>
+            </a:extLst>
+          </p:cNvPr>
+          <p:cNvSpPr txBox="1"/>
+          <p:nvPr/>
+        </p:nvSpPr>
+        <p:spPr>
+          <a:xfrm>
+            <a:off x="724035" y="1298448"/>
+            <a:ext cx="8494776" cy="646331"/>
+          </a:xfrm>
+          <a:prstGeom prst="rect">
+            <a:avLst/>
+          </a:prstGeom>
+          <a:noFill/>
+        </p:spPr>
+        <p:txBody>
+          <a:bodyPr wrap="square" rtlCol="0">
+            <a:spAutoFit/>
+          </a:bodyPr>
+          <a:lstStyle/>
+          <a:p>
+            <a:r>
+              <a:rPr lang="en-US" dirty="0"/>
+              <a:t>LOREM300</a:t>
+            </a:r>
+          </a:p>
+          <a:p>
+            <a:endParaRPr lang="en-IN" dirty="0"/>
+          </a:p>
+        </p:txBody>
+      </p:sp>
+      <p:pic>
+        <p:nvPicPr>
+          <p:cNvPr id="7" name="Picture 6">
+            <a:extLst>
+              <a:ext uri="{FF2B5EF4-FFF2-40B4-BE49-F238E27FC236}">
+                <a16:creationId xmlns:a16="http://schemas.microsoft.com/office/drawing/2014/main" id="{3EAEC7FA-5568-D4BB-5B86-7E19205CD462}"/>
+              </a:ext>
+            </a:extLst>
+          </p:cNvPr>
+          <p:cNvPicPr>
+            <a:picLocks noChangeAspect="1"/>
+          </p:cNvPicPr>
+          <p:nvPr/>
+        </p:nvPicPr>
+        <p:blipFill>
+          <a:blip r:embed="rId2">
+            <a:extLst>
+              <a:ext uri="{28A0092B-C50C-407E-A947-70E740481C1C}">
+                <a14:useLocalDpi xmlns:a14="http://schemas.microsoft.com/office/drawing/2010/main" val="0"/>
+              </a:ext>
+            </a:extLst>
+          </a:blip>
+          <a:stretch>
+            <a:fillRect/>
+          </a:stretch>
+        </p:blipFill>
+        <p:spPr>
+          <a:xfrm>
+            <a:off x="6671883" y="0"/>
+            <a:ext cx="2546928" cy="1102754"/>
+          </a:xfrm>
+          <a:prstGeom prst="rect">
+            <a:avLst/>
+          </a:prstGeom>
+        </p:spPr>
+      </p:pic>
+    </p:spTree>
+    <p:extLst>
+      <p:ext uri="{BB962C8B-B14F-4D97-AF65-F5344CB8AC3E}">
+        <p14:creationId xmlns:p14="http://schemas.microsoft.com/office/powerpoint/2010/main" val="1970111482"/>
+      </p:ext>
+    </p:extLst>
+  </p:cSld>
+  <p:clrMapOvr>
+    <a:masterClrMapping/>
+  </p:clrMapOvr>
+</p:sld>
+</file>
+
+<file path=ppt/slides/slide5.xml><?xml version="1.0" encoding="utf-8"?>
+<p:sld xmlns:a="http://schemas.openxmlformats.org/drawingml/2006/main" xmlns:r="http://schemas.openxmlformats.org/officeDocument/2006/relationships" xmlns:p="http://schemas.openxmlformats.org/presentationml/2006/main">
+  <p:cSld>
+    <p:spTree>
+      <p:nvGrpSpPr>
+        <p:cNvPr id="1" name=""/>
+        <p:cNvGrpSpPr/>
+        <p:nvPr/>
+      </p:nvGrpSpPr>
+      <p:grpSpPr>
+        <a:xfrm>
+          <a:off x="0" y="0"/>
+          <a:ext cx="0" cy="0"/>
+          <a:chOff x="0" y="0"/>
+          <a:chExt cx="0" cy="0"/>
+        </a:xfrm>
+      </p:grpSpPr>
+      <p:sp>
+        <p:nvSpPr>
+          <p:cNvPr id="2" name="TextBox 1">
+            <a:extLst>
+              <a:ext uri="{FF2B5EF4-FFF2-40B4-BE49-F238E27FC236}">
+                <a16:creationId xmlns:a16="http://schemas.microsoft.com/office/drawing/2014/main" id="{4DA61C1F-2626-1E9E-4397-255AFE856209}"/>
+              </a:ext>
+            </a:extLst>
+          </p:cNvPr>
+          <p:cNvSpPr txBox="1"/>
+          <p:nvPr/>
+        </p:nvSpPr>
+        <p:spPr>
+          <a:xfrm>
+            <a:off x="724035" y="484631"/>
             <a:ext cx="3079869" cy="523220"/>
           </a:xfrm>
           <a:prstGeom prst="rect">
@@ -7014,7 +7338,7 @@
 </p:sld>
 </file>
 
-<file path=ppt/slides/slide4.xml><?xml version="1.0" encoding="utf-8"?>
+<file path=ppt/slides/slide6.xml><?xml version="1.0" encoding="utf-8"?>
 <p:sld xmlns:a="http://schemas.openxmlformats.org/drawingml/2006/main" xmlns:r="http://schemas.openxmlformats.org/officeDocument/2006/relationships" xmlns:p="http://schemas.openxmlformats.org/presentationml/2006/main">
   <p:cSld>
     <p:spTree>
@@ -7165,7 +7489,7 @@
 </p:sld>
 </file>
 
-<file path=ppt/slides/slide5.xml><?xml version="1.0" encoding="utf-8"?>
+<file path=ppt/slides/slide7.xml><?xml version="1.0" encoding="utf-8"?>
 <p:sld xmlns:a="http://schemas.openxmlformats.org/drawingml/2006/main" xmlns:r="http://schemas.openxmlformats.org/officeDocument/2006/relationships" xmlns:p="http://schemas.openxmlformats.org/presentationml/2006/main">
   <p:cSld>
     <p:spTree>
@@ -7313,7 +7637,7 @@
 </p:sld>
 </file>
 
-<file path=ppt/slides/slide6.xml><?xml version="1.0" encoding="utf-8"?>
+<file path=ppt/slides/slide8.xml><?xml version="1.0" encoding="utf-8"?>
 <p:sld xmlns:a="http://schemas.openxmlformats.org/drawingml/2006/main" xmlns:r="http://schemas.openxmlformats.org/officeDocument/2006/relationships" xmlns:p="http://schemas.openxmlformats.org/presentationml/2006/main">
   <p:cSld>
     <p:spTree>
@@ -7461,7 +7785,7 @@
 </p:sld>
 </file>
 
-<file path=ppt/slides/slide7.xml><?xml version="1.0" encoding="utf-8"?>
+<file path=ppt/slides/slide9.xml><?xml version="1.0" encoding="utf-8"?>
 <p:sld xmlns:a="http://schemas.openxmlformats.org/drawingml/2006/main" xmlns:r="http://schemas.openxmlformats.org/officeDocument/2006/relationships" xmlns:p="http://schemas.openxmlformats.org/presentationml/2006/main">
   <p:cSld>
     <p:spTree>

--- a/Demonstration.pptx
+++ b/Demonstration.pptx
@@ -6747,107 +6747,12 @@
           <a:chExt cx="0" cy="0"/>
         </a:xfrm>
       </p:grpSpPr>
-      <p:sp>
-        <p:nvSpPr>
-          <p:cNvPr id="2" name="TextBox 1">
+      <p:pic>
+        <p:nvPicPr>
+          <p:cNvPr id="4" name="Picture 3">
             <a:extLst>
               <a:ext uri="{FF2B5EF4-FFF2-40B4-BE49-F238E27FC236}">
-                <a16:creationId xmlns:a16="http://schemas.microsoft.com/office/drawing/2014/main" id="{4DA61C1F-2626-1E9E-4397-255AFE856209}"/>
-              </a:ext>
-            </a:extLst>
-          </p:cNvPr>
-          <p:cNvSpPr txBox="1"/>
-          <p:nvPr/>
-        </p:nvSpPr>
-        <p:spPr>
-          <a:xfrm>
-            <a:off x="724035" y="484631"/>
-            <a:ext cx="5558778" cy="523220"/>
-          </a:xfrm>
-          <a:prstGeom prst="rect">
-            <a:avLst/>
-          </a:prstGeom>
-          <a:noFill/>
-        </p:spPr>
-        <p:txBody>
-          <a:bodyPr wrap="square" rtlCol="0">
-            <a:spAutoFit/>
-          </a:bodyPr>
-          <a:lstStyle/>
-          <a:p>
-            <a:r>
-              <a:rPr lang="en-IN" sz="2800" u="sng" dirty="0">
-                <a:solidFill>
-                  <a:schemeClr val="tx2"/>
-                </a:solidFill>
-              </a:rPr>
-              <a:t>Brief Introduction</a:t>
-            </a:r>
-          </a:p>
-        </p:txBody>
-      </p:sp>
-      <p:sp>
-        <p:nvSpPr>
-          <p:cNvPr id="6" name="TextBox 5">
-            <a:extLst>
-              <a:ext uri="{FF2B5EF4-FFF2-40B4-BE49-F238E27FC236}">
-                <a16:creationId xmlns:a16="http://schemas.microsoft.com/office/drawing/2014/main" id="{778D9B83-6FA9-204C-0E2A-B762DB752752}"/>
-              </a:ext>
-            </a:extLst>
-          </p:cNvPr>
-          <p:cNvSpPr txBox="1"/>
-          <p:nvPr/>
-        </p:nvSpPr>
-        <p:spPr>
-          <a:xfrm>
-            <a:off x="724035" y="1298448"/>
-            <a:ext cx="8494776" cy="1287981"/>
-          </a:xfrm>
-          <a:prstGeom prst="rect">
-            <a:avLst/>
-          </a:prstGeom>
-          <a:noFill/>
-        </p:spPr>
-        <p:txBody>
-          <a:bodyPr wrap="square" rtlCol="0">
-            <a:spAutoFit/>
-          </a:bodyPr>
-          <a:lstStyle/>
-          <a:p>
-            <a:pPr marL="285750" indent="-285750">
-              <a:lnSpc>
-                <a:spcPct val="150000"/>
-              </a:lnSpc>
-              <a:buFont typeface="Wingdings" panose="05000000000000000000" pitchFamily="2" charset="2"/>
-              <a:buChar char="Ø"/>
-            </a:pPr>
-            <a:r>
-              <a:rPr lang="en-US" dirty="0"/>
-              <a:t>As we all know, today’s apparel industry is not sustainable. Each stage of it’s value chain is harmful to both people and planet.</a:t>
-            </a:r>
-          </a:p>
-          <a:p>
-            <a:pPr marL="285750" indent="-285750">
-              <a:lnSpc>
-                <a:spcPct val="150000"/>
-              </a:lnSpc>
-              <a:buFont typeface="Wingdings" panose="05000000000000000000" pitchFamily="2" charset="2"/>
-              <a:buChar char="Ø"/>
-            </a:pPr>
-            <a:r>
-              <a:rPr lang="en-US" dirty="0"/>
-              <a:t>In fact, fashion is world’s second-most pollution industry.</a:t>
-            </a:r>
-            <a:endParaRPr lang="en-IN" dirty="0"/>
-          </a:p>
-        </p:txBody>
-      </p:sp>
-      <p:pic>
-        <p:nvPicPr>
-          <p:cNvPr id="7" name="Picture 6">
-            <a:extLst>
-              <a:ext uri="{FF2B5EF4-FFF2-40B4-BE49-F238E27FC236}">
-                <a16:creationId xmlns:a16="http://schemas.microsoft.com/office/drawing/2014/main" id="{3EAEC7FA-5568-D4BB-5B86-7E19205CD462}"/>
+                <a16:creationId xmlns:a16="http://schemas.microsoft.com/office/drawing/2014/main" id="{6845C9F1-DC3E-99E9-7949-FC1E5600088C}"/>
               </a:ext>
             </a:extLst>
           </p:cNvPr>
@@ -6870,12 +6775,315 @@
         </p:blipFill>
         <p:spPr>
           <a:xfrm>
+            <a:off x="553587" y="3998864"/>
+            <a:ext cx="5899673" cy="2520809"/>
+          </a:xfrm>
+          <a:prstGeom prst="rect">
+            <a:avLst/>
+          </a:prstGeom>
+          <a:ln>
+            <a:noFill/>
+          </a:ln>
+          <a:effectLst>
+            <a:reflection blurRad="12700" stA="30000" endPos="30000" dist="5000" dir="5400000" sy="-100000" algn="bl" rotWithShape="0"/>
+          </a:effectLst>
+          <a:scene3d>
+            <a:camera prst="perspectiveContrastingLeftFacing">
+              <a:rot lat="300000" lon="19800000" rev="0"/>
+            </a:camera>
+            <a:lightRig rig="threePt" dir="t">
+              <a:rot lat="0" lon="0" rev="2700000"/>
+            </a:lightRig>
+          </a:scene3d>
+          <a:sp3d>
+            <a:bevelT w="63500" h="50800"/>
+          </a:sp3d>
+        </p:spPr>
+      </p:pic>
+      <p:sp>
+        <p:nvSpPr>
+          <p:cNvPr id="2" name="TextBox 1">
+            <a:extLst>
+              <a:ext uri="{FF2B5EF4-FFF2-40B4-BE49-F238E27FC236}">
+                <a16:creationId xmlns:a16="http://schemas.microsoft.com/office/drawing/2014/main" id="{4DA61C1F-2626-1E9E-4397-255AFE856209}"/>
+              </a:ext>
+            </a:extLst>
+          </p:cNvPr>
+          <p:cNvSpPr txBox="1"/>
+          <p:nvPr/>
+        </p:nvSpPr>
+        <p:spPr>
+          <a:xfrm>
+            <a:off x="724035" y="484631"/>
+            <a:ext cx="5558778" cy="523220"/>
+          </a:xfrm>
+          <a:prstGeom prst="rect">
+            <a:avLst/>
+          </a:prstGeom>
+          <a:noFill/>
+        </p:spPr>
+        <p:txBody>
+          <a:bodyPr wrap="square" rtlCol="0">
+            <a:spAutoFit/>
+          </a:bodyPr>
+          <a:lstStyle/>
+          <a:p>
+            <a:r>
+              <a:rPr lang="en-IN" sz="2800" u="sng" dirty="0">
+                <a:solidFill>
+                  <a:schemeClr val="tx2"/>
+                </a:solidFill>
+                <a:effectLst>
+                  <a:outerShdw blurRad="38100" dist="38100" dir="2700000" algn="tl">
+                    <a:srgbClr val="000000">
+                      <a:alpha val="43137"/>
+                    </a:srgbClr>
+                  </a:outerShdw>
+                </a:effectLst>
+              </a:rPr>
+              <a:t>What exactly is 3D Printing?</a:t>
+            </a:r>
+          </a:p>
+        </p:txBody>
+      </p:sp>
+      <p:sp>
+        <p:nvSpPr>
+          <p:cNvPr id="6" name="TextBox 5">
+            <a:extLst>
+              <a:ext uri="{FF2B5EF4-FFF2-40B4-BE49-F238E27FC236}">
+                <a16:creationId xmlns:a16="http://schemas.microsoft.com/office/drawing/2014/main" id="{778D9B83-6FA9-204C-0E2A-B762DB752752}"/>
+              </a:ext>
+            </a:extLst>
+          </p:cNvPr>
+          <p:cNvSpPr txBox="1"/>
+          <p:nvPr/>
+        </p:nvSpPr>
+        <p:spPr>
+          <a:xfrm>
+            <a:off x="487478" y="1450915"/>
+            <a:ext cx="5029588" cy="2118978"/>
+          </a:xfrm>
+          <a:prstGeom prst="rect">
+            <a:avLst/>
+          </a:prstGeom>
+          <a:noFill/>
+        </p:spPr>
+        <p:txBody>
+          <a:bodyPr wrap="square" rtlCol="0">
+            <a:spAutoFit/>
+          </a:bodyPr>
+          <a:lstStyle/>
+          <a:p>
+            <a:pPr marL="285750" indent="-285750">
+              <a:lnSpc>
+                <a:spcPct val="150000"/>
+              </a:lnSpc>
+              <a:buFont typeface="Wingdings" panose="05000000000000000000" pitchFamily="2" charset="2"/>
+              <a:buChar char="Ø"/>
+            </a:pPr>
+            <a:r>
+              <a:rPr lang="en-US" dirty="0">
+                <a:effectLst>
+                  <a:outerShdw blurRad="38100" dist="38100" dir="2700000" algn="tl">
+                    <a:srgbClr val="000000">
+                      <a:alpha val="43137"/>
+                    </a:srgbClr>
+                  </a:outerShdw>
+                </a:effectLst>
+              </a:rPr>
+              <a:t>As we all know, today’s apparel industry is not sustainable. Each stage of it’s value chain is harmful to both people and planet.</a:t>
+            </a:r>
+          </a:p>
+          <a:p>
+            <a:pPr marL="285750" indent="-285750">
+              <a:lnSpc>
+                <a:spcPct val="150000"/>
+              </a:lnSpc>
+              <a:buFont typeface="Wingdings" panose="05000000000000000000" pitchFamily="2" charset="2"/>
+              <a:buChar char="Ø"/>
+            </a:pPr>
+            <a:r>
+              <a:rPr lang="en-US" dirty="0">
+                <a:effectLst>
+                  <a:outerShdw blurRad="38100" dist="38100" dir="2700000" algn="tl">
+                    <a:srgbClr val="000000">
+                      <a:alpha val="43137"/>
+                    </a:srgbClr>
+                  </a:outerShdw>
+                </a:effectLst>
+              </a:rPr>
+              <a:t>In fact, fashion is world’s second-most pollution industry.</a:t>
+            </a:r>
+          </a:p>
+        </p:txBody>
+      </p:sp>
+      <p:pic>
+        <p:nvPicPr>
+          <p:cNvPr id="7" name="Picture 6">
+            <a:extLst>
+              <a:ext uri="{FF2B5EF4-FFF2-40B4-BE49-F238E27FC236}">
+                <a16:creationId xmlns:a16="http://schemas.microsoft.com/office/drawing/2014/main" id="{3EAEC7FA-5568-D4BB-5B86-7E19205CD462}"/>
+              </a:ext>
+            </a:extLst>
+          </p:cNvPr>
+          <p:cNvPicPr>
+            <a:picLocks noChangeAspect="1"/>
+          </p:cNvPicPr>
+          <p:nvPr/>
+        </p:nvPicPr>
+        <p:blipFill>
+          <a:blip r:embed="rId3">
+            <a:extLst>
+              <a:ext uri="{28A0092B-C50C-407E-A947-70E740481C1C}">
+                <a14:useLocalDpi xmlns:a14="http://schemas.microsoft.com/office/drawing/2010/main" val="0"/>
+              </a:ext>
+            </a:extLst>
+          </a:blip>
+          <a:stretch>
+            <a:fillRect/>
+          </a:stretch>
+        </p:blipFill>
+        <p:spPr>
+          <a:xfrm>
             <a:off x="6671883" y="0"/>
             <a:ext cx="2546928" cy="1102754"/>
           </a:xfrm>
           <a:prstGeom prst="rect">
             <a:avLst/>
           </a:prstGeom>
+        </p:spPr>
+      </p:pic>
+      <p:sp>
+        <p:nvSpPr>
+          <p:cNvPr id="5" name="TextBox 4">
+            <a:extLst>
+              <a:ext uri="{FF2B5EF4-FFF2-40B4-BE49-F238E27FC236}">
+                <a16:creationId xmlns:a16="http://schemas.microsoft.com/office/drawing/2014/main" id="{8F9CAB30-D2F4-A73B-275E-A74FFD403B71}"/>
+              </a:ext>
+            </a:extLst>
+          </p:cNvPr>
+          <p:cNvSpPr txBox="1"/>
+          <p:nvPr/>
+        </p:nvSpPr>
+        <p:spPr>
+          <a:xfrm>
+            <a:off x="5372272" y="3712883"/>
+            <a:ext cx="6087741" cy="2949975"/>
+          </a:xfrm>
+          <a:prstGeom prst="rect">
+            <a:avLst/>
+          </a:prstGeom>
+          <a:noFill/>
+        </p:spPr>
+        <p:txBody>
+          <a:bodyPr wrap="square" rtlCol="0">
+            <a:spAutoFit/>
+          </a:bodyPr>
+          <a:lstStyle/>
+          <a:p>
+            <a:pPr marL="285750" indent="-285750">
+              <a:lnSpc>
+                <a:spcPct val="150000"/>
+              </a:lnSpc>
+              <a:buFont typeface="Wingdings" panose="05000000000000000000" pitchFamily="2" charset="2"/>
+              <a:buChar char="Ø"/>
+            </a:pPr>
+            <a:r>
+              <a:rPr lang="en-US" dirty="0">
+                <a:effectLst>
+                  <a:outerShdw blurRad="38100" dist="38100" dir="2700000" algn="tl">
+                    <a:srgbClr val="000000">
+                      <a:alpha val="43137"/>
+                    </a:srgbClr>
+                  </a:outerShdw>
+                </a:effectLst>
+              </a:rPr>
+              <a:t>3-D printing technology is considered as one of the most emerging and significant technology of the upcoming revolution in the fashion industry.</a:t>
+            </a:r>
+          </a:p>
+          <a:p>
+            <a:pPr marL="285750" indent="-285750">
+              <a:lnSpc>
+                <a:spcPct val="150000"/>
+              </a:lnSpc>
+              <a:buFont typeface="Wingdings" panose="05000000000000000000" pitchFamily="2" charset="2"/>
+              <a:buChar char="Ø"/>
+            </a:pPr>
+            <a:r>
+              <a:rPr lang="en-US" dirty="0">
+                <a:effectLst>
+                  <a:outerShdw blurRad="38100" dist="38100" dir="2700000" algn="tl">
+                    <a:srgbClr val="000000">
+                      <a:alpha val="43137"/>
+                    </a:srgbClr>
+                  </a:outerShdw>
+                </a:effectLst>
+              </a:rPr>
+              <a:t>One can use 3D printing technology in fashion to design accessories, build prototypes and manufacturing tools , boost towards sustainability efforts and expand customization options.</a:t>
+            </a:r>
+            <a:endParaRPr lang="en-IN" dirty="0">
+              <a:effectLst>
+                <a:outerShdw blurRad="38100" dist="38100" dir="2700000" algn="tl">
+                  <a:srgbClr val="000000">
+                    <a:alpha val="43137"/>
+                  </a:srgbClr>
+                </a:outerShdw>
+              </a:effectLst>
+            </a:endParaRPr>
+          </a:p>
+        </p:txBody>
+      </p:sp>
+      <p:pic>
+        <p:nvPicPr>
+          <p:cNvPr id="9" name="Picture 8">
+            <a:extLst>
+              <a:ext uri="{FF2B5EF4-FFF2-40B4-BE49-F238E27FC236}">
+                <a16:creationId xmlns:a16="http://schemas.microsoft.com/office/drawing/2014/main" id="{5B1F810F-1451-5132-BCCB-4A23CCDCBF10}"/>
+              </a:ext>
+            </a:extLst>
+          </p:cNvPr>
+          <p:cNvPicPr>
+            <a:picLocks noChangeAspect="1"/>
+          </p:cNvPicPr>
+          <p:nvPr/>
+        </p:nvPicPr>
+        <p:blipFill>
+          <a:blip r:embed="rId4">
+            <a:extLst>
+              <a:ext uri="{28A0092B-C50C-407E-A947-70E740481C1C}">
+                <a14:useLocalDpi xmlns:a14="http://schemas.microsoft.com/office/drawing/2010/main" val="0"/>
+              </a:ext>
+            </a:extLst>
+          </a:blip>
+          <a:stretch>
+            <a:fillRect/>
+          </a:stretch>
+        </p:blipFill>
+        <p:spPr>
+          <a:xfrm>
+            <a:off x="5945415" y="1271497"/>
+            <a:ext cx="3999864" cy="2298396"/>
+          </a:xfrm>
+          <a:prstGeom prst="rect">
+            <a:avLst/>
+          </a:prstGeom>
+          <a:ln>
+            <a:noFill/>
+          </a:ln>
+          <a:effectLst>
+            <a:reflection blurRad="12700" stA="30000" endPos="30000" dist="5000" dir="5400000" sy="-100000" algn="bl" rotWithShape="0"/>
+          </a:effectLst>
+          <a:scene3d>
+            <a:camera prst="perspectiveContrastingLeftFacing">
+              <a:rot lat="300000" lon="19800000" rev="0"/>
+            </a:camera>
+            <a:lightRig rig="threePt" dir="t">
+              <a:rot lat="0" lon="0" rev="2700000"/>
+            </a:lightRig>
+          </a:scene3d>
+          <a:sp3d>
+            <a:bevelT w="63500" h="50800"/>
+          </a:sp3d>
         </p:spPr>
       </p:pic>
     </p:spTree>
@@ -6908,45 +7116,66 @@
           <a:chExt cx="0" cy="0"/>
         </a:xfrm>
       </p:grpSpPr>
-      <p:sp>
-        <p:nvSpPr>
-          <p:cNvPr id="2" name="TextBox 1">
+      <p:pic>
+        <p:nvPicPr>
+          <p:cNvPr id="4" name="Picture 3">
             <a:extLst>
               <a:ext uri="{FF2B5EF4-FFF2-40B4-BE49-F238E27FC236}">
-                <a16:creationId xmlns:a16="http://schemas.microsoft.com/office/drawing/2014/main" id="{4DA61C1F-2626-1E9E-4397-255AFE856209}"/>
+                <a16:creationId xmlns:a16="http://schemas.microsoft.com/office/drawing/2014/main" id="{971502F9-9F57-C27E-AF1F-1798028D0034}"/>
               </a:ext>
             </a:extLst>
           </p:cNvPr>
-          <p:cNvSpPr txBox="1"/>
+          <p:cNvPicPr>
+            <a:picLocks noChangeAspect="1"/>
+          </p:cNvPicPr>
           <p:nvPr/>
-        </p:nvSpPr>
+        </p:nvPicPr>
+        <p:blipFill>
+          <a:blip r:embed="rId2">
+            <a:extLst>
+              <a:ext uri="{28A0092B-C50C-407E-A947-70E740481C1C}">
+                <a14:useLocalDpi xmlns:a14="http://schemas.microsoft.com/office/drawing/2010/main" val="0"/>
+              </a:ext>
+            </a:extLst>
+          </a:blip>
+          <a:stretch>
+            <a:fillRect/>
+          </a:stretch>
+        </p:blipFill>
         <p:spPr>
           <a:xfrm>
-            <a:off x="724035" y="484631"/>
-            <a:ext cx="5558778" cy="523220"/>
+            <a:off x="4606032" y="1390157"/>
+            <a:ext cx="7249218" cy="4077685"/>
           </a:xfrm>
-          <a:prstGeom prst="rect">
-            <a:avLst/>
+          <a:prstGeom prst="roundRect">
+            <a:avLst>
+              <a:gd name="adj" fmla="val 16667"/>
+            </a:avLst>
           </a:prstGeom>
-          <a:noFill/>
+          <a:ln>
+            <a:noFill/>
+          </a:ln>
+          <a:effectLst>
+            <a:outerShdw blurRad="152400" dist="12000" dir="900000" sy="98000" kx="110000" ky="200000" algn="tl" rotWithShape="0">
+              <a:srgbClr val="000000">
+                <a:alpha val="30000"/>
+              </a:srgbClr>
+            </a:outerShdw>
+          </a:effectLst>
+          <a:scene3d>
+            <a:camera prst="perspectiveRelaxed">
+              <a:rot lat="19800000" lon="1200000" rev="20820000"/>
+            </a:camera>
+            <a:lightRig rig="threePt" dir="t"/>
+          </a:scene3d>
+          <a:sp3d contourW="6350" prstMaterial="matte">
+            <a:bevelT w="101600" h="101600"/>
+            <a:contourClr>
+              <a:srgbClr val="969696"/>
+            </a:contourClr>
+          </a:sp3d>
         </p:spPr>
-        <p:txBody>
-          <a:bodyPr wrap="square" rtlCol="0">
-            <a:spAutoFit/>
-          </a:bodyPr>
-          <a:lstStyle/>
-          <a:p>
-            <a:r>
-              <a:rPr lang="en-IN" sz="2800" u="sng" dirty="0">
-                <a:solidFill>
-                  <a:schemeClr val="tx2"/>
-                </a:solidFill>
-              </a:rPr>
-              <a:t>What is 3D Printing Technology?</a:t>
-            </a:r>
-          </a:p>
-        </p:txBody>
-      </p:sp>
+      </p:pic>
       <p:sp>
         <p:nvSpPr>
           <p:cNvPr id="6" name="TextBox 5">
@@ -6961,8 +7190,8 @@
         </p:nvSpPr>
         <p:spPr>
           <a:xfrm>
-            <a:off x="724035" y="1298448"/>
-            <a:ext cx="8494776" cy="2534476"/>
+            <a:off x="336750" y="1102754"/>
+            <a:ext cx="6335133" cy="5027467"/>
           </a:xfrm>
           <a:prstGeom prst="rect">
             <a:avLst/>
@@ -6983,7 +7212,15 @@
               <a:buChar char="Ø"/>
             </a:pPr>
             <a:r>
-              <a:rPr lang="en-US" dirty="0"/>
+              <a:rPr lang="en-US" dirty="0">
+                <a:effectLst>
+                  <a:outerShdw blurRad="38100" dist="38100" dir="2700000" algn="tl">
+                    <a:srgbClr val="000000">
+                      <a:alpha val="43137"/>
+                    </a:srgbClr>
+                  </a:outerShdw>
+                </a:effectLst>
+              </a:rPr>
               <a:t>3D printing technology is considered as one of the most emerging and significant technology of the forth industrial revolution in the fashion industry.</a:t>
             </a:r>
           </a:p>
@@ -6996,10 +7233,92 @@
               <a:buChar char="Ø"/>
             </a:pPr>
             <a:r>
-              <a:rPr lang="en-US" dirty="0"/>
+              <a:rPr lang="en-US" dirty="0">
+                <a:effectLst>
+                  <a:outerShdw blurRad="38100" dist="38100" dir="2700000" algn="tl">
+                    <a:srgbClr val="000000">
+                      <a:alpha val="43137"/>
+                    </a:srgbClr>
+                  </a:outerShdw>
+                </a:effectLst>
+              </a:rPr>
               <a:t>One can use 3D printing technology in fashion to design accessories build prototypes and manufacturing tools, boost towards sustainability efforts and expand customization options.</a:t>
             </a:r>
-            <a:endParaRPr lang="en-IN" dirty="0"/>
+          </a:p>
+          <a:p>
+            <a:pPr marL="285750" indent="-285750">
+              <a:lnSpc>
+                <a:spcPct val="150000"/>
+              </a:lnSpc>
+              <a:buFont typeface="Wingdings" panose="05000000000000000000" pitchFamily="2" charset="2"/>
+              <a:buChar char="Ø"/>
+            </a:pPr>
+            <a:r>
+              <a:rPr lang="en-US" dirty="0">
+                <a:effectLst>
+                  <a:outerShdw blurRad="38100" dist="38100" dir="2700000" algn="tl">
+                    <a:srgbClr val="000000">
+                      <a:alpha val="43137"/>
+                    </a:srgbClr>
+                  </a:outerShdw>
+                </a:effectLst>
+              </a:rPr>
+              <a:t>Moreover, it can reduce </a:t>
+            </a:r>
+            <a:r>
+              <a:rPr lang="en-US" dirty="0" err="1">
+                <a:effectLst>
+                  <a:outerShdw blurRad="38100" dist="38100" dir="2700000" algn="tl">
+                    <a:srgbClr val="000000">
+                      <a:alpha val="43137"/>
+                    </a:srgbClr>
+                  </a:outerShdw>
+                </a:effectLst>
+              </a:rPr>
+              <a:t>labour</a:t>
+            </a:r>
+            <a:r>
+              <a:rPr lang="en-US" dirty="0">
+                <a:effectLst>
+                  <a:outerShdw blurRad="38100" dist="38100" dir="2700000" algn="tl">
+                    <a:srgbClr val="000000">
+                      <a:alpha val="43137"/>
+                    </a:srgbClr>
+                  </a:outerShdw>
+                </a:effectLst>
+              </a:rPr>
+              <a:t> costs and increase efficiency in production of better and sustainable fabrics to the population. </a:t>
+            </a:r>
+          </a:p>
+          <a:p>
+            <a:pPr marL="285750" indent="-285750">
+              <a:lnSpc>
+                <a:spcPct val="150000"/>
+              </a:lnSpc>
+              <a:buFont typeface="Wingdings" panose="05000000000000000000" pitchFamily="2" charset="2"/>
+              <a:buChar char="Ø"/>
+            </a:pPr>
+            <a:r>
+              <a:rPr lang="en-US" dirty="0">
+                <a:effectLst>
+                  <a:outerShdw blurRad="38100" dist="38100" dir="2700000" algn="tl">
+                    <a:srgbClr val="000000">
+                      <a:alpha val="43137"/>
+                    </a:srgbClr>
+                  </a:outerShdw>
+                </a:effectLst>
+              </a:rPr>
+              <a:t>Therefore we can harness this new technology to our fullest and can gain benefits out of this.</a:t>
+            </a:r>
+            <a:endParaRPr lang="en-IN" dirty="0">
+              <a:effectLst>
+                <a:outerShdw blurRad="38100" dist="38100" dir="2700000" algn="tl">
+                  <a:srgbClr val="000000">
+                    <a:alpha val="43137"/>
+                  </a:srgbClr>
+                </a:outerShdw>
+              </a:effectLst>
+            </a:endParaRPr>
           </a:p>
         </p:txBody>
       </p:sp>
@@ -7018,7 +7337,7 @@
           <p:nvPr/>
         </p:nvPicPr>
         <p:blipFill>
-          <a:blip r:embed="rId2">
+          <a:blip r:embed="rId3">
             <a:extLst>
               <a:ext uri="{28A0092B-C50C-407E-A947-70E740481C1C}">
                 <a14:useLocalDpi xmlns:a14="http://schemas.microsoft.com/office/drawing/2010/main" val="0"/>
@@ -7069,89 +7388,12 @@
           <a:chExt cx="0" cy="0"/>
         </a:xfrm>
       </p:grpSpPr>
-      <p:sp>
-        <p:nvSpPr>
-          <p:cNvPr id="2" name="TextBox 1">
+      <p:pic>
+        <p:nvPicPr>
+          <p:cNvPr id="8" name="Picture 7">
             <a:extLst>
               <a:ext uri="{FF2B5EF4-FFF2-40B4-BE49-F238E27FC236}">
-                <a16:creationId xmlns:a16="http://schemas.microsoft.com/office/drawing/2014/main" id="{4DA61C1F-2626-1E9E-4397-255AFE856209}"/>
-              </a:ext>
-            </a:extLst>
-          </p:cNvPr>
-          <p:cNvSpPr txBox="1"/>
-          <p:nvPr/>
-        </p:nvSpPr>
-        <p:spPr>
-          <a:xfrm>
-            <a:off x="724035" y="484631"/>
-            <a:ext cx="2037453" cy="523220"/>
-          </a:xfrm>
-          <a:prstGeom prst="rect">
-            <a:avLst/>
-          </a:prstGeom>
-          <a:noFill/>
-        </p:spPr>
-        <p:txBody>
-          <a:bodyPr wrap="square" rtlCol="0">
-            <a:spAutoFit/>
-          </a:bodyPr>
-          <a:lstStyle/>
-          <a:p>
-            <a:r>
-              <a:rPr lang="en-IN" sz="2800" u="sng" dirty="0">
-                <a:solidFill>
-                  <a:schemeClr val="tx2"/>
-                </a:solidFill>
-              </a:rPr>
-              <a:t>OUR VISION</a:t>
-            </a:r>
-          </a:p>
-        </p:txBody>
-      </p:sp>
-      <p:sp>
-        <p:nvSpPr>
-          <p:cNvPr id="6" name="TextBox 5">
-            <a:extLst>
-              <a:ext uri="{FF2B5EF4-FFF2-40B4-BE49-F238E27FC236}">
-                <a16:creationId xmlns:a16="http://schemas.microsoft.com/office/drawing/2014/main" id="{778D9B83-6FA9-204C-0E2A-B762DB752752}"/>
-              </a:ext>
-            </a:extLst>
-          </p:cNvPr>
-          <p:cNvSpPr txBox="1"/>
-          <p:nvPr/>
-        </p:nvSpPr>
-        <p:spPr>
-          <a:xfrm>
-            <a:off x="724035" y="1298448"/>
-            <a:ext cx="8494776" cy="646331"/>
-          </a:xfrm>
-          <a:prstGeom prst="rect">
-            <a:avLst/>
-          </a:prstGeom>
-          <a:noFill/>
-        </p:spPr>
-        <p:txBody>
-          <a:bodyPr wrap="square" rtlCol="0">
-            <a:spAutoFit/>
-          </a:bodyPr>
-          <a:lstStyle/>
-          <a:p>
-            <a:r>
-              <a:rPr lang="en-US" dirty="0"/>
-              <a:t>LOREM300</a:t>
-            </a:r>
-          </a:p>
-          <a:p>
-            <a:endParaRPr lang="en-IN" dirty="0"/>
-          </a:p>
-        </p:txBody>
-      </p:sp>
-      <p:pic>
-        <p:nvPicPr>
-          <p:cNvPr id="7" name="Picture 6">
-            <a:extLst>
-              <a:ext uri="{FF2B5EF4-FFF2-40B4-BE49-F238E27FC236}">
-                <a16:creationId xmlns:a16="http://schemas.microsoft.com/office/drawing/2014/main" id="{3EAEC7FA-5568-D4BB-5B86-7E19205CD462}"/>
+                <a16:creationId xmlns:a16="http://schemas.microsoft.com/office/drawing/2014/main" id="{E543725A-2B34-AFAC-F190-B7E58A2BBC1A}"/>
               </a:ext>
             </a:extLst>
           </p:cNvPr>
@@ -7174,6 +7416,196 @@
         </p:blipFill>
         <p:spPr>
           <a:xfrm>
+            <a:off x="4562272" y="1462212"/>
+            <a:ext cx="6997132" cy="4428706"/>
+          </a:xfrm>
+          <a:prstGeom prst="roundRect">
+            <a:avLst>
+              <a:gd name="adj" fmla="val 16667"/>
+            </a:avLst>
+          </a:prstGeom>
+          <a:ln>
+            <a:noFill/>
+          </a:ln>
+          <a:effectLst>
+            <a:glow rad="127000">
+              <a:schemeClr val="accent1">
+                <a:alpha val="25000"/>
+              </a:schemeClr>
+            </a:glow>
+            <a:outerShdw blurRad="152400" dist="12000" dir="900000" sy="98000" kx="110000" ky="200000" algn="tl" rotWithShape="0">
+              <a:srgbClr val="000000">
+                <a:alpha val="30000"/>
+              </a:srgbClr>
+            </a:outerShdw>
+          </a:effectLst>
+          <a:scene3d>
+            <a:camera prst="perspectiveRelaxed">
+              <a:rot lat="19800000" lon="1200000" rev="20820000"/>
+            </a:camera>
+            <a:lightRig rig="threePt" dir="t"/>
+          </a:scene3d>
+          <a:sp3d contourW="6350" prstMaterial="matte">
+            <a:bevelT w="101600" h="101600"/>
+            <a:contourClr>
+              <a:srgbClr val="969696"/>
+            </a:contourClr>
+          </a:sp3d>
+        </p:spPr>
+      </p:pic>
+      <p:sp>
+        <p:nvSpPr>
+          <p:cNvPr id="2" name="TextBox 1">
+            <a:extLst>
+              <a:ext uri="{FF2B5EF4-FFF2-40B4-BE49-F238E27FC236}">
+                <a16:creationId xmlns:a16="http://schemas.microsoft.com/office/drawing/2014/main" id="{4DA61C1F-2626-1E9E-4397-255AFE856209}"/>
+              </a:ext>
+            </a:extLst>
+          </p:cNvPr>
+          <p:cNvSpPr txBox="1"/>
+          <p:nvPr/>
+        </p:nvSpPr>
+        <p:spPr>
+          <a:xfrm>
+            <a:off x="550299" y="415771"/>
+            <a:ext cx="4259445" cy="523220"/>
+          </a:xfrm>
+          <a:prstGeom prst="rect">
+            <a:avLst/>
+          </a:prstGeom>
+          <a:noFill/>
+        </p:spPr>
+        <p:txBody>
+          <a:bodyPr wrap="square" rtlCol="0">
+            <a:spAutoFit/>
+          </a:bodyPr>
+          <a:lstStyle/>
+          <a:p>
+            <a:r>
+              <a:rPr lang="en-IN" sz="2800" u="sng" dirty="0">
+                <a:solidFill>
+                  <a:schemeClr val="tx2"/>
+                </a:solidFill>
+                <a:effectLst>
+                  <a:outerShdw blurRad="38100" dist="38100" dir="2700000" algn="tl">
+                    <a:srgbClr val="000000">
+                      <a:alpha val="43137"/>
+                    </a:srgbClr>
+                  </a:outerShdw>
+                </a:effectLst>
+              </a:rPr>
+              <a:t>OUR GOALS AND VISIONS</a:t>
+            </a:r>
+          </a:p>
+        </p:txBody>
+      </p:sp>
+      <p:sp>
+        <p:nvSpPr>
+          <p:cNvPr id="6" name="TextBox 5">
+            <a:extLst>
+              <a:ext uri="{FF2B5EF4-FFF2-40B4-BE49-F238E27FC236}">
+                <a16:creationId xmlns:a16="http://schemas.microsoft.com/office/drawing/2014/main" id="{778D9B83-6FA9-204C-0E2A-B762DB752752}"/>
+              </a:ext>
+            </a:extLst>
+          </p:cNvPr>
+          <p:cNvSpPr txBox="1"/>
+          <p:nvPr/>
+        </p:nvSpPr>
+        <p:spPr>
+          <a:xfrm>
+            <a:off x="632596" y="1298449"/>
+            <a:ext cx="4951082" cy="3170099"/>
+          </a:xfrm>
+          <a:prstGeom prst="rect">
+            <a:avLst/>
+          </a:prstGeom>
+          <a:noFill/>
+        </p:spPr>
+        <p:txBody>
+          <a:bodyPr wrap="square" rtlCol="0">
+            <a:spAutoFit/>
+          </a:bodyPr>
+          <a:lstStyle/>
+          <a:p>
+            <a:r>
+              <a:rPr lang="en-US" sz="2000" b="1" u="sng" dirty="0">
+                <a:effectLst>
+                  <a:outerShdw blurRad="38100" dist="38100" dir="2700000" algn="tl">
+                    <a:srgbClr val="000000">
+                      <a:alpha val="43137"/>
+                    </a:srgbClr>
+                  </a:outerShdw>
+                </a:effectLst>
+              </a:rPr>
+              <a:t>What we aspire to do?</a:t>
+            </a:r>
+          </a:p>
+          <a:p>
+            <a:endParaRPr lang="en-US" dirty="0">
+              <a:effectLst>
+                <a:outerShdw blurRad="38100" dist="38100" dir="2700000" algn="tl">
+                  <a:srgbClr val="000000">
+                    <a:alpha val="43137"/>
+                  </a:srgbClr>
+                </a:outerShdw>
+              </a:effectLst>
+            </a:endParaRPr>
+          </a:p>
+          <a:p>
+            <a:r>
+              <a:rPr lang="en-US" dirty="0">
+                <a:effectLst>
+                  <a:outerShdw blurRad="38100" dist="38100" dir="2700000" algn="tl">
+                    <a:srgbClr val="000000">
+                      <a:alpha val="43137"/>
+                    </a:srgbClr>
+                  </a:outerShdw>
+                </a:effectLst>
+              </a:rPr>
+              <a:t>We are revolutionizing the fashion industry by making clothes that are not only unique but also highly creative. These clothes have great opportunities for personalization/customization and the material used to prepare these clothes are quite affordable, sustainable and eco-friendly.</a:t>
+            </a:r>
+          </a:p>
+          <a:p>
+            <a:endParaRPr lang="en-IN" dirty="0">
+              <a:effectLst>
+                <a:outerShdw blurRad="38100" dist="38100" dir="2700000" algn="tl">
+                  <a:srgbClr val="000000">
+                    <a:alpha val="43137"/>
+                  </a:srgbClr>
+                </a:outerShdw>
+              </a:effectLst>
+            </a:endParaRPr>
+          </a:p>
+        </p:txBody>
+      </p:sp>
+      <p:pic>
+        <p:nvPicPr>
+          <p:cNvPr id="7" name="Picture 6">
+            <a:extLst>
+              <a:ext uri="{FF2B5EF4-FFF2-40B4-BE49-F238E27FC236}">
+                <a16:creationId xmlns:a16="http://schemas.microsoft.com/office/drawing/2014/main" id="{3EAEC7FA-5568-D4BB-5B86-7E19205CD462}"/>
+              </a:ext>
+            </a:extLst>
+          </p:cNvPr>
+          <p:cNvPicPr>
+            <a:picLocks noChangeAspect="1"/>
+          </p:cNvPicPr>
+          <p:nvPr/>
+        </p:nvPicPr>
+        <p:blipFill>
+          <a:blip r:embed="rId3">
+            <a:extLst>
+              <a:ext uri="{28A0092B-C50C-407E-A947-70E740481C1C}">
+                <a14:useLocalDpi xmlns:a14="http://schemas.microsoft.com/office/drawing/2010/main" val="0"/>
+              </a:ext>
+            </a:extLst>
+          </a:blip>
+          <a:stretch>
+            <a:fillRect/>
+          </a:stretch>
+        </p:blipFill>
+        <p:spPr>
+          <a:xfrm>
             <a:off x="6671883" y="0"/>
             <a:ext cx="2546928" cy="1102754"/>
           </a:xfrm>
@@ -7182,6 +7614,85 @@
           </a:prstGeom>
         </p:spPr>
       </p:pic>
+      <p:sp>
+        <p:nvSpPr>
+          <p:cNvPr id="3" name="TextBox 2">
+            <a:extLst>
+              <a:ext uri="{FF2B5EF4-FFF2-40B4-BE49-F238E27FC236}">
+                <a16:creationId xmlns:a16="http://schemas.microsoft.com/office/drawing/2014/main" id="{F40E805A-507D-1574-784D-E0894D4AC5E5}"/>
+              </a:ext>
+            </a:extLst>
+          </p:cNvPr>
+          <p:cNvSpPr txBox="1"/>
+          <p:nvPr/>
+        </p:nvSpPr>
+        <p:spPr>
+          <a:xfrm>
+            <a:off x="753607" y="4614463"/>
+            <a:ext cx="4056137" cy="2062103"/>
+          </a:xfrm>
+          <a:prstGeom prst="rect">
+            <a:avLst/>
+          </a:prstGeom>
+          <a:noFill/>
+        </p:spPr>
+        <p:txBody>
+          <a:bodyPr wrap="square" rtlCol="0">
+            <a:spAutoFit/>
+          </a:bodyPr>
+          <a:lstStyle/>
+          <a:p>
+            <a:r>
+              <a:rPr lang="en-US" sz="2000" b="1" u="sng" dirty="0">
+                <a:effectLst>
+                  <a:outerShdw blurRad="38100" dist="38100" dir="2700000" algn="tl">
+                    <a:srgbClr val="000000">
+                      <a:alpha val="43137"/>
+                    </a:srgbClr>
+                  </a:outerShdw>
+                </a:effectLst>
+              </a:rPr>
+              <a:t>How we should do it?</a:t>
+            </a:r>
+          </a:p>
+          <a:p>
+            <a:endParaRPr lang="en-US" dirty="0">
+              <a:effectLst>
+                <a:outerShdw blurRad="38100" dist="38100" dir="2700000" algn="tl">
+                  <a:srgbClr val="000000">
+                    <a:alpha val="43137"/>
+                  </a:srgbClr>
+                </a:outerShdw>
+              </a:effectLst>
+            </a:endParaRPr>
+          </a:p>
+          <a:p>
+            <a:r>
+              <a:rPr lang="en-US" dirty="0">
+                <a:effectLst>
+                  <a:outerShdw blurRad="38100" dist="38100" dir="2700000" algn="tl">
+                    <a:srgbClr val="000000">
+                      <a:alpha val="43137"/>
+                    </a:srgbClr>
+                  </a:outerShdw>
+                </a:effectLst>
+              </a:rPr>
+              <a:t>Using the above mentioned efficient fabrication system we can make better products as the 3D printing technology allows us to do so.</a:t>
+            </a:r>
+          </a:p>
+          <a:p>
+            <a:endParaRPr lang="en-IN" dirty="0">
+              <a:effectLst>
+                <a:outerShdw blurRad="38100" dist="38100" dir="2700000" algn="tl">
+                  <a:srgbClr val="000000">
+                    <a:alpha val="43137"/>
+                  </a:srgbClr>
+                </a:outerShdw>
+              </a:effectLst>
+            </a:endParaRPr>
+          </a:p>
+        </p:txBody>
+      </p:sp>
     </p:spTree>
     <p:extLst>
       <p:ext uri="{BB962C8B-B14F-4D97-AF65-F5344CB8AC3E}">
@@ -7212,83 +7723,6 @@
           <a:chExt cx="0" cy="0"/>
         </a:xfrm>
       </p:grpSpPr>
-      <p:sp>
-        <p:nvSpPr>
-          <p:cNvPr id="2" name="TextBox 1">
-            <a:extLst>
-              <a:ext uri="{FF2B5EF4-FFF2-40B4-BE49-F238E27FC236}">
-                <a16:creationId xmlns:a16="http://schemas.microsoft.com/office/drawing/2014/main" id="{4DA61C1F-2626-1E9E-4397-255AFE856209}"/>
-              </a:ext>
-            </a:extLst>
-          </p:cNvPr>
-          <p:cNvSpPr txBox="1"/>
-          <p:nvPr/>
-        </p:nvSpPr>
-        <p:spPr>
-          <a:xfrm>
-            <a:off x="724035" y="484631"/>
-            <a:ext cx="3079869" cy="523220"/>
-          </a:xfrm>
-          <a:prstGeom prst="rect">
-            <a:avLst/>
-          </a:prstGeom>
-          <a:noFill/>
-        </p:spPr>
-        <p:txBody>
-          <a:bodyPr wrap="square" rtlCol="0">
-            <a:spAutoFit/>
-          </a:bodyPr>
-          <a:lstStyle/>
-          <a:p>
-            <a:r>
-              <a:rPr lang="en-IN" sz="2800" u="sng" dirty="0">
-                <a:solidFill>
-                  <a:schemeClr val="tx2"/>
-                </a:solidFill>
-              </a:rPr>
-              <a:t>OUR STRATEGY</a:t>
-            </a:r>
-          </a:p>
-        </p:txBody>
-      </p:sp>
-      <p:sp>
-        <p:nvSpPr>
-          <p:cNvPr id="6" name="TextBox 5">
-            <a:extLst>
-              <a:ext uri="{FF2B5EF4-FFF2-40B4-BE49-F238E27FC236}">
-                <a16:creationId xmlns:a16="http://schemas.microsoft.com/office/drawing/2014/main" id="{778D9B83-6FA9-204C-0E2A-B762DB752752}"/>
-              </a:ext>
-            </a:extLst>
-          </p:cNvPr>
-          <p:cNvSpPr txBox="1"/>
-          <p:nvPr/>
-        </p:nvSpPr>
-        <p:spPr>
-          <a:xfrm>
-            <a:off x="724035" y="1298448"/>
-            <a:ext cx="8494776" cy="646331"/>
-          </a:xfrm>
-          <a:prstGeom prst="rect">
-            <a:avLst/>
-          </a:prstGeom>
-          <a:noFill/>
-        </p:spPr>
-        <p:txBody>
-          <a:bodyPr wrap="square" rtlCol="0">
-            <a:spAutoFit/>
-          </a:bodyPr>
-          <a:lstStyle/>
-          <a:p>
-            <a:r>
-              <a:rPr lang="en-US" dirty="0"/>
-              <a:t>LOREM300</a:t>
-            </a:r>
-          </a:p>
-          <a:p>
-            <a:endParaRPr lang="en-IN" dirty="0"/>
-          </a:p>
-        </p:txBody>
-      </p:sp>
       <p:pic>
         <p:nvPicPr>
           <p:cNvPr id="4" name="Picture 3">
@@ -7325,6 +7759,61 @@
           </a:prstGeom>
         </p:spPr>
       </p:pic>
+      <p:sp>
+        <p:nvSpPr>
+          <p:cNvPr id="3" name="TextBox 2">
+            <a:extLst>
+              <a:ext uri="{FF2B5EF4-FFF2-40B4-BE49-F238E27FC236}">
+                <a16:creationId xmlns:a16="http://schemas.microsoft.com/office/drawing/2014/main" id="{17ED5785-6856-F2D1-00BA-E0CF7D571F75}"/>
+              </a:ext>
+            </a:extLst>
+          </p:cNvPr>
+          <p:cNvSpPr txBox="1"/>
+          <p:nvPr/>
+        </p:nvSpPr>
+        <p:spPr>
+          <a:xfrm>
+            <a:off x="958861" y="1366897"/>
+            <a:ext cx="6380853" cy="2062103"/>
+          </a:xfrm>
+          <a:prstGeom prst="rect">
+            <a:avLst/>
+          </a:prstGeom>
+          <a:noFill/>
+        </p:spPr>
+        <p:txBody>
+          <a:bodyPr wrap="square" rtlCol="0">
+            <a:spAutoFit/>
+          </a:bodyPr>
+          <a:lstStyle/>
+          <a:p>
+            <a:r>
+              <a:rPr lang="en-US" sz="2000" b="1" u="sng" dirty="0"/>
+              <a:t>Why we do it?</a:t>
+            </a:r>
+          </a:p>
+          <a:p>
+            <a:endParaRPr lang="en-US" dirty="0"/>
+          </a:p>
+          <a:p>
+            <a:r>
+              <a:rPr lang="en-US" dirty="0"/>
+              <a:t>To keep up with the technical drive and to solve a lot of problems our textile industry is facing these years like </a:t>
+            </a:r>
+            <a:r>
+              <a:rPr lang="en-US" dirty="0" err="1"/>
+              <a:t>labour</a:t>
+            </a:r>
+            <a:r>
+              <a:rPr lang="en-US" dirty="0"/>
+              <a:t> and lack of technical efficiency, we decided to solve this problem our way like this.</a:t>
+            </a:r>
+          </a:p>
+          <a:p>
+            <a:endParaRPr lang="en-IN" dirty="0"/>
+          </a:p>
+        </p:txBody>
+      </p:sp>
     </p:spTree>
     <p:extLst>
       <p:ext uri="{BB962C8B-B14F-4D97-AF65-F5344CB8AC3E}">

--- a/Demonstration.pptx
+++ b/Demonstration.pptx
@@ -6882,15 +6882,7 @@
               <a:buChar char="Ø"/>
             </a:pPr>
             <a:r>
-              <a:rPr lang="en-US" dirty="0">
-                <a:effectLst>
-                  <a:outerShdw blurRad="38100" dist="38100" dir="2700000" algn="tl">
-                    <a:srgbClr val="000000">
-                      <a:alpha val="43137"/>
-                    </a:srgbClr>
-                  </a:outerShdw>
-                </a:effectLst>
-              </a:rPr>
+              <a:rPr lang="en-US" dirty="0"/>
               <a:t>As we all know, today’s apparel industry is not sustainable. Each stage of it’s value chain is harmful to both people and planet.</a:t>
             </a:r>
           </a:p>
@@ -6903,15 +6895,7 @@
               <a:buChar char="Ø"/>
             </a:pPr>
             <a:r>
-              <a:rPr lang="en-US" dirty="0">
-                <a:effectLst>
-                  <a:outerShdw blurRad="38100" dist="38100" dir="2700000" algn="tl">
-                    <a:srgbClr val="000000">
-                      <a:alpha val="43137"/>
-                    </a:srgbClr>
-                  </a:outerShdw>
-                </a:effectLst>
-              </a:rPr>
+              <a:rPr lang="en-US" dirty="0"/>
               <a:t>In fact, fashion is world’s second-most pollution industry.</a:t>
             </a:r>
           </a:p>
@@ -6989,15 +6973,7 @@
               <a:buChar char="Ø"/>
             </a:pPr>
             <a:r>
-              <a:rPr lang="en-US" dirty="0">
-                <a:effectLst>
-                  <a:outerShdw blurRad="38100" dist="38100" dir="2700000" algn="tl">
-                    <a:srgbClr val="000000">
-                      <a:alpha val="43137"/>
-                    </a:srgbClr>
-                  </a:outerShdw>
-                </a:effectLst>
-              </a:rPr>
+              <a:rPr lang="en-US" dirty="0"/>
               <a:t>3-D printing technology is considered as one of the most emerging and significant technology of the upcoming revolution in the fashion industry.</a:t>
             </a:r>
           </a:p>
@@ -7010,26 +6986,10 @@
               <a:buChar char="Ø"/>
             </a:pPr>
             <a:r>
-              <a:rPr lang="en-US" dirty="0">
-                <a:effectLst>
-                  <a:outerShdw blurRad="38100" dist="38100" dir="2700000" algn="tl">
-                    <a:srgbClr val="000000">
-                      <a:alpha val="43137"/>
-                    </a:srgbClr>
-                  </a:outerShdw>
-                </a:effectLst>
-              </a:rPr>
+              <a:rPr lang="en-US" dirty="0"/>
               <a:t>One can use 3D printing technology in fashion to design accessories, build prototypes and manufacturing tools , boost towards sustainability efforts and expand customization options.</a:t>
             </a:r>
-            <a:endParaRPr lang="en-IN" dirty="0">
-              <a:effectLst>
-                <a:outerShdw blurRad="38100" dist="38100" dir="2700000" algn="tl">
-                  <a:srgbClr val="000000">
-                    <a:alpha val="43137"/>
-                  </a:srgbClr>
-                </a:outerShdw>
-              </a:effectLst>
-            </a:endParaRPr>
+            <a:endParaRPr lang="en-IN" dirty="0"/>
           </a:p>
         </p:txBody>
       </p:sp>
@@ -7212,15 +7172,7 @@
               <a:buChar char="Ø"/>
             </a:pPr>
             <a:r>
-              <a:rPr lang="en-US" dirty="0">
-                <a:effectLst>
-                  <a:outerShdw blurRad="38100" dist="38100" dir="2700000" algn="tl">
-                    <a:srgbClr val="000000">
-                      <a:alpha val="43137"/>
-                    </a:srgbClr>
-                  </a:outerShdw>
-                </a:effectLst>
-              </a:rPr>
+              <a:rPr lang="en-US" dirty="0"/>
               <a:t>3D printing technology is considered as one of the most emerging and significant technology of the forth industrial revolution in the fashion industry.</a:t>
             </a:r>
           </a:p>
@@ -7233,15 +7185,7 @@
               <a:buChar char="Ø"/>
             </a:pPr>
             <a:r>
-              <a:rPr lang="en-US" dirty="0">
-                <a:effectLst>
-                  <a:outerShdw blurRad="38100" dist="38100" dir="2700000" algn="tl">
-                    <a:srgbClr val="000000">
-                      <a:alpha val="43137"/>
-                    </a:srgbClr>
-                  </a:outerShdw>
-                </a:effectLst>
-              </a:rPr>
+              <a:rPr lang="en-US" dirty="0"/>
               <a:t>One can use 3D printing technology in fashion to design accessories build prototypes and manufacturing tools, boost towards sustainability efforts and expand customization options.</a:t>
             </a:r>
           </a:p>
@@ -7254,39 +7198,15 @@
               <a:buChar char="Ø"/>
             </a:pPr>
             <a:r>
-              <a:rPr lang="en-US" dirty="0">
-                <a:effectLst>
-                  <a:outerShdw blurRad="38100" dist="38100" dir="2700000" algn="tl">
-                    <a:srgbClr val="000000">
-                      <a:alpha val="43137"/>
-                    </a:srgbClr>
-                  </a:outerShdw>
-                </a:effectLst>
-              </a:rPr>
+              <a:rPr lang="en-US" dirty="0"/>
               <a:t>Moreover, it can reduce </a:t>
             </a:r>
             <a:r>
-              <a:rPr lang="en-US" dirty="0" err="1">
-                <a:effectLst>
-                  <a:outerShdw blurRad="38100" dist="38100" dir="2700000" algn="tl">
-                    <a:srgbClr val="000000">
-                      <a:alpha val="43137"/>
-                    </a:srgbClr>
-                  </a:outerShdw>
-                </a:effectLst>
-              </a:rPr>
+              <a:rPr lang="en-US" dirty="0" err="1"/>
               <a:t>labour</a:t>
             </a:r>
             <a:r>
-              <a:rPr lang="en-US" dirty="0">
-                <a:effectLst>
-                  <a:outerShdw blurRad="38100" dist="38100" dir="2700000" algn="tl">
-                    <a:srgbClr val="000000">
-                      <a:alpha val="43137"/>
-                    </a:srgbClr>
-                  </a:outerShdw>
-                </a:effectLst>
-              </a:rPr>
+              <a:rPr lang="en-US" dirty="0"/>
               <a:t> costs and increase efficiency in production of better and sustainable fabrics to the population. </a:t>
             </a:r>
           </a:p>
@@ -7299,26 +7219,10 @@
               <a:buChar char="Ø"/>
             </a:pPr>
             <a:r>
-              <a:rPr lang="en-US" dirty="0">
-                <a:effectLst>
-                  <a:outerShdw blurRad="38100" dist="38100" dir="2700000" algn="tl">
-                    <a:srgbClr val="000000">
-                      <a:alpha val="43137"/>
-                    </a:srgbClr>
-                  </a:outerShdw>
-                </a:effectLst>
-              </a:rPr>
+              <a:rPr lang="en-US" dirty="0"/>
               <a:t>Therefore we can harness this new technology to our fullest and can gain benefits out of this.</a:t>
             </a:r>
-            <a:endParaRPr lang="en-IN" dirty="0">
-              <a:effectLst>
-                <a:outerShdw blurRad="38100" dist="38100" dir="2700000" algn="tl">
-                  <a:srgbClr val="000000">
-                    <a:alpha val="43137"/>
-                  </a:srgbClr>
-                </a:outerShdw>
-              </a:effectLst>
-            </a:endParaRPr>
+            <a:endParaRPr lang="en-IN" dirty="0"/>
           </a:p>
         </p:txBody>
       </p:sp>
@@ -7528,53 +7432,21 @@
           <a:lstStyle/>
           <a:p>
             <a:r>
-              <a:rPr lang="en-US" sz="2000" b="1" u="sng" dirty="0">
-                <a:effectLst>
-                  <a:outerShdw blurRad="38100" dist="38100" dir="2700000" algn="tl">
-                    <a:srgbClr val="000000">
-                      <a:alpha val="43137"/>
-                    </a:srgbClr>
-                  </a:outerShdw>
-                </a:effectLst>
-              </a:rPr>
+              <a:rPr lang="en-US" sz="2000" b="1" u="sng" dirty="0"/>
               <a:t>What we aspire to do?</a:t>
             </a:r>
           </a:p>
           <a:p>
-            <a:endParaRPr lang="en-US" dirty="0">
-              <a:effectLst>
-                <a:outerShdw blurRad="38100" dist="38100" dir="2700000" algn="tl">
-                  <a:srgbClr val="000000">
-                    <a:alpha val="43137"/>
-                  </a:srgbClr>
-                </a:outerShdw>
-              </a:effectLst>
-            </a:endParaRPr>
-          </a:p>
-          <a:p>
-            <a:r>
-              <a:rPr lang="en-US" dirty="0">
-                <a:effectLst>
-                  <a:outerShdw blurRad="38100" dist="38100" dir="2700000" algn="tl">
-                    <a:srgbClr val="000000">
-                      <a:alpha val="43137"/>
-                    </a:srgbClr>
-                  </a:outerShdw>
-                </a:effectLst>
-              </a:rPr>
+            <a:endParaRPr lang="en-US" dirty="0"/>
+          </a:p>
+          <a:p>
+            <a:r>
+              <a:rPr lang="en-US" dirty="0"/>
               <a:t>We are revolutionizing the fashion industry by making clothes that are not only unique but also highly creative. These clothes have great opportunities for personalization/customization and the material used to prepare these clothes are quite affordable, sustainable and eco-friendly.</a:t>
             </a:r>
           </a:p>
           <a:p>
-            <a:endParaRPr lang="en-IN" dirty="0">
-              <a:effectLst>
-                <a:outerShdw blurRad="38100" dist="38100" dir="2700000" algn="tl">
-                  <a:srgbClr val="000000">
-                    <a:alpha val="43137"/>
-                  </a:srgbClr>
-                </a:outerShdw>
-              </a:effectLst>
-            </a:endParaRPr>
+            <a:endParaRPr lang="en-IN" dirty="0"/>
           </a:p>
         </p:txBody>
       </p:sp>
@@ -7628,7 +7500,7 @@
         </p:nvSpPr>
         <p:spPr>
           <a:xfrm>
-            <a:off x="753607" y="4614463"/>
+            <a:off x="632596" y="4468548"/>
             <a:ext cx="4056137" cy="2062103"/>
           </a:xfrm>
           <a:prstGeom prst="rect">
@@ -7643,53 +7515,21 @@
           <a:lstStyle/>
           <a:p>
             <a:r>
-              <a:rPr lang="en-US" sz="2000" b="1" u="sng" dirty="0">
-                <a:effectLst>
-                  <a:outerShdw blurRad="38100" dist="38100" dir="2700000" algn="tl">
-                    <a:srgbClr val="000000">
-                      <a:alpha val="43137"/>
-                    </a:srgbClr>
-                  </a:outerShdw>
-                </a:effectLst>
-              </a:rPr>
+              <a:rPr lang="en-US" sz="2000" b="1" u="sng" dirty="0"/>
               <a:t>How we should do it?</a:t>
             </a:r>
           </a:p>
           <a:p>
-            <a:endParaRPr lang="en-US" dirty="0">
-              <a:effectLst>
-                <a:outerShdw blurRad="38100" dist="38100" dir="2700000" algn="tl">
-                  <a:srgbClr val="000000">
-                    <a:alpha val="43137"/>
-                  </a:srgbClr>
-                </a:outerShdw>
-              </a:effectLst>
-            </a:endParaRPr>
-          </a:p>
-          <a:p>
-            <a:r>
-              <a:rPr lang="en-US" dirty="0">
-                <a:effectLst>
-                  <a:outerShdw blurRad="38100" dist="38100" dir="2700000" algn="tl">
-                    <a:srgbClr val="000000">
-                      <a:alpha val="43137"/>
-                    </a:srgbClr>
-                  </a:outerShdw>
-                </a:effectLst>
-              </a:rPr>
+            <a:endParaRPr lang="en-US" dirty="0"/>
+          </a:p>
+          <a:p>
+            <a:r>
+              <a:rPr lang="en-US" dirty="0"/>
               <a:t>Using the above mentioned efficient fabrication system we can make better products as the 3D printing technology allows us to do so.</a:t>
             </a:r>
           </a:p>
           <a:p>
-            <a:endParaRPr lang="en-IN" dirty="0">
-              <a:effectLst>
-                <a:outerShdw blurRad="38100" dist="38100" dir="2700000" algn="tl">
-                  <a:srgbClr val="000000">
-                    <a:alpha val="43137"/>
-                  </a:srgbClr>
-                </a:outerShdw>
-              </a:effectLst>
-            </a:endParaRPr>
+            <a:endParaRPr lang="en-IN" dirty="0"/>
           </a:p>
         </p:txBody>
       </p:sp>

--- a/Demonstration.pptx
+++ b/Demonstration.pptx
@@ -2,21 +2,24 @@
 <file path=ppt/presentation.xml><?xml version="1.0" encoding="utf-8"?>
 <p:presentation xmlns:a="http://schemas.openxmlformats.org/drawingml/2006/main" xmlns:r="http://schemas.openxmlformats.org/officeDocument/2006/relationships" xmlns:p="http://schemas.openxmlformats.org/presentationml/2006/main" saveSubsetFonts="1">
   <p:sldMasterIdLst>
-    <p:sldMasterId id="2147483708" r:id="rId1"/>
+    <p:sldMasterId id="2147483725" r:id="rId1"/>
   </p:sldMasterIdLst>
   <p:notesMasterIdLst>
-    <p:notesMasterId r:id="rId11"/>
+    <p:notesMasterId r:id="rId14"/>
   </p:notesMasterIdLst>
   <p:sldIdLst>
     <p:sldId id="256" r:id="rId2"/>
     <p:sldId id="257" r:id="rId3"/>
-    <p:sldId id="265" r:id="rId4"/>
+    <p:sldId id="267" r:id="rId4"/>
     <p:sldId id="264" r:id="rId5"/>
     <p:sldId id="258" r:id="rId6"/>
-    <p:sldId id="259" r:id="rId7"/>
-    <p:sldId id="260" r:id="rId8"/>
-    <p:sldId id="261" r:id="rId9"/>
-    <p:sldId id="262" r:id="rId10"/>
+    <p:sldId id="260" r:id="rId7"/>
+    <p:sldId id="259" r:id="rId8"/>
+    <p:sldId id="269" r:id="rId9"/>
+    <p:sldId id="266" r:id="rId10"/>
+    <p:sldId id="268" r:id="rId11"/>
+    <p:sldId id="261" r:id="rId12"/>
+    <p:sldId id="262" r:id="rId13"/>
   </p:sldIdLst>
   <p:sldSz cx="12192000" cy="6858000"/>
   <p:notesSz cx="6858000" cy="9144000"/>
@@ -116,6 +119,26 @@
     </a:lvl9pPr>
   </p:defaultTextStyle>
   <p:extLst>
+    <p:ext uri="{521415D9-36F7-43E2-AB2F-B90AF26B5E84}">
+      <p14:sectionLst xmlns:p14="http://schemas.microsoft.com/office/powerpoint/2010/main">
+        <p14:section name="Default Section" id="{0B38B7DD-A11B-4217-90E9-6BE089FABA2B}">
+          <p14:sldIdLst>
+            <p14:sldId id="256"/>
+            <p14:sldId id="257"/>
+            <p14:sldId id="267"/>
+            <p14:sldId id="264"/>
+            <p14:sldId id="258"/>
+            <p14:sldId id="260"/>
+            <p14:sldId id="259"/>
+            <p14:sldId id="269"/>
+            <p14:sldId id="266"/>
+            <p14:sldId id="268"/>
+            <p14:sldId id="261"/>
+            <p14:sldId id="262"/>
+          </p14:sldIdLst>
+        </p14:section>
+      </p14:sectionLst>
+    </p:ext>
     <p:ext uri="{EFAFB233-063F-42B5-8137-9DF3F51BA10A}">
       <p15:sldGuideLst xmlns:p15="http://schemas.microsoft.com/office/powerpoint/2012/main"/>
     </p:ext>
@@ -205,7 +228,7 @@
           <a:p>
             <a:fld id="{D0C19D20-80B6-4924-999B-F50093D00BAB}" type="datetimeFigureOut">
               <a:rPr lang="en-IN" smtClean="0"/>
-              <a:t>15-01-2023</a:t>
+              <a:t>16-01-2023</a:t>
             </a:fld>
             <a:endParaRPr lang="en-IN"/>
           </a:p>
@@ -1279,7 +1302,7 @@
           <a:p>
             <a:fld id="{2A7567FF-5FC6-44B1-B509-8955990E2FDC}" type="datetimeFigureOut">
               <a:rPr lang="en-IN" smtClean="0"/>
-              <a:t>15-01-2023</a:t>
+              <a:t>16-01-2023</a:t>
             </a:fld>
             <a:endParaRPr lang="en-IN"/>
           </a:p>
@@ -1330,7 +1353,7 @@
     </p:spTree>
     <p:extLst>
       <p:ext uri="{BB962C8B-B14F-4D97-AF65-F5344CB8AC3E}">
-        <p14:creationId xmlns:p14="http://schemas.microsoft.com/office/powerpoint/2010/main" val="2731639538"/>
+        <p14:creationId xmlns:p14="http://schemas.microsoft.com/office/powerpoint/2010/main" val="2977148564"/>
       </p:ext>
     </p:extLst>
   </p:cSld>
@@ -1530,7 +1553,7 @@
           <a:p>
             <a:fld id="{2A7567FF-5FC6-44B1-B509-8955990E2FDC}" type="datetimeFigureOut">
               <a:rPr lang="en-IN" smtClean="0"/>
-              <a:t>15-01-2023</a:t>
+              <a:t>16-01-2023</a:t>
             </a:fld>
             <a:endParaRPr lang="en-IN"/>
           </a:p>
@@ -1581,7 +1604,7 @@
     </p:spTree>
     <p:extLst>
       <p:ext uri="{BB962C8B-B14F-4D97-AF65-F5344CB8AC3E}">
-        <p14:creationId xmlns:p14="http://schemas.microsoft.com/office/powerpoint/2010/main" val="129926797"/>
+        <p14:creationId xmlns:p14="http://schemas.microsoft.com/office/powerpoint/2010/main" val="3472570124"/>
       </p:ext>
     </p:extLst>
   </p:cSld>
@@ -1844,7 +1867,7 @@
           <a:p>
             <a:fld id="{2A7567FF-5FC6-44B1-B509-8955990E2FDC}" type="datetimeFigureOut">
               <a:rPr lang="en-IN" smtClean="0"/>
-              <a:t>15-01-2023</a:t>
+              <a:t>16-01-2023</a:t>
             </a:fld>
             <a:endParaRPr lang="en-IN"/>
           </a:p>
@@ -1985,7 +2008,7 @@
     </p:spTree>
     <p:extLst>
       <p:ext uri="{BB962C8B-B14F-4D97-AF65-F5344CB8AC3E}">
-        <p14:creationId xmlns:p14="http://schemas.microsoft.com/office/powerpoint/2010/main" val="1685191730"/>
+        <p14:creationId xmlns:p14="http://schemas.microsoft.com/office/powerpoint/2010/main" val="2859647021"/>
       </p:ext>
     </p:extLst>
   </p:cSld>
@@ -2185,7 +2208,7 @@
           <a:p>
             <a:fld id="{2A7567FF-5FC6-44B1-B509-8955990E2FDC}" type="datetimeFigureOut">
               <a:rPr lang="en-IN" smtClean="0"/>
-              <a:t>15-01-2023</a:t>
+              <a:t>16-01-2023</a:t>
             </a:fld>
             <a:endParaRPr lang="en-IN"/>
           </a:p>
@@ -2236,7 +2259,7 @@
     </p:spTree>
     <p:extLst>
       <p:ext uri="{BB962C8B-B14F-4D97-AF65-F5344CB8AC3E}">
-        <p14:creationId xmlns:p14="http://schemas.microsoft.com/office/powerpoint/2010/main" val="1596611287"/>
+        <p14:creationId xmlns:p14="http://schemas.microsoft.com/office/powerpoint/2010/main" val="3129658491"/>
       </p:ext>
     </p:extLst>
   </p:cSld>
@@ -2499,7 +2522,7 @@
           <a:p>
             <a:fld id="{2A7567FF-5FC6-44B1-B509-8955990E2FDC}" type="datetimeFigureOut">
               <a:rPr lang="en-IN" smtClean="0"/>
-              <a:t>15-01-2023</a:t>
+              <a:t>16-01-2023</a:t>
             </a:fld>
             <a:endParaRPr lang="en-IN"/>
           </a:p>
@@ -2632,7 +2655,7 @@
     </p:spTree>
     <p:extLst>
       <p:ext uri="{BB962C8B-B14F-4D97-AF65-F5344CB8AC3E}">
-        <p14:creationId xmlns:p14="http://schemas.microsoft.com/office/powerpoint/2010/main" val="509391259"/>
+        <p14:creationId xmlns:p14="http://schemas.microsoft.com/office/powerpoint/2010/main" val="416484607"/>
       </p:ext>
     </p:extLst>
   </p:cSld>
@@ -2892,7 +2915,7 @@
           <a:p>
             <a:fld id="{2A7567FF-5FC6-44B1-B509-8955990E2FDC}" type="datetimeFigureOut">
               <a:rPr lang="en-IN" smtClean="0"/>
-              <a:t>15-01-2023</a:t>
+              <a:t>16-01-2023</a:t>
             </a:fld>
             <a:endParaRPr lang="en-IN"/>
           </a:p>
@@ -2943,7 +2966,7 @@
     </p:spTree>
     <p:extLst>
       <p:ext uri="{BB962C8B-B14F-4D97-AF65-F5344CB8AC3E}">
-        <p14:creationId xmlns:p14="http://schemas.microsoft.com/office/powerpoint/2010/main" val="1492122818"/>
+        <p14:creationId xmlns:p14="http://schemas.microsoft.com/office/powerpoint/2010/main" val="440772923"/>
       </p:ext>
     </p:extLst>
   </p:cSld>
@@ -3062,7 +3085,7 @@
           <a:p>
             <a:fld id="{2A7567FF-5FC6-44B1-B509-8955990E2FDC}" type="datetimeFigureOut">
               <a:rPr lang="en-IN" smtClean="0"/>
-              <a:t>15-01-2023</a:t>
+              <a:t>16-01-2023</a:t>
             </a:fld>
             <a:endParaRPr lang="en-IN"/>
           </a:p>
@@ -3113,7 +3136,7 @@
     </p:spTree>
     <p:extLst>
       <p:ext uri="{BB962C8B-B14F-4D97-AF65-F5344CB8AC3E}">
-        <p14:creationId xmlns:p14="http://schemas.microsoft.com/office/powerpoint/2010/main" val="665441872"/>
+        <p14:creationId xmlns:p14="http://schemas.microsoft.com/office/powerpoint/2010/main" val="3722374940"/>
       </p:ext>
     </p:extLst>
   </p:cSld>
@@ -3242,7 +3265,7 @@
           <a:p>
             <a:fld id="{2A7567FF-5FC6-44B1-B509-8955990E2FDC}" type="datetimeFigureOut">
               <a:rPr lang="en-IN" smtClean="0"/>
-              <a:t>15-01-2023</a:t>
+              <a:t>16-01-2023</a:t>
             </a:fld>
             <a:endParaRPr lang="en-IN"/>
           </a:p>
@@ -3293,7 +3316,7 @@
     </p:spTree>
     <p:extLst>
       <p:ext uri="{BB962C8B-B14F-4D97-AF65-F5344CB8AC3E}">
-        <p14:creationId xmlns:p14="http://schemas.microsoft.com/office/powerpoint/2010/main" val="4140691793"/>
+        <p14:creationId xmlns:p14="http://schemas.microsoft.com/office/powerpoint/2010/main" val="1509874112"/>
       </p:ext>
     </p:extLst>
   </p:cSld>
@@ -3418,7 +3441,7 @@
           <a:p>
             <a:fld id="{2A7567FF-5FC6-44B1-B509-8955990E2FDC}" type="datetimeFigureOut">
               <a:rPr lang="en-IN" smtClean="0"/>
-              <a:t>15-01-2023</a:t>
+              <a:t>16-01-2023</a:t>
             </a:fld>
             <a:endParaRPr lang="en-IN"/>
           </a:p>
@@ -3469,7 +3492,7 @@
     </p:spTree>
     <p:extLst>
       <p:ext uri="{BB962C8B-B14F-4D97-AF65-F5344CB8AC3E}">
-        <p14:creationId xmlns:p14="http://schemas.microsoft.com/office/powerpoint/2010/main" val="1152924906"/>
+        <p14:creationId xmlns:p14="http://schemas.microsoft.com/office/powerpoint/2010/main" val="1069736243"/>
       </p:ext>
     </p:extLst>
   </p:cSld>
@@ -3665,7 +3688,7 @@
           <a:p>
             <a:fld id="{2A7567FF-5FC6-44B1-B509-8955990E2FDC}" type="datetimeFigureOut">
               <a:rPr lang="en-IN" smtClean="0"/>
-              <a:t>15-01-2023</a:t>
+              <a:t>16-01-2023</a:t>
             </a:fld>
             <a:endParaRPr lang="en-IN"/>
           </a:p>
@@ -3716,7 +3739,7 @@
     </p:spTree>
     <p:extLst>
       <p:ext uri="{BB962C8B-B14F-4D97-AF65-F5344CB8AC3E}">
-        <p14:creationId xmlns:p14="http://schemas.microsoft.com/office/powerpoint/2010/main" val="2704526074"/>
+        <p14:creationId xmlns:p14="http://schemas.microsoft.com/office/powerpoint/2010/main" val="4078627080"/>
       </p:ext>
     </p:extLst>
   </p:cSld>
@@ -3897,7 +3920,7 @@
           <a:p>
             <a:fld id="{2A7567FF-5FC6-44B1-B509-8955990E2FDC}" type="datetimeFigureOut">
               <a:rPr lang="en-IN" smtClean="0"/>
-              <a:t>15-01-2023</a:t>
+              <a:t>16-01-2023</a:t>
             </a:fld>
             <a:endParaRPr lang="en-IN"/>
           </a:p>
@@ -3948,7 +3971,7 @@
     </p:spTree>
     <p:extLst>
       <p:ext uri="{BB962C8B-B14F-4D97-AF65-F5344CB8AC3E}">
-        <p14:creationId xmlns:p14="http://schemas.microsoft.com/office/powerpoint/2010/main" val="3820935158"/>
+        <p14:creationId xmlns:p14="http://schemas.microsoft.com/office/powerpoint/2010/main" val="149006759"/>
       </p:ext>
     </p:extLst>
   </p:cSld>
@@ -4271,7 +4294,7 @@
           <a:p>
             <a:fld id="{2A7567FF-5FC6-44B1-B509-8955990E2FDC}" type="datetimeFigureOut">
               <a:rPr lang="en-IN" smtClean="0"/>
-              <a:t>15-01-2023</a:t>
+              <a:t>16-01-2023</a:t>
             </a:fld>
             <a:endParaRPr lang="en-IN"/>
           </a:p>
@@ -4322,7 +4345,7 @@
     </p:spTree>
     <p:extLst>
       <p:ext uri="{BB962C8B-B14F-4D97-AF65-F5344CB8AC3E}">
-        <p14:creationId xmlns:p14="http://schemas.microsoft.com/office/powerpoint/2010/main" val="2746170916"/>
+        <p14:creationId xmlns:p14="http://schemas.microsoft.com/office/powerpoint/2010/main" val="3871102658"/>
       </p:ext>
     </p:extLst>
   </p:cSld>
@@ -4394,7 +4417,7 @@
           <a:p>
             <a:fld id="{2A7567FF-5FC6-44B1-B509-8955990E2FDC}" type="datetimeFigureOut">
               <a:rPr lang="en-IN" smtClean="0"/>
-              <a:t>15-01-2023</a:t>
+              <a:t>16-01-2023</a:t>
             </a:fld>
             <a:endParaRPr lang="en-IN"/>
           </a:p>
@@ -4445,7 +4468,7 @@
     </p:spTree>
     <p:extLst>
       <p:ext uri="{BB962C8B-B14F-4D97-AF65-F5344CB8AC3E}">
-        <p14:creationId xmlns:p14="http://schemas.microsoft.com/office/powerpoint/2010/main" val="1438970614"/>
+        <p14:creationId xmlns:p14="http://schemas.microsoft.com/office/powerpoint/2010/main" val="29703324"/>
       </p:ext>
     </p:extLst>
   </p:cSld>
@@ -4489,7 +4512,7 @@
           <a:p>
             <a:fld id="{2A7567FF-5FC6-44B1-B509-8955990E2FDC}" type="datetimeFigureOut">
               <a:rPr lang="en-IN" smtClean="0"/>
-              <a:t>15-01-2023</a:t>
+              <a:t>16-01-2023</a:t>
             </a:fld>
             <a:endParaRPr lang="en-IN"/>
           </a:p>
@@ -4540,7 +4563,7 @@
     </p:spTree>
     <p:extLst>
       <p:ext uri="{BB962C8B-B14F-4D97-AF65-F5344CB8AC3E}">
-        <p14:creationId xmlns:p14="http://schemas.microsoft.com/office/powerpoint/2010/main" val="2488450552"/>
+        <p14:creationId xmlns:p14="http://schemas.microsoft.com/office/powerpoint/2010/main" val="1241076568"/>
       </p:ext>
     </p:extLst>
   </p:cSld>
@@ -4744,7 +4767,7 @@
           <a:p>
             <a:fld id="{2A7567FF-5FC6-44B1-B509-8955990E2FDC}" type="datetimeFigureOut">
               <a:rPr lang="en-IN" smtClean="0"/>
-              <a:t>15-01-2023</a:t>
+              <a:t>16-01-2023</a:t>
             </a:fld>
             <a:endParaRPr lang="en-IN"/>
           </a:p>
@@ -4795,7 +4818,7 @@
     </p:spTree>
     <p:extLst>
       <p:ext uri="{BB962C8B-B14F-4D97-AF65-F5344CB8AC3E}">
-        <p14:creationId xmlns:p14="http://schemas.microsoft.com/office/powerpoint/2010/main" val="2574993289"/>
+        <p14:creationId xmlns:p14="http://schemas.microsoft.com/office/powerpoint/2010/main" val="817391983"/>
       </p:ext>
     </p:extLst>
   </p:cSld>
@@ -5007,7 +5030,7 @@
           <a:p>
             <a:fld id="{2A7567FF-5FC6-44B1-B509-8955990E2FDC}" type="datetimeFigureOut">
               <a:rPr lang="en-IN" smtClean="0"/>
-              <a:t>15-01-2023</a:t>
+              <a:t>16-01-2023</a:t>
             </a:fld>
             <a:endParaRPr lang="en-IN"/>
           </a:p>
@@ -5058,7 +5081,7 @@
     </p:spTree>
     <p:extLst>
       <p:ext uri="{BB962C8B-B14F-4D97-AF65-F5344CB8AC3E}">
-        <p14:creationId xmlns:p14="http://schemas.microsoft.com/office/powerpoint/2010/main" val="3987118057"/>
+        <p14:creationId xmlns:p14="http://schemas.microsoft.com/office/powerpoint/2010/main" val="754357652"/>
       </p:ext>
     </p:extLst>
   </p:cSld>
@@ -5072,8 +5095,8 @@
 <p:sldMaster xmlns:a="http://schemas.openxmlformats.org/drawingml/2006/main" xmlns:r="http://schemas.openxmlformats.org/officeDocument/2006/relationships" xmlns:p="http://schemas.openxmlformats.org/presentationml/2006/main">
   <p:cSld>
     <p:bg>
-      <p:bgRef idx="1002">
-        <a:schemeClr val="bg2"/>
+      <p:bgRef idx="1001">
+        <a:schemeClr val="bg1"/>
       </p:bgRef>
     </p:bg>
     <p:spTree>
@@ -5750,7 +5773,7 @@
           <a:p>
             <a:fld id="{2A7567FF-5FC6-44B1-B509-8955990E2FDC}" type="datetimeFigureOut">
               <a:rPr lang="en-IN" smtClean="0"/>
-              <a:t>15-01-2023</a:t>
+              <a:t>16-01-2023</a:t>
             </a:fld>
             <a:endParaRPr lang="en-IN"/>
           </a:p>
@@ -5835,28 +5858,28 @@
     </p:spTree>
     <p:extLst>
       <p:ext uri="{BB962C8B-B14F-4D97-AF65-F5344CB8AC3E}">
-        <p14:creationId xmlns:p14="http://schemas.microsoft.com/office/powerpoint/2010/main" val="1952775718"/>
+        <p14:creationId xmlns:p14="http://schemas.microsoft.com/office/powerpoint/2010/main" val="1321401245"/>
       </p:ext>
     </p:extLst>
   </p:cSld>
   <p:clrMap bg1="lt1" tx1="dk1" bg2="lt2" tx2="dk2" accent1="accent1" accent2="accent2" accent3="accent3" accent4="accent4" accent5="accent5" accent6="accent6" hlink="hlink" folHlink="folHlink"/>
   <p:sldLayoutIdLst>
-    <p:sldLayoutId id="2147483709" r:id="rId1"/>
-    <p:sldLayoutId id="2147483710" r:id="rId2"/>
-    <p:sldLayoutId id="2147483711" r:id="rId3"/>
-    <p:sldLayoutId id="2147483712" r:id="rId4"/>
-    <p:sldLayoutId id="2147483713" r:id="rId5"/>
-    <p:sldLayoutId id="2147483714" r:id="rId6"/>
-    <p:sldLayoutId id="2147483715" r:id="rId7"/>
-    <p:sldLayoutId id="2147483716" r:id="rId8"/>
-    <p:sldLayoutId id="2147483717" r:id="rId9"/>
-    <p:sldLayoutId id="2147483718" r:id="rId10"/>
-    <p:sldLayoutId id="2147483719" r:id="rId11"/>
-    <p:sldLayoutId id="2147483720" r:id="rId12"/>
-    <p:sldLayoutId id="2147483721" r:id="rId13"/>
-    <p:sldLayoutId id="2147483722" r:id="rId14"/>
-    <p:sldLayoutId id="2147483723" r:id="rId15"/>
-    <p:sldLayoutId id="2147483724" r:id="rId16"/>
+    <p:sldLayoutId id="2147483726" r:id="rId1"/>
+    <p:sldLayoutId id="2147483727" r:id="rId2"/>
+    <p:sldLayoutId id="2147483728" r:id="rId3"/>
+    <p:sldLayoutId id="2147483729" r:id="rId4"/>
+    <p:sldLayoutId id="2147483730" r:id="rId5"/>
+    <p:sldLayoutId id="2147483731" r:id="rId6"/>
+    <p:sldLayoutId id="2147483732" r:id="rId7"/>
+    <p:sldLayoutId id="2147483733" r:id="rId8"/>
+    <p:sldLayoutId id="2147483734" r:id="rId9"/>
+    <p:sldLayoutId id="2147483735" r:id="rId10"/>
+    <p:sldLayoutId id="2147483736" r:id="rId11"/>
+    <p:sldLayoutId id="2147483737" r:id="rId12"/>
+    <p:sldLayoutId id="2147483738" r:id="rId13"/>
+    <p:sldLayoutId id="2147483739" r:id="rId14"/>
+    <p:sldLayoutId id="2147483740" r:id="rId15"/>
+    <p:sldLayoutId id="2147483741" r:id="rId16"/>
   </p:sldLayoutIdLst>
   <p:txStyles>
     <p:titleStyle>
@@ -6308,6 +6331,10 @@
           <a:prstGeom prst="rect">
             <a:avLst/>
           </a:prstGeom>
+          <a:blipFill>
+            <a:blip r:embed="rId4"/>
+            <a:tile tx="0" ty="0" sx="100000" sy="100000" flip="none" algn="tl"/>
+          </a:blipFill>
         </p:spPr>
       </p:pic>
       <p:sp>
@@ -6404,7 +6431,7 @@
           <p:nvPr/>
         </p:nvPicPr>
         <p:blipFill>
-          <a:blip r:embed="rId4">
+          <a:blip r:embed="rId5">
             <a:extLst>
               <a:ext uri="{28A0092B-C50C-407E-A947-70E740481C1C}">
                 <a14:useLocalDpi xmlns:a14="http://schemas.microsoft.com/office/drawing/2010/main" val="0"/>
@@ -6440,7 +6467,7 @@
           <p:nvPr/>
         </p:nvPicPr>
         <p:blipFill>
-          <a:blip r:embed="rId5">
+          <a:blip r:embed="rId6">
             <a:extLst>
               <a:ext uri="{28A0092B-C50C-407E-A947-70E740481C1C}">
                 <a14:useLocalDpi xmlns:a14="http://schemas.microsoft.com/office/drawing/2010/main" val="0"/>
@@ -6660,7 +6687,7 @@
           <p:nvPr/>
         </p:nvPicPr>
         <p:blipFill>
-          <a:blip r:embed="rId6">
+          <a:blip r:embed="rId7">
             <a:extLst>
               <a:ext uri="{28A0092B-C50C-407E-A947-70E740481C1C}">
                 <a14:useLocalDpi xmlns:a14="http://schemas.microsoft.com/office/drawing/2010/main" val="0"/>
@@ -6696,7 +6723,7 @@
           <p:nvPr/>
         </p:nvPicPr>
         <p:blipFill>
-          <a:blip r:embed="rId7">
+          <a:blip r:embed="rId8">
             <a:extLst>
               <a:ext uri="{28A0092B-C50C-407E-A947-70E740481C1C}">
                 <a14:useLocalDpi xmlns:a14="http://schemas.microsoft.com/office/drawing/2010/main" val="0"/>
@@ -6730,7 +6757,7 @@
 </p:sld>
 </file>
 
-<file path=ppt/slides/slide2.xml><?xml version="1.0" encoding="utf-8"?>
+<file path=ppt/slides/slide10.xml><?xml version="1.0" encoding="utf-8"?>
 <p:sld xmlns:a="http://schemas.openxmlformats.org/drawingml/2006/main" xmlns:r="http://schemas.openxmlformats.org/officeDocument/2006/relationships" xmlns:p="http://schemas.openxmlformats.org/presentationml/2006/main">
   <p:cSld>
     <p:spTree>
@@ -6747,12 +6774,56 @@
           <a:chExt cx="0" cy="0"/>
         </a:xfrm>
       </p:grpSpPr>
+      <p:sp>
+        <p:nvSpPr>
+          <p:cNvPr id="2" name="TextBox 1">
+            <a:extLst>
+              <a:ext uri="{FF2B5EF4-FFF2-40B4-BE49-F238E27FC236}">
+                <a16:creationId xmlns:a16="http://schemas.microsoft.com/office/drawing/2014/main" id="{4DA61C1F-2626-1E9E-4397-255AFE856209}"/>
+              </a:ext>
+            </a:extLst>
+          </p:cNvPr>
+          <p:cNvSpPr txBox="1"/>
+          <p:nvPr/>
+        </p:nvSpPr>
+        <p:spPr>
+          <a:xfrm>
+            <a:off x="724035" y="484631"/>
+            <a:ext cx="4521733" cy="523220"/>
+          </a:xfrm>
+          <a:prstGeom prst="rect">
+            <a:avLst/>
+          </a:prstGeom>
+          <a:noFill/>
+        </p:spPr>
+        <p:txBody>
+          <a:bodyPr wrap="square" rtlCol="0">
+            <a:spAutoFit/>
+          </a:bodyPr>
+          <a:lstStyle/>
+          <a:p>
+            <a:r>
+              <a:rPr lang="en-US" sz="2800" u="sng" dirty="0">
+                <a:solidFill>
+                  <a:srgbClr val="00B050"/>
+                </a:solidFill>
+              </a:rPr>
+              <a:t>EMPLOYMENT SCOPES</a:t>
+            </a:r>
+            <a:endParaRPr lang="en-IN" sz="2800" u="sng" dirty="0">
+              <a:solidFill>
+                <a:srgbClr val="00B050"/>
+              </a:solidFill>
+            </a:endParaRPr>
+          </a:p>
+        </p:txBody>
+      </p:sp>
       <p:pic>
         <p:nvPicPr>
           <p:cNvPr id="4" name="Picture 3">
             <a:extLst>
               <a:ext uri="{FF2B5EF4-FFF2-40B4-BE49-F238E27FC236}">
-                <a16:creationId xmlns:a16="http://schemas.microsoft.com/office/drawing/2014/main" id="{6845C9F1-DC3E-99E9-7949-FC1E5600088C}"/>
+                <a16:creationId xmlns:a16="http://schemas.microsoft.com/office/drawing/2014/main" id="{BB52B331-D50B-DE8D-20C0-01507F11EEA8}"/>
               </a:ext>
             </a:extLst>
           </p:cNvPr>
@@ -6775,31 +6846,44 @@
         </p:blipFill>
         <p:spPr>
           <a:xfrm>
-            <a:off x="553587" y="3998864"/>
-            <a:ext cx="5899673" cy="2520809"/>
+            <a:off x="6777742" y="0"/>
+            <a:ext cx="2546928" cy="1102754"/>
           </a:xfrm>
           <a:prstGeom prst="rect">
             <a:avLst/>
           </a:prstGeom>
-          <a:ln>
-            <a:noFill/>
-          </a:ln>
-          <a:effectLst>
-            <a:reflection blurRad="12700" stA="30000" endPos="30000" dist="5000" dir="5400000" sy="-100000" algn="bl" rotWithShape="0"/>
-          </a:effectLst>
-          <a:scene3d>
-            <a:camera prst="perspectiveContrastingLeftFacing">
-              <a:rot lat="300000" lon="19800000" rev="0"/>
-            </a:camera>
-            <a:lightRig rig="threePt" dir="t">
-              <a:rot lat="0" lon="0" rev="2700000"/>
-            </a:lightRig>
-          </a:scene3d>
-          <a:sp3d>
-            <a:bevelT w="63500" h="50800"/>
-          </a:sp3d>
         </p:spPr>
       </p:pic>
+    </p:spTree>
+    <p:extLst>
+      <p:ext uri="{BB962C8B-B14F-4D97-AF65-F5344CB8AC3E}">
+        <p14:creationId xmlns:p14="http://schemas.microsoft.com/office/powerpoint/2010/main" val="2265216920"/>
+      </p:ext>
+    </p:extLst>
+  </p:cSld>
+  <p:clrMapOvr>
+    <a:masterClrMapping/>
+  </p:clrMapOvr>
+</p:sld>
+</file>
+
+<file path=ppt/slides/slide11.xml><?xml version="1.0" encoding="utf-8"?>
+<p:sld xmlns:a="http://schemas.openxmlformats.org/drawingml/2006/main" xmlns:r="http://schemas.openxmlformats.org/officeDocument/2006/relationships" xmlns:p="http://schemas.openxmlformats.org/presentationml/2006/main" show="0">
+  <p:cSld>
+    <p:spTree>
+      <p:nvGrpSpPr>
+        <p:cNvPr id="1" name=""/>
+        <p:cNvGrpSpPr/>
+        <p:nvPr/>
+      </p:nvGrpSpPr>
+      <p:grpSpPr>
+        <a:xfrm>
+          <a:off x="0" y="0"/>
+          <a:ext cx="0" cy="0"/>
+          <a:chOff x="0" y="0"/>
+          <a:chExt cx="0" cy="0"/>
+        </a:xfrm>
+      </p:grpSpPr>
       <p:sp>
         <p:nvSpPr>
           <p:cNvPr id="2" name="TextBox 1">
@@ -6815,7 +6899,7 @@
         <p:spPr>
           <a:xfrm>
             <a:off x="724035" y="484631"/>
-            <a:ext cx="5558778" cy="523220"/>
+            <a:ext cx="4122285" cy="523220"/>
           </a:xfrm>
           <a:prstGeom prst="rect">
             <a:avLst/>
@@ -6829,20 +6913,18 @@
           <a:lstStyle/>
           <a:p>
             <a:r>
-              <a:rPr lang="en-IN" sz="2800" u="sng" dirty="0">
+              <a:rPr lang="en-US" sz="2800" u="sng" dirty="0">
                 <a:solidFill>
                   <a:schemeClr val="tx2"/>
                 </a:solidFill>
-                <a:effectLst>
-                  <a:outerShdw blurRad="38100" dist="38100" dir="2700000" algn="tl">
-                    <a:srgbClr val="000000">
-                      <a:alpha val="43137"/>
-                    </a:srgbClr>
-                  </a:outerShdw>
-                </a:effectLst>
               </a:rPr>
-              <a:t>What exactly is 3D Printing?</a:t>
-            </a:r>
+              <a:t>WHY US?</a:t>
+            </a:r>
+            <a:endParaRPr lang="en-IN" sz="2800" u="sng" dirty="0">
+              <a:solidFill>
+                <a:schemeClr val="tx2"/>
+              </a:solidFill>
+            </a:endParaRPr>
           </a:p>
         </p:txBody>
       </p:sp>
@@ -6860,8 +6942,8 @@
         </p:nvSpPr>
         <p:spPr>
           <a:xfrm>
-            <a:off x="487478" y="1450915"/>
-            <a:ext cx="5029588" cy="2118978"/>
+            <a:off x="724035" y="1298448"/>
+            <a:ext cx="8494776" cy="646331"/>
           </a:xfrm>
           <a:prstGeom prst="rect">
             <a:avLst/>
@@ -6874,39 +6956,58 @@
           </a:bodyPr>
           <a:lstStyle/>
           <a:p>
-            <a:pPr marL="285750" indent="-285750">
-              <a:lnSpc>
-                <a:spcPct val="150000"/>
-              </a:lnSpc>
-              <a:buFont typeface="Wingdings" panose="05000000000000000000" pitchFamily="2" charset="2"/>
-              <a:buChar char="Ø"/>
-            </a:pPr>
             <a:r>
               <a:rPr lang="en-US" dirty="0"/>
-              <a:t>As we all know, today’s apparel industry is not sustainable. Each stage of it’s value chain is harmful to both people and planet.</a:t>
-            </a:r>
-          </a:p>
-          <a:p>
-            <a:pPr marL="285750" indent="-285750">
-              <a:lnSpc>
-                <a:spcPct val="150000"/>
-              </a:lnSpc>
-              <a:buFont typeface="Wingdings" panose="05000000000000000000" pitchFamily="2" charset="2"/>
-              <a:buChar char="Ø"/>
-            </a:pPr>
-            <a:r>
-              <a:rPr lang="en-US" dirty="0"/>
-              <a:t>In fact, fashion is world’s second-most pollution industry.</a:t>
-            </a:r>
+              <a:t>LOREM300</a:t>
+            </a:r>
+          </a:p>
+          <a:p>
+            <a:endParaRPr lang="en-IN" dirty="0"/>
           </a:p>
         </p:txBody>
       </p:sp>
       <p:pic>
         <p:nvPicPr>
-          <p:cNvPr id="7" name="Picture 6">
+          <p:cNvPr id="4" name="Picture 3">
             <a:extLst>
               <a:ext uri="{FF2B5EF4-FFF2-40B4-BE49-F238E27FC236}">
-                <a16:creationId xmlns:a16="http://schemas.microsoft.com/office/drawing/2014/main" id="{3EAEC7FA-5568-D4BB-5B86-7E19205CD462}"/>
+                <a16:creationId xmlns:a16="http://schemas.microsoft.com/office/drawing/2014/main" id="{C6D844B5-8E1A-2B9D-7150-07AD8533527F}"/>
+              </a:ext>
+            </a:extLst>
+          </p:cNvPr>
+          <p:cNvPicPr>
+            <a:picLocks noChangeAspect="1"/>
+          </p:cNvPicPr>
+          <p:nvPr/>
+        </p:nvPicPr>
+        <p:blipFill>
+          <a:blip r:embed="rId2">
+            <a:extLst>
+              <a:ext uri="{28A0092B-C50C-407E-A947-70E740481C1C}">
+                <a14:useLocalDpi xmlns:a14="http://schemas.microsoft.com/office/drawing/2010/main" val="0"/>
+              </a:ext>
+            </a:extLst>
+          </a:blip>
+          <a:stretch>
+            <a:fillRect/>
+          </a:stretch>
+        </p:blipFill>
+        <p:spPr>
+          <a:xfrm>
+            <a:off x="6878326" y="-58431"/>
+            <a:ext cx="2546928" cy="1102754"/>
+          </a:xfrm>
+          <a:prstGeom prst="rect">
+            <a:avLst/>
+          </a:prstGeom>
+        </p:spPr>
+      </p:pic>
+      <p:pic>
+        <p:nvPicPr>
+          <p:cNvPr id="3" name="Picture 2">
+            <a:extLst>
+              <a:ext uri="{FF2B5EF4-FFF2-40B4-BE49-F238E27FC236}">
+                <a16:creationId xmlns:a16="http://schemas.microsoft.com/office/drawing/2014/main" id="{4F05BDF0-1AEE-E24F-0C1D-DF8FBC03965D}"/>
               </a:ext>
             </a:extLst>
           </p:cNvPr>
@@ -6929,20 +7030,80 @@
         </p:blipFill>
         <p:spPr>
           <a:xfrm>
-            <a:off x="6671883" y="0"/>
-            <a:ext cx="2546928" cy="1102754"/>
+            <a:off x="622413" y="3027451"/>
+            <a:ext cx="8217110" cy="3511002"/>
           </a:xfrm>
           <a:prstGeom prst="rect">
             <a:avLst/>
           </a:prstGeom>
+          <a:solidFill>
+            <a:srgbClr val="FFFFFF">
+              <a:shade val="85000"/>
+            </a:srgbClr>
+          </a:solidFill>
+          <a:ln w="88900" cap="sq">
+            <a:solidFill>
+              <a:srgbClr val="FFFFFF"/>
+            </a:solidFill>
+            <a:miter lim="800000"/>
+          </a:ln>
+          <a:effectLst>
+            <a:outerShdw blurRad="55000" dist="18000" dir="5400000" algn="tl" rotWithShape="0">
+              <a:srgbClr val="000000">
+                <a:alpha val="40000"/>
+              </a:srgbClr>
+            </a:outerShdw>
+          </a:effectLst>
+          <a:scene3d>
+            <a:camera prst="orthographicFront"/>
+            <a:lightRig rig="twoPt" dir="t">
+              <a:rot lat="0" lon="0" rev="7200000"/>
+            </a:lightRig>
+          </a:scene3d>
+          <a:sp3d>
+            <a:bevelT w="25400" h="19050"/>
+            <a:contourClr>
+              <a:srgbClr val="FFFFFF"/>
+            </a:contourClr>
+          </a:sp3d>
         </p:spPr>
       </p:pic>
-      <p:sp>
-        <p:nvSpPr>
-          <p:cNvPr id="5" name="TextBox 4">
+    </p:spTree>
+    <p:extLst>
+      <p:ext uri="{BB962C8B-B14F-4D97-AF65-F5344CB8AC3E}">
+        <p14:creationId xmlns:p14="http://schemas.microsoft.com/office/powerpoint/2010/main" val="2147565473"/>
+      </p:ext>
+    </p:extLst>
+  </p:cSld>
+  <p:clrMapOvr>
+    <a:masterClrMapping/>
+  </p:clrMapOvr>
+</p:sld>
+</file>
+
+<file path=ppt/slides/slide12.xml><?xml version="1.0" encoding="utf-8"?>
+<p:sld xmlns:a="http://schemas.openxmlformats.org/drawingml/2006/main" xmlns:r="http://schemas.openxmlformats.org/officeDocument/2006/relationships" xmlns:p="http://schemas.openxmlformats.org/presentationml/2006/main" show="0">
+  <p:cSld>
+    <p:spTree>
+      <p:nvGrpSpPr>
+        <p:cNvPr id="1" name=""/>
+        <p:cNvGrpSpPr/>
+        <p:nvPr/>
+      </p:nvGrpSpPr>
+      <p:grpSpPr>
+        <a:xfrm>
+          <a:off x="0" y="0"/>
+          <a:ext cx="0" cy="0"/>
+          <a:chOff x="0" y="0"/>
+          <a:chExt cx="0" cy="0"/>
+        </a:xfrm>
+      </p:grpSpPr>
+      <p:sp>
+        <p:nvSpPr>
+          <p:cNvPr id="2" name="TextBox 1">
             <a:extLst>
               <a:ext uri="{FF2B5EF4-FFF2-40B4-BE49-F238E27FC236}">
-                <a16:creationId xmlns:a16="http://schemas.microsoft.com/office/drawing/2014/main" id="{8F9CAB30-D2F4-A73B-275E-A74FFD403B71}"/>
+                <a16:creationId xmlns:a16="http://schemas.microsoft.com/office/drawing/2014/main" id="{4DA61C1F-2626-1E9E-4397-255AFE856209}"/>
               </a:ext>
             </a:extLst>
           </p:cNvPr>
@@ -6951,8 +7112,8 @@
         </p:nvSpPr>
         <p:spPr>
           <a:xfrm>
-            <a:off x="5372272" y="3712883"/>
-            <a:ext cx="6087741" cy="2949975"/>
+            <a:off x="724035" y="484631"/>
+            <a:ext cx="4698357" cy="523220"/>
           </a:xfrm>
           <a:prstGeom prst="rect">
             <a:avLst/>
@@ -6965,40 +7126,66 @@
           </a:bodyPr>
           <a:lstStyle/>
           <a:p>
-            <a:pPr marL="285750" indent="-285750">
-              <a:lnSpc>
-                <a:spcPct val="150000"/>
-              </a:lnSpc>
-              <a:buFont typeface="Wingdings" panose="05000000000000000000" pitchFamily="2" charset="2"/>
-              <a:buChar char="Ø"/>
-            </a:pPr>
+            <a:r>
+              <a:rPr lang="en-US" sz="2800" u="sng" dirty="0">
+                <a:solidFill>
+                  <a:schemeClr val="tx2"/>
+                </a:solidFill>
+              </a:rPr>
+              <a:t>FUTURE VISIONS</a:t>
+            </a:r>
+            <a:endParaRPr lang="en-IN" sz="2800" u="sng" dirty="0">
+              <a:solidFill>
+                <a:schemeClr val="tx2"/>
+              </a:solidFill>
+            </a:endParaRPr>
+          </a:p>
+        </p:txBody>
+      </p:sp>
+      <p:sp>
+        <p:nvSpPr>
+          <p:cNvPr id="6" name="TextBox 5">
+            <a:extLst>
+              <a:ext uri="{FF2B5EF4-FFF2-40B4-BE49-F238E27FC236}">
+                <a16:creationId xmlns:a16="http://schemas.microsoft.com/office/drawing/2014/main" id="{778D9B83-6FA9-204C-0E2A-B762DB752752}"/>
+              </a:ext>
+            </a:extLst>
+          </p:cNvPr>
+          <p:cNvSpPr txBox="1"/>
+          <p:nvPr/>
+        </p:nvSpPr>
+        <p:spPr>
+          <a:xfrm>
+            <a:off x="724035" y="1298448"/>
+            <a:ext cx="8494776" cy="646331"/>
+          </a:xfrm>
+          <a:prstGeom prst="rect">
+            <a:avLst/>
+          </a:prstGeom>
+          <a:noFill/>
+        </p:spPr>
+        <p:txBody>
+          <a:bodyPr wrap="square" rtlCol="0">
+            <a:spAutoFit/>
+          </a:bodyPr>
+          <a:lstStyle/>
+          <a:p>
             <a:r>
               <a:rPr lang="en-US" dirty="0"/>
-              <a:t>3-D printing technology is considered as one of the most emerging and significant technology of the upcoming revolution in the fashion industry.</a:t>
-            </a:r>
-          </a:p>
-          <a:p>
-            <a:pPr marL="285750" indent="-285750">
-              <a:lnSpc>
-                <a:spcPct val="150000"/>
-              </a:lnSpc>
-              <a:buFont typeface="Wingdings" panose="05000000000000000000" pitchFamily="2" charset="2"/>
-              <a:buChar char="Ø"/>
-            </a:pPr>
-            <a:r>
-              <a:rPr lang="en-US" dirty="0"/>
-              <a:t>One can use 3D printing technology in fashion to design accessories, build prototypes and manufacturing tools , boost towards sustainability efforts and expand customization options.</a:t>
-            </a:r>
+              <a:t>LOREM300</a:t>
+            </a:r>
+          </a:p>
+          <a:p>
             <a:endParaRPr lang="en-IN" dirty="0"/>
           </a:p>
         </p:txBody>
       </p:sp>
       <p:pic>
         <p:nvPicPr>
-          <p:cNvPr id="9" name="Picture 8">
+          <p:cNvPr id="4" name="Picture 3">
             <a:extLst>
               <a:ext uri="{FF2B5EF4-FFF2-40B4-BE49-F238E27FC236}">
-                <a16:creationId xmlns:a16="http://schemas.microsoft.com/office/drawing/2014/main" id="{5B1F810F-1451-5132-BCCB-4A23CCDCBF10}"/>
+                <a16:creationId xmlns:a16="http://schemas.microsoft.com/office/drawing/2014/main" id="{C8B57763-CACD-DE54-46F2-F0D199D96643}"/>
               </a:ext>
             </a:extLst>
           </p:cNvPr>
@@ -7008,7 +7195,7 @@
           <p:nvPr/>
         </p:nvPicPr>
         <p:blipFill>
-          <a:blip r:embed="rId4">
+          <a:blip r:embed="rId2">
             <a:extLst>
               <a:ext uri="{28A0092B-C50C-407E-A947-70E740481C1C}">
                 <a14:useLocalDpi xmlns:a14="http://schemas.microsoft.com/office/drawing/2010/main" val="0"/>
@@ -7021,29 +7208,179 @@
         </p:blipFill>
         <p:spPr>
           <a:xfrm>
-            <a:off x="5945415" y="1271497"/>
-            <a:ext cx="3999864" cy="2298396"/>
+            <a:off x="6978910" y="0"/>
+            <a:ext cx="2546928" cy="1102754"/>
           </a:xfrm>
           <a:prstGeom prst="rect">
             <a:avLst/>
           </a:prstGeom>
-          <a:ln>
-            <a:noFill/>
-          </a:ln>
-          <a:effectLst>
-            <a:reflection blurRad="12700" stA="30000" endPos="30000" dist="5000" dir="5400000" sy="-100000" algn="bl" rotWithShape="0"/>
-          </a:effectLst>
-          <a:scene3d>
-            <a:camera prst="perspectiveContrastingLeftFacing">
-              <a:rot lat="300000" lon="19800000" rev="0"/>
-            </a:camera>
-            <a:lightRig rig="threePt" dir="t">
-              <a:rot lat="0" lon="0" rev="2700000"/>
-            </a:lightRig>
-          </a:scene3d>
-          <a:sp3d>
-            <a:bevelT w="63500" h="50800"/>
-          </a:sp3d>
+        </p:spPr>
+      </p:pic>
+    </p:spTree>
+    <p:extLst>
+      <p:ext uri="{BB962C8B-B14F-4D97-AF65-F5344CB8AC3E}">
+        <p14:creationId xmlns:p14="http://schemas.microsoft.com/office/powerpoint/2010/main" val="133439612"/>
+      </p:ext>
+    </p:extLst>
+  </p:cSld>
+  <p:clrMapOvr>
+    <a:masterClrMapping/>
+  </p:clrMapOvr>
+</p:sld>
+</file>
+
+<file path=ppt/slides/slide2.xml><?xml version="1.0" encoding="utf-8"?>
+<p:sld xmlns:a="http://schemas.openxmlformats.org/drawingml/2006/main" xmlns:r="http://schemas.openxmlformats.org/officeDocument/2006/relationships" xmlns:p="http://schemas.openxmlformats.org/presentationml/2006/main">
+  <p:cSld>
+    <p:spTree>
+      <p:nvGrpSpPr>
+        <p:cNvPr id="1" name=""/>
+        <p:cNvGrpSpPr/>
+        <p:nvPr/>
+      </p:nvGrpSpPr>
+      <p:grpSpPr>
+        <a:xfrm>
+          <a:off x="0" y="0"/>
+          <a:ext cx="0" cy="0"/>
+          <a:chOff x="0" y="0"/>
+          <a:chExt cx="0" cy="0"/>
+        </a:xfrm>
+      </p:grpSpPr>
+      <p:sp>
+        <p:nvSpPr>
+          <p:cNvPr id="2" name="TextBox 1">
+            <a:extLst>
+              <a:ext uri="{FF2B5EF4-FFF2-40B4-BE49-F238E27FC236}">
+                <a16:creationId xmlns:a16="http://schemas.microsoft.com/office/drawing/2014/main" id="{4DA61C1F-2626-1E9E-4397-255AFE856209}"/>
+              </a:ext>
+            </a:extLst>
+          </p:cNvPr>
+          <p:cNvSpPr txBox="1"/>
+          <p:nvPr/>
+        </p:nvSpPr>
+        <p:spPr>
+          <a:xfrm>
+            <a:off x="553586" y="484631"/>
+            <a:ext cx="5899673" cy="523220"/>
+          </a:xfrm>
+          <a:prstGeom prst="rect">
+            <a:avLst/>
+          </a:prstGeom>
+          <a:noFill/>
+        </p:spPr>
+        <p:txBody>
+          <a:bodyPr wrap="square" rtlCol="0">
+            <a:spAutoFit/>
+          </a:bodyPr>
+          <a:lstStyle/>
+          <a:p>
+            <a:r>
+              <a:rPr lang="en-IN" sz="2800" u="sng" dirty="0">
+                <a:solidFill>
+                  <a:srgbClr val="00B050"/>
+                </a:solidFill>
+                <a:effectLst>
+                  <a:outerShdw blurRad="38100" dist="38100" dir="2700000" algn="tl">
+                    <a:srgbClr val="000000">
+                      <a:alpha val="43137"/>
+                    </a:srgbClr>
+                  </a:outerShdw>
+                </a:effectLst>
+              </a:rPr>
+              <a:t>Problems in Today’s Textile Industry</a:t>
+            </a:r>
+          </a:p>
+        </p:txBody>
+      </p:sp>
+      <p:sp>
+        <p:nvSpPr>
+          <p:cNvPr id="6" name="TextBox 5">
+            <a:extLst>
+              <a:ext uri="{FF2B5EF4-FFF2-40B4-BE49-F238E27FC236}">
+                <a16:creationId xmlns:a16="http://schemas.microsoft.com/office/drawing/2014/main" id="{778D9B83-6FA9-204C-0E2A-B762DB752752}"/>
+              </a:ext>
+            </a:extLst>
+          </p:cNvPr>
+          <p:cNvSpPr txBox="1"/>
+          <p:nvPr/>
+        </p:nvSpPr>
+        <p:spPr>
+          <a:xfrm>
+            <a:off x="487478" y="1450914"/>
+            <a:ext cx="9098974" cy="1287981"/>
+          </a:xfrm>
+          <a:prstGeom prst="rect">
+            <a:avLst/>
+          </a:prstGeom>
+          <a:noFill/>
+        </p:spPr>
+        <p:txBody>
+          <a:bodyPr wrap="square" rtlCol="0">
+            <a:spAutoFit/>
+          </a:bodyPr>
+          <a:lstStyle/>
+          <a:p>
+            <a:pPr marL="285750" indent="-285750">
+              <a:lnSpc>
+                <a:spcPct val="150000"/>
+              </a:lnSpc>
+              <a:buFont typeface="Wingdings" panose="05000000000000000000" pitchFamily="2" charset="2"/>
+              <a:buChar char="Ø"/>
+            </a:pPr>
+            <a:r>
+              <a:rPr lang="en-US" dirty="0"/>
+              <a:t>As we all know, today’s apparel industry is not sustainable. Each stage of it’s value chain is harmful to both people and planet.</a:t>
+            </a:r>
+          </a:p>
+          <a:p>
+            <a:pPr marL="285750" indent="-285750">
+              <a:lnSpc>
+                <a:spcPct val="150000"/>
+              </a:lnSpc>
+              <a:buFont typeface="Wingdings" panose="05000000000000000000" pitchFamily="2" charset="2"/>
+              <a:buChar char="Ø"/>
+            </a:pPr>
+            <a:r>
+              <a:rPr lang="en-US" dirty="0"/>
+              <a:t>In fact, fashion is world’s second-most pollution industry.</a:t>
+            </a:r>
+          </a:p>
+        </p:txBody>
+      </p:sp>
+      <p:pic>
+        <p:nvPicPr>
+          <p:cNvPr id="7" name="Picture 6">
+            <a:extLst>
+              <a:ext uri="{FF2B5EF4-FFF2-40B4-BE49-F238E27FC236}">
+                <a16:creationId xmlns:a16="http://schemas.microsoft.com/office/drawing/2014/main" id="{3EAEC7FA-5568-D4BB-5B86-7E19205CD462}"/>
+              </a:ext>
+            </a:extLst>
+          </p:cNvPr>
+          <p:cNvPicPr>
+            <a:picLocks noChangeAspect="1"/>
+          </p:cNvPicPr>
+          <p:nvPr/>
+        </p:nvPicPr>
+        <p:blipFill>
+          <a:blip r:embed="rId2">
+            <a:extLst>
+              <a:ext uri="{28A0092B-C50C-407E-A947-70E740481C1C}">
+                <a14:useLocalDpi xmlns:a14="http://schemas.microsoft.com/office/drawing/2010/main" val="0"/>
+              </a:ext>
+            </a:extLst>
+          </a:blip>
+          <a:stretch>
+            <a:fillRect/>
+          </a:stretch>
+        </p:blipFill>
+        <p:spPr>
+          <a:xfrm>
+            <a:off x="6671883" y="0"/>
+            <a:ext cx="2546928" cy="1102754"/>
+          </a:xfrm>
+          <a:prstGeom prst="rect">
+            <a:avLst/>
+          </a:prstGeom>
         </p:spPr>
       </p:pic>
     </p:spTree>
@@ -7076,12 +7413,134 @@
           <a:chExt cx="0" cy="0"/>
         </a:xfrm>
       </p:grpSpPr>
+      <p:sp>
+        <p:nvSpPr>
+          <p:cNvPr id="2" name="TextBox 1">
+            <a:extLst>
+              <a:ext uri="{FF2B5EF4-FFF2-40B4-BE49-F238E27FC236}">
+                <a16:creationId xmlns:a16="http://schemas.microsoft.com/office/drawing/2014/main" id="{4DA61C1F-2626-1E9E-4397-255AFE856209}"/>
+              </a:ext>
+            </a:extLst>
+          </p:cNvPr>
+          <p:cNvSpPr txBox="1"/>
+          <p:nvPr/>
+        </p:nvSpPr>
+        <p:spPr>
+          <a:xfrm>
+            <a:off x="724035" y="484631"/>
+            <a:ext cx="5558778" cy="523220"/>
+          </a:xfrm>
+          <a:prstGeom prst="rect">
+            <a:avLst/>
+          </a:prstGeom>
+          <a:noFill/>
+        </p:spPr>
+        <p:txBody>
+          <a:bodyPr wrap="square" rtlCol="0">
+            <a:spAutoFit/>
+          </a:bodyPr>
+          <a:lstStyle/>
+          <a:p>
+            <a:r>
+              <a:rPr lang="en-IN" sz="2800" u="sng" dirty="0">
+                <a:solidFill>
+                  <a:srgbClr val="00B050"/>
+                </a:solidFill>
+                <a:effectLst>
+                  <a:outerShdw blurRad="38100" dist="38100" dir="2700000" algn="tl">
+                    <a:srgbClr val="000000">
+                      <a:alpha val="43137"/>
+                    </a:srgbClr>
+                  </a:outerShdw>
+                </a:effectLst>
+              </a:rPr>
+              <a:t>What exactly is 3D Printing?</a:t>
+            </a:r>
+          </a:p>
+        </p:txBody>
+      </p:sp>
+      <p:sp>
+        <p:nvSpPr>
+          <p:cNvPr id="6" name="TextBox 5">
+            <a:extLst>
+              <a:ext uri="{FF2B5EF4-FFF2-40B4-BE49-F238E27FC236}">
+                <a16:creationId xmlns:a16="http://schemas.microsoft.com/office/drawing/2014/main" id="{778D9B83-6FA9-204C-0E2A-B762DB752752}"/>
+              </a:ext>
+            </a:extLst>
+          </p:cNvPr>
+          <p:cNvSpPr txBox="1"/>
+          <p:nvPr/>
+        </p:nvSpPr>
+        <p:spPr>
+          <a:xfrm>
+            <a:off x="487478" y="1450915"/>
+            <a:ext cx="5029588" cy="5027467"/>
+          </a:xfrm>
+          <a:prstGeom prst="rect">
+            <a:avLst/>
+          </a:prstGeom>
+          <a:noFill/>
+        </p:spPr>
+        <p:txBody>
+          <a:bodyPr wrap="square" rtlCol="0">
+            <a:spAutoFit/>
+          </a:bodyPr>
+          <a:lstStyle/>
+          <a:p>
+            <a:pPr marL="285750" indent="-285750">
+              <a:lnSpc>
+                <a:spcPct val="150000"/>
+              </a:lnSpc>
+              <a:buFont typeface="Wingdings" panose="05000000000000000000" pitchFamily="2" charset="2"/>
+              <a:buChar char="Ø"/>
+            </a:pPr>
+            <a:r>
+              <a:rPr lang="en-US" dirty="0"/>
+              <a:t>3-D printing technology is considered as one of the most emerging and significant technology of the upcoming revolution in the fashion industry.</a:t>
+            </a:r>
+          </a:p>
+          <a:p>
+            <a:pPr marL="285750" indent="-285750">
+              <a:lnSpc>
+                <a:spcPct val="150000"/>
+              </a:lnSpc>
+              <a:buFont typeface="Wingdings" panose="05000000000000000000" pitchFamily="2" charset="2"/>
+              <a:buChar char="Ø"/>
+            </a:pPr>
+            <a:r>
+              <a:rPr lang="en-US" dirty="0"/>
+              <a:t>One can use 3D printing technology in fashion to design accessories, build prototypes and manufacturing tools , boost towards sustainability efforts and expand customization options.</a:t>
+            </a:r>
+          </a:p>
+          <a:p>
+            <a:pPr marL="285750" indent="-285750">
+              <a:lnSpc>
+                <a:spcPct val="150000"/>
+              </a:lnSpc>
+              <a:buFont typeface="Wingdings" panose="05000000000000000000" pitchFamily="2" charset="2"/>
+              <a:buChar char="Ø"/>
+            </a:pPr>
+            <a:r>
+              <a:rPr lang="en-US" dirty="0"/>
+              <a:t>Moreover, it can reduce </a:t>
+            </a:r>
+            <a:r>
+              <a:rPr lang="en-US" dirty="0" err="1"/>
+              <a:t>labour</a:t>
+            </a:r>
+            <a:r>
+              <a:rPr lang="en-US" dirty="0"/>
+              <a:t> costs and increase efficiency in production of better and sustainable fabrics to the population. </a:t>
+            </a:r>
+          </a:p>
+        </p:txBody>
+      </p:sp>
       <p:pic>
         <p:nvPicPr>
-          <p:cNvPr id="4" name="Picture 3">
+          <p:cNvPr id="7" name="Picture 6">
             <a:extLst>
               <a:ext uri="{FF2B5EF4-FFF2-40B4-BE49-F238E27FC236}">
-                <a16:creationId xmlns:a16="http://schemas.microsoft.com/office/drawing/2014/main" id="{971502F9-9F57-C27E-AF1F-1798028D0034}"/>
+                <a16:creationId xmlns:a16="http://schemas.microsoft.com/office/drawing/2014/main" id="{3EAEC7FA-5568-D4BB-5B86-7E19205CD462}"/>
               </a:ext>
             </a:extLst>
           </p:cNvPr>
@@ -7104,134 +7563,20 @@
         </p:blipFill>
         <p:spPr>
           <a:xfrm>
-            <a:off x="4606032" y="1390157"/>
-            <a:ext cx="7249218" cy="4077685"/>
-          </a:xfrm>
-          <a:prstGeom prst="roundRect">
-            <a:avLst>
-              <a:gd name="adj" fmla="val 16667"/>
-            </a:avLst>
-          </a:prstGeom>
-          <a:ln>
-            <a:noFill/>
-          </a:ln>
-          <a:effectLst>
-            <a:outerShdw blurRad="152400" dist="12000" dir="900000" sy="98000" kx="110000" ky="200000" algn="tl" rotWithShape="0">
-              <a:srgbClr val="000000">
-                <a:alpha val="30000"/>
-              </a:srgbClr>
-            </a:outerShdw>
-          </a:effectLst>
-          <a:scene3d>
-            <a:camera prst="perspectiveRelaxed">
-              <a:rot lat="19800000" lon="1200000" rev="20820000"/>
-            </a:camera>
-            <a:lightRig rig="threePt" dir="t"/>
-          </a:scene3d>
-          <a:sp3d contourW="6350" prstMaterial="matte">
-            <a:bevelT w="101600" h="101600"/>
-            <a:contourClr>
-              <a:srgbClr val="969696"/>
-            </a:contourClr>
-          </a:sp3d>
-        </p:spPr>
-      </p:pic>
-      <p:sp>
-        <p:nvSpPr>
-          <p:cNvPr id="6" name="TextBox 5">
-            <a:extLst>
-              <a:ext uri="{FF2B5EF4-FFF2-40B4-BE49-F238E27FC236}">
-                <a16:creationId xmlns:a16="http://schemas.microsoft.com/office/drawing/2014/main" id="{778D9B83-6FA9-204C-0E2A-B762DB752752}"/>
-              </a:ext>
-            </a:extLst>
-          </p:cNvPr>
-          <p:cNvSpPr txBox="1"/>
-          <p:nvPr/>
-        </p:nvSpPr>
-        <p:spPr>
-          <a:xfrm>
-            <a:off x="336750" y="1102754"/>
-            <a:ext cx="6335133" cy="5027467"/>
+            <a:off x="6671883" y="0"/>
+            <a:ext cx="2546928" cy="1102754"/>
           </a:xfrm>
           <a:prstGeom prst="rect">
             <a:avLst/>
           </a:prstGeom>
-          <a:noFill/>
         </p:spPr>
-        <p:txBody>
-          <a:bodyPr wrap="square" rtlCol="0">
-            <a:spAutoFit/>
-          </a:bodyPr>
-          <a:lstStyle/>
-          <a:p>
-            <a:pPr marL="285750" indent="-285750">
-              <a:lnSpc>
-                <a:spcPct val="150000"/>
-              </a:lnSpc>
-              <a:buFont typeface="Wingdings" panose="05000000000000000000" pitchFamily="2" charset="2"/>
-              <a:buChar char="Ø"/>
-            </a:pPr>
-            <a:r>
-              <a:rPr lang="en-US" dirty="0"/>
-              <a:t>3D printing technology is considered as one of the most emerging and significant technology of the forth industrial revolution in the fashion industry.</a:t>
-            </a:r>
-          </a:p>
-          <a:p>
-            <a:pPr marL="285750" indent="-285750">
-              <a:lnSpc>
-                <a:spcPct val="150000"/>
-              </a:lnSpc>
-              <a:buFont typeface="Wingdings" panose="05000000000000000000" pitchFamily="2" charset="2"/>
-              <a:buChar char="Ø"/>
-            </a:pPr>
-            <a:r>
-              <a:rPr lang="en-US" dirty="0"/>
-              <a:t>One can use 3D printing technology in fashion to design accessories build prototypes and manufacturing tools, boost towards sustainability efforts and expand customization options.</a:t>
-            </a:r>
-          </a:p>
-          <a:p>
-            <a:pPr marL="285750" indent="-285750">
-              <a:lnSpc>
-                <a:spcPct val="150000"/>
-              </a:lnSpc>
-              <a:buFont typeface="Wingdings" panose="05000000000000000000" pitchFamily="2" charset="2"/>
-              <a:buChar char="Ø"/>
-            </a:pPr>
-            <a:r>
-              <a:rPr lang="en-US" dirty="0"/>
-              <a:t>Moreover, it can reduce </a:t>
-            </a:r>
-            <a:r>
-              <a:rPr lang="en-US" dirty="0" err="1"/>
-              <a:t>labour</a:t>
-            </a:r>
-            <a:r>
-              <a:rPr lang="en-US" dirty="0"/>
-              <a:t> costs and increase efficiency in production of better and sustainable fabrics to the population. </a:t>
-            </a:r>
-          </a:p>
-          <a:p>
-            <a:pPr marL="285750" indent="-285750">
-              <a:lnSpc>
-                <a:spcPct val="150000"/>
-              </a:lnSpc>
-              <a:buFont typeface="Wingdings" panose="05000000000000000000" pitchFamily="2" charset="2"/>
-              <a:buChar char="Ø"/>
-            </a:pPr>
-            <a:r>
-              <a:rPr lang="en-US" dirty="0"/>
-              <a:t>Therefore we can harness this new technology to our fullest and can gain benefits out of this.</a:t>
-            </a:r>
-            <a:endParaRPr lang="en-IN" dirty="0"/>
-          </a:p>
-        </p:txBody>
-      </p:sp>
+      </p:pic>
       <p:pic>
         <p:nvPicPr>
-          <p:cNvPr id="7" name="Picture 6">
+          <p:cNvPr id="9" name="Picture 8">
             <a:extLst>
               <a:ext uri="{FF2B5EF4-FFF2-40B4-BE49-F238E27FC236}">
-                <a16:creationId xmlns:a16="http://schemas.microsoft.com/office/drawing/2014/main" id="{3EAEC7FA-5568-D4BB-5B86-7E19205CD462}"/>
+                <a16:creationId xmlns:a16="http://schemas.microsoft.com/office/drawing/2014/main" id="{5B1F810F-1451-5132-BCCB-4A23CCDCBF10}"/>
               </a:ext>
             </a:extLst>
           </p:cNvPr>
@@ -7254,18 +7599,74 @@
         </p:blipFill>
         <p:spPr>
           <a:xfrm>
-            <a:off x="6671883" y="0"/>
-            <a:ext cx="2546928" cy="1102754"/>
+            <a:off x="5656939" y="1382622"/>
+            <a:ext cx="4315836" cy="2479959"/>
           </a:xfrm>
           <a:prstGeom prst="rect">
             <a:avLst/>
           </a:prstGeom>
+          <a:ln>
+            <a:noFill/>
+          </a:ln>
+          <a:effectLst>
+            <a:outerShdw blurRad="292100" dist="139700" dir="2700000" algn="tl" rotWithShape="0">
+              <a:srgbClr val="333333">
+                <a:alpha val="65000"/>
+              </a:srgbClr>
+            </a:outerShdw>
+          </a:effectLst>
+        </p:spPr>
+      </p:pic>
+      <p:pic>
+        <p:nvPicPr>
+          <p:cNvPr id="3" name="Picture 2">
+            <a:extLst>
+              <a:ext uri="{FF2B5EF4-FFF2-40B4-BE49-F238E27FC236}">
+                <a16:creationId xmlns:a16="http://schemas.microsoft.com/office/drawing/2014/main" id="{860E38E1-35FD-AEE4-FA29-19BD1BCCFE04}"/>
+              </a:ext>
+            </a:extLst>
+          </p:cNvPr>
+          <p:cNvPicPr>
+            <a:picLocks noChangeAspect="1"/>
+          </p:cNvPicPr>
+          <p:nvPr/>
+        </p:nvPicPr>
+        <p:blipFill>
+          <a:blip r:embed="rId4">
+            <a:extLst>
+              <a:ext uri="{28A0092B-C50C-407E-A947-70E740481C1C}">
+                <a14:useLocalDpi xmlns:a14="http://schemas.microsoft.com/office/drawing/2010/main" val="0"/>
+              </a:ext>
+            </a:extLst>
+          </a:blip>
+          <a:stretch>
+            <a:fillRect/>
+          </a:stretch>
+        </p:blipFill>
+        <p:spPr>
+          <a:xfrm>
+            <a:off x="7492349" y="4142449"/>
+            <a:ext cx="4408818" cy="2479960"/>
+          </a:xfrm>
+          <a:prstGeom prst="rect">
+            <a:avLst/>
+          </a:prstGeom>
+          <a:ln>
+            <a:noFill/>
+          </a:ln>
+          <a:effectLst>
+            <a:outerShdw blurRad="292100" dist="139700" dir="2700000" algn="tl" rotWithShape="0">
+              <a:srgbClr val="333333">
+                <a:alpha val="65000"/>
+              </a:srgbClr>
+            </a:outerShdw>
+          </a:effectLst>
         </p:spPr>
       </p:pic>
     </p:spTree>
     <p:extLst>
       <p:ext uri="{BB962C8B-B14F-4D97-AF65-F5344CB8AC3E}">
-        <p14:creationId xmlns:p14="http://schemas.microsoft.com/office/powerpoint/2010/main" val="164900225"/>
+        <p14:creationId xmlns:p14="http://schemas.microsoft.com/office/powerpoint/2010/main" val="3994449715"/>
       </p:ext>
     </p:extLst>
   </p:cSld>
@@ -7320,8 +7721,8 @@
         </p:blipFill>
         <p:spPr>
           <a:xfrm>
-            <a:off x="4562272" y="1462212"/>
-            <a:ext cx="6997132" cy="4428706"/>
+            <a:off x="5032720" y="1759974"/>
+            <a:ext cx="6526683" cy="4130944"/>
           </a:xfrm>
           <a:prstGeom prst="roundRect">
             <a:avLst>
@@ -7388,7 +7789,7 @@
             <a:r>
               <a:rPr lang="en-IN" sz="2800" u="sng" dirty="0">
                 <a:solidFill>
-                  <a:schemeClr val="tx2"/>
+                  <a:srgbClr val="00B050"/>
                 </a:solidFill>
                 <a:effectLst>
                   <a:outerShdw blurRad="38100" dist="38100" dir="2700000" algn="tl">
@@ -7613,7 +8014,7 @@
         </p:nvSpPr>
         <p:spPr>
           <a:xfrm>
-            <a:off x="958861" y="1366897"/>
+            <a:off x="724035" y="1366897"/>
             <a:ext cx="6380853" cy="2062103"/>
           </a:xfrm>
           <a:prstGeom prst="rect">
@@ -7636,6 +8037,7 @@
             <a:endParaRPr lang="en-US" dirty="0"/>
           </a:p>
           <a:p>
+            <a:pPr algn="just"/>
             <a:r>
               <a:rPr lang="en-US" dirty="0"/>
               <a:t>To keep up with the technical drive and to solve a lot of problems our textile industry is facing these years like </a:t>
@@ -7651,6 +8053,50 @@
           </a:p>
           <a:p>
             <a:endParaRPr lang="en-IN" dirty="0"/>
+          </a:p>
+        </p:txBody>
+      </p:sp>
+      <p:sp>
+        <p:nvSpPr>
+          <p:cNvPr id="2" name="TextBox 1">
+            <a:extLst>
+              <a:ext uri="{FF2B5EF4-FFF2-40B4-BE49-F238E27FC236}">
+                <a16:creationId xmlns:a16="http://schemas.microsoft.com/office/drawing/2014/main" id="{076C1CDC-B22F-4CFB-1548-E7E5B2BD38C3}"/>
+              </a:ext>
+            </a:extLst>
+          </p:cNvPr>
+          <p:cNvSpPr txBox="1"/>
+          <p:nvPr/>
+        </p:nvSpPr>
+        <p:spPr>
+          <a:xfrm>
+            <a:off x="724035" y="484631"/>
+            <a:ext cx="4521733" cy="523220"/>
+          </a:xfrm>
+          <a:prstGeom prst="rect">
+            <a:avLst/>
+          </a:prstGeom>
+          <a:noFill/>
+        </p:spPr>
+        <p:txBody>
+          <a:bodyPr wrap="square" rtlCol="0">
+            <a:spAutoFit/>
+          </a:bodyPr>
+          <a:lstStyle/>
+          <a:p>
+            <a:r>
+              <a:rPr lang="en-US" sz="2800" u="sng" dirty="0">
+                <a:solidFill>
+                  <a:srgbClr val="00B050"/>
+                </a:solidFill>
+              </a:rPr>
+              <a:t>Continued…</a:t>
+            </a:r>
+            <a:endParaRPr lang="en-IN" sz="2800" u="sng" dirty="0">
+              <a:solidFill>
+                <a:srgbClr val="00B050"/>
+              </a:solidFill>
+            </a:endParaRPr>
           </a:p>
         </p:txBody>
       </p:sp>
@@ -7699,7 +8145,7 @@
         <p:spPr>
           <a:xfrm>
             <a:off x="724035" y="484631"/>
-            <a:ext cx="4122285" cy="523220"/>
+            <a:ext cx="5283475" cy="523220"/>
           </a:xfrm>
           <a:prstGeom prst="rect">
             <a:avLst/>
@@ -7715,205 +8161,16 @@
             <a:r>
               <a:rPr lang="en-US" sz="2800" u="sng" dirty="0">
                 <a:solidFill>
-                  <a:schemeClr val="tx2"/>
+                  <a:srgbClr val="00B050"/>
                 </a:solidFill>
               </a:rPr>
-              <a:t>F</a:t>
-            </a:r>
-            <a:r>
-              <a:rPr lang="en-IN" sz="2800" u="sng" dirty="0">
-                <a:solidFill>
-                  <a:schemeClr val="tx2"/>
-                </a:solidFill>
-              </a:rPr>
-              <a:t>INANCE &amp; ACCOUNTING</a:t>
-            </a:r>
-          </a:p>
-        </p:txBody>
-      </p:sp>
-      <p:sp>
-        <p:nvSpPr>
-          <p:cNvPr id="6" name="TextBox 5">
-            <a:extLst>
-              <a:ext uri="{FF2B5EF4-FFF2-40B4-BE49-F238E27FC236}">
-                <a16:creationId xmlns:a16="http://schemas.microsoft.com/office/drawing/2014/main" id="{778D9B83-6FA9-204C-0E2A-B762DB752752}"/>
-              </a:ext>
-            </a:extLst>
-          </p:cNvPr>
-          <p:cNvSpPr txBox="1"/>
-          <p:nvPr/>
-        </p:nvSpPr>
-        <p:spPr>
-          <a:xfrm>
-            <a:off x="724035" y="1298448"/>
-            <a:ext cx="8494776" cy="646331"/>
-          </a:xfrm>
-          <a:prstGeom prst="rect">
-            <a:avLst/>
-          </a:prstGeom>
-          <a:noFill/>
-        </p:spPr>
-        <p:txBody>
-          <a:bodyPr wrap="square" rtlCol="0">
-            <a:spAutoFit/>
-          </a:bodyPr>
-          <a:lstStyle/>
-          <a:p>
-            <a:r>
-              <a:rPr lang="en-US" dirty="0"/>
-              <a:t>LOREM300</a:t>
-            </a:r>
-          </a:p>
-          <a:p>
-            <a:endParaRPr lang="en-IN" dirty="0"/>
-          </a:p>
-        </p:txBody>
-      </p:sp>
-      <p:pic>
-        <p:nvPicPr>
-          <p:cNvPr id="4" name="Picture 3">
-            <a:extLst>
-              <a:ext uri="{FF2B5EF4-FFF2-40B4-BE49-F238E27FC236}">
-                <a16:creationId xmlns:a16="http://schemas.microsoft.com/office/drawing/2014/main" id="{A5A26916-085F-AA32-8E4F-6E2C114563BC}"/>
-              </a:ext>
-            </a:extLst>
-          </p:cNvPr>
-          <p:cNvPicPr>
-            <a:picLocks noChangeAspect="1"/>
-          </p:cNvPicPr>
-          <p:nvPr/>
-        </p:nvPicPr>
-        <p:blipFill>
-          <a:blip r:embed="rId2">
-            <a:extLst>
-              <a:ext uri="{28A0092B-C50C-407E-A947-70E740481C1C}">
-                <a14:useLocalDpi xmlns:a14="http://schemas.microsoft.com/office/drawing/2010/main" val="0"/>
-              </a:ext>
-            </a:extLst>
-          </a:blip>
-          <a:stretch>
-            <a:fillRect/>
-          </a:stretch>
-        </p:blipFill>
-        <p:spPr>
-          <a:xfrm>
-            <a:off x="6869182" y="50396"/>
-            <a:ext cx="2546928" cy="1102754"/>
-          </a:xfrm>
-          <a:prstGeom prst="rect">
-            <a:avLst/>
-          </a:prstGeom>
-        </p:spPr>
-      </p:pic>
-    </p:spTree>
-    <p:extLst>
-      <p:ext uri="{BB962C8B-B14F-4D97-AF65-F5344CB8AC3E}">
-        <p14:creationId xmlns:p14="http://schemas.microsoft.com/office/powerpoint/2010/main" val="293100182"/>
-      </p:ext>
-    </p:extLst>
-  </p:cSld>
-  <p:clrMapOvr>
-    <a:masterClrMapping/>
-  </p:clrMapOvr>
-</p:sld>
-</file>
-
-<file path=ppt/slides/slide7.xml><?xml version="1.0" encoding="utf-8"?>
-<p:sld xmlns:a="http://schemas.openxmlformats.org/drawingml/2006/main" xmlns:r="http://schemas.openxmlformats.org/officeDocument/2006/relationships" xmlns:p="http://schemas.openxmlformats.org/presentationml/2006/main">
-  <p:cSld>
-    <p:spTree>
-      <p:nvGrpSpPr>
-        <p:cNvPr id="1" name=""/>
-        <p:cNvGrpSpPr/>
-        <p:nvPr/>
-      </p:nvGrpSpPr>
-      <p:grpSpPr>
-        <a:xfrm>
-          <a:off x="0" y="0"/>
-          <a:ext cx="0" cy="0"/>
-          <a:chOff x="0" y="0"/>
-          <a:chExt cx="0" cy="0"/>
-        </a:xfrm>
-      </p:grpSpPr>
-      <p:sp>
-        <p:nvSpPr>
-          <p:cNvPr id="2" name="TextBox 1">
-            <a:extLst>
-              <a:ext uri="{FF2B5EF4-FFF2-40B4-BE49-F238E27FC236}">
-                <a16:creationId xmlns:a16="http://schemas.microsoft.com/office/drawing/2014/main" id="{4DA61C1F-2626-1E9E-4397-255AFE856209}"/>
-              </a:ext>
-            </a:extLst>
-          </p:cNvPr>
-          <p:cNvSpPr txBox="1"/>
-          <p:nvPr/>
-        </p:nvSpPr>
-        <p:spPr>
-          <a:xfrm>
-            <a:off x="724035" y="484631"/>
-            <a:ext cx="4122285" cy="523220"/>
-          </a:xfrm>
-          <a:prstGeom prst="rect">
-            <a:avLst/>
-          </a:prstGeom>
-          <a:noFill/>
-        </p:spPr>
-        <p:txBody>
-          <a:bodyPr wrap="square" rtlCol="0">
-            <a:spAutoFit/>
-          </a:bodyPr>
-          <a:lstStyle/>
-          <a:p>
-            <a:r>
-              <a:rPr lang="en-US" sz="2800" u="sng" dirty="0">
-                <a:solidFill>
-                  <a:schemeClr val="tx2"/>
-                </a:solidFill>
-              </a:rPr>
-              <a:t>SALES &amp; MARKETING</a:t>
+              <a:t>HOW DOES OUR SYSTEM WORK?</a:t>
             </a:r>
             <a:endParaRPr lang="en-IN" sz="2800" u="sng" dirty="0">
               <a:solidFill>
-                <a:schemeClr val="tx2"/>
+                <a:srgbClr val="00B050"/>
               </a:solidFill>
             </a:endParaRPr>
-          </a:p>
-        </p:txBody>
-      </p:sp>
-      <p:sp>
-        <p:nvSpPr>
-          <p:cNvPr id="6" name="TextBox 5">
-            <a:extLst>
-              <a:ext uri="{FF2B5EF4-FFF2-40B4-BE49-F238E27FC236}">
-                <a16:creationId xmlns:a16="http://schemas.microsoft.com/office/drawing/2014/main" id="{778D9B83-6FA9-204C-0E2A-B762DB752752}"/>
-              </a:ext>
-            </a:extLst>
-          </p:cNvPr>
-          <p:cNvSpPr txBox="1"/>
-          <p:nvPr/>
-        </p:nvSpPr>
-        <p:spPr>
-          <a:xfrm>
-            <a:off x="724035" y="1298448"/>
-            <a:ext cx="8494776" cy="646331"/>
-          </a:xfrm>
-          <a:prstGeom prst="rect">
-            <a:avLst/>
-          </a:prstGeom>
-          <a:noFill/>
-        </p:spPr>
-        <p:txBody>
-          <a:bodyPr wrap="square" rtlCol="0">
-            <a:spAutoFit/>
-          </a:bodyPr>
-          <a:lstStyle/>
-          <a:p>
-            <a:r>
-              <a:rPr lang="en-US" dirty="0"/>
-              <a:t>LOREM300</a:t>
-            </a:r>
-          </a:p>
-          <a:p>
-            <a:endParaRPr lang="en-IN" dirty="0"/>
           </a:p>
         </p:txBody>
       </p:sp>
@@ -7966,7 +8223,7 @@
 </p:sld>
 </file>
 
-<file path=ppt/slides/slide8.xml><?xml version="1.0" encoding="utf-8"?>
+<file path=ppt/slides/slide7.xml><?xml version="1.0" encoding="utf-8"?>
 <p:sld xmlns:a="http://schemas.openxmlformats.org/drawingml/2006/main" xmlns:r="http://schemas.openxmlformats.org/officeDocument/2006/relationships" xmlns:p="http://schemas.openxmlformats.org/presentationml/2006/main">
   <p:cSld>
     <p:spTree>
@@ -7998,7 +8255,7 @@
         <p:spPr>
           <a:xfrm>
             <a:off x="724035" y="484631"/>
-            <a:ext cx="4122285" cy="523220"/>
+            <a:ext cx="4457565" cy="523220"/>
           </a:xfrm>
           <a:prstGeom prst="rect">
             <a:avLst/>
@@ -8014,14 +8271,14 @@
             <a:r>
               <a:rPr lang="en-US" sz="2800" u="sng" dirty="0">
                 <a:solidFill>
-                  <a:schemeClr val="tx2"/>
+                  <a:srgbClr val="00B050"/>
                 </a:solidFill>
               </a:rPr>
-              <a:t>WHY US?</a:t>
+              <a:t>OUR FINANCIAL STRATEGY</a:t>
             </a:r>
             <a:endParaRPr lang="en-IN" sz="2800" u="sng" dirty="0">
               <a:solidFill>
-                <a:schemeClr val="tx2"/>
+                <a:srgbClr val="00B050"/>
               </a:solidFill>
             </a:endParaRPr>
           </a:p>
@@ -8041,8 +8298,8 @@
         </p:nvSpPr>
         <p:spPr>
           <a:xfrm>
-            <a:off x="724035" y="1298448"/>
-            <a:ext cx="8494776" cy="646331"/>
+            <a:off x="724035" y="1916345"/>
+            <a:ext cx="3376017" cy="1663597"/>
           </a:xfrm>
           <a:prstGeom prst="rect">
             <a:avLst/>
@@ -8055,13 +8312,92 @@
           </a:bodyPr>
           <a:lstStyle/>
           <a:p>
-            <a:r>
-              <a:rPr lang="en-US" dirty="0"/>
-              <a:t>LOREM300</a:t>
-            </a:r>
-          </a:p>
-          <a:p>
-            <a:endParaRPr lang="en-IN" dirty="0"/>
+            <a:pPr>
+              <a:lnSpc>
+                <a:spcPct val="107000"/>
+              </a:lnSpc>
+              <a:spcAft>
+                <a:spcPts val="800"/>
+              </a:spcAft>
+            </a:pPr>
+            <a:r>
+              <a:rPr lang="en-IN" sz="1800" u="sng" dirty="0">
+                <a:solidFill>
+                  <a:srgbClr val="0070C0"/>
+                </a:solidFill>
+                <a:effectLst/>
+                <a:latin typeface="Trebuchet MS (Body)"/>
+                <a:ea typeface="Calibri" panose="020F0502020204030204" pitchFamily="34" charset="0"/>
+                <a:cs typeface="Times New Roman" panose="02020603050405020304" pitchFamily="18" charset="0"/>
+              </a:rPr>
+              <a:t>Revenue</a:t>
+            </a:r>
+            <a:endParaRPr lang="en-IN" sz="1800" dirty="0">
+              <a:solidFill>
+                <a:srgbClr val="0070C0"/>
+              </a:solidFill>
+              <a:effectLst/>
+              <a:latin typeface="Trebuchet MS (Body)"/>
+              <a:ea typeface="Calibri" panose="020F0502020204030204" pitchFamily="34" charset="0"/>
+              <a:cs typeface="Times New Roman" panose="02020603050405020304" pitchFamily="18" charset="0"/>
+            </a:endParaRPr>
+          </a:p>
+          <a:p>
+            <a:pPr marL="342900" lvl="0" indent="-342900">
+              <a:lnSpc>
+                <a:spcPct val="107000"/>
+              </a:lnSpc>
+              <a:buFont typeface="Symbol" panose="05050102010706020507" pitchFamily="18" charset="2"/>
+              <a:buChar char=""/>
+            </a:pPr>
+            <a:r>
+              <a:rPr lang="en-IN" sz="1800" dirty="0">
+                <a:effectLst/>
+                <a:latin typeface="Trebuchet MS (Body)"/>
+                <a:ea typeface="Calibri" panose="020F0502020204030204" pitchFamily="34" charset="0"/>
+                <a:cs typeface="Times New Roman" panose="02020603050405020304" pitchFamily="18" charset="0"/>
+              </a:rPr>
+              <a:t>Selling the clothes</a:t>
+            </a:r>
+          </a:p>
+          <a:p>
+            <a:pPr marL="342900" lvl="0" indent="-342900">
+              <a:lnSpc>
+                <a:spcPct val="107000"/>
+              </a:lnSpc>
+              <a:buFont typeface="Symbol" panose="05050102010706020507" pitchFamily="18" charset="2"/>
+              <a:buChar char=""/>
+            </a:pPr>
+            <a:r>
+              <a:rPr lang="en-IN" sz="1800" dirty="0">
+                <a:effectLst/>
+                <a:latin typeface="Trebuchet MS (Body)"/>
+                <a:ea typeface="Calibri" panose="020F0502020204030204" pitchFamily="34" charset="0"/>
+                <a:cs typeface="Times New Roman" panose="02020603050405020304" pitchFamily="18" charset="0"/>
+              </a:rPr>
+              <a:t>Subscriptions for exclusive designs</a:t>
+            </a:r>
+          </a:p>
+          <a:p>
+            <a:pPr marL="342900" lvl="0" indent="-342900">
+              <a:lnSpc>
+                <a:spcPct val="107000"/>
+              </a:lnSpc>
+              <a:spcAft>
+                <a:spcPts val="800"/>
+              </a:spcAft>
+              <a:buFont typeface="Symbol" panose="05050102010706020507" pitchFamily="18" charset="2"/>
+              <a:buChar char=""/>
+            </a:pPr>
+            <a:r>
+              <a:rPr lang="en-IN" sz="1800" dirty="0">
+                <a:effectLst/>
+                <a:latin typeface="Trebuchet MS (Body)"/>
+                <a:ea typeface="Calibri" panose="020F0502020204030204" pitchFamily="34" charset="0"/>
+                <a:cs typeface="Times New Roman" panose="02020603050405020304" pitchFamily="18" charset="0"/>
+              </a:rPr>
+              <a:t>Using recycled filaments</a:t>
+            </a:r>
           </a:p>
         </p:txBody>
       </p:sp>
@@ -8070,7 +8406,7 @@
           <p:cNvPr id="4" name="Picture 3">
             <a:extLst>
               <a:ext uri="{FF2B5EF4-FFF2-40B4-BE49-F238E27FC236}">
-                <a16:creationId xmlns:a16="http://schemas.microsoft.com/office/drawing/2014/main" id="{C6D844B5-8E1A-2B9D-7150-07AD8533527F}"/>
+                <a16:creationId xmlns:a16="http://schemas.microsoft.com/office/drawing/2014/main" id="{A5A26916-085F-AA32-8E4F-6E2C114563BC}"/>
               </a:ext>
             </a:extLst>
           </p:cNvPr>
@@ -8093,7 +8429,788 @@
         </p:blipFill>
         <p:spPr>
           <a:xfrm>
-            <a:off x="6878326" y="-58431"/>
+            <a:off x="6869182" y="50396"/>
+            <a:ext cx="2546928" cy="1102754"/>
+          </a:xfrm>
+          <a:prstGeom prst="rect">
+            <a:avLst/>
+          </a:prstGeom>
+        </p:spPr>
+      </p:pic>
+      <p:sp>
+        <p:nvSpPr>
+          <p:cNvPr id="3" name="TextBox 2">
+            <a:extLst>
+              <a:ext uri="{FF2B5EF4-FFF2-40B4-BE49-F238E27FC236}">
+                <a16:creationId xmlns:a16="http://schemas.microsoft.com/office/drawing/2014/main" id="{200901C7-7FB7-318A-B72E-0D1CA370D79E}"/>
+              </a:ext>
+            </a:extLst>
+          </p:cNvPr>
+          <p:cNvSpPr txBox="1"/>
+          <p:nvPr/>
+        </p:nvSpPr>
+        <p:spPr>
+          <a:xfrm>
+            <a:off x="7473880" y="1323618"/>
+            <a:ext cx="3376017" cy="2849050"/>
+          </a:xfrm>
+          <a:prstGeom prst="rect">
+            <a:avLst/>
+          </a:prstGeom>
+          <a:noFill/>
+        </p:spPr>
+        <p:txBody>
+          <a:bodyPr wrap="square" rtlCol="0">
+            <a:spAutoFit/>
+          </a:bodyPr>
+          <a:lstStyle/>
+          <a:p>
+            <a:pPr>
+              <a:lnSpc>
+                <a:spcPct val="107000"/>
+              </a:lnSpc>
+              <a:spcAft>
+                <a:spcPts val="800"/>
+              </a:spcAft>
+            </a:pPr>
+            <a:r>
+              <a:rPr lang="en-IN" u="sng" dirty="0">
+                <a:solidFill>
+                  <a:srgbClr val="0070C0"/>
+                </a:solidFill>
+                <a:effectLst/>
+                <a:latin typeface="Trebuchet MS (Body)"/>
+                <a:ea typeface="Calibri" panose="020F0502020204030204" pitchFamily="34" charset="0"/>
+                <a:cs typeface="Times New Roman" panose="02020603050405020304" pitchFamily="18" charset="0"/>
+              </a:rPr>
+              <a:t>Expenditure</a:t>
+            </a:r>
+            <a:endParaRPr lang="en-IN" dirty="0">
+              <a:solidFill>
+                <a:srgbClr val="0070C0"/>
+              </a:solidFill>
+              <a:effectLst/>
+              <a:latin typeface="Trebuchet MS (Body)"/>
+              <a:ea typeface="Calibri" panose="020F0502020204030204" pitchFamily="34" charset="0"/>
+              <a:cs typeface="Times New Roman" panose="02020603050405020304" pitchFamily="18" charset="0"/>
+            </a:endParaRPr>
+          </a:p>
+          <a:p>
+            <a:pPr marL="342900" lvl="0" indent="-342900">
+              <a:lnSpc>
+                <a:spcPct val="107000"/>
+              </a:lnSpc>
+              <a:buFont typeface="Symbol" panose="05050102010706020507" pitchFamily="18" charset="2"/>
+              <a:buChar char=""/>
+            </a:pPr>
+            <a:r>
+              <a:rPr lang="en-IN" sz="1800" dirty="0">
+                <a:effectLst/>
+                <a:latin typeface="Trebuchet MS (Body)"/>
+                <a:ea typeface="Calibri" panose="020F0502020204030204" pitchFamily="34" charset="0"/>
+                <a:cs typeface="Times New Roman" panose="02020603050405020304" pitchFamily="18" charset="0"/>
+              </a:rPr>
+              <a:t>3D printers</a:t>
+            </a:r>
+          </a:p>
+          <a:p>
+            <a:pPr marL="342900" lvl="0" indent="-342900">
+              <a:lnSpc>
+                <a:spcPct val="107000"/>
+              </a:lnSpc>
+              <a:buFont typeface="Symbol" panose="05050102010706020507" pitchFamily="18" charset="2"/>
+              <a:buChar char=""/>
+            </a:pPr>
+            <a:r>
+              <a:rPr lang="en-IN" sz="1800" dirty="0">
+                <a:effectLst/>
+                <a:latin typeface="Trebuchet MS (Body)"/>
+                <a:ea typeface="Calibri" panose="020F0502020204030204" pitchFamily="34" charset="0"/>
+                <a:cs typeface="Times New Roman" panose="02020603050405020304" pitchFamily="18" charset="0"/>
+              </a:rPr>
+              <a:t>Manufacturing costs</a:t>
+            </a:r>
+          </a:p>
+          <a:p>
+            <a:pPr marL="342900" lvl="0" indent="-342900">
+              <a:lnSpc>
+                <a:spcPct val="107000"/>
+              </a:lnSpc>
+              <a:buFont typeface="Symbol" panose="05050102010706020507" pitchFamily="18" charset="2"/>
+              <a:buChar char=""/>
+            </a:pPr>
+            <a:r>
+              <a:rPr lang="en-IN" sz="1800" dirty="0">
+                <a:effectLst/>
+                <a:latin typeface="Trebuchet MS (Body)"/>
+                <a:ea typeface="Calibri" panose="020F0502020204030204" pitchFamily="34" charset="0"/>
+                <a:cs typeface="Times New Roman" panose="02020603050405020304" pitchFamily="18" charset="0"/>
+              </a:rPr>
+              <a:t>Employees</a:t>
+            </a:r>
+          </a:p>
+          <a:p>
+            <a:pPr marL="342900" lvl="0" indent="-342900">
+              <a:lnSpc>
+                <a:spcPct val="107000"/>
+              </a:lnSpc>
+              <a:buFont typeface="Symbol" panose="05050102010706020507" pitchFamily="18" charset="2"/>
+              <a:buChar char=""/>
+            </a:pPr>
+            <a:r>
+              <a:rPr lang="en-IN" sz="1800" dirty="0">
+                <a:effectLst/>
+                <a:latin typeface="Trebuchet MS (Body)"/>
+                <a:ea typeface="Calibri" panose="020F0502020204030204" pitchFamily="34" charset="0"/>
+                <a:cs typeface="Times New Roman" panose="02020603050405020304" pitchFamily="18" charset="0"/>
+              </a:rPr>
+              <a:t>Maintenance</a:t>
+            </a:r>
+          </a:p>
+          <a:p>
+            <a:pPr marL="342900" lvl="0" indent="-342900">
+              <a:lnSpc>
+                <a:spcPct val="107000"/>
+              </a:lnSpc>
+              <a:buFont typeface="Symbol" panose="05050102010706020507" pitchFamily="18" charset="2"/>
+              <a:buChar char=""/>
+            </a:pPr>
+            <a:r>
+              <a:rPr lang="en-IN" sz="1800" dirty="0">
+                <a:effectLst/>
+                <a:latin typeface="Trebuchet MS (Body)"/>
+                <a:ea typeface="Calibri" panose="020F0502020204030204" pitchFamily="34" charset="0"/>
+                <a:cs typeface="Times New Roman" panose="02020603050405020304" pitchFamily="18" charset="0"/>
+              </a:rPr>
+              <a:t>Delivery variable</a:t>
+            </a:r>
+          </a:p>
+          <a:p>
+            <a:pPr marL="342900" lvl="0" indent="-342900">
+              <a:lnSpc>
+                <a:spcPct val="107000"/>
+              </a:lnSpc>
+              <a:buFont typeface="Symbol" panose="05050102010706020507" pitchFamily="18" charset="2"/>
+              <a:buChar char=""/>
+            </a:pPr>
+            <a:r>
+              <a:rPr lang="en-IN" sz="1800" dirty="0">
+                <a:effectLst/>
+                <a:latin typeface="Trebuchet MS (Body)"/>
+                <a:ea typeface="Calibri" panose="020F0502020204030204" pitchFamily="34" charset="0"/>
+                <a:cs typeface="Times New Roman" panose="02020603050405020304" pitchFamily="18" charset="0"/>
+              </a:rPr>
+              <a:t>Operational costs</a:t>
+            </a:r>
+          </a:p>
+          <a:p>
+            <a:pPr marL="342900" lvl="0" indent="-342900">
+              <a:lnSpc>
+                <a:spcPct val="107000"/>
+              </a:lnSpc>
+              <a:buFont typeface="Symbol" panose="05050102010706020507" pitchFamily="18" charset="2"/>
+              <a:buChar char=""/>
+            </a:pPr>
+            <a:r>
+              <a:rPr lang="en-IN" sz="1800" dirty="0">
+                <a:effectLst/>
+                <a:latin typeface="Trebuchet MS (Body)"/>
+                <a:ea typeface="Calibri" panose="020F0502020204030204" pitchFamily="34" charset="0"/>
+                <a:cs typeface="Times New Roman" panose="02020603050405020304" pitchFamily="18" charset="0"/>
+              </a:rPr>
+              <a:t>Marketing </a:t>
+            </a:r>
+          </a:p>
+          <a:p>
+            <a:pPr marL="342900" lvl="0" indent="-342900">
+              <a:lnSpc>
+                <a:spcPct val="107000"/>
+              </a:lnSpc>
+              <a:spcAft>
+                <a:spcPts val="800"/>
+              </a:spcAft>
+              <a:buFont typeface="Symbol" panose="05050102010706020507" pitchFamily="18" charset="2"/>
+              <a:buChar char=""/>
+            </a:pPr>
+            <a:r>
+              <a:rPr lang="en-IN" sz="1800" dirty="0">
+                <a:effectLst/>
+                <a:latin typeface="Trebuchet MS (Body)"/>
+                <a:ea typeface="Calibri" panose="020F0502020204030204" pitchFamily="34" charset="0"/>
+                <a:cs typeface="Times New Roman" panose="02020603050405020304" pitchFamily="18" charset="0"/>
+              </a:rPr>
+              <a:t>Filaments</a:t>
+            </a:r>
+          </a:p>
+        </p:txBody>
+      </p:sp>
+      <p:sp>
+        <p:nvSpPr>
+          <p:cNvPr id="5" name="Arrow: Right 4">
+            <a:extLst>
+              <a:ext uri="{FF2B5EF4-FFF2-40B4-BE49-F238E27FC236}">
+                <a16:creationId xmlns:a16="http://schemas.microsoft.com/office/drawing/2014/main" id="{67089A9A-28CE-DB0C-BBCF-31AFFF9E5210}"/>
+              </a:ext>
+            </a:extLst>
+          </p:cNvPr>
+          <p:cNvSpPr/>
+          <p:nvPr/>
+        </p:nvSpPr>
+        <p:spPr>
+          <a:xfrm>
+            <a:off x="4100052" y="1916344"/>
+            <a:ext cx="3087329" cy="1663597"/>
+          </a:xfrm>
+          <a:prstGeom prst="rightArrow">
+            <a:avLst/>
+          </a:prstGeom>
+          <a:ln/>
+        </p:spPr>
+        <p:style>
+          <a:lnRef idx="2">
+            <a:schemeClr val="accent2">
+              <a:shade val="50000"/>
+            </a:schemeClr>
+          </a:lnRef>
+          <a:fillRef idx="1">
+            <a:schemeClr val="accent2"/>
+          </a:fillRef>
+          <a:effectRef idx="0">
+            <a:schemeClr val="accent2"/>
+          </a:effectRef>
+          <a:fontRef idx="minor">
+            <a:schemeClr val="lt1"/>
+          </a:fontRef>
+        </p:style>
+        <p:txBody>
+          <a:bodyPr rtlCol="0" anchor="ctr"/>
+          <a:lstStyle/>
+          <a:p>
+            <a:endParaRPr lang="en-IN" dirty="0"/>
+          </a:p>
+        </p:txBody>
+      </p:sp>
+      <p:sp>
+        <p:nvSpPr>
+          <p:cNvPr id="8" name="Arrow: Right 7">
+            <a:extLst>
+              <a:ext uri="{FF2B5EF4-FFF2-40B4-BE49-F238E27FC236}">
+                <a16:creationId xmlns:a16="http://schemas.microsoft.com/office/drawing/2014/main" id="{E73E7B55-DF58-D797-2346-E42BFC710463}"/>
+              </a:ext>
+            </a:extLst>
+          </p:cNvPr>
+          <p:cNvSpPr/>
+          <p:nvPr/>
+        </p:nvSpPr>
+        <p:spPr>
+          <a:xfrm rot="5400000">
+            <a:off x="4258075" y="2669971"/>
+            <a:ext cx="2258449" cy="1663597"/>
+          </a:xfrm>
+          <a:prstGeom prst="rightArrow">
+            <a:avLst/>
+          </a:prstGeom>
+          <a:ln>
+            <a:noFill/>
+          </a:ln>
+        </p:spPr>
+        <p:style>
+          <a:lnRef idx="2">
+            <a:schemeClr val="accent2">
+              <a:shade val="50000"/>
+            </a:schemeClr>
+          </a:lnRef>
+          <a:fillRef idx="1">
+            <a:schemeClr val="accent2"/>
+          </a:fillRef>
+          <a:effectRef idx="0">
+            <a:schemeClr val="accent2"/>
+          </a:effectRef>
+          <a:fontRef idx="minor">
+            <a:schemeClr val="lt1"/>
+          </a:fontRef>
+        </p:style>
+        <p:txBody>
+          <a:bodyPr rtlCol="0" anchor="ctr"/>
+          <a:lstStyle/>
+          <a:p>
+            <a:pPr algn="ctr"/>
+            <a:endParaRPr lang="en-IN"/>
+          </a:p>
+        </p:txBody>
+      </p:sp>
+      <p:sp>
+        <p:nvSpPr>
+          <p:cNvPr id="9" name="TextBox 8">
+            <a:extLst>
+              <a:ext uri="{FF2B5EF4-FFF2-40B4-BE49-F238E27FC236}">
+                <a16:creationId xmlns:a16="http://schemas.microsoft.com/office/drawing/2014/main" id="{A2AF6DB6-F715-2F6A-A758-F5B0FCBF56B4}"/>
+              </a:ext>
+            </a:extLst>
+          </p:cNvPr>
+          <p:cNvSpPr txBox="1"/>
+          <p:nvPr/>
+        </p:nvSpPr>
+        <p:spPr>
+          <a:xfrm>
+            <a:off x="4122201" y="2563476"/>
+            <a:ext cx="972517" cy="369332"/>
+          </a:xfrm>
+          <a:prstGeom prst="rect">
+            <a:avLst/>
+          </a:prstGeom>
+          <a:noFill/>
+        </p:spPr>
+        <p:txBody>
+          <a:bodyPr wrap="square" rtlCol="0">
+            <a:spAutoFit/>
+          </a:bodyPr>
+          <a:lstStyle/>
+          <a:p>
+            <a:r>
+              <a:rPr lang="en-US" dirty="0">
+                <a:solidFill>
+                  <a:schemeClr val="bg1"/>
+                </a:solidFill>
+              </a:rPr>
+              <a:t>Cash In</a:t>
+            </a:r>
+            <a:endParaRPr lang="en-IN" dirty="0">
+              <a:solidFill>
+                <a:schemeClr val="bg1"/>
+              </a:solidFill>
+            </a:endParaRPr>
+          </a:p>
+        </p:txBody>
+      </p:sp>
+      <p:sp>
+        <p:nvSpPr>
+          <p:cNvPr id="10" name="TextBox 9">
+            <a:extLst>
+              <a:ext uri="{FF2B5EF4-FFF2-40B4-BE49-F238E27FC236}">
+                <a16:creationId xmlns:a16="http://schemas.microsoft.com/office/drawing/2014/main" id="{B2A06DA6-9577-8D6B-318F-C6A19168BA20}"/>
+              </a:ext>
+            </a:extLst>
+          </p:cNvPr>
+          <p:cNvSpPr txBox="1"/>
+          <p:nvPr/>
+        </p:nvSpPr>
+        <p:spPr>
+          <a:xfrm>
+            <a:off x="4714569" y="4638035"/>
+            <a:ext cx="1414968" cy="369332"/>
+          </a:xfrm>
+          <a:prstGeom prst="rect">
+            <a:avLst/>
+          </a:prstGeom>
+          <a:noFill/>
+        </p:spPr>
+        <p:txBody>
+          <a:bodyPr wrap="square" rtlCol="0">
+            <a:spAutoFit/>
+          </a:bodyPr>
+          <a:lstStyle/>
+          <a:p>
+            <a:pPr algn="ctr"/>
+            <a:r>
+              <a:rPr lang="en-US" u="sng" dirty="0">
+                <a:solidFill>
+                  <a:srgbClr val="0070C0"/>
+                </a:solidFill>
+              </a:rPr>
+              <a:t>Net Profit</a:t>
+            </a:r>
+            <a:endParaRPr lang="en-IN" u="sng" dirty="0">
+              <a:solidFill>
+                <a:srgbClr val="0070C0"/>
+              </a:solidFill>
+            </a:endParaRPr>
+          </a:p>
+        </p:txBody>
+      </p:sp>
+      <p:sp>
+        <p:nvSpPr>
+          <p:cNvPr id="11" name="TextBox 10">
+            <a:extLst>
+              <a:ext uri="{FF2B5EF4-FFF2-40B4-BE49-F238E27FC236}">
+                <a16:creationId xmlns:a16="http://schemas.microsoft.com/office/drawing/2014/main" id="{288A54AE-DF87-BEAE-01E1-526354304AF5}"/>
+              </a:ext>
+            </a:extLst>
+          </p:cNvPr>
+          <p:cNvSpPr txBox="1"/>
+          <p:nvPr/>
+        </p:nvSpPr>
+        <p:spPr>
+          <a:xfrm>
+            <a:off x="5879691" y="2563476"/>
+            <a:ext cx="1106566" cy="369332"/>
+          </a:xfrm>
+          <a:prstGeom prst="rect">
+            <a:avLst/>
+          </a:prstGeom>
+          <a:noFill/>
+        </p:spPr>
+        <p:txBody>
+          <a:bodyPr wrap="square" rtlCol="0">
+            <a:spAutoFit/>
+          </a:bodyPr>
+          <a:lstStyle/>
+          <a:p>
+            <a:r>
+              <a:rPr lang="en-US" dirty="0">
+                <a:solidFill>
+                  <a:schemeClr val="bg1"/>
+                </a:solidFill>
+              </a:rPr>
+              <a:t>Cash Out</a:t>
+            </a:r>
+            <a:endParaRPr lang="en-IN" dirty="0">
+              <a:solidFill>
+                <a:schemeClr val="bg1"/>
+              </a:solidFill>
+            </a:endParaRPr>
+          </a:p>
+        </p:txBody>
+      </p:sp>
+      <p:sp>
+        <p:nvSpPr>
+          <p:cNvPr id="13" name="TextBox 12">
+            <a:extLst>
+              <a:ext uri="{FF2B5EF4-FFF2-40B4-BE49-F238E27FC236}">
+                <a16:creationId xmlns:a16="http://schemas.microsoft.com/office/drawing/2014/main" id="{636ACF2A-C88C-4EBC-4BD5-F179F90E0B48}"/>
+              </a:ext>
+            </a:extLst>
+          </p:cNvPr>
+          <p:cNvSpPr txBox="1"/>
+          <p:nvPr/>
+        </p:nvSpPr>
+        <p:spPr>
+          <a:xfrm>
+            <a:off x="884903" y="5329609"/>
+            <a:ext cx="7973962" cy="1070871"/>
+          </a:xfrm>
+          <a:prstGeom prst="rect">
+            <a:avLst/>
+          </a:prstGeom>
+          <a:noFill/>
+        </p:spPr>
+        <p:txBody>
+          <a:bodyPr wrap="square" rtlCol="0">
+            <a:spAutoFit/>
+          </a:bodyPr>
+          <a:lstStyle/>
+          <a:p>
+            <a:pPr marL="285750" indent="-285750">
+              <a:lnSpc>
+                <a:spcPct val="107000"/>
+              </a:lnSpc>
+              <a:spcAft>
+                <a:spcPts val="800"/>
+              </a:spcAft>
+              <a:buFont typeface="Wingdings" panose="05000000000000000000" pitchFamily="2" charset="2"/>
+              <a:buChar char="ü"/>
+            </a:pPr>
+            <a:r>
+              <a:rPr lang="en-IN" sz="1800" dirty="0">
+                <a:effectLst/>
+                <a:latin typeface="Calibri" panose="020F0502020204030204" pitchFamily="34" charset="0"/>
+                <a:ea typeface="Calibri" panose="020F0502020204030204" pitchFamily="34" charset="0"/>
+                <a:cs typeface="Times New Roman" panose="02020603050405020304" pitchFamily="18" charset="0"/>
+              </a:rPr>
+              <a:t>Our supply chain is responsive, which prevents over production and consumes less storage.</a:t>
+            </a:r>
+          </a:p>
+          <a:p>
+            <a:pPr marL="285750" indent="-285750">
+              <a:lnSpc>
+                <a:spcPct val="107000"/>
+              </a:lnSpc>
+              <a:spcAft>
+                <a:spcPts val="800"/>
+              </a:spcAft>
+              <a:buFont typeface="Wingdings" panose="05000000000000000000" pitchFamily="2" charset="2"/>
+              <a:buChar char="ü"/>
+            </a:pPr>
+            <a:r>
+              <a:rPr lang="en-IN" sz="1800" dirty="0">
+                <a:effectLst/>
+                <a:latin typeface="Calibri" panose="020F0502020204030204" pitchFamily="34" charset="0"/>
+                <a:ea typeface="Calibri" panose="020F0502020204030204" pitchFamily="34" charset="0"/>
+                <a:cs typeface="Times New Roman" panose="02020603050405020304" pitchFamily="18" charset="0"/>
+              </a:rPr>
+              <a:t>It is as responsive as required, as efficient as possible.</a:t>
+            </a:r>
+          </a:p>
+        </p:txBody>
+      </p:sp>
+    </p:spTree>
+    <p:extLst>
+      <p:ext uri="{BB962C8B-B14F-4D97-AF65-F5344CB8AC3E}">
+        <p14:creationId xmlns:p14="http://schemas.microsoft.com/office/powerpoint/2010/main" val="293100182"/>
+      </p:ext>
+    </p:extLst>
+  </p:cSld>
+  <p:clrMapOvr>
+    <a:masterClrMapping/>
+  </p:clrMapOvr>
+</p:sld>
+</file>
+
+<file path=ppt/slides/slide8.xml><?xml version="1.0" encoding="utf-8"?>
+<p:sld xmlns:a="http://schemas.openxmlformats.org/drawingml/2006/main" xmlns:r="http://schemas.openxmlformats.org/officeDocument/2006/relationships" xmlns:p="http://schemas.openxmlformats.org/presentationml/2006/main">
+  <p:cSld>
+    <p:spTree>
+      <p:nvGrpSpPr>
+        <p:cNvPr id="1" name=""/>
+        <p:cNvGrpSpPr/>
+        <p:nvPr/>
+      </p:nvGrpSpPr>
+      <p:grpSpPr>
+        <a:xfrm>
+          <a:off x="0" y="0"/>
+          <a:ext cx="0" cy="0"/>
+          <a:chOff x="0" y="0"/>
+          <a:chExt cx="0" cy="0"/>
+        </a:xfrm>
+      </p:grpSpPr>
+      <p:sp>
+        <p:nvSpPr>
+          <p:cNvPr id="2" name="TextBox 1">
+            <a:extLst>
+              <a:ext uri="{FF2B5EF4-FFF2-40B4-BE49-F238E27FC236}">
+                <a16:creationId xmlns:a16="http://schemas.microsoft.com/office/drawing/2014/main" id="{4DA61C1F-2626-1E9E-4397-255AFE856209}"/>
+              </a:ext>
+            </a:extLst>
+          </p:cNvPr>
+          <p:cNvSpPr txBox="1"/>
+          <p:nvPr/>
+        </p:nvSpPr>
+        <p:spPr>
+          <a:xfrm>
+            <a:off x="724035" y="484631"/>
+            <a:ext cx="4521733" cy="523220"/>
+          </a:xfrm>
+          <a:prstGeom prst="rect">
+            <a:avLst/>
+          </a:prstGeom>
+          <a:noFill/>
+        </p:spPr>
+        <p:txBody>
+          <a:bodyPr wrap="square" rtlCol="0">
+            <a:spAutoFit/>
+          </a:bodyPr>
+          <a:lstStyle/>
+          <a:p>
+            <a:r>
+              <a:rPr lang="en-US" sz="2800" u="sng" dirty="0">
+                <a:solidFill>
+                  <a:srgbClr val="00B050"/>
+                </a:solidFill>
+              </a:rPr>
+              <a:t>OUR MARKETING STRATEGY</a:t>
+            </a:r>
+            <a:endParaRPr lang="en-IN" sz="2800" u="sng" dirty="0">
+              <a:solidFill>
+                <a:srgbClr val="00B050"/>
+              </a:solidFill>
+            </a:endParaRPr>
+          </a:p>
+        </p:txBody>
+      </p:sp>
+      <p:sp>
+        <p:nvSpPr>
+          <p:cNvPr id="6" name="TextBox 5">
+            <a:extLst>
+              <a:ext uri="{FF2B5EF4-FFF2-40B4-BE49-F238E27FC236}">
+                <a16:creationId xmlns:a16="http://schemas.microsoft.com/office/drawing/2014/main" id="{778D9B83-6FA9-204C-0E2A-B762DB752752}"/>
+              </a:ext>
+            </a:extLst>
+          </p:cNvPr>
+          <p:cNvSpPr txBox="1"/>
+          <p:nvPr/>
+        </p:nvSpPr>
+        <p:spPr>
+          <a:xfrm>
+            <a:off x="724035" y="1298448"/>
+            <a:ext cx="8494776" cy="2256323"/>
+          </a:xfrm>
+          <a:prstGeom prst="rect">
+            <a:avLst/>
+          </a:prstGeom>
+          <a:noFill/>
+        </p:spPr>
+        <p:txBody>
+          <a:bodyPr wrap="square" rtlCol="0">
+            <a:spAutoFit/>
+          </a:bodyPr>
+          <a:lstStyle/>
+          <a:p>
+            <a:pPr>
+              <a:lnSpc>
+                <a:spcPct val="107000"/>
+              </a:lnSpc>
+              <a:spcAft>
+                <a:spcPts val="800"/>
+              </a:spcAft>
+            </a:pPr>
+            <a:r>
+              <a:rPr lang="en-IN" b="1" u="sng" dirty="0">
+                <a:effectLst/>
+                <a:latin typeface="Trebuchet MS (Body)"/>
+                <a:ea typeface="Calibri" panose="020F0502020204030204" pitchFamily="34" charset="0"/>
+                <a:cs typeface="Times New Roman" panose="02020603050405020304" pitchFamily="18" charset="0"/>
+              </a:rPr>
+              <a:t>Target Audience:</a:t>
+            </a:r>
+            <a:endParaRPr lang="en-IN" b="1" dirty="0">
+              <a:effectLst/>
+              <a:latin typeface="Trebuchet MS (Body)"/>
+              <a:ea typeface="Calibri" panose="020F0502020204030204" pitchFamily="34" charset="0"/>
+              <a:cs typeface="Times New Roman" panose="02020603050405020304" pitchFamily="18" charset="0"/>
+            </a:endParaRPr>
+          </a:p>
+          <a:p>
+            <a:pPr marL="342900" lvl="0" indent="-342900">
+              <a:lnSpc>
+                <a:spcPct val="107000"/>
+              </a:lnSpc>
+              <a:buFont typeface="Symbol" panose="05050102010706020507" pitchFamily="18" charset="2"/>
+              <a:buChar char=""/>
+            </a:pPr>
+            <a:r>
+              <a:rPr lang="en-IN" dirty="0">
+                <a:effectLst/>
+                <a:latin typeface="Trebuchet MS (Body)"/>
+                <a:ea typeface="Calibri" panose="020F0502020204030204" pitchFamily="34" charset="0"/>
+                <a:cs typeface="Times New Roman" panose="02020603050405020304" pitchFamily="18" charset="0"/>
+              </a:rPr>
+              <a:t>16 – 28 years</a:t>
+            </a:r>
+          </a:p>
+          <a:p>
+            <a:pPr marL="342900" lvl="0" indent="-342900">
+              <a:lnSpc>
+                <a:spcPct val="107000"/>
+              </a:lnSpc>
+              <a:buFont typeface="Symbol" panose="05050102010706020507" pitchFamily="18" charset="2"/>
+              <a:buChar char=""/>
+            </a:pPr>
+            <a:r>
+              <a:rPr lang="en-IN" dirty="0">
+                <a:effectLst/>
+                <a:latin typeface="Trebuchet MS (Body)"/>
+                <a:ea typeface="Calibri" panose="020F0502020204030204" pitchFamily="34" charset="0"/>
+                <a:cs typeface="Times New Roman" panose="02020603050405020304" pitchFamily="18" charset="0"/>
+              </a:rPr>
+              <a:t>Primary</a:t>
+            </a:r>
+          </a:p>
+          <a:p>
+            <a:pPr marL="742950" lvl="1" indent="-285750">
+              <a:lnSpc>
+                <a:spcPct val="107000"/>
+              </a:lnSpc>
+              <a:buFont typeface="Courier New" panose="02070309020205020404" pitchFamily="49" charset="0"/>
+              <a:buChar char="o"/>
+            </a:pPr>
+            <a:r>
+              <a:rPr lang="en-IN" dirty="0">
+                <a:effectLst/>
+                <a:latin typeface="Trebuchet MS (Body)"/>
+                <a:ea typeface="Calibri" panose="020F0502020204030204" pitchFamily="34" charset="0"/>
+                <a:cs typeface="Times New Roman" panose="02020603050405020304" pitchFamily="18" charset="0"/>
+              </a:rPr>
+              <a:t>Film Industry </a:t>
+            </a:r>
+          </a:p>
+          <a:p>
+            <a:pPr marL="742950" lvl="1" indent="-285750">
+              <a:lnSpc>
+                <a:spcPct val="107000"/>
+              </a:lnSpc>
+              <a:buFont typeface="Courier New" panose="02070309020205020404" pitchFamily="49" charset="0"/>
+              <a:buChar char="o"/>
+            </a:pPr>
+            <a:r>
+              <a:rPr lang="en-IN" dirty="0">
+                <a:effectLst/>
+                <a:latin typeface="Trebuchet MS (Body)"/>
+                <a:ea typeface="Calibri" panose="020F0502020204030204" pitchFamily="34" charset="0"/>
+                <a:cs typeface="Times New Roman" panose="02020603050405020304" pitchFamily="18" charset="0"/>
+              </a:rPr>
+              <a:t>Fashion Shoes</a:t>
+            </a:r>
+          </a:p>
+          <a:p>
+            <a:pPr marL="742950" lvl="1" indent="-285750">
+              <a:lnSpc>
+                <a:spcPct val="107000"/>
+              </a:lnSpc>
+              <a:buFont typeface="Courier New" panose="02070309020205020404" pitchFamily="49" charset="0"/>
+              <a:buChar char="o"/>
+            </a:pPr>
+            <a:r>
+              <a:rPr lang="en-IN" dirty="0">
+                <a:effectLst/>
+                <a:latin typeface="Trebuchet MS (Body)"/>
+                <a:ea typeface="Calibri" panose="020F0502020204030204" pitchFamily="34" charset="0"/>
+                <a:cs typeface="Times New Roman" panose="02020603050405020304" pitchFamily="18" charset="0"/>
+              </a:rPr>
+              <a:t>Influencers</a:t>
+            </a:r>
+          </a:p>
+          <a:p>
+            <a:pPr marL="742950" lvl="1" indent="-285750">
+              <a:lnSpc>
+                <a:spcPct val="107000"/>
+              </a:lnSpc>
+              <a:spcAft>
+                <a:spcPts val="800"/>
+              </a:spcAft>
+              <a:buFont typeface="Courier New" panose="02070309020205020404" pitchFamily="49" charset="0"/>
+              <a:buChar char="o"/>
+            </a:pPr>
+            <a:r>
+              <a:rPr lang="en-IN" dirty="0">
+                <a:effectLst/>
+                <a:latin typeface="Trebuchet MS (Body)"/>
+                <a:ea typeface="Calibri" panose="020F0502020204030204" pitchFamily="34" charset="0"/>
+                <a:cs typeface="Times New Roman" panose="02020603050405020304" pitchFamily="18" charset="0"/>
+              </a:rPr>
+              <a:t>Audience (Middle &amp; Upper-middle class)</a:t>
+            </a:r>
+          </a:p>
+        </p:txBody>
+      </p:sp>
+      <p:pic>
+        <p:nvPicPr>
+          <p:cNvPr id="4" name="Picture 3">
+            <a:extLst>
+              <a:ext uri="{FF2B5EF4-FFF2-40B4-BE49-F238E27FC236}">
+                <a16:creationId xmlns:a16="http://schemas.microsoft.com/office/drawing/2014/main" id="{BB52B331-D50B-DE8D-20C0-01507F11EEA8}"/>
+              </a:ext>
+            </a:extLst>
+          </p:cNvPr>
+          <p:cNvPicPr>
+            <a:picLocks noChangeAspect="1"/>
+          </p:cNvPicPr>
+          <p:nvPr/>
+        </p:nvPicPr>
+        <p:blipFill>
+          <a:blip r:embed="rId2">
+            <a:extLst>
+              <a:ext uri="{28A0092B-C50C-407E-A947-70E740481C1C}">
+                <a14:useLocalDpi xmlns:a14="http://schemas.microsoft.com/office/drawing/2010/main" val="0"/>
+              </a:ext>
+            </a:extLst>
+          </a:blip>
+          <a:stretch>
+            <a:fillRect/>
+          </a:stretch>
+        </p:blipFill>
+        <p:spPr>
+          <a:xfrm>
+            <a:off x="6777742" y="0"/>
             <a:ext cx="2546928" cy="1102754"/>
           </a:xfrm>
           <a:prstGeom prst="rect">
@@ -8104,7 +9221,7 @@
     </p:spTree>
     <p:extLst>
       <p:ext uri="{BB962C8B-B14F-4D97-AF65-F5344CB8AC3E}">
-        <p14:creationId xmlns:p14="http://schemas.microsoft.com/office/powerpoint/2010/main" val="2147565473"/>
+        <p14:creationId xmlns:p14="http://schemas.microsoft.com/office/powerpoint/2010/main" val="4254044509"/>
       </p:ext>
     </p:extLst>
   </p:cSld>
@@ -8146,7 +9263,7 @@
         <p:spPr>
           <a:xfrm>
             <a:off x="724035" y="484631"/>
-            <a:ext cx="4698357" cy="523220"/>
+            <a:ext cx="4521733" cy="523220"/>
           </a:xfrm>
           <a:prstGeom prst="rect">
             <a:avLst/>
@@ -8162,14 +9279,14 @@
             <a:r>
               <a:rPr lang="en-US" sz="2800" u="sng" dirty="0">
                 <a:solidFill>
-                  <a:schemeClr val="tx2"/>
+                  <a:srgbClr val="00B050"/>
                 </a:solidFill>
               </a:rPr>
-              <a:t>FUTURE VISIONS</a:t>
+              <a:t>Continued…</a:t>
             </a:r>
             <a:endParaRPr lang="en-IN" sz="2800" u="sng" dirty="0">
               <a:solidFill>
-                <a:schemeClr val="tx2"/>
+                <a:srgbClr val="00B050"/>
               </a:solidFill>
             </a:endParaRPr>
           </a:p>
@@ -8190,7 +9307,7 @@
         <p:spPr>
           <a:xfrm>
             <a:off x="724035" y="1298448"/>
-            <a:ext cx="8494776" cy="646331"/>
+            <a:ext cx="8494776" cy="3738139"/>
           </a:xfrm>
           <a:prstGeom prst="rect">
             <a:avLst/>
@@ -8203,13 +9320,194 @@
           </a:bodyPr>
           <a:lstStyle/>
           <a:p>
-            <a:r>
-              <a:rPr lang="en-US" dirty="0"/>
-              <a:t>LOREM300</a:t>
-            </a:r>
-          </a:p>
-          <a:p>
-            <a:endParaRPr lang="en-IN" dirty="0"/>
+            <a:pPr>
+              <a:lnSpc>
+                <a:spcPct val="107000"/>
+              </a:lnSpc>
+              <a:spcAft>
+                <a:spcPts val="800"/>
+              </a:spcAft>
+            </a:pPr>
+            <a:r>
+              <a:rPr lang="en-IN" b="1" u="sng" dirty="0">
+                <a:effectLst/>
+                <a:latin typeface="Trebuchet MS (Body)"/>
+                <a:ea typeface="Calibri" panose="020F0502020204030204" pitchFamily="34" charset="0"/>
+                <a:cs typeface="Times New Roman" panose="02020603050405020304" pitchFamily="18" charset="0"/>
+              </a:rPr>
+              <a:t>Strategy for marketing:</a:t>
+            </a:r>
+            <a:endParaRPr lang="en-IN" b="1" dirty="0">
+              <a:effectLst/>
+              <a:latin typeface="Trebuchet MS (Body)"/>
+              <a:ea typeface="Calibri" panose="020F0502020204030204" pitchFamily="34" charset="0"/>
+              <a:cs typeface="Times New Roman" panose="02020603050405020304" pitchFamily="18" charset="0"/>
+            </a:endParaRPr>
+          </a:p>
+          <a:p>
+            <a:pPr marL="342900" lvl="0" indent="-342900">
+              <a:lnSpc>
+                <a:spcPct val="107000"/>
+              </a:lnSpc>
+              <a:buFont typeface="Symbol" panose="05050102010706020507" pitchFamily="18" charset="2"/>
+              <a:buChar char=""/>
+            </a:pPr>
+            <a:r>
+              <a:rPr lang="en-IN" dirty="0">
+                <a:effectLst/>
+                <a:latin typeface="Trebuchet MS (Body)"/>
+                <a:ea typeface="Calibri" panose="020F0502020204030204" pitchFamily="34" charset="0"/>
+                <a:cs typeface="Times New Roman" panose="02020603050405020304" pitchFamily="18" charset="0"/>
+              </a:rPr>
+              <a:t>Exclusive previews</a:t>
+            </a:r>
+          </a:p>
+          <a:p>
+            <a:pPr marL="342900" lvl="0" indent="-342900">
+              <a:lnSpc>
+                <a:spcPct val="107000"/>
+              </a:lnSpc>
+              <a:buFont typeface="Symbol" panose="05050102010706020507" pitchFamily="18" charset="2"/>
+              <a:buChar char=""/>
+            </a:pPr>
+            <a:r>
+              <a:rPr lang="en-IN" dirty="0">
+                <a:effectLst/>
+                <a:latin typeface="Trebuchet MS (Body)"/>
+                <a:ea typeface="Calibri" panose="020F0502020204030204" pitchFamily="34" charset="0"/>
+                <a:cs typeface="Times New Roman" panose="02020603050405020304" pitchFamily="18" charset="0"/>
+              </a:rPr>
+              <a:t>Showcasing as a sustainable and durable product through memes</a:t>
+            </a:r>
+          </a:p>
+          <a:p>
+            <a:pPr marL="342900" lvl="0" indent="-342900">
+              <a:lnSpc>
+                <a:spcPct val="107000"/>
+              </a:lnSpc>
+              <a:buFont typeface="Symbol" panose="05050102010706020507" pitchFamily="18" charset="2"/>
+              <a:buChar char=""/>
+            </a:pPr>
+            <a:r>
+              <a:rPr lang="en-IN" dirty="0">
+                <a:effectLst/>
+                <a:latin typeface="Trebuchet MS (Body)"/>
+                <a:ea typeface="Calibri" panose="020F0502020204030204" pitchFamily="34" charset="0"/>
+                <a:cs typeface="Times New Roman" panose="02020603050405020304" pitchFamily="18" charset="0"/>
+              </a:rPr>
+              <a:t>Google and Facebook ads</a:t>
+            </a:r>
+          </a:p>
+          <a:p>
+            <a:pPr marL="342900" lvl="0" indent="-342900">
+              <a:lnSpc>
+                <a:spcPct val="107000"/>
+              </a:lnSpc>
+              <a:buFont typeface="Symbol" panose="05050102010706020507" pitchFamily="18" charset="2"/>
+              <a:buChar char=""/>
+            </a:pPr>
+            <a:r>
+              <a:rPr lang="en-IN" dirty="0">
+                <a:effectLst/>
+                <a:latin typeface="Trebuchet MS (Body)"/>
+                <a:ea typeface="Calibri" panose="020F0502020204030204" pitchFamily="34" charset="0"/>
+                <a:cs typeface="Times New Roman" panose="02020603050405020304" pitchFamily="18" charset="0"/>
+              </a:rPr>
+              <a:t>Social Media posts</a:t>
+            </a:r>
+          </a:p>
+          <a:p>
+            <a:pPr marL="342900" lvl="0" indent="-342900">
+              <a:lnSpc>
+                <a:spcPct val="107000"/>
+              </a:lnSpc>
+              <a:buFont typeface="Symbol" panose="05050102010706020507" pitchFamily="18" charset="2"/>
+              <a:buChar char=""/>
+            </a:pPr>
+            <a:r>
+              <a:rPr lang="en-IN" dirty="0">
+                <a:effectLst/>
+                <a:latin typeface="Trebuchet MS (Body)"/>
+                <a:ea typeface="Calibri" panose="020F0502020204030204" pitchFamily="34" charset="0"/>
+                <a:cs typeface="Times New Roman" panose="02020603050405020304" pitchFamily="18" charset="0"/>
+              </a:rPr>
+              <a:t>Virtual events</a:t>
+            </a:r>
+          </a:p>
+          <a:p>
+            <a:pPr marL="342900" lvl="0" indent="-342900">
+              <a:lnSpc>
+                <a:spcPct val="107000"/>
+              </a:lnSpc>
+              <a:buFont typeface="Symbol" panose="05050102010706020507" pitchFamily="18" charset="2"/>
+              <a:buChar char=""/>
+            </a:pPr>
+            <a:r>
+              <a:rPr lang="en-IN" dirty="0">
+                <a:effectLst/>
+                <a:latin typeface="Trebuchet MS (Body)"/>
+                <a:ea typeface="Calibri" panose="020F0502020204030204" pitchFamily="34" charset="0"/>
+                <a:cs typeface="Times New Roman" panose="02020603050405020304" pitchFamily="18" charset="0"/>
+              </a:rPr>
+              <a:t>Introductory offers</a:t>
+            </a:r>
+          </a:p>
+          <a:p>
+            <a:pPr marL="342900" lvl="0" indent="-342900">
+              <a:lnSpc>
+                <a:spcPct val="107000"/>
+              </a:lnSpc>
+              <a:buFont typeface="Symbol" panose="05050102010706020507" pitchFamily="18" charset="2"/>
+              <a:buChar char=""/>
+            </a:pPr>
+            <a:r>
+              <a:rPr lang="en-IN" dirty="0">
+                <a:effectLst/>
+                <a:latin typeface="Trebuchet MS (Body)"/>
+                <a:ea typeface="Calibri" panose="020F0502020204030204" pitchFamily="34" charset="0"/>
+                <a:cs typeface="Times New Roman" panose="02020603050405020304" pitchFamily="18" charset="0"/>
+              </a:rPr>
+              <a:t>Building a premium brank look</a:t>
+            </a:r>
+          </a:p>
+          <a:p>
+            <a:pPr marL="342900" lvl="0" indent="-342900">
+              <a:lnSpc>
+                <a:spcPct val="107000"/>
+              </a:lnSpc>
+              <a:buFont typeface="Symbol" panose="05050102010706020507" pitchFamily="18" charset="2"/>
+              <a:buChar char=""/>
+            </a:pPr>
+            <a:r>
+              <a:rPr lang="en-IN" dirty="0">
+                <a:effectLst/>
+                <a:latin typeface="Trebuchet MS (Body)"/>
+                <a:ea typeface="Calibri" panose="020F0502020204030204" pitchFamily="34" charset="0"/>
+                <a:cs typeface="Times New Roman" panose="02020603050405020304" pitchFamily="18" charset="0"/>
+              </a:rPr>
+              <a:t>Giving credits to customer when we will collect the sold clothes, which they can use to buy new ones</a:t>
+            </a:r>
+          </a:p>
+          <a:p>
+            <a:pPr marL="342900" lvl="0" indent="-342900">
+              <a:lnSpc>
+                <a:spcPct val="107000"/>
+              </a:lnSpc>
+              <a:spcAft>
+                <a:spcPts val="800"/>
+              </a:spcAft>
+              <a:buFont typeface="Symbol" panose="05050102010706020507" pitchFamily="18" charset="2"/>
+              <a:buChar char=""/>
+            </a:pPr>
+            <a:r>
+              <a:rPr lang="en-IN" dirty="0">
+                <a:effectLst/>
+                <a:latin typeface="Trebuchet MS (Body)"/>
+                <a:ea typeface="Calibri" panose="020F0502020204030204" pitchFamily="34" charset="0"/>
+                <a:cs typeface="Times New Roman" panose="02020603050405020304" pitchFamily="18" charset="0"/>
+              </a:rPr>
+              <a:t>Doing a social media event where we will take designs and choose top 3 and send the clothes with their design back to them</a:t>
+            </a:r>
           </a:p>
         </p:txBody>
       </p:sp>
@@ -8218,7 +9516,7 @@
           <p:cNvPr id="4" name="Picture 3">
             <a:extLst>
               <a:ext uri="{FF2B5EF4-FFF2-40B4-BE49-F238E27FC236}">
-                <a16:creationId xmlns:a16="http://schemas.microsoft.com/office/drawing/2014/main" id="{C8B57763-CACD-DE54-46F2-F0D199D96643}"/>
+                <a16:creationId xmlns:a16="http://schemas.microsoft.com/office/drawing/2014/main" id="{BB52B331-D50B-DE8D-20C0-01507F11EEA8}"/>
               </a:ext>
             </a:extLst>
           </p:cNvPr>
@@ -8241,7 +9539,7 @@
         </p:blipFill>
         <p:spPr>
           <a:xfrm>
-            <a:off x="6978910" y="0"/>
+            <a:off x="6777742" y="0"/>
             <a:ext cx="2546928" cy="1102754"/>
           </a:xfrm>
           <a:prstGeom prst="rect">
@@ -8252,7 +9550,7 @@
     </p:spTree>
     <p:extLst>
       <p:ext uri="{BB962C8B-B14F-4D97-AF65-F5344CB8AC3E}">
-        <p14:creationId xmlns:p14="http://schemas.microsoft.com/office/powerpoint/2010/main" val="133439612"/>
+        <p14:creationId xmlns:p14="http://schemas.microsoft.com/office/powerpoint/2010/main" val="2470348791"/>
       </p:ext>
     </p:extLst>
   </p:cSld>
@@ -8265,42 +9563,42 @@
 <file path=ppt/theme/theme1.xml><?xml version="1.0" encoding="utf-8"?>
 <a:theme xmlns:a="http://schemas.openxmlformats.org/drawingml/2006/main" name="Facet">
   <a:themeElements>
-    <a:clrScheme name="Custom 1">
+    <a:clrScheme name="Facet">
       <a:dk1>
-        <a:srgbClr val="184C57"/>
+        <a:sysClr val="windowText" lastClr="000000"/>
       </a:dk1>
       <a:lt1>
-        <a:srgbClr val="A8BFC5"/>
+        <a:sysClr val="window" lastClr="FFFFFF"/>
       </a:lt1>
       <a:dk2>
-        <a:srgbClr val="005F75"/>
+        <a:srgbClr val="2C3C43"/>
       </a:dk2>
       <a:lt2>
-        <a:srgbClr val="FBFDFF"/>
+        <a:srgbClr val="EBEBEB"/>
       </a:lt2>
       <a:accent1>
-        <a:srgbClr val="4A66AC"/>
+        <a:srgbClr val="90C226"/>
       </a:accent1>
       <a:accent2>
-        <a:srgbClr val="629DD1"/>
+        <a:srgbClr val="54A021"/>
       </a:accent2>
       <a:accent3>
-        <a:srgbClr val="297FD5"/>
+        <a:srgbClr val="E6B91E"/>
       </a:accent3>
       <a:accent4>
-        <a:srgbClr val="7F8FA9"/>
+        <a:srgbClr val="E76618"/>
       </a:accent4>
       <a:accent5>
-        <a:srgbClr val="5AA2AE"/>
+        <a:srgbClr val="C42F1A"/>
       </a:accent5>
       <a:accent6>
-        <a:srgbClr val="9D90A0"/>
+        <a:srgbClr val="918655"/>
       </a:accent6>
       <a:hlink>
-        <a:srgbClr val="9454C3"/>
+        <a:srgbClr val="99CA3C"/>
       </a:hlink>
       <a:folHlink>
-        <a:srgbClr val="3EBBF0"/>
+        <a:srgbClr val="B9D181"/>
       </a:folHlink>
     </a:clrScheme>
     <a:fontScheme name="Facet">

--- a/Demonstration.pptx
+++ b/Demonstration.pptx
@@ -7002,72 +7002,6 @@
           </a:prstGeom>
         </p:spPr>
       </p:pic>
-      <p:pic>
-        <p:nvPicPr>
-          <p:cNvPr id="3" name="Picture 2">
-            <a:extLst>
-              <a:ext uri="{FF2B5EF4-FFF2-40B4-BE49-F238E27FC236}">
-                <a16:creationId xmlns:a16="http://schemas.microsoft.com/office/drawing/2014/main" id="{4F05BDF0-1AEE-E24F-0C1D-DF8FBC03965D}"/>
-              </a:ext>
-            </a:extLst>
-          </p:cNvPr>
-          <p:cNvPicPr>
-            <a:picLocks noChangeAspect="1"/>
-          </p:cNvPicPr>
-          <p:nvPr/>
-        </p:nvPicPr>
-        <p:blipFill>
-          <a:blip r:embed="rId3">
-            <a:extLst>
-              <a:ext uri="{28A0092B-C50C-407E-A947-70E740481C1C}">
-                <a14:useLocalDpi xmlns:a14="http://schemas.microsoft.com/office/drawing/2010/main" val="0"/>
-              </a:ext>
-            </a:extLst>
-          </a:blip>
-          <a:stretch>
-            <a:fillRect/>
-          </a:stretch>
-        </p:blipFill>
-        <p:spPr>
-          <a:xfrm>
-            <a:off x="622413" y="3027451"/>
-            <a:ext cx="8217110" cy="3511002"/>
-          </a:xfrm>
-          <a:prstGeom prst="rect">
-            <a:avLst/>
-          </a:prstGeom>
-          <a:solidFill>
-            <a:srgbClr val="FFFFFF">
-              <a:shade val="85000"/>
-            </a:srgbClr>
-          </a:solidFill>
-          <a:ln w="88900" cap="sq">
-            <a:solidFill>
-              <a:srgbClr val="FFFFFF"/>
-            </a:solidFill>
-            <a:miter lim="800000"/>
-          </a:ln>
-          <a:effectLst>
-            <a:outerShdw blurRad="55000" dist="18000" dir="5400000" algn="tl" rotWithShape="0">
-              <a:srgbClr val="000000">
-                <a:alpha val="40000"/>
-              </a:srgbClr>
-            </a:outerShdw>
-          </a:effectLst>
-          <a:scene3d>
-            <a:camera prst="orthographicFront"/>
-            <a:lightRig rig="twoPt" dir="t">
-              <a:rot lat="0" lon="0" rev="7200000"/>
-            </a:lightRig>
-          </a:scene3d>
-          <a:sp3d>
-            <a:bevelT w="25400" h="19050"/>
-            <a:contourClr>
-              <a:srgbClr val="FFFFFF"/>
-            </a:contourClr>
-          </a:sp3d>
-        </p:spPr>
-      </p:pic>
     </p:spTree>
     <p:extLst>
       <p:ext uri="{BB962C8B-B14F-4D97-AF65-F5344CB8AC3E}">
@@ -8015,7 +7949,7 @@
         <p:spPr>
           <a:xfrm>
             <a:off x="724035" y="1366897"/>
-            <a:ext cx="6380853" cy="2062103"/>
+            <a:ext cx="4521733" cy="2616101"/>
           </a:xfrm>
           <a:prstGeom prst="rect">
             <a:avLst/>
@@ -8100,6 +8034,100 @@
           </a:p>
         </p:txBody>
       </p:sp>
+      <p:pic>
+        <p:nvPicPr>
+          <p:cNvPr id="6" name="Picture 5">
+            <a:extLst>
+              <a:ext uri="{FF2B5EF4-FFF2-40B4-BE49-F238E27FC236}">
+                <a16:creationId xmlns:a16="http://schemas.microsoft.com/office/drawing/2014/main" id="{8D9F227C-9BAF-DF0C-B23A-807ACAB7EAC1}"/>
+              </a:ext>
+            </a:extLst>
+          </p:cNvPr>
+          <p:cNvPicPr>
+            <a:picLocks noChangeAspect="1"/>
+          </p:cNvPicPr>
+          <p:nvPr/>
+        </p:nvPicPr>
+        <p:blipFill>
+          <a:blip r:embed="rId3">
+            <a:extLst>
+              <a:ext uri="{28A0092B-C50C-407E-A947-70E740481C1C}">
+                <a14:useLocalDpi xmlns:a14="http://schemas.microsoft.com/office/drawing/2010/main" val="0"/>
+              </a:ext>
+            </a:extLst>
+          </a:blip>
+          <a:stretch>
+            <a:fillRect/>
+          </a:stretch>
+        </p:blipFill>
+        <p:spPr>
+          <a:xfrm>
+            <a:off x="5638579" y="1257299"/>
+            <a:ext cx="4953270" cy="3139398"/>
+          </a:xfrm>
+          <a:prstGeom prst="ellipse">
+            <a:avLst/>
+          </a:prstGeom>
+          <a:ln>
+            <a:noFill/>
+          </a:ln>
+          <a:effectLst>
+            <a:softEdge rad="112500"/>
+          </a:effectLst>
+        </p:spPr>
+      </p:pic>
+      <p:pic>
+        <p:nvPicPr>
+          <p:cNvPr id="8" name="Picture 7">
+            <a:extLst>
+              <a:ext uri="{FF2B5EF4-FFF2-40B4-BE49-F238E27FC236}">
+                <a16:creationId xmlns:a16="http://schemas.microsoft.com/office/drawing/2014/main" id="{1D97D253-8D2C-0358-E5A5-E0DA640DC08A}"/>
+              </a:ext>
+            </a:extLst>
+          </p:cNvPr>
+          <p:cNvPicPr>
+            <a:picLocks noChangeAspect="1"/>
+          </p:cNvPicPr>
+          <p:nvPr/>
+        </p:nvPicPr>
+        <p:blipFill>
+          <a:blip r:embed="rId4">
+            <a:extLst>
+              <a:ext uri="{28A0092B-C50C-407E-A947-70E740481C1C}">
+                <a14:useLocalDpi xmlns:a14="http://schemas.microsoft.com/office/drawing/2010/main" val="0"/>
+              </a:ext>
+            </a:extLst>
+          </a:blip>
+          <a:stretch>
+            <a:fillRect/>
+          </a:stretch>
+        </p:blipFill>
+        <p:spPr>
+          <a:xfrm>
+            <a:off x="1029885" y="3982998"/>
+            <a:ext cx="4451888" cy="2596934"/>
+          </a:xfrm>
+          <a:prstGeom prst="round2DiagRect">
+            <a:avLst>
+              <a:gd name="adj1" fmla="val 16667"/>
+              <a:gd name="adj2" fmla="val 0"/>
+            </a:avLst>
+          </a:prstGeom>
+          <a:ln w="88900" cap="sq">
+            <a:solidFill>
+              <a:srgbClr val="FFFFFF"/>
+            </a:solidFill>
+            <a:miter lim="800000"/>
+          </a:ln>
+          <a:effectLst>
+            <a:outerShdw blurRad="254000" algn="tl" rotWithShape="0">
+              <a:srgbClr val="000000">
+                <a:alpha val="43000"/>
+              </a:srgbClr>
+            </a:outerShdw>
+          </a:effectLst>
+        </p:spPr>
+      </p:pic>
     </p:spTree>
     <p:extLst>
       <p:ext uri="{BB962C8B-B14F-4D97-AF65-F5344CB8AC3E}">
@@ -8210,6 +8238,660 @@
           </a:prstGeom>
         </p:spPr>
       </p:pic>
+      <p:pic>
+        <p:nvPicPr>
+          <p:cNvPr id="5" name="Picture 4">
+            <a:extLst>
+              <a:ext uri="{FF2B5EF4-FFF2-40B4-BE49-F238E27FC236}">
+                <a16:creationId xmlns:a16="http://schemas.microsoft.com/office/drawing/2014/main" id="{B008DDDD-F649-B2A2-606C-97306F6069A0}"/>
+              </a:ext>
+            </a:extLst>
+          </p:cNvPr>
+          <p:cNvPicPr>
+            <a:picLocks noChangeAspect="1"/>
+          </p:cNvPicPr>
+          <p:nvPr/>
+        </p:nvPicPr>
+        <p:blipFill>
+          <a:blip r:embed="rId3">
+            <a:extLst>
+              <a:ext uri="{28A0092B-C50C-407E-A947-70E740481C1C}">
+                <a14:useLocalDpi xmlns:a14="http://schemas.microsoft.com/office/drawing/2010/main" val="0"/>
+              </a:ext>
+            </a:extLst>
+          </a:blip>
+          <a:stretch>
+            <a:fillRect/>
+          </a:stretch>
+        </p:blipFill>
+        <p:spPr>
+          <a:xfrm>
+            <a:off x="3868860" y="2487736"/>
+            <a:ext cx="2941900" cy="2941900"/>
+          </a:xfrm>
+          <a:prstGeom prst="rect">
+            <a:avLst/>
+          </a:prstGeom>
+        </p:spPr>
+      </p:pic>
+      <p:sp>
+        <p:nvSpPr>
+          <p:cNvPr id="6" name="TextBox 5">
+            <a:extLst>
+              <a:ext uri="{FF2B5EF4-FFF2-40B4-BE49-F238E27FC236}">
+                <a16:creationId xmlns:a16="http://schemas.microsoft.com/office/drawing/2014/main" id="{C26A1B6E-3BE9-ED54-1926-F5845D6A94CE}"/>
+              </a:ext>
+            </a:extLst>
+          </p:cNvPr>
+          <p:cNvSpPr txBox="1"/>
+          <p:nvPr/>
+        </p:nvSpPr>
+        <p:spPr>
+          <a:xfrm>
+            <a:off x="4469130" y="1412019"/>
+            <a:ext cx="1874520" cy="923330"/>
+          </a:xfrm>
+          <a:prstGeom prst="rect">
+            <a:avLst/>
+          </a:prstGeom>
+          <a:noFill/>
+        </p:spPr>
+        <p:txBody>
+          <a:bodyPr wrap="square" rtlCol="0">
+            <a:spAutoFit/>
+          </a:bodyPr>
+          <a:lstStyle/>
+          <a:p>
+            <a:pPr algn="ctr"/>
+            <a:r>
+              <a:rPr lang="en-US" b="1" dirty="0"/>
+              <a:t>Showcasing Digital designs or prototypes</a:t>
+            </a:r>
+            <a:endParaRPr lang="en-IN" b="1" dirty="0"/>
+          </a:p>
+        </p:txBody>
+      </p:sp>
+      <p:sp>
+        <p:nvSpPr>
+          <p:cNvPr id="7" name="TextBox 6">
+            <a:extLst>
+              <a:ext uri="{FF2B5EF4-FFF2-40B4-BE49-F238E27FC236}">
+                <a16:creationId xmlns:a16="http://schemas.microsoft.com/office/drawing/2014/main" id="{A503BE38-8104-A49C-471C-3567308BA5BC}"/>
+              </a:ext>
+            </a:extLst>
+          </p:cNvPr>
+          <p:cNvSpPr txBox="1"/>
+          <p:nvPr/>
+        </p:nvSpPr>
+        <p:spPr>
+          <a:xfrm>
+            <a:off x="6944429" y="1873684"/>
+            <a:ext cx="1874520" cy="923330"/>
+          </a:xfrm>
+          <a:prstGeom prst="rect">
+            <a:avLst/>
+          </a:prstGeom>
+          <a:noFill/>
+        </p:spPr>
+        <p:txBody>
+          <a:bodyPr wrap="square" rtlCol="0">
+            <a:spAutoFit/>
+          </a:bodyPr>
+          <a:lstStyle/>
+          <a:p>
+            <a:pPr algn="ctr"/>
+            <a:r>
+              <a:rPr lang="en-US" b="1" dirty="0"/>
+              <a:t>Customer choose their designs</a:t>
+            </a:r>
+            <a:endParaRPr lang="en-IN" b="1" dirty="0"/>
+          </a:p>
+        </p:txBody>
+      </p:sp>
+      <p:sp>
+        <p:nvSpPr>
+          <p:cNvPr id="8" name="TextBox 7">
+            <a:extLst>
+              <a:ext uri="{FF2B5EF4-FFF2-40B4-BE49-F238E27FC236}">
+                <a16:creationId xmlns:a16="http://schemas.microsoft.com/office/drawing/2014/main" id="{B8D95ABD-6A53-8A34-A0E3-C4C33C6DB15C}"/>
+              </a:ext>
+            </a:extLst>
+          </p:cNvPr>
+          <p:cNvSpPr txBox="1"/>
+          <p:nvPr/>
+        </p:nvSpPr>
+        <p:spPr>
+          <a:xfrm>
+            <a:off x="7667128" y="3341191"/>
+            <a:ext cx="1874520" cy="1200329"/>
+          </a:xfrm>
+          <a:prstGeom prst="rect">
+            <a:avLst/>
+          </a:prstGeom>
+          <a:noFill/>
+        </p:spPr>
+        <p:txBody>
+          <a:bodyPr wrap="square" rtlCol="0">
+            <a:spAutoFit/>
+          </a:bodyPr>
+          <a:lstStyle/>
+          <a:p>
+            <a:pPr algn="ctr"/>
+            <a:r>
+              <a:rPr lang="en-US" b="1" dirty="0"/>
+              <a:t>Start manufacturing their chosen designs</a:t>
+            </a:r>
+            <a:endParaRPr lang="en-IN" b="1" dirty="0"/>
+          </a:p>
+        </p:txBody>
+      </p:sp>
+      <p:sp>
+        <p:nvSpPr>
+          <p:cNvPr id="9" name="TextBox 8">
+            <a:extLst>
+              <a:ext uri="{FF2B5EF4-FFF2-40B4-BE49-F238E27FC236}">
+                <a16:creationId xmlns:a16="http://schemas.microsoft.com/office/drawing/2014/main" id="{5D542203-A91F-356B-2449-53D2D9696EFB}"/>
+              </a:ext>
+            </a:extLst>
+          </p:cNvPr>
+          <p:cNvSpPr txBox="1"/>
+          <p:nvPr/>
+        </p:nvSpPr>
+        <p:spPr>
+          <a:xfrm>
+            <a:off x="6520994" y="5294531"/>
+            <a:ext cx="2083394" cy="923330"/>
+          </a:xfrm>
+          <a:prstGeom prst="rect">
+            <a:avLst/>
+          </a:prstGeom>
+          <a:noFill/>
+        </p:spPr>
+        <p:txBody>
+          <a:bodyPr wrap="square" rtlCol="0">
+            <a:spAutoFit/>
+          </a:bodyPr>
+          <a:lstStyle/>
+          <a:p>
+            <a:pPr algn="ctr"/>
+            <a:r>
+              <a:rPr lang="en-US" b="1" dirty="0"/>
+              <a:t>Taking digital measurements of the customer</a:t>
+            </a:r>
+            <a:endParaRPr lang="en-IN" b="1" dirty="0"/>
+          </a:p>
+        </p:txBody>
+      </p:sp>
+      <p:sp>
+        <p:nvSpPr>
+          <p:cNvPr id="10" name="TextBox 9">
+            <a:extLst>
+              <a:ext uri="{FF2B5EF4-FFF2-40B4-BE49-F238E27FC236}">
+                <a16:creationId xmlns:a16="http://schemas.microsoft.com/office/drawing/2014/main" id="{6622D21C-1E4B-F7A0-44E5-0B197AA8160A}"/>
+              </a:ext>
+            </a:extLst>
+          </p:cNvPr>
+          <p:cNvSpPr txBox="1"/>
+          <p:nvPr/>
+        </p:nvSpPr>
+        <p:spPr>
+          <a:xfrm>
+            <a:off x="4012606" y="5671007"/>
+            <a:ext cx="2083394" cy="646331"/>
+          </a:xfrm>
+          <a:prstGeom prst="rect">
+            <a:avLst/>
+          </a:prstGeom>
+          <a:noFill/>
+        </p:spPr>
+        <p:txBody>
+          <a:bodyPr wrap="square" rtlCol="0">
+            <a:spAutoFit/>
+          </a:bodyPr>
+          <a:lstStyle/>
+          <a:p>
+            <a:pPr algn="ctr"/>
+            <a:r>
+              <a:rPr lang="en-US" b="1" dirty="0"/>
+              <a:t>Delivery to the customer</a:t>
+            </a:r>
+            <a:endParaRPr lang="en-IN" b="1" dirty="0"/>
+          </a:p>
+        </p:txBody>
+      </p:sp>
+      <p:sp>
+        <p:nvSpPr>
+          <p:cNvPr id="11" name="TextBox 10">
+            <a:extLst>
+              <a:ext uri="{FF2B5EF4-FFF2-40B4-BE49-F238E27FC236}">
+                <a16:creationId xmlns:a16="http://schemas.microsoft.com/office/drawing/2014/main" id="{318B9289-79BB-4443-68F9-82D3618FEF0E}"/>
+              </a:ext>
+            </a:extLst>
+          </p:cNvPr>
+          <p:cNvSpPr txBox="1"/>
+          <p:nvPr/>
+        </p:nvSpPr>
+        <p:spPr>
+          <a:xfrm>
+            <a:off x="244785" y="3916681"/>
+            <a:ext cx="3365822" cy="1754326"/>
+          </a:xfrm>
+          <a:prstGeom prst="rect">
+            <a:avLst/>
+          </a:prstGeom>
+          <a:noFill/>
+        </p:spPr>
+        <p:txBody>
+          <a:bodyPr wrap="square" rtlCol="0">
+            <a:spAutoFit/>
+          </a:bodyPr>
+          <a:lstStyle/>
+          <a:p>
+            <a:pPr algn="ctr"/>
+            <a:r>
+              <a:rPr lang="en-US" b="1" dirty="0"/>
+              <a:t>After usage collecting the used product by giving the customer digital credits which they might use to buy new clothes from our website at a discount.</a:t>
+            </a:r>
+            <a:endParaRPr lang="en-IN" b="1" dirty="0"/>
+          </a:p>
+        </p:txBody>
+      </p:sp>
+      <p:sp>
+        <p:nvSpPr>
+          <p:cNvPr id="12" name="TextBox 11">
+            <a:extLst>
+              <a:ext uri="{FF2B5EF4-FFF2-40B4-BE49-F238E27FC236}">
+                <a16:creationId xmlns:a16="http://schemas.microsoft.com/office/drawing/2014/main" id="{6A795120-1E21-FF99-2B69-9C948D7DC7D9}"/>
+              </a:ext>
+            </a:extLst>
+          </p:cNvPr>
+          <p:cNvSpPr txBox="1"/>
+          <p:nvPr/>
+        </p:nvSpPr>
+        <p:spPr>
+          <a:xfrm>
+            <a:off x="244785" y="1981938"/>
+            <a:ext cx="3365822" cy="1200329"/>
+          </a:xfrm>
+          <a:prstGeom prst="rect">
+            <a:avLst/>
+          </a:prstGeom>
+          <a:noFill/>
+        </p:spPr>
+        <p:txBody>
+          <a:bodyPr wrap="square" rtlCol="0">
+            <a:spAutoFit/>
+          </a:bodyPr>
+          <a:lstStyle/>
+          <a:p>
+            <a:pPr algn="ctr"/>
+            <a:r>
+              <a:rPr lang="en-US" b="1" dirty="0"/>
+              <a:t>Damaged products will be used as filaments and would then be converted to clothes. </a:t>
+            </a:r>
+            <a:endParaRPr lang="en-IN" b="1" dirty="0"/>
+          </a:p>
+        </p:txBody>
+      </p:sp>
+      <p:sp>
+        <p:nvSpPr>
+          <p:cNvPr id="15" name="Arrow: Right 14">
+            <a:extLst>
+              <a:ext uri="{FF2B5EF4-FFF2-40B4-BE49-F238E27FC236}">
+                <a16:creationId xmlns:a16="http://schemas.microsoft.com/office/drawing/2014/main" id="{9F60FD11-23F0-FD0C-8F06-322E2489461C}"/>
+              </a:ext>
+            </a:extLst>
+          </p:cNvPr>
+          <p:cNvSpPr/>
+          <p:nvPr/>
+        </p:nvSpPr>
+        <p:spPr>
+          <a:xfrm rot="20239289">
+            <a:off x="3674108" y="1986753"/>
+            <a:ext cx="731520" cy="301171"/>
+          </a:xfrm>
+          <a:prstGeom prst="rightArrow">
+            <a:avLst/>
+          </a:prstGeom>
+        </p:spPr>
+        <p:style>
+          <a:lnRef idx="2">
+            <a:schemeClr val="accent1">
+              <a:shade val="50000"/>
+            </a:schemeClr>
+          </a:lnRef>
+          <a:fillRef idx="1">
+            <a:schemeClr val="accent1"/>
+          </a:fillRef>
+          <a:effectRef idx="0">
+            <a:schemeClr val="accent1"/>
+          </a:effectRef>
+          <a:fontRef idx="minor">
+            <a:schemeClr val="lt1"/>
+          </a:fontRef>
+        </p:style>
+        <p:txBody>
+          <a:bodyPr rtlCol="0" anchor="ctr"/>
+          <a:lstStyle/>
+          <a:p>
+            <a:pPr algn="ctr"/>
+            <a:endParaRPr lang="en-IN"/>
+          </a:p>
+        </p:txBody>
+      </p:sp>
+      <p:sp>
+        <p:nvSpPr>
+          <p:cNvPr id="16" name="Arrow: Right 15">
+            <a:extLst>
+              <a:ext uri="{FF2B5EF4-FFF2-40B4-BE49-F238E27FC236}">
+                <a16:creationId xmlns:a16="http://schemas.microsoft.com/office/drawing/2014/main" id="{CA027D37-DED4-9A2B-EDE0-ABCA7C022A40}"/>
+              </a:ext>
+            </a:extLst>
+          </p:cNvPr>
+          <p:cNvSpPr/>
+          <p:nvPr/>
+        </p:nvSpPr>
+        <p:spPr>
+          <a:xfrm rot="685258">
+            <a:off x="6366227" y="1925210"/>
+            <a:ext cx="731520" cy="301171"/>
+          </a:xfrm>
+          <a:prstGeom prst="rightArrow">
+            <a:avLst/>
+          </a:prstGeom>
+        </p:spPr>
+        <p:style>
+          <a:lnRef idx="2">
+            <a:schemeClr val="accent1">
+              <a:shade val="50000"/>
+            </a:schemeClr>
+          </a:lnRef>
+          <a:fillRef idx="1">
+            <a:schemeClr val="accent1"/>
+          </a:fillRef>
+          <a:effectRef idx="0">
+            <a:schemeClr val="accent1"/>
+          </a:effectRef>
+          <a:fontRef idx="minor">
+            <a:schemeClr val="lt1"/>
+          </a:fontRef>
+        </p:style>
+        <p:txBody>
+          <a:bodyPr rtlCol="0" anchor="ctr"/>
+          <a:lstStyle/>
+          <a:p>
+            <a:pPr algn="ctr"/>
+            <a:endParaRPr lang="en-IN"/>
+          </a:p>
+        </p:txBody>
+      </p:sp>
+      <p:sp>
+        <p:nvSpPr>
+          <p:cNvPr id="17" name="Arrow: Right 16">
+            <a:extLst>
+              <a:ext uri="{FF2B5EF4-FFF2-40B4-BE49-F238E27FC236}">
+                <a16:creationId xmlns:a16="http://schemas.microsoft.com/office/drawing/2014/main" id="{50625EE8-C739-D8B2-A8EB-B4175953365A}"/>
+              </a:ext>
+            </a:extLst>
+          </p:cNvPr>
+          <p:cNvSpPr/>
+          <p:nvPr/>
+        </p:nvSpPr>
+        <p:spPr>
+          <a:xfrm rot="2853484">
+            <a:off x="7962602" y="2928526"/>
+            <a:ext cx="563715" cy="349256"/>
+          </a:xfrm>
+          <a:prstGeom prst="rightArrow">
+            <a:avLst/>
+          </a:prstGeom>
+        </p:spPr>
+        <p:style>
+          <a:lnRef idx="2">
+            <a:schemeClr val="accent1">
+              <a:shade val="50000"/>
+            </a:schemeClr>
+          </a:lnRef>
+          <a:fillRef idx="1">
+            <a:schemeClr val="accent1"/>
+          </a:fillRef>
+          <a:effectRef idx="0">
+            <a:schemeClr val="accent1"/>
+          </a:effectRef>
+          <a:fontRef idx="minor">
+            <a:schemeClr val="lt1"/>
+          </a:fontRef>
+        </p:style>
+        <p:txBody>
+          <a:bodyPr rtlCol="0" anchor="ctr"/>
+          <a:lstStyle/>
+          <a:p>
+            <a:pPr algn="ctr"/>
+            <a:endParaRPr lang="en-IN"/>
+          </a:p>
+        </p:txBody>
+      </p:sp>
+      <p:sp>
+        <p:nvSpPr>
+          <p:cNvPr id="18" name="Arrow: Right 17">
+            <a:extLst>
+              <a:ext uri="{FF2B5EF4-FFF2-40B4-BE49-F238E27FC236}">
+                <a16:creationId xmlns:a16="http://schemas.microsoft.com/office/drawing/2014/main" id="{F1628DD8-9866-C674-ADC1-2D90CC2268FE}"/>
+              </a:ext>
+            </a:extLst>
+          </p:cNvPr>
+          <p:cNvSpPr/>
+          <p:nvPr/>
+        </p:nvSpPr>
+        <p:spPr>
+          <a:xfrm rot="7221073">
+            <a:off x="7810444" y="4782656"/>
+            <a:ext cx="731520" cy="301171"/>
+          </a:xfrm>
+          <a:prstGeom prst="rightArrow">
+            <a:avLst/>
+          </a:prstGeom>
+        </p:spPr>
+        <p:style>
+          <a:lnRef idx="2">
+            <a:schemeClr val="accent1">
+              <a:shade val="50000"/>
+            </a:schemeClr>
+          </a:lnRef>
+          <a:fillRef idx="1">
+            <a:schemeClr val="accent1"/>
+          </a:fillRef>
+          <a:effectRef idx="0">
+            <a:schemeClr val="accent1"/>
+          </a:effectRef>
+          <a:fontRef idx="minor">
+            <a:schemeClr val="lt1"/>
+          </a:fontRef>
+        </p:style>
+        <p:txBody>
+          <a:bodyPr rtlCol="0" anchor="ctr"/>
+          <a:lstStyle/>
+          <a:p>
+            <a:pPr algn="ctr"/>
+            <a:endParaRPr lang="en-IN"/>
+          </a:p>
+        </p:txBody>
+      </p:sp>
+      <p:sp>
+        <p:nvSpPr>
+          <p:cNvPr id="19" name="Arrow: Right 18">
+            <a:extLst>
+              <a:ext uri="{FF2B5EF4-FFF2-40B4-BE49-F238E27FC236}">
+                <a16:creationId xmlns:a16="http://schemas.microsoft.com/office/drawing/2014/main" id="{78F025AE-F08C-0C69-2F0D-68C3D863753E}"/>
+              </a:ext>
+            </a:extLst>
+          </p:cNvPr>
+          <p:cNvSpPr/>
+          <p:nvPr/>
+        </p:nvSpPr>
+        <p:spPr>
+          <a:xfrm rot="9660301">
+            <a:off x="5959741" y="5819224"/>
+            <a:ext cx="524156" cy="315640"/>
+          </a:xfrm>
+          <a:prstGeom prst="rightArrow">
+            <a:avLst/>
+          </a:prstGeom>
+        </p:spPr>
+        <p:style>
+          <a:lnRef idx="2">
+            <a:schemeClr val="accent1">
+              <a:shade val="50000"/>
+            </a:schemeClr>
+          </a:lnRef>
+          <a:fillRef idx="1">
+            <a:schemeClr val="accent1"/>
+          </a:fillRef>
+          <a:effectRef idx="0">
+            <a:schemeClr val="accent1"/>
+          </a:effectRef>
+          <a:fontRef idx="minor">
+            <a:schemeClr val="lt1"/>
+          </a:fontRef>
+        </p:style>
+        <p:txBody>
+          <a:bodyPr rtlCol="0" anchor="ctr"/>
+          <a:lstStyle/>
+          <a:p>
+            <a:pPr algn="ctr"/>
+            <a:endParaRPr lang="en-IN"/>
+          </a:p>
+        </p:txBody>
+      </p:sp>
+      <p:sp>
+        <p:nvSpPr>
+          <p:cNvPr id="20" name="Arrow: Right 19">
+            <a:extLst>
+              <a:ext uri="{FF2B5EF4-FFF2-40B4-BE49-F238E27FC236}">
+                <a16:creationId xmlns:a16="http://schemas.microsoft.com/office/drawing/2014/main" id="{3EFC9F18-C678-04B4-552C-C56FA172CBCA}"/>
+              </a:ext>
+            </a:extLst>
+          </p:cNvPr>
+          <p:cNvSpPr/>
+          <p:nvPr/>
+        </p:nvSpPr>
+        <p:spPr>
+          <a:xfrm rot="12558111">
+            <a:off x="3277181" y="5533261"/>
+            <a:ext cx="731520" cy="301171"/>
+          </a:xfrm>
+          <a:prstGeom prst="rightArrow">
+            <a:avLst/>
+          </a:prstGeom>
+        </p:spPr>
+        <p:style>
+          <a:lnRef idx="2">
+            <a:schemeClr val="accent1">
+              <a:shade val="50000"/>
+            </a:schemeClr>
+          </a:lnRef>
+          <a:fillRef idx="1">
+            <a:schemeClr val="accent1"/>
+          </a:fillRef>
+          <a:effectRef idx="0">
+            <a:schemeClr val="accent1"/>
+          </a:effectRef>
+          <a:fontRef idx="minor">
+            <a:schemeClr val="lt1"/>
+          </a:fontRef>
+        </p:style>
+        <p:txBody>
+          <a:bodyPr rtlCol="0" anchor="ctr"/>
+          <a:lstStyle/>
+          <a:p>
+            <a:pPr algn="ctr"/>
+            <a:endParaRPr lang="en-IN"/>
+          </a:p>
+        </p:txBody>
+      </p:sp>
+      <p:sp>
+        <p:nvSpPr>
+          <p:cNvPr id="21" name="Arrow: Right 20">
+            <a:extLst>
+              <a:ext uri="{FF2B5EF4-FFF2-40B4-BE49-F238E27FC236}">
+                <a16:creationId xmlns:a16="http://schemas.microsoft.com/office/drawing/2014/main" id="{EDCA46D1-8291-8B2A-708B-9BE97C70DFB5}"/>
+              </a:ext>
+            </a:extLst>
+          </p:cNvPr>
+          <p:cNvSpPr/>
+          <p:nvPr/>
+        </p:nvSpPr>
+        <p:spPr>
+          <a:xfrm rot="16200000">
+            <a:off x="1950048" y="3425009"/>
+            <a:ext cx="731520" cy="301171"/>
+          </a:xfrm>
+          <a:prstGeom prst="rightArrow">
+            <a:avLst/>
+          </a:prstGeom>
+        </p:spPr>
+        <p:style>
+          <a:lnRef idx="2">
+            <a:schemeClr val="accent1">
+              <a:shade val="50000"/>
+            </a:schemeClr>
+          </a:lnRef>
+          <a:fillRef idx="1">
+            <a:schemeClr val="accent1"/>
+          </a:fillRef>
+          <a:effectRef idx="0">
+            <a:schemeClr val="accent1"/>
+          </a:effectRef>
+          <a:fontRef idx="minor">
+            <a:schemeClr val="lt1"/>
+          </a:fontRef>
+        </p:style>
+        <p:txBody>
+          <a:bodyPr rtlCol="0" anchor="ctr"/>
+          <a:lstStyle/>
+          <a:p>
+            <a:pPr algn="ctr"/>
+            <a:endParaRPr lang="en-IN"/>
+          </a:p>
+        </p:txBody>
+      </p:sp>
+      <p:sp>
+        <p:nvSpPr>
+          <p:cNvPr id="22" name="TextBox 21">
+            <a:extLst>
+              <a:ext uri="{FF2B5EF4-FFF2-40B4-BE49-F238E27FC236}">
+                <a16:creationId xmlns:a16="http://schemas.microsoft.com/office/drawing/2014/main" id="{B0158633-8D1D-3407-A405-0C6BBC00DB77}"/>
+              </a:ext>
+            </a:extLst>
+          </p:cNvPr>
+          <p:cNvSpPr txBox="1"/>
+          <p:nvPr/>
+        </p:nvSpPr>
+        <p:spPr>
+          <a:xfrm>
+            <a:off x="4416424" y="3004568"/>
+            <a:ext cx="1735705" cy="830997"/>
+          </a:xfrm>
+          <a:prstGeom prst="rect">
+            <a:avLst/>
+          </a:prstGeom>
+          <a:noFill/>
+        </p:spPr>
+        <p:txBody>
+          <a:bodyPr wrap="square" rtlCol="0">
+            <a:spAutoFit/>
+          </a:bodyPr>
+          <a:lstStyle/>
+          <a:p>
+            <a:pPr algn="ctr"/>
+            <a:r>
+              <a:rPr lang="en-US" sz="2400" b="1" dirty="0"/>
+              <a:t>Our Website</a:t>
+            </a:r>
+            <a:endParaRPr lang="en-IN" sz="2400" b="1" dirty="0"/>
+          </a:p>
+        </p:txBody>
+      </p:sp>
     </p:spTree>
     <p:extLst>
       <p:ext uri="{BB962C8B-B14F-4D97-AF65-F5344CB8AC3E}">
@@ -8973,6 +9655,66 @@
           <a:chExt cx="0" cy="0"/>
         </a:xfrm>
       </p:grpSpPr>
+      <p:pic>
+        <p:nvPicPr>
+          <p:cNvPr id="5" name="Picture 4">
+            <a:extLst>
+              <a:ext uri="{FF2B5EF4-FFF2-40B4-BE49-F238E27FC236}">
+                <a16:creationId xmlns:a16="http://schemas.microsoft.com/office/drawing/2014/main" id="{C7BAEB57-0F7A-3469-F59C-6F20DE999539}"/>
+              </a:ext>
+            </a:extLst>
+          </p:cNvPr>
+          <p:cNvPicPr>
+            <a:picLocks noChangeAspect="1"/>
+          </p:cNvPicPr>
+          <p:nvPr/>
+        </p:nvPicPr>
+        <p:blipFill>
+          <a:blip r:embed="rId2">
+            <a:extLst>
+              <a:ext uri="{28A0092B-C50C-407E-A947-70E740481C1C}">
+                <a14:useLocalDpi xmlns:a14="http://schemas.microsoft.com/office/drawing/2010/main" val="0"/>
+              </a:ext>
+            </a:extLst>
+          </a:blip>
+          <a:stretch>
+            <a:fillRect/>
+          </a:stretch>
+        </p:blipFill>
+        <p:spPr>
+          <a:xfrm>
+            <a:off x="5035044" y="1767840"/>
+            <a:ext cx="6225349" cy="4146156"/>
+          </a:xfrm>
+          <a:prstGeom prst="roundRect">
+            <a:avLst>
+              <a:gd name="adj" fmla="val 16667"/>
+            </a:avLst>
+          </a:prstGeom>
+          <a:ln>
+            <a:noFill/>
+          </a:ln>
+          <a:effectLst>
+            <a:outerShdw blurRad="152400" dist="12000" dir="900000" sy="98000" kx="110000" ky="200000" algn="tl" rotWithShape="0">
+              <a:srgbClr val="000000">
+                <a:alpha val="30000"/>
+              </a:srgbClr>
+            </a:outerShdw>
+          </a:effectLst>
+          <a:scene3d>
+            <a:camera prst="perspectiveRelaxed">
+              <a:rot lat="19800000" lon="1200000" rev="20820000"/>
+            </a:camera>
+            <a:lightRig rig="threePt" dir="t"/>
+          </a:scene3d>
+          <a:sp3d contourW="6350" prstMaterial="matte">
+            <a:bevelT w="101600" h="101600"/>
+            <a:contourClr>
+              <a:srgbClr val="969696"/>
+            </a:contourClr>
+          </a:sp3d>
+        </p:spPr>
+      </p:pic>
       <p:sp>
         <p:nvSpPr>
           <p:cNvPr id="2" name="TextBox 1">
@@ -9031,8 +9773,8 @@
         </p:nvSpPr>
         <p:spPr>
           <a:xfrm>
-            <a:off x="724035" y="1298448"/>
-            <a:ext cx="8494776" cy="2256323"/>
+            <a:off x="724035" y="1897074"/>
+            <a:ext cx="8494776" cy="3069558"/>
           </a:xfrm>
           <a:prstGeom prst="rect">
             <a:avLst/>
@@ -9054,7 +9796,7 @@
               </a:spcAft>
             </a:pPr>
             <a:r>
-              <a:rPr lang="en-IN" b="1" u="sng" dirty="0">
+              <a:rPr lang="en-IN" sz="3600" b="1" u="sng" dirty="0">
                 <a:effectLst/>
                 <a:latin typeface="Trebuchet MS (Body)"/>
                 <a:ea typeface="Calibri" panose="020F0502020204030204" pitchFamily="34" charset="0"/>
@@ -9062,7 +9804,7 @@
               </a:rPr>
               <a:t>Target Audience:</a:t>
             </a:r>
-            <a:endParaRPr lang="en-IN" b="1" dirty="0">
+            <a:endParaRPr lang="en-IN" sz="3600" b="1" dirty="0">
               <a:effectLst/>
               <a:latin typeface="Trebuchet MS (Body)"/>
               <a:ea typeface="Calibri" panose="020F0502020204030204" pitchFamily="34" charset="0"/>
@@ -9077,15 +9819,12 @@
               <a:buFont typeface="Symbol" panose="05050102010706020507" pitchFamily="18" charset="2"/>
               <a:buChar char=""/>
             </a:pPr>
-            <a:r>
-              <a:rPr lang="en-IN" dirty="0">
-                <a:effectLst/>
-                <a:latin typeface="Trebuchet MS (Body)"/>
-                <a:ea typeface="Calibri" panose="020F0502020204030204" pitchFamily="34" charset="0"/>
-                <a:cs typeface="Times New Roman" panose="02020603050405020304" pitchFamily="18" charset="0"/>
-              </a:rPr>
-              <a:t>16 – 28 years</a:t>
-            </a:r>
+            <a:endParaRPr lang="en-IN" sz="2000" dirty="0">
+              <a:effectLst/>
+              <a:latin typeface="Trebuchet MS (Body)"/>
+              <a:ea typeface="Calibri" panose="020F0502020204030204" pitchFamily="34" charset="0"/>
+              <a:cs typeface="Times New Roman" panose="02020603050405020304" pitchFamily="18" charset="0"/>
+            </a:endParaRPr>
           </a:p>
           <a:p>
             <a:pPr marL="342900" lvl="0" indent="-342900">
@@ -9096,7 +9835,25 @@
               <a:buChar char=""/>
             </a:pPr>
             <a:r>
-              <a:rPr lang="en-IN" dirty="0">
+              <a:rPr lang="en-IN" sz="2000" dirty="0">
+                <a:effectLst/>
+                <a:latin typeface="Trebuchet MS (Body)"/>
+                <a:ea typeface="Calibri" panose="020F0502020204030204" pitchFamily="34" charset="0"/>
+                <a:cs typeface="Times New Roman" panose="02020603050405020304" pitchFamily="18" charset="0"/>
+              </a:rPr>
+              <a:t>16 – 28 years</a:t>
+            </a:r>
+          </a:p>
+          <a:p>
+            <a:pPr marL="342900" lvl="0" indent="-342900">
+              <a:lnSpc>
+                <a:spcPct val="107000"/>
+              </a:lnSpc>
+              <a:buFont typeface="Symbol" panose="05050102010706020507" pitchFamily="18" charset="2"/>
+              <a:buChar char=""/>
+            </a:pPr>
+            <a:r>
+              <a:rPr lang="en-IN" sz="2000" dirty="0">
                 <a:effectLst/>
                 <a:latin typeface="Trebuchet MS (Body)"/>
                 <a:ea typeface="Calibri" panose="020F0502020204030204" pitchFamily="34" charset="0"/>
@@ -9114,7 +9871,7 @@
               <a:buChar char="o"/>
             </a:pPr>
             <a:r>
-              <a:rPr lang="en-IN" dirty="0">
+              <a:rPr lang="en-IN" sz="2000" dirty="0">
                 <a:effectLst/>
                 <a:latin typeface="Trebuchet MS (Body)"/>
                 <a:ea typeface="Calibri" panose="020F0502020204030204" pitchFamily="34" charset="0"/>
@@ -9132,7 +9889,7 @@
               <a:buChar char="o"/>
             </a:pPr>
             <a:r>
-              <a:rPr lang="en-IN" dirty="0">
+              <a:rPr lang="en-IN" sz="2000" dirty="0">
                 <a:effectLst/>
                 <a:latin typeface="Trebuchet MS (Body)"/>
                 <a:ea typeface="Calibri" panose="020F0502020204030204" pitchFamily="34" charset="0"/>
@@ -9150,7 +9907,7 @@
               <a:buChar char="o"/>
             </a:pPr>
             <a:r>
-              <a:rPr lang="en-IN" dirty="0">
+              <a:rPr lang="en-IN" sz="2000" dirty="0">
                 <a:effectLst/>
                 <a:latin typeface="Trebuchet MS (Body)"/>
                 <a:ea typeface="Calibri" panose="020F0502020204030204" pitchFamily="34" charset="0"/>
@@ -9171,7 +9928,7 @@
               <a:buChar char="o"/>
             </a:pPr>
             <a:r>
-              <a:rPr lang="en-IN" dirty="0">
+              <a:rPr lang="en-IN" sz="2000" dirty="0">
                 <a:effectLst/>
                 <a:latin typeface="Trebuchet MS (Body)"/>
                 <a:ea typeface="Calibri" panose="020F0502020204030204" pitchFamily="34" charset="0"/>
@@ -9197,7 +9954,7 @@
           <p:nvPr/>
         </p:nvPicPr>
         <p:blipFill>
-          <a:blip r:embed="rId2">
+          <a:blip r:embed="rId3">
             <a:extLst>
               <a:ext uri="{28A0092B-C50C-407E-A947-70E740481C1C}">
                 <a14:useLocalDpi xmlns:a14="http://schemas.microsoft.com/office/drawing/2010/main" val="0"/>
@@ -9248,6 +10005,66 @@
           <a:chExt cx="0" cy="0"/>
         </a:xfrm>
       </p:grpSpPr>
+      <p:pic>
+        <p:nvPicPr>
+          <p:cNvPr id="5" name="Picture 4">
+            <a:extLst>
+              <a:ext uri="{FF2B5EF4-FFF2-40B4-BE49-F238E27FC236}">
+                <a16:creationId xmlns:a16="http://schemas.microsoft.com/office/drawing/2014/main" id="{9D47ABAB-0CD3-A9DC-B176-A36D42B66917}"/>
+              </a:ext>
+            </a:extLst>
+          </p:cNvPr>
+          <p:cNvPicPr>
+            <a:picLocks noChangeAspect="1"/>
+          </p:cNvPicPr>
+          <p:nvPr/>
+        </p:nvPicPr>
+        <p:blipFill>
+          <a:blip r:embed="rId2">
+            <a:extLst>
+              <a:ext uri="{28A0092B-C50C-407E-A947-70E740481C1C}">
+                <a14:useLocalDpi xmlns:a14="http://schemas.microsoft.com/office/drawing/2010/main" val="0"/>
+              </a:ext>
+            </a:extLst>
+          </a:blip>
+          <a:stretch>
+            <a:fillRect/>
+          </a:stretch>
+        </p:blipFill>
+        <p:spPr>
+          <a:xfrm>
+            <a:off x="5245768" y="1518505"/>
+            <a:ext cx="6330380" cy="4222363"/>
+          </a:xfrm>
+          <a:prstGeom prst="roundRect">
+            <a:avLst>
+              <a:gd name="adj" fmla="val 16667"/>
+            </a:avLst>
+          </a:prstGeom>
+          <a:ln>
+            <a:noFill/>
+          </a:ln>
+          <a:effectLst>
+            <a:outerShdw blurRad="152400" dist="12000" dir="900000" sy="98000" kx="110000" ky="200000" algn="tl" rotWithShape="0">
+              <a:srgbClr val="000000">
+                <a:alpha val="30000"/>
+              </a:srgbClr>
+            </a:outerShdw>
+          </a:effectLst>
+          <a:scene3d>
+            <a:camera prst="perspectiveRelaxed">
+              <a:rot lat="19800000" lon="1200000" rev="20820000"/>
+            </a:camera>
+            <a:lightRig rig="threePt" dir="t"/>
+          </a:scene3d>
+          <a:sp3d contourW="6350" prstMaterial="matte">
+            <a:bevelT w="101600" h="101600"/>
+            <a:contourClr>
+              <a:srgbClr val="969696"/>
+            </a:contourClr>
+          </a:sp3d>
+        </p:spPr>
+      </p:pic>
       <p:sp>
         <p:nvSpPr>
           <p:cNvPr id="2" name="TextBox 1">
@@ -9306,8 +10123,8 @@
         </p:nvSpPr>
         <p:spPr>
           <a:xfrm>
-            <a:off x="724035" y="1298448"/>
-            <a:ext cx="8494776" cy="3738139"/>
+            <a:off x="724035" y="1613408"/>
+            <a:ext cx="6367645" cy="4784002"/>
           </a:xfrm>
           <a:prstGeom prst="rect">
             <a:avLst/>
@@ -9329,7 +10146,7 @@
               </a:spcAft>
             </a:pPr>
             <a:r>
-              <a:rPr lang="en-IN" b="1" u="sng" dirty="0">
+              <a:rPr lang="en-IN" sz="2800" b="1" u="sng" dirty="0">
                 <a:effectLst/>
                 <a:latin typeface="Trebuchet MS (Body)"/>
                 <a:ea typeface="Calibri" panose="020F0502020204030204" pitchFamily="34" charset="0"/>
@@ -9337,7 +10154,7 @@
               </a:rPr>
               <a:t>Strategy for marketing:</a:t>
             </a:r>
-            <a:endParaRPr lang="en-IN" b="1" dirty="0">
+            <a:endParaRPr lang="en-IN" sz="2800" b="1" dirty="0">
               <a:effectLst/>
               <a:latin typeface="Trebuchet MS (Body)"/>
               <a:ea typeface="Calibri" panose="020F0502020204030204" pitchFamily="34" charset="0"/>
@@ -9352,6 +10169,30 @@
               <a:buFont typeface="Symbol" panose="05050102010706020507" pitchFamily="18" charset="2"/>
               <a:buChar char=""/>
             </a:pPr>
+            <a:endParaRPr lang="en-IN">
+              <a:effectLst/>
+              <a:latin typeface="Trebuchet MS (Body)"/>
+              <a:ea typeface="Calibri" panose="020F0502020204030204" pitchFamily="34" charset="0"/>
+              <a:cs typeface="Times New Roman" panose="02020603050405020304" pitchFamily="18" charset="0"/>
+            </a:endParaRPr>
+          </a:p>
+          <a:p>
+            <a:pPr marL="342900" lvl="0" indent="-342900">
+              <a:lnSpc>
+                <a:spcPct val="107000"/>
+              </a:lnSpc>
+              <a:buFont typeface="Symbol" panose="05050102010706020507" pitchFamily="18" charset="2"/>
+              <a:buChar char=""/>
+            </a:pPr>
+            <a:r>
+              <a:rPr lang="en-IN">
+                <a:effectLst/>
+                <a:latin typeface="Trebuchet MS (Body)"/>
+                <a:ea typeface="Calibri" panose="020F0502020204030204" pitchFamily="34" charset="0"/>
+                <a:cs typeface="Times New Roman" panose="02020603050405020304" pitchFamily="18" charset="0"/>
+              </a:rPr>
+              <a:t>Exclusive </a:t>
+            </a:r>
             <a:r>
               <a:rPr lang="en-IN" dirty="0">
                 <a:effectLst/>
@@ -9359,7 +10200,7 @@
                 <a:ea typeface="Calibri" panose="020F0502020204030204" pitchFamily="34" charset="0"/>
                 <a:cs typeface="Times New Roman" panose="02020603050405020304" pitchFamily="18" charset="0"/>
               </a:rPr>
-              <a:t>Exclusive previews</a:t>
+              <a:t>previews</a:t>
             </a:r>
           </a:p>
           <a:p>
@@ -9526,7 +10367,7 @@
           <p:nvPr/>
         </p:nvPicPr>
         <p:blipFill>
-          <a:blip r:embed="rId2">
+          <a:blip r:embed="rId3">
             <a:extLst>
               <a:ext uri="{28A0092B-C50C-407E-A947-70E740481C1C}">
                 <a14:useLocalDpi xmlns:a14="http://schemas.microsoft.com/office/drawing/2010/main" val="0"/>

--- a/Demonstration.pptx
+++ b/Demonstration.pptx
@@ -5,7 +5,7 @@
     <p:sldMasterId id="2147483725" r:id="rId1"/>
   </p:sldMasterIdLst>
   <p:notesMasterIdLst>
-    <p:notesMasterId r:id="rId14"/>
+    <p:notesMasterId r:id="rId18"/>
   </p:notesMasterIdLst>
   <p:sldIdLst>
     <p:sldId id="256" r:id="rId2"/>
@@ -19,7 +19,11 @@
     <p:sldId id="266" r:id="rId10"/>
     <p:sldId id="268" r:id="rId11"/>
     <p:sldId id="261" r:id="rId12"/>
-    <p:sldId id="262" r:id="rId13"/>
+    <p:sldId id="270" r:id="rId13"/>
+    <p:sldId id="262" r:id="rId14"/>
+    <p:sldId id="271" r:id="rId15"/>
+    <p:sldId id="273" r:id="rId16"/>
+    <p:sldId id="272" r:id="rId17"/>
   </p:sldIdLst>
   <p:sldSz cx="12192000" cy="6858000"/>
   <p:notesSz cx="6858000" cy="9144000"/>
@@ -134,7 +138,11 @@
             <p14:sldId id="266"/>
             <p14:sldId id="268"/>
             <p14:sldId id="261"/>
+            <p14:sldId id="270"/>
             <p14:sldId id="262"/>
+            <p14:sldId id="271"/>
+            <p14:sldId id="273"/>
+            <p14:sldId id="272"/>
           </p14:sldIdLst>
         </p14:section>
       </p14:sectionLst>
@@ -228,7 +236,7 @@
           <a:p>
             <a:fld id="{D0C19D20-80B6-4924-999B-F50093D00BAB}" type="datetimeFigureOut">
               <a:rPr lang="en-IN" smtClean="0"/>
-              <a:t>16-01-2023</a:t>
+              <a:t>17-01-2023</a:t>
             </a:fld>
             <a:endParaRPr lang="en-IN"/>
           </a:p>
@@ -1302,7 +1310,7 @@
           <a:p>
             <a:fld id="{2A7567FF-5FC6-44B1-B509-8955990E2FDC}" type="datetimeFigureOut">
               <a:rPr lang="en-IN" smtClean="0"/>
-              <a:t>16-01-2023</a:t>
+              <a:t>17-01-2023</a:t>
             </a:fld>
             <a:endParaRPr lang="en-IN"/>
           </a:p>
@@ -1553,7 +1561,7 @@
           <a:p>
             <a:fld id="{2A7567FF-5FC6-44B1-B509-8955990E2FDC}" type="datetimeFigureOut">
               <a:rPr lang="en-IN" smtClean="0"/>
-              <a:t>16-01-2023</a:t>
+              <a:t>17-01-2023</a:t>
             </a:fld>
             <a:endParaRPr lang="en-IN"/>
           </a:p>
@@ -1867,7 +1875,7 @@
           <a:p>
             <a:fld id="{2A7567FF-5FC6-44B1-B509-8955990E2FDC}" type="datetimeFigureOut">
               <a:rPr lang="en-IN" smtClean="0"/>
-              <a:t>16-01-2023</a:t>
+              <a:t>17-01-2023</a:t>
             </a:fld>
             <a:endParaRPr lang="en-IN"/>
           </a:p>
@@ -2208,7 +2216,7 @@
           <a:p>
             <a:fld id="{2A7567FF-5FC6-44B1-B509-8955990E2FDC}" type="datetimeFigureOut">
               <a:rPr lang="en-IN" smtClean="0"/>
-              <a:t>16-01-2023</a:t>
+              <a:t>17-01-2023</a:t>
             </a:fld>
             <a:endParaRPr lang="en-IN"/>
           </a:p>
@@ -2522,7 +2530,7 @@
           <a:p>
             <a:fld id="{2A7567FF-5FC6-44B1-B509-8955990E2FDC}" type="datetimeFigureOut">
               <a:rPr lang="en-IN" smtClean="0"/>
-              <a:t>16-01-2023</a:t>
+              <a:t>17-01-2023</a:t>
             </a:fld>
             <a:endParaRPr lang="en-IN"/>
           </a:p>
@@ -2915,7 +2923,7 @@
           <a:p>
             <a:fld id="{2A7567FF-5FC6-44B1-B509-8955990E2FDC}" type="datetimeFigureOut">
               <a:rPr lang="en-IN" smtClean="0"/>
-              <a:t>16-01-2023</a:t>
+              <a:t>17-01-2023</a:t>
             </a:fld>
             <a:endParaRPr lang="en-IN"/>
           </a:p>
@@ -3085,7 +3093,7 @@
           <a:p>
             <a:fld id="{2A7567FF-5FC6-44B1-B509-8955990E2FDC}" type="datetimeFigureOut">
               <a:rPr lang="en-IN" smtClean="0"/>
-              <a:t>16-01-2023</a:t>
+              <a:t>17-01-2023</a:t>
             </a:fld>
             <a:endParaRPr lang="en-IN"/>
           </a:p>
@@ -3265,7 +3273,7 @@
           <a:p>
             <a:fld id="{2A7567FF-5FC6-44B1-B509-8955990E2FDC}" type="datetimeFigureOut">
               <a:rPr lang="en-IN" smtClean="0"/>
-              <a:t>16-01-2023</a:t>
+              <a:t>17-01-2023</a:t>
             </a:fld>
             <a:endParaRPr lang="en-IN"/>
           </a:p>
@@ -3441,7 +3449,7 @@
           <a:p>
             <a:fld id="{2A7567FF-5FC6-44B1-B509-8955990E2FDC}" type="datetimeFigureOut">
               <a:rPr lang="en-IN" smtClean="0"/>
-              <a:t>16-01-2023</a:t>
+              <a:t>17-01-2023</a:t>
             </a:fld>
             <a:endParaRPr lang="en-IN"/>
           </a:p>
@@ -3688,7 +3696,7 @@
           <a:p>
             <a:fld id="{2A7567FF-5FC6-44B1-B509-8955990E2FDC}" type="datetimeFigureOut">
               <a:rPr lang="en-IN" smtClean="0"/>
-              <a:t>16-01-2023</a:t>
+              <a:t>17-01-2023</a:t>
             </a:fld>
             <a:endParaRPr lang="en-IN"/>
           </a:p>
@@ -3920,7 +3928,7 @@
           <a:p>
             <a:fld id="{2A7567FF-5FC6-44B1-B509-8955990E2FDC}" type="datetimeFigureOut">
               <a:rPr lang="en-IN" smtClean="0"/>
-              <a:t>16-01-2023</a:t>
+              <a:t>17-01-2023</a:t>
             </a:fld>
             <a:endParaRPr lang="en-IN"/>
           </a:p>
@@ -4294,7 +4302,7 @@
           <a:p>
             <a:fld id="{2A7567FF-5FC6-44B1-B509-8955990E2FDC}" type="datetimeFigureOut">
               <a:rPr lang="en-IN" smtClean="0"/>
-              <a:t>16-01-2023</a:t>
+              <a:t>17-01-2023</a:t>
             </a:fld>
             <a:endParaRPr lang="en-IN"/>
           </a:p>
@@ -4417,7 +4425,7 @@
           <a:p>
             <a:fld id="{2A7567FF-5FC6-44B1-B509-8955990E2FDC}" type="datetimeFigureOut">
               <a:rPr lang="en-IN" smtClean="0"/>
-              <a:t>16-01-2023</a:t>
+              <a:t>17-01-2023</a:t>
             </a:fld>
             <a:endParaRPr lang="en-IN"/>
           </a:p>
@@ -4512,7 +4520,7 @@
           <a:p>
             <a:fld id="{2A7567FF-5FC6-44B1-B509-8955990E2FDC}" type="datetimeFigureOut">
               <a:rPr lang="en-IN" smtClean="0"/>
-              <a:t>16-01-2023</a:t>
+              <a:t>17-01-2023</a:t>
             </a:fld>
             <a:endParaRPr lang="en-IN"/>
           </a:p>
@@ -4767,7 +4775,7 @@
           <a:p>
             <a:fld id="{2A7567FF-5FC6-44B1-B509-8955990E2FDC}" type="datetimeFigureOut">
               <a:rPr lang="en-IN" smtClean="0"/>
-              <a:t>16-01-2023</a:t>
+              <a:t>17-01-2023</a:t>
             </a:fld>
             <a:endParaRPr lang="en-IN"/>
           </a:p>
@@ -5030,7 +5038,7 @@
           <a:p>
             <a:fld id="{2A7567FF-5FC6-44B1-B509-8955990E2FDC}" type="datetimeFigureOut">
               <a:rPr lang="en-IN" smtClean="0"/>
-              <a:t>16-01-2023</a:t>
+              <a:t>17-01-2023</a:t>
             </a:fld>
             <a:endParaRPr lang="en-IN"/>
           </a:p>
@@ -5773,7 +5781,7 @@
           <a:p>
             <a:fld id="{2A7567FF-5FC6-44B1-B509-8955990E2FDC}" type="datetimeFigureOut">
               <a:rPr lang="en-IN" smtClean="0"/>
-              <a:t>16-01-2023</a:t>
+              <a:t>17-01-2023</a:t>
             </a:fld>
             <a:endParaRPr lang="en-IN"/>
           </a:p>
@@ -6370,7 +6378,7 @@
               <a:rPr lang="en-US" sz="6600" b="1" dirty="0">
                 <a:solidFill>
                   <a:schemeClr val="bg2">
-                    <a:lumMod val="50000"/>
+                    <a:lumMod val="25000"/>
                   </a:schemeClr>
                 </a:solidFill>
                 <a:effectLst>
@@ -6387,7 +6395,7 @@
             <a:r>
               <a:rPr lang="en-US" sz="6600" b="1" dirty="0">
                 <a:solidFill>
-                  <a:schemeClr val="tx2"/>
+                  <a:srgbClr val="295A5F"/>
                 </a:solidFill>
                 <a:effectLst>
                   <a:outerShdw blurRad="38100" dist="38100" dir="2700000" algn="tl">
@@ -6402,7 +6410,7 @@
             </a:r>
             <a:endParaRPr lang="en-IN" sz="6600" b="1" dirty="0">
               <a:solidFill>
-                <a:schemeClr val="tx2"/>
+                <a:srgbClr val="295A5F"/>
               </a:solidFill>
               <a:effectLst>
                 <a:outerShdw blurRad="38100" dist="38100" dir="2700000" algn="tl">
@@ -6541,7 +6549,7 @@
               <a:rPr lang="en-US" b="1" dirty="0">
                 <a:solidFill>
                   <a:schemeClr val="bg2">
-                    <a:lumMod val="50000"/>
+                    <a:lumMod val="25000"/>
                   </a:schemeClr>
                 </a:solidFill>
                 <a:effectLst>
@@ -6558,7 +6566,7 @@
             <a:r>
               <a:rPr lang="en-US" b="1" dirty="0">
                 <a:solidFill>
-                  <a:schemeClr val="tx2"/>
+                  <a:srgbClr val="295A5F"/>
                 </a:solidFill>
                 <a:effectLst>
                   <a:outerShdw blurRad="38100" dist="38100" dir="2700000" algn="tl">
@@ -6573,7 +6581,7 @@
             </a:r>
             <a:endParaRPr lang="en-IN" b="1" dirty="0">
               <a:solidFill>
-                <a:schemeClr val="tx2"/>
+                <a:srgbClr val="295A5F"/>
               </a:solidFill>
               <a:effectLst>
                 <a:outerShdw blurRad="38100" dist="38100" dir="2700000" algn="tl">
@@ -6657,7 +6665,9 @@
             <a:r>
               <a:rPr lang="en-IN" b="1" dirty="0">
                 <a:solidFill>
-                  <a:schemeClr val="accent3"/>
+                  <a:schemeClr val="bg2">
+                    <a:lumMod val="25000"/>
+                  </a:schemeClr>
                 </a:solidFill>
                 <a:effectLst>
                   <a:outerShdw blurRad="38100" dist="38100" dir="2700000" algn="tl">
@@ -6694,14 +6704,13 @@
               </a:ext>
             </a:extLst>
           </a:blip>
-          <a:stretch>
-            <a:fillRect/>
-          </a:stretch>
+          <a:srcRect/>
+          <a:stretch/>
         </p:blipFill>
         <p:spPr>
           <a:xfrm>
-            <a:off x="3268731" y="2906477"/>
-            <a:ext cx="1295238" cy="1028571"/>
+            <a:off x="3228329" y="2735705"/>
+            <a:ext cx="1345712" cy="1345712"/>
           </a:xfrm>
           <a:prstGeom prst="rect">
             <a:avLst/>
@@ -6803,14 +6812,14 @@
           <a:lstStyle/>
           <a:p>
             <a:r>
-              <a:rPr lang="en-US" sz="2800" u="sng" dirty="0">
+              <a:rPr lang="en-US" sz="2800" b="1" u="sng" dirty="0">
                 <a:solidFill>
                   <a:srgbClr val="00B050"/>
                 </a:solidFill>
               </a:rPr>
               <a:t>EMPLOYMENT SCOPES</a:t>
             </a:r>
-            <a:endParaRPr lang="en-IN" sz="2800" u="sng" dirty="0">
+            <a:endParaRPr lang="en-IN" sz="2800" b="1" u="sng" dirty="0">
               <a:solidFill>
                 <a:srgbClr val="00B050"/>
               </a:solidFill>
@@ -6854,6 +6863,250 @@
           </a:prstGeom>
         </p:spPr>
       </p:pic>
+      <p:sp>
+        <p:nvSpPr>
+          <p:cNvPr id="3" name="TextBox 2">
+            <a:extLst>
+              <a:ext uri="{FF2B5EF4-FFF2-40B4-BE49-F238E27FC236}">
+                <a16:creationId xmlns:a16="http://schemas.microsoft.com/office/drawing/2014/main" id="{7999AE54-C0E1-F490-D71F-1B37F93DAB36}"/>
+              </a:ext>
+            </a:extLst>
+          </p:cNvPr>
+          <p:cNvSpPr txBox="1"/>
+          <p:nvPr/>
+        </p:nvSpPr>
+        <p:spPr>
+          <a:xfrm>
+            <a:off x="724035" y="1563329"/>
+            <a:ext cx="2517164" cy="1046440"/>
+          </a:xfrm>
+          <a:prstGeom prst="rect">
+            <a:avLst/>
+          </a:prstGeom>
+          <a:noFill/>
+        </p:spPr>
+        <p:txBody>
+          <a:bodyPr wrap="none" rtlCol="0">
+            <a:spAutoFit/>
+          </a:bodyPr>
+          <a:lstStyle/>
+          <a:p>
+            <a:r>
+              <a:rPr lang="en-IN" b="1" u="sng" dirty="0"/>
+              <a:t>Technical Positions</a:t>
+            </a:r>
+          </a:p>
+          <a:p>
+            <a:endParaRPr lang="en-IN" sz="800" b="1" u="sng" dirty="0"/>
+          </a:p>
+          <a:p>
+            <a:r>
+              <a:rPr lang="en-IN" dirty="0"/>
+              <a:t>Software Engineers</a:t>
+            </a:r>
+          </a:p>
+          <a:p>
+            <a:r>
+              <a:rPr lang="en-IN" dirty="0"/>
+              <a:t>Textile Engineers, etc.</a:t>
+            </a:r>
+          </a:p>
+        </p:txBody>
+      </p:sp>
+      <p:sp>
+        <p:nvSpPr>
+          <p:cNvPr id="5" name="TextBox 4">
+            <a:extLst>
+              <a:ext uri="{FF2B5EF4-FFF2-40B4-BE49-F238E27FC236}">
+                <a16:creationId xmlns:a16="http://schemas.microsoft.com/office/drawing/2014/main" id="{7F965EB1-D19A-7DCC-A045-DF9FDB79BA25}"/>
+              </a:ext>
+            </a:extLst>
+          </p:cNvPr>
+          <p:cNvSpPr txBox="1"/>
+          <p:nvPr/>
+        </p:nvSpPr>
+        <p:spPr>
+          <a:xfrm>
+            <a:off x="6777742" y="5053780"/>
+            <a:ext cx="2929135" cy="1046440"/>
+          </a:xfrm>
+          <a:prstGeom prst="rect">
+            <a:avLst/>
+          </a:prstGeom>
+          <a:noFill/>
+        </p:spPr>
+        <p:txBody>
+          <a:bodyPr wrap="none" rtlCol="0">
+            <a:spAutoFit/>
+          </a:bodyPr>
+          <a:lstStyle/>
+          <a:p>
+            <a:r>
+              <a:rPr lang="en-IN" b="1" u="sng" dirty="0"/>
+              <a:t>Development Positions</a:t>
+            </a:r>
+          </a:p>
+          <a:p>
+            <a:endParaRPr lang="en-IN" sz="800" b="1" u="sng" dirty="0"/>
+          </a:p>
+          <a:p>
+            <a:r>
+              <a:rPr lang="en-IN" dirty="0"/>
+              <a:t>Product Developers</a:t>
+            </a:r>
+          </a:p>
+          <a:p>
+            <a:r>
+              <a:rPr lang="en-IN" dirty="0"/>
+              <a:t>Technical Developers, etc.</a:t>
+            </a:r>
+          </a:p>
+        </p:txBody>
+      </p:sp>
+      <p:sp>
+        <p:nvSpPr>
+          <p:cNvPr id="6" name="TextBox 5">
+            <a:extLst>
+              <a:ext uri="{FF2B5EF4-FFF2-40B4-BE49-F238E27FC236}">
+                <a16:creationId xmlns:a16="http://schemas.microsoft.com/office/drawing/2014/main" id="{D4B1BC96-081A-AABD-79AC-ED1414A984B8}"/>
+              </a:ext>
+            </a:extLst>
+          </p:cNvPr>
+          <p:cNvSpPr txBox="1"/>
+          <p:nvPr/>
+        </p:nvSpPr>
+        <p:spPr>
+          <a:xfrm>
+            <a:off x="864362" y="5053780"/>
+            <a:ext cx="2236510" cy="1046440"/>
+          </a:xfrm>
+          <a:prstGeom prst="rect">
+            <a:avLst/>
+          </a:prstGeom>
+          <a:noFill/>
+        </p:spPr>
+        <p:txBody>
+          <a:bodyPr wrap="none" rtlCol="0">
+            <a:spAutoFit/>
+          </a:bodyPr>
+          <a:lstStyle/>
+          <a:p>
+            <a:r>
+              <a:rPr lang="en-IN" b="1" u="sng" dirty="0"/>
+              <a:t>Sales Positions</a:t>
+            </a:r>
+          </a:p>
+          <a:p>
+            <a:endParaRPr lang="en-IN" sz="800" b="1" u="sng" dirty="0"/>
+          </a:p>
+          <a:p>
+            <a:r>
+              <a:rPr lang="en-IN" dirty="0"/>
+              <a:t>Sales Associates</a:t>
+            </a:r>
+          </a:p>
+          <a:p>
+            <a:r>
+              <a:rPr lang="en-IN" dirty="0"/>
+              <a:t>Merchandizers, etc.</a:t>
+            </a:r>
+          </a:p>
+        </p:txBody>
+      </p:sp>
+      <p:sp>
+        <p:nvSpPr>
+          <p:cNvPr id="7" name="TextBox 6">
+            <a:extLst>
+              <a:ext uri="{FF2B5EF4-FFF2-40B4-BE49-F238E27FC236}">
+                <a16:creationId xmlns:a16="http://schemas.microsoft.com/office/drawing/2014/main" id="{3969D2DE-09CA-378C-CC39-9CB99E8CAB99}"/>
+              </a:ext>
+            </a:extLst>
+          </p:cNvPr>
+          <p:cNvSpPr txBox="1"/>
+          <p:nvPr/>
+        </p:nvSpPr>
+        <p:spPr>
+          <a:xfrm>
+            <a:off x="6777742" y="1637071"/>
+            <a:ext cx="2501134" cy="1046440"/>
+          </a:xfrm>
+          <a:prstGeom prst="rect">
+            <a:avLst/>
+          </a:prstGeom>
+          <a:noFill/>
+        </p:spPr>
+        <p:txBody>
+          <a:bodyPr wrap="none" rtlCol="0">
+            <a:spAutoFit/>
+          </a:bodyPr>
+          <a:lstStyle/>
+          <a:p>
+            <a:r>
+              <a:rPr lang="en-IN" b="1" u="sng" dirty="0"/>
+              <a:t>Designer Positions</a:t>
+            </a:r>
+          </a:p>
+          <a:p>
+            <a:endParaRPr lang="en-IN" sz="800" b="1" u="sng" dirty="0"/>
+          </a:p>
+          <a:p>
+            <a:r>
+              <a:rPr lang="en-IN" dirty="0"/>
+              <a:t>Fashion Designers</a:t>
+            </a:r>
+          </a:p>
+          <a:p>
+            <a:r>
+              <a:rPr lang="en-IN" dirty="0"/>
+              <a:t>Textile Designers, etc.</a:t>
+            </a:r>
+          </a:p>
+        </p:txBody>
+      </p:sp>
+      <p:sp>
+        <p:nvSpPr>
+          <p:cNvPr id="8" name="TextBox 7">
+            <a:extLst>
+              <a:ext uri="{FF2B5EF4-FFF2-40B4-BE49-F238E27FC236}">
+                <a16:creationId xmlns:a16="http://schemas.microsoft.com/office/drawing/2014/main" id="{62942387-E0C2-1C67-82E7-594799A17EA7}"/>
+              </a:ext>
+            </a:extLst>
+          </p:cNvPr>
+          <p:cNvSpPr txBox="1"/>
+          <p:nvPr/>
+        </p:nvSpPr>
+        <p:spPr>
+          <a:xfrm>
+            <a:off x="3911203" y="3220063"/>
+            <a:ext cx="2184797" cy="1323439"/>
+          </a:xfrm>
+          <a:prstGeom prst="rect">
+            <a:avLst/>
+          </a:prstGeom>
+          <a:noFill/>
+        </p:spPr>
+        <p:txBody>
+          <a:bodyPr wrap="square" rtlCol="0">
+            <a:spAutoFit/>
+          </a:bodyPr>
+          <a:lstStyle/>
+          <a:p>
+            <a:r>
+              <a:rPr lang="en-IN" b="1" u="sng" dirty="0"/>
+              <a:t>Other Positions</a:t>
+            </a:r>
+          </a:p>
+          <a:p>
+            <a:endParaRPr lang="en-IN" sz="800" b="1" u="sng" dirty="0"/>
+          </a:p>
+          <a:p>
+            <a:r>
+              <a:rPr lang="en-IN" dirty="0"/>
+              <a:t>There will be a big team of delivery &amp; supervising crew.</a:t>
+            </a:r>
+          </a:p>
+        </p:txBody>
+      </p:sp>
     </p:spTree>
     <p:extLst>
       <p:ext uri="{BB962C8B-B14F-4D97-AF65-F5344CB8AC3E}">
@@ -6868,7 +7121,7 @@
 </file>
 
 <file path=ppt/slides/slide11.xml><?xml version="1.0" encoding="utf-8"?>
-<p:sld xmlns:a="http://schemas.openxmlformats.org/drawingml/2006/main" xmlns:r="http://schemas.openxmlformats.org/officeDocument/2006/relationships" xmlns:p="http://schemas.openxmlformats.org/presentationml/2006/main" show="0">
+<p:sld xmlns:a="http://schemas.openxmlformats.org/drawingml/2006/main" xmlns:r="http://schemas.openxmlformats.org/officeDocument/2006/relationships" xmlns:p="http://schemas.openxmlformats.org/presentationml/2006/main">
   <p:cSld>
     <p:spTree>
       <p:nvGrpSpPr>
@@ -6913,56 +7166,18 @@
           <a:lstStyle/>
           <a:p>
             <a:r>
-              <a:rPr lang="en-US" sz="2800" u="sng" dirty="0">
+              <a:rPr lang="en-US" sz="2800" b="1" u="sng" dirty="0">
                 <a:solidFill>
-                  <a:schemeClr val="tx2"/>
+                  <a:srgbClr val="00B050"/>
                 </a:solidFill>
               </a:rPr>
               <a:t>WHY US?</a:t>
             </a:r>
-            <a:endParaRPr lang="en-IN" sz="2800" u="sng" dirty="0">
+            <a:endParaRPr lang="en-IN" sz="2800" b="1" u="sng" dirty="0">
               <a:solidFill>
-                <a:schemeClr val="tx2"/>
+                <a:srgbClr val="00B050"/>
               </a:solidFill>
             </a:endParaRPr>
-          </a:p>
-        </p:txBody>
-      </p:sp>
-      <p:sp>
-        <p:nvSpPr>
-          <p:cNvPr id="6" name="TextBox 5">
-            <a:extLst>
-              <a:ext uri="{FF2B5EF4-FFF2-40B4-BE49-F238E27FC236}">
-                <a16:creationId xmlns:a16="http://schemas.microsoft.com/office/drawing/2014/main" id="{778D9B83-6FA9-204C-0E2A-B762DB752752}"/>
-              </a:ext>
-            </a:extLst>
-          </p:cNvPr>
-          <p:cNvSpPr txBox="1"/>
-          <p:nvPr/>
-        </p:nvSpPr>
-        <p:spPr>
-          <a:xfrm>
-            <a:off x="724035" y="1298448"/>
-            <a:ext cx="8494776" cy="646331"/>
-          </a:xfrm>
-          <a:prstGeom prst="rect">
-            <a:avLst/>
-          </a:prstGeom>
-          <a:noFill/>
-        </p:spPr>
-        <p:txBody>
-          <a:bodyPr wrap="square" rtlCol="0">
-            <a:spAutoFit/>
-          </a:bodyPr>
-          <a:lstStyle/>
-          <a:p>
-            <a:r>
-              <a:rPr lang="en-US" dirty="0"/>
-              <a:t>LOREM300</a:t>
-            </a:r>
-          </a:p>
-          <a:p>
-            <a:endParaRPr lang="en-IN" dirty="0"/>
           </a:p>
         </p:txBody>
       </p:sp>
@@ -7002,6 +7217,287 @@
           </a:prstGeom>
         </p:spPr>
       </p:pic>
+      <p:graphicFrame>
+        <p:nvGraphicFramePr>
+          <p:cNvPr id="3" name="Table 4">
+            <a:extLst>
+              <a:ext uri="{FF2B5EF4-FFF2-40B4-BE49-F238E27FC236}">
+                <a16:creationId xmlns:a16="http://schemas.microsoft.com/office/drawing/2014/main" id="{70AB0497-735C-8781-DC08-899C4FBFF7C7}"/>
+              </a:ext>
+            </a:extLst>
+          </p:cNvPr>
+          <p:cNvGraphicFramePr>
+            <a:graphicFrameLocks noGrp="1"/>
+          </p:cNvGraphicFramePr>
+          <p:nvPr>
+            <p:extLst>
+              <p:ext uri="{D42A27DB-BD31-4B8C-83A1-F6EECF244321}">
+                <p14:modId xmlns:p14="http://schemas.microsoft.com/office/powerpoint/2010/main" val="4004001925"/>
+              </p:ext>
+            </p:extLst>
+          </p:nvPr>
+        </p:nvGraphicFramePr>
+        <p:xfrm>
+          <a:off x="782320" y="1288341"/>
+          <a:ext cx="8128000" cy="4632960"/>
+        </p:xfrm>
+        <a:graphic>
+          <a:graphicData uri="http://schemas.openxmlformats.org/drawingml/2006/table">
+            <a:tbl>
+              <a:tblPr firstRow="1" bandRow="1">
+                <a:tableStyleId>{5C22544A-7EE6-4342-B048-85BDC9FD1C3A}</a:tableStyleId>
+              </a:tblPr>
+              <a:tblGrid>
+                <a:gridCol w="4064000">
+                  <a:extLst>
+                    <a:ext uri="{9D8B030D-6E8A-4147-A177-3AD203B41FA5}">
+                      <a16:colId xmlns:a16="http://schemas.microsoft.com/office/drawing/2014/main" val="3759634629"/>
+                    </a:ext>
+                  </a:extLst>
+                </a:gridCol>
+                <a:gridCol w="4064000">
+                  <a:extLst>
+                    <a:ext uri="{9D8B030D-6E8A-4147-A177-3AD203B41FA5}">
+                      <a16:colId xmlns:a16="http://schemas.microsoft.com/office/drawing/2014/main" val="1102271328"/>
+                    </a:ext>
+                  </a:extLst>
+                </a:gridCol>
+              </a:tblGrid>
+              <a:tr h="370840">
+                <a:tc>
+                  <a:txBody>
+                    <a:bodyPr/>
+                    <a:lstStyle/>
+                    <a:p>
+                      <a:pPr algn="ctr"/>
+                      <a:r>
+                        <a:rPr lang="en-IN" sz="2800" dirty="0"/>
+                        <a:t>Pre – T^2</a:t>
+                      </a:r>
+                    </a:p>
+                  </a:txBody>
+                  <a:tcPr/>
+                </a:tc>
+                <a:tc>
+                  <a:txBody>
+                    <a:bodyPr/>
+                    <a:lstStyle/>
+                    <a:p>
+                      <a:pPr algn="ctr"/>
+                      <a:r>
+                        <a:rPr lang="en-IN" sz="2800" dirty="0"/>
+                        <a:t>Post – T^2</a:t>
+                      </a:r>
+                    </a:p>
+                  </a:txBody>
+                  <a:tcPr/>
+                </a:tc>
+                <a:extLst>
+                  <a:ext uri="{0D108BD9-81ED-4DB2-BD59-A6C34878D82A}">
+                    <a16:rowId xmlns:a16="http://schemas.microsoft.com/office/drawing/2014/main" val="2855106300"/>
+                  </a:ext>
+                </a:extLst>
+              </a:tr>
+              <a:tr h="370840">
+                <a:tc>
+                  <a:txBody>
+                    <a:bodyPr/>
+                    <a:lstStyle/>
+                    <a:p>
+                      <a:pPr algn="just"/>
+                      <a:r>
+                        <a:rPr lang="en-IN" sz="2000" dirty="0"/>
+                        <a:t>Wastage of clothes/products due to market risks or change in trends</a:t>
+                      </a:r>
+                    </a:p>
+                  </a:txBody>
+                  <a:tcPr/>
+                </a:tc>
+                <a:tc>
+                  <a:txBody>
+                    <a:bodyPr/>
+                    <a:lstStyle/>
+                    <a:p>
+                      <a:pPr algn="just"/>
+                      <a:r>
+                        <a:rPr lang="en-IN" sz="2000" dirty="0"/>
+                        <a:t>Prevent over production</a:t>
+                      </a:r>
+                    </a:p>
+                  </a:txBody>
+                  <a:tcPr/>
+                </a:tc>
+                <a:extLst>
+                  <a:ext uri="{0D108BD9-81ED-4DB2-BD59-A6C34878D82A}">
+                    <a16:rowId xmlns:a16="http://schemas.microsoft.com/office/drawing/2014/main" val="1828881855"/>
+                  </a:ext>
+                </a:extLst>
+              </a:tr>
+              <a:tr h="370840">
+                <a:tc>
+                  <a:txBody>
+                    <a:bodyPr/>
+                    <a:lstStyle/>
+                    <a:p>
+                      <a:pPr algn="just"/>
+                      <a:r>
+                        <a:rPr lang="en-IN" sz="2000" dirty="0"/>
+                        <a:t>Design </a:t>
+                      </a:r>
+                      <a:r>
+                        <a:rPr lang="en-IN" sz="2000" dirty="0">
+                          <a:sym typeface="Wingdings" panose="05000000000000000000" pitchFamily="2" charset="2"/>
+                        </a:rPr>
+                        <a:t> Produce  Sell</a:t>
+                      </a:r>
+                      <a:endParaRPr lang="en-IN" sz="2000" dirty="0"/>
+                    </a:p>
+                  </a:txBody>
+                  <a:tcPr/>
+                </a:tc>
+                <a:tc>
+                  <a:txBody>
+                    <a:bodyPr/>
+                    <a:lstStyle/>
+                    <a:p>
+                      <a:pPr algn="just"/>
+                      <a:r>
+                        <a:rPr lang="en-IN" sz="2000" dirty="0"/>
+                        <a:t>Design </a:t>
+                      </a:r>
+                      <a:r>
+                        <a:rPr lang="en-IN" sz="2000" dirty="0">
+                          <a:sym typeface="Wingdings" panose="05000000000000000000" pitchFamily="2" charset="2"/>
+                        </a:rPr>
+                        <a:t> Sell  Produce</a:t>
+                      </a:r>
+                      <a:endParaRPr lang="en-IN" sz="2000" dirty="0"/>
+                    </a:p>
+                  </a:txBody>
+                  <a:tcPr/>
+                </a:tc>
+                <a:extLst>
+                  <a:ext uri="{0D108BD9-81ED-4DB2-BD59-A6C34878D82A}">
+                    <a16:rowId xmlns:a16="http://schemas.microsoft.com/office/drawing/2014/main" val="3145285472"/>
+                  </a:ext>
+                </a:extLst>
+              </a:tr>
+              <a:tr h="370840">
+                <a:tc>
+                  <a:txBody>
+                    <a:bodyPr/>
+                    <a:lstStyle/>
+                    <a:p>
+                      <a:pPr algn="just"/>
+                      <a:r>
+                        <a:rPr lang="en-IN" sz="2000" dirty="0"/>
+                        <a:t>A lot of shipping fees invested</a:t>
+                      </a:r>
+                    </a:p>
+                  </a:txBody>
+                  <a:tcPr/>
+                </a:tc>
+                <a:tc>
+                  <a:txBody>
+                    <a:bodyPr/>
+                    <a:lstStyle/>
+                    <a:p>
+                      <a:pPr algn="just"/>
+                      <a:r>
+                        <a:rPr lang="en-IN" sz="2000" dirty="0"/>
+                        <a:t>Sending designs by digital files to our company’s other branches. So, no shipping fee</a:t>
+                      </a:r>
+                    </a:p>
+                  </a:txBody>
+                  <a:tcPr/>
+                </a:tc>
+                <a:extLst>
+                  <a:ext uri="{0D108BD9-81ED-4DB2-BD59-A6C34878D82A}">
+                    <a16:rowId xmlns:a16="http://schemas.microsoft.com/office/drawing/2014/main" val="2281986813"/>
+                  </a:ext>
+                </a:extLst>
+              </a:tr>
+              <a:tr h="370840">
+                <a:tc>
+                  <a:txBody>
+                    <a:bodyPr/>
+                    <a:lstStyle/>
+                    <a:p>
+                      <a:pPr algn="just"/>
+                      <a:r>
+                        <a:rPr lang="en-IN" sz="2000" dirty="0"/>
+                        <a:t>Microfibres dumped into water bodies causing water pollution.</a:t>
+                      </a:r>
+                    </a:p>
+                  </a:txBody>
+                  <a:tcPr/>
+                </a:tc>
+                <a:tc>
+                  <a:txBody>
+                    <a:bodyPr/>
+                    <a:lstStyle/>
+                    <a:p>
+                      <a:pPr algn="just"/>
+                      <a:r>
+                        <a:rPr lang="en-IN" sz="2000" dirty="0"/>
+                        <a:t>Mostly recyclable. </a:t>
+                      </a:r>
+                    </a:p>
+                    <a:p>
+                      <a:pPr algn="just"/>
+                      <a:r>
+                        <a:rPr lang="en-IN" sz="2000" dirty="0"/>
+                        <a:t>No microfibres dumped into water bodies</a:t>
+                      </a:r>
+                    </a:p>
+                  </a:txBody>
+                  <a:tcPr/>
+                </a:tc>
+                <a:extLst>
+                  <a:ext uri="{0D108BD9-81ED-4DB2-BD59-A6C34878D82A}">
+                    <a16:rowId xmlns:a16="http://schemas.microsoft.com/office/drawing/2014/main" val="3108622533"/>
+                  </a:ext>
+                </a:extLst>
+              </a:tr>
+              <a:tr h="370840">
+                <a:tc>
+                  <a:txBody>
+                    <a:bodyPr/>
+                    <a:lstStyle/>
+                    <a:p>
+                      <a:pPr algn="just"/>
+                      <a:r>
+                        <a:rPr lang="en-IN" sz="2000" dirty="0"/>
+                        <a:t>Huge textile waster after the cutting process</a:t>
+                      </a:r>
+                    </a:p>
+                  </a:txBody>
+                  <a:tcPr/>
+                </a:tc>
+                <a:tc>
+                  <a:txBody>
+                    <a:bodyPr/>
+                    <a:lstStyle/>
+                    <a:p>
+                      <a:pPr algn="just"/>
+                      <a:r>
+                        <a:rPr lang="en-IN" sz="2000" dirty="0"/>
+                        <a:t>No textile/fabric waster after cutting process</a:t>
+                      </a:r>
+                    </a:p>
+                  </a:txBody>
+                  <a:tcPr/>
+                </a:tc>
+                <a:extLst>
+                  <a:ext uri="{0D108BD9-81ED-4DB2-BD59-A6C34878D82A}">
+                    <a16:rowId xmlns:a16="http://schemas.microsoft.com/office/drawing/2014/main" val="2559117174"/>
+                  </a:ext>
+                </a:extLst>
+              </a:tr>
+            </a:tbl>
+          </a:graphicData>
+        </a:graphic>
+      </p:graphicFrame>
     </p:spTree>
     <p:extLst>
       <p:ext uri="{BB962C8B-B14F-4D97-AF65-F5344CB8AC3E}">
@@ -7016,7 +7512,7 @@
 </file>
 
 <file path=ppt/slides/slide12.xml><?xml version="1.0" encoding="utf-8"?>
-<p:sld xmlns:a="http://schemas.openxmlformats.org/drawingml/2006/main" xmlns:r="http://schemas.openxmlformats.org/officeDocument/2006/relationships" xmlns:p="http://schemas.openxmlformats.org/presentationml/2006/main" show="0">
+<p:sld xmlns:a="http://schemas.openxmlformats.org/drawingml/2006/main" xmlns:r="http://schemas.openxmlformats.org/officeDocument/2006/relationships" xmlns:p="http://schemas.openxmlformats.org/presentationml/2006/main">
   <p:cSld>
     <p:spTree>
       <p:nvGrpSpPr>
@@ -7047,7 +7543,7 @@
         <p:spPr>
           <a:xfrm>
             <a:off x="724035" y="484631"/>
-            <a:ext cx="4698357" cy="523220"/>
+            <a:ext cx="4122285" cy="523220"/>
           </a:xfrm>
           <a:prstGeom prst="rect">
             <a:avLst/>
@@ -7063,14 +7559,349 @@
             <a:r>
               <a:rPr lang="en-US" sz="2800" u="sng" dirty="0">
                 <a:solidFill>
-                  <a:schemeClr val="tx2"/>
+                  <a:srgbClr val="00B050"/>
                 </a:solidFill>
               </a:rPr>
-              <a:t>FUTURE VISIONS</a:t>
+              <a:t>Continued…</a:t>
             </a:r>
             <a:endParaRPr lang="en-IN" sz="2800" u="sng" dirty="0">
               <a:solidFill>
-                <a:schemeClr val="tx2"/>
+                <a:srgbClr val="00B050"/>
+              </a:solidFill>
+            </a:endParaRPr>
+          </a:p>
+        </p:txBody>
+      </p:sp>
+      <p:pic>
+        <p:nvPicPr>
+          <p:cNvPr id="4" name="Picture 3">
+            <a:extLst>
+              <a:ext uri="{FF2B5EF4-FFF2-40B4-BE49-F238E27FC236}">
+                <a16:creationId xmlns:a16="http://schemas.microsoft.com/office/drawing/2014/main" id="{C6D844B5-8E1A-2B9D-7150-07AD8533527F}"/>
+              </a:ext>
+            </a:extLst>
+          </p:cNvPr>
+          <p:cNvPicPr>
+            <a:picLocks noChangeAspect="1"/>
+          </p:cNvPicPr>
+          <p:nvPr/>
+        </p:nvPicPr>
+        <p:blipFill>
+          <a:blip r:embed="rId2">
+            <a:extLst>
+              <a:ext uri="{28A0092B-C50C-407E-A947-70E740481C1C}">
+                <a14:useLocalDpi xmlns:a14="http://schemas.microsoft.com/office/drawing/2010/main" val="0"/>
+              </a:ext>
+            </a:extLst>
+          </a:blip>
+          <a:stretch>
+            <a:fillRect/>
+          </a:stretch>
+        </p:blipFill>
+        <p:spPr>
+          <a:xfrm>
+            <a:off x="6878326" y="-58431"/>
+            <a:ext cx="2546928" cy="1102754"/>
+          </a:xfrm>
+          <a:prstGeom prst="rect">
+            <a:avLst/>
+          </a:prstGeom>
+        </p:spPr>
+      </p:pic>
+      <p:graphicFrame>
+        <p:nvGraphicFramePr>
+          <p:cNvPr id="3" name="Table 4">
+            <a:extLst>
+              <a:ext uri="{FF2B5EF4-FFF2-40B4-BE49-F238E27FC236}">
+                <a16:creationId xmlns:a16="http://schemas.microsoft.com/office/drawing/2014/main" id="{70AB0497-735C-8781-DC08-899C4FBFF7C7}"/>
+              </a:ext>
+            </a:extLst>
+          </p:cNvPr>
+          <p:cNvGraphicFramePr>
+            <a:graphicFrameLocks noGrp="1"/>
+          </p:cNvGraphicFramePr>
+          <p:nvPr>
+            <p:extLst>
+              <p:ext uri="{D42A27DB-BD31-4B8C-83A1-F6EECF244321}">
+                <p14:modId xmlns:p14="http://schemas.microsoft.com/office/powerpoint/2010/main" val="2787330432"/>
+              </p:ext>
+            </p:extLst>
+          </p:nvPr>
+        </p:nvGraphicFramePr>
+        <p:xfrm>
+          <a:off x="782320" y="1288341"/>
+          <a:ext cx="8128000" cy="3931920"/>
+        </p:xfrm>
+        <a:graphic>
+          <a:graphicData uri="http://schemas.openxmlformats.org/drawingml/2006/table">
+            <a:tbl>
+              <a:tblPr firstRow="1" bandRow="1">
+                <a:tableStyleId>{5C22544A-7EE6-4342-B048-85BDC9FD1C3A}</a:tableStyleId>
+              </a:tblPr>
+              <a:tblGrid>
+                <a:gridCol w="4064000">
+                  <a:extLst>
+                    <a:ext uri="{9D8B030D-6E8A-4147-A177-3AD203B41FA5}">
+                      <a16:colId xmlns:a16="http://schemas.microsoft.com/office/drawing/2014/main" val="3759634629"/>
+                    </a:ext>
+                  </a:extLst>
+                </a:gridCol>
+                <a:gridCol w="4064000">
+                  <a:extLst>
+                    <a:ext uri="{9D8B030D-6E8A-4147-A177-3AD203B41FA5}">
+                      <a16:colId xmlns:a16="http://schemas.microsoft.com/office/drawing/2014/main" val="1102271328"/>
+                    </a:ext>
+                  </a:extLst>
+                </a:gridCol>
+              </a:tblGrid>
+              <a:tr h="370840">
+                <a:tc>
+                  <a:txBody>
+                    <a:bodyPr/>
+                    <a:lstStyle/>
+                    <a:p>
+                      <a:pPr algn="ctr"/>
+                      <a:r>
+                        <a:rPr lang="en-IN" sz="2800" dirty="0"/>
+                        <a:t>Pre – T^2</a:t>
+                      </a:r>
+                    </a:p>
+                  </a:txBody>
+                  <a:tcPr/>
+                </a:tc>
+                <a:tc>
+                  <a:txBody>
+                    <a:bodyPr/>
+                    <a:lstStyle/>
+                    <a:p>
+                      <a:pPr algn="ctr"/>
+                      <a:r>
+                        <a:rPr lang="en-IN" sz="2800" dirty="0"/>
+                        <a:t>Post – T^2</a:t>
+                      </a:r>
+                    </a:p>
+                  </a:txBody>
+                  <a:tcPr/>
+                </a:tc>
+                <a:extLst>
+                  <a:ext uri="{0D108BD9-81ED-4DB2-BD59-A6C34878D82A}">
+                    <a16:rowId xmlns:a16="http://schemas.microsoft.com/office/drawing/2014/main" val="2855106300"/>
+                  </a:ext>
+                </a:extLst>
+              </a:tr>
+              <a:tr h="370840">
+                <a:tc>
+                  <a:txBody>
+                    <a:bodyPr/>
+                    <a:lstStyle/>
+                    <a:p>
+                      <a:pPr algn="just"/>
+                      <a:r>
+                        <a:rPr lang="en-IN" sz="2000" dirty="0"/>
+                        <a:t>Not vegan, animal cruelty</a:t>
+                      </a:r>
+                    </a:p>
+                  </a:txBody>
+                  <a:tcPr/>
+                </a:tc>
+                <a:tc>
+                  <a:txBody>
+                    <a:bodyPr/>
+                    <a:lstStyle/>
+                    <a:p>
+                      <a:pPr algn="just"/>
+                      <a:r>
+                        <a:rPr lang="en-IN" sz="2000" dirty="0"/>
+                        <a:t>Vegan, no animals are harmed in the making process</a:t>
+                      </a:r>
+                    </a:p>
+                  </a:txBody>
+                  <a:tcPr/>
+                </a:tc>
+                <a:extLst>
+                  <a:ext uri="{0D108BD9-81ED-4DB2-BD59-A6C34878D82A}">
+                    <a16:rowId xmlns:a16="http://schemas.microsoft.com/office/drawing/2014/main" val="280139064"/>
+                  </a:ext>
+                </a:extLst>
+              </a:tr>
+              <a:tr h="370840">
+                <a:tc>
+                  <a:txBody>
+                    <a:bodyPr/>
+                    <a:lstStyle/>
+                    <a:p>
+                      <a:pPr algn="l"/>
+                      <a:r>
+                        <a:rPr lang="en-IN" sz="2000" dirty="0"/>
+                        <a:t>Huge portion of land needed for production (i.e., cotton, jute etc.)</a:t>
+                      </a:r>
+                    </a:p>
+                  </a:txBody>
+                  <a:tcPr/>
+                </a:tc>
+                <a:tc>
+                  <a:txBody>
+                    <a:bodyPr/>
+                    <a:lstStyle/>
+                    <a:p>
+                      <a:pPr algn="l"/>
+                      <a:r>
+                        <a:rPr lang="en-IN" sz="2000" dirty="0"/>
+                        <a:t>No land needed for production of raw material</a:t>
+                      </a:r>
+                    </a:p>
+                  </a:txBody>
+                  <a:tcPr/>
+                </a:tc>
+                <a:extLst>
+                  <a:ext uri="{0D108BD9-81ED-4DB2-BD59-A6C34878D82A}">
+                    <a16:rowId xmlns:a16="http://schemas.microsoft.com/office/drawing/2014/main" val="1828881855"/>
+                  </a:ext>
+                </a:extLst>
+              </a:tr>
+              <a:tr h="370840">
+                <a:tc>
+                  <a:txBody>
+                    <a:bodyPr/>
+                    <a:lstStyle/>
+                    <a:p>
+                      <a:pPr algn="l"/>
+                      <a:r>
+                        <a:rPr lang="en-IN" sz="2000" dirty="0"/>
+                        <a:t>Not individually involved</a:t>
+                      </a:r>
+                    </a:p>
+                  </a:txBody>
+                  <a:tcPr/>
+                </a:tc>
+                <a:tc>
+                  <a:txBody>
+                    <a:bodyPr/>
+                    <a:lstStyle/>
+                    <a:p>
+                      <a:pPr algn="l"/>
+                      <a:r>
+                        <a:rPr lang="en-IN" sz="2000" dirty="0"/>
+                        <a:t>Supporting individuality by customization / personalization.</a:t>
+                      </a:r>
+                    </a:p>
+                  </a:txBody>
+                  <a:tcPr/>
+                </a:tc>
+                <a:extLst>
+                  <a:ext uri="{0D108BD9-81ED-4DB2-BD59-A6C34878D82A}">
+                    <a16:rowId xmlns:a16="http://schemas.microsoft.com/office/drawing/2014/main" val="2404383317"/>
+                  </a:ext>
+                </a:extLst>
+              </a:tr>
+              <a:tr h="370840">
+                <a:tc>
+                  <a:txBody>
+                    <a:bodyPr/>
+                    <a:lstStyle/>
+                    <a:p>
+                      <a:pPr algn="l"/>
+                      <a:r>
+                        <a:rPr lang="en-IN" sz="2000" dirty="0"/>
+                        <a:t>Does not support work from home, i.e., have to meet customers physically</a:t>
+                      </a:r>
+                    </a:p>
+                  </a:txBody>
+                  <a:tcPr/>
+                </a:tc>
+                <a:tc>
+                  <a:txBody>
+                    <a:bodyPr/>
+                    <a:lstStyle/>
+                    <a:p>
+                      <a:pPr algn="l"/>
+                      <a:r>
+                        <a:rPr lang="en-IN" sz="2000" dirty="0"/>
+                        <a:t>Supports work from home, i.e., does not have to meet customers physically</a:t>
+                      </a:r>
+                    </a:p>
+                  </a:txBody>
+                  <a:tcPr/>
+                </a:tc>
+                <a:extLst>
+                  <a:ext uri="{0D108BD9-81ED-4DB2-BD59-A6C34878D82A}">
+                    <a16:rowId xmlns:a16="http://schemas.microsoft.com/office/drawing/2014/main" val="3106402080"/>
+                  </a:ext>
+                </a:extLst>
+              </a:tr>
+            </a:tbl>
+          </a:graphicData>
+        </a:graphic>
+      </p:graphicFrame>
+    </p:spTree>
+    <p:extLst>
+      <p:ext uri="{BB962C8B-B14F-4D97-AF65-F5344CB8AC3E}">
+        <p14:creationId xmlns:p14="http://schemas.microsoft.com/office/powerpoint/2010/main" val="2408268919"/>
+      </p:ext>
+    </p:extLst>
+  </p:cSld>
+  <p:clrMapOvr>
+    <a:masterClrMapping/>
+  </p:clrMapOvr>
+</p:sld>
+</file>
+
+<file path=ppt/slides/slide13.xml><?xml version="1.0" encoding="utf-8"?>
+<p:sld xmlns:a="http://schemas.openxmlformats.org/drawingml/2006/main" xmlns:r="http://schemas.openxmlformats.org/officeDocument/2006/relationships" xmlns:p="http://schemas.openxmlformats.org/presentationml/2006/main">
+  <p:cSld>
+    <p:spTree>
+      <p:nvGrpSpPr>
+        <p:cNvPr id="1" name=""/>
+        <p:cNvGrpSpPr/>
+        <p:nvPr/>
+      </p:nvGrpSpPr>
+      <p:grpSpPr>
+        <a:xfrm>
+          <a:off x="0" y="0"/>
+          <a:ext cx="0" cy="0"/>
+          <a:chOff x="0" y="0"/>
+          <a:chExt cx="0" cy="0"/>
+        </a:xfrm>
+      </p:grpSpPr>
+      <p:sp>
+        <p:nvSpPr>
+          <p:cNvPr id="2" name="TextBox 1">
+            <a:extLst>
+              <a:ext uri="{FF2B5EF4-FFF2-40B4-BE49-F238E27FC236}">
+                <a16:creationId xmlns:a16="http://schemas.microsoft.com/office/drawing/2014/main" id="{4DA61C1F-2626-1E9E-4397-255AFE856209}"/>
+              </a:ext>
+            </a:extLst>
+          </p:cNvPr>
+          <p:cNvSpPr txBox="1"/>
+          <p:nvPr/>
+        </p:nvSpPr>
+        <p:spPr>
+          <a:xfrm>
+            <a:off x="724035" y="484631"/>
+            <a:ext cx="4698357" cy="523220"/>
+          </a:xfrm>
+          <a:prstGeom prst="rect">
+            <a:avLst/>
+          </a:prstGeom>
+          <a:noFill/>
+        </p:spPr>
+        <p:txBody>
+          <a:bodyPr wrap="square" rtlCol="0">
+            <a:spAutoFit/>
+          </a:bodyPr>
+          <a:lstStyle/>
+          <a:p>
+            <a:r>
+              <a:rPr lang="en-US" sz="2800" b="1" u="sng" dirty="0">
+                <a:solidFill>
+                  <a:srgbClr val="00B050"/>
+                </a:solidFill>
+              </a:rPr>
+              <a:t>OUR FIRST STEP</a:t>
+            </a:r>
+            <a:endParaRPr lang="en-IN" sz="2800" b="1" u="sng" dirty="0">
+              <a:solidFill>
+                <a:srgbClr val="00B050"/>
               </a:solidFill>
             </a:endParaRPr>
           </a:p>
@@ -7090,8 +7921,8 @@
         </p:nvSpPr>
         <p:spPr>
           <a:xfrm>
-            <a:off x="724035" y="1298448"/>
-            <a:ext cx="8494776" cy="646331"/>
+            <a:off x="740077" y="1298448"/>
+            <a:ext cx="8494776" cy="3693319"/>
           </a:xfrm>
           <a:prstGeom prst="rect">
             <a:avLst/>
@@ -7104,13 +7935,110 @@
           </a:bodyPr>
           <a:lstStyle/>
           <a:p>
-            <a:r>
-              <a:rPr lang="en-US" dirty="0"/>
-              <a:t>LOREM300</a:t>
-            </a:r>
-          </a:p>
-          <a:p>
+            <a:pPr marL="285750" indent="-285750">
+              <a:buFont typeface="Wingdings" panose="05000000000000000000" pitchFamily="2" charset="2"/>
+              <a:buChar char="Ø"/>
+            </a:pPr>
+            <a:r>
+              <a:rPr lang="en-IN" dirty="0"/>
+              <a:t>Consult with qualified professionals</a:t>
+            </a:r>
+          </a:p>
+          <a:p>
+            <a:pPr marL="285750" indent="-285750">
+              <a:buFont typeface="Wingdings" panose="05000000000000000000" pitchFamily="2" charset="2"/>
+              <a:buChar char="Ø"/>
+            </a:pPr>
             <a:endParaRPr lang="en-IN" dirty="0"/>
+          </a:p>
+          <a:p>
+            <a:pPr marL="285750" indent="-285750">
+              <a:buFont typeface="Wingdings" panose="05000000000000000000" pitchFamily="2" charset="2"/>
+              <a:buChar char="Ø"/>
+            </a:pPr>
+            <a:endParaRPr lang="en-IN" dirty="0"/>
+          </a:p>
+          <a:p>
+            <a:pPr marL="285750" indent="-285750">
+              <a:buFont typeface="Wingdings" panose="05000000000000000000" pitchFamily="2" charset="2"/>
+              <a:buChar char="Ø"/>
+            </a:pPr>
+            <a:r>
+              <a:rPr lang="en-IN" dirty="0"/>
+              <a:t>Above-average understanding of market</a:t>
+            </a:r>
+          </a:p>
+          <a:p>
+            <a:pPr marL="285750" indent="-285750">
+              <a:buFont typeface="Wingdings" panose="05000000000000000000" pitchFamily="2" charset="2"/>
+              <a:buChar char="Ø"/>
+            </a:pPr>
+            <a:endParaRPr lang="en-IN" dirty="0"/>
+          </a:p>
+          <a:p>
+            <a:pPr marL="285750" indent="-285750">
+              <a:buFont typeface="Wingdings" panose="05000000000000000000" pitchFamily="2" charset="2"/>
+              <a:buChar char="Ø"/>
+            </a:pPr>
+            <a:endParaRPr lang="en-IN" dirty="0"/>
+          </a:p>
+          <a:p>
+            <a:pPr marL="285750" indent="-285750">
+              <a:buFont typeface="Wingdings" panose="05000000000000000000" pitchFamily="2" charset="2"/>
+              <a:buChar char="Ø"/>
+            </a:pPr>
+            <a:r>
+              <a:rPr lang="en-IN" dirty="0"/>
+              <a:t>Identify community competitors and their business</a:t>
+            </a:r>
+          </a:p>
+          <a:p>
+            <a:pPr marL="285750" indent="-285750">
+              <a:buFont typeface="Wingdings" panose="05000000000000000000" pitchFamily="2" charset="2"/>
+              <a:buChar char="Ø"/>
+            </a:pPr>
+            <a:endParaRPr lang="en-IN" dirty="0"/>
+          </a:p>
+          <a:p>
+            <a:pPr marL="285750" indent="-285750">
+              <a:buFont typeface="Wingdings" panose="05000000000000000000" pitchFamily="2" charset="2"/>
+              <a:buChar char="Ø"/>
+            </a:pPr>
+            <a:endParaRPr lang="en-IN" dirty="0"/>
+          </a:p>
+          <a:p>
+            <a:pPr marL="285750" indent="-285750">
+              <a:buFont typeface="Wingdings" panose="05000000000000000000" pitchFamily="2" charset="2"/>
+              <a:buChar char="Ø"/>
+            </a:pPr>
+            <a:r>
+              <a:rPr lang="en-IN" dirty="0"/>
+              <a:t>Familiarize with current cloth costs</a:t>
+            </a:r>
+          </a:p>
+          <a:p>
+            <a:pPr marL="285750" indent="-285750">
+              <a:buFont typeface="Wingdings" panose="05000000000000000000" pitchFamily="2" charset="2"/>
+              <a:buChar char="Ø"/>
+            </a:pPr>
+            <a:endParaRPr lang="en-IN" dirty="0"/>
+          </a:p>
+          <a:p>
+            <a:pPr marL="285750" indent="-285750">
+              <a:buFont typeface="Wingdings" panose="05000000000000000000" pitchFamily="2" charset="2"/>
+              <a:buChar char="Ø"/>
+            </a:pPr>
+            <a:endParaRPr lang="en-IN" dirty="0"/>
+          </a:p>
+          <a:p>
+            <a:pPr marL="285750" indent="-285750">
+              <a:buFont typeface="Wingdings" panose="05000000000000000000" pitchFamily="2" charset="2"/>
+              <a:buChar char="Ø"/>
+            </a:pPr>
+            <a:r>
+              <a:rPr lang="en-IN" dirty="0"/>
+              <a:t>Start the production of the ordered designs</a:t>
+            </a:r>
           </a:p>
         </p:txBody>
       </p:sp>
@@ -7163,6 +8091,684 @@
 </p:sld>
 </file>
 
+<file path=ppt/slides/slide14.xml><?xml version="1.0" encoding="utf-8"?>
+<p:sld xmlns:a="http://schemas.openxmlformats.org/drawingml/2006/main" xmlns:r="http://schemas.openxmlformats.org/officeDocument/2006/relationships" xmlns:p="http://schemas.openxmlformats.org/presentationml/2006/main">
+  <p:cSld>
+    <p:spTree>
+      <p:nvGrpSpPr>
+        <p:cNvPr id="1" name=""/>
+        <p:cNvGrpSpPr/>
+        <p:nvPr/>
+      </p:nvGrpSpPr>
+      <p:grpSpPr>
+        <a:xfrm>
+          <a:off x="0" y="0"/>
+          <a:ext cx="0" cy="0"/>
+          <a:chOff x="0" y="0"/>
+          <a:chExt cx="0" cy="0"/>
+        </a:xfrm>
+      </p:grpSpPr>
+      <p:sp>
+        <p:nvSpPr>
+          <p:cNvPr id="2" name="TextBox 1">
+            <a:extLst>
+              <a:ext uri="{FF2B5EF4-FFF2-40B4-BE49-F238E27FC236}">
+                <a16:creationId xmlns:a16="http://schemas.microsoft.com/office/drawing/2014/main" id="{4DA61C1F-2626-1E9E-4397-255AFE856209}"/>
+              </a:ext>
+            </a:extLst>
+          </p:cNvPr>
+          <p:cNvSpPr txBox="1"/>
+          <p:nvPr/>
+        </p:nvSpPr>
+        <p:spPr>
+          <a:xfrm>
+            <a:off x="724035" y="484631"/>
+            <a:ext cx="4698357" cy="523220"/>
+          </a:xfrm>
+          <a:prstGeom prst="rect">
+            <a:avLst/>
+          </a:prstGeom>
+          <a:noFill/>
+        </p:spPr>
+        <p:txBody>
+          <a:bodyPr wrap="square" rtlCol="0">
+            <a:spAutoFit/>
+          </a:bodyPr>
+          <a:lstStyle/>
+          <a:p>
+            <a:r>
+              <a:rPr lang="en-US" sz="2800" b="1" u="sng" dirty="0">
+                <a:solidFill>
+                  <a:srgbClr val="00B050"/>
+                </a:solidFill>
+              </a:rPr>
+              <a:t>OUR FUTURE PLANS</a:t>
+            </a:r>
+            <a:endParaRPr lang="en-IN" sz="2800" b="1" u="sng" dirty="0">
+              <a:solidFill>
+                <a:srgbClr val="00B050"/>
+              </a:solidFill>
+            </a:endParaRPr>
+          </a:p>
+        </p:txBody>
+      </p:sp>
+      <p:sp>
+        <p:nvSpPr>
+          <p:cNvPr id="6" name="TextBox 5">
+            <a:extLst>
+              <a:ext uri="{FF2B5EF4-FFF2-40B4-BE49-F238E27FC236}">
+                <a16:creationId xmlns:a16="http://schemas.microsoft.com/office/drawing/2014/main" id="{778D9B83-6FA9-204C-0E2A-B762DB752752}"/>
+              </a:ext>
+            </a:extLst>
+          </p:cNvPr>
+          <p:cNvSpPr txBox="1"/>
+          <p:nvPr/>
+        </p:nvSpPr>
+        <p:spPr>
+          <a:xfrm>
+            <a:off x="724035" y="1298448"/>
+            <a:ext cx="8494776" cy="3693319"/>
+          </a:xfrm>
+          <a:prstGeom prst="rect">
+            <a:avLst/>
+          </a:prstGeom>
+          <a:noFill/>
+        </p:spPr>
+        <p:txBody>
+          <a:bodyPr wrap="square" rtlCol="0">
+            <a:spAutoFit/>
+          </a:bodyPr>
+          <a:lstStyle/>
+          <a:p>
+            <a:pPr marL="285750" indent="-285750">
+              <a:buFont typeface="Wingdings" panose="05000000000000000000" pitchFamily="2" charset="2"/>
+              <a:buChar char="Ø"/>
+            </a:pPr>
+            <a:r>
+              <a:rPr lang="en-IN" dirty="0"/>
+              <a:t>Introducing AI in our business</a:t>
+            </a:r>
+          </a:p>
+          <a:p>
+            <a:pPr marL="285750" indent="-285750">
+              <a:buFont typeface="Wingdings" panose="05000000000000000000" pitchFamily="2" charset="2"/>
+              <a:buChar char="Ø"/>
+            </a:pPr>
+            <a:endParaRPr lang="en-IN" dirty="0"/>
+          </a:p>
+          <a:p>
+            <a:pPr marL="285750" indent="-285750">
+              <a:buFont typeface="Wingdings" panose="05000000000000000000" pitchFamily="2" charset="2"/>
+              <a:buChar char="Ø"/>
+            </a:pPr>
+            <a:endParaRPr lang="en-IN" dirty="0"/>
+          </a:p>
+          <a:p>
+            <a:pPr marL="285750" indent="-285750">
+              <a:buFont typeface="Wingdings" panose="05000000000000000000" pitchFamily="2" charset="2"/>
+              <a:buChar char="Ø"/>
+            </a:pPr>
+            <a:r>
+              <a:rPr lang="en-IN" dirty="0"/>
+              <a:t>Making clothes more affordable and comfortable</a:t>
+            </a:r>
+          </a:p>
+          <a:p>
+            <a:pPr marL="285750" indent="-285750">
+              <a:buFont typeface="Wingdings" panose="05000000000000000000" pitchFamily="2" charset="2"/>
+              <a:buChar char="Ø"/>
+            </a:pPr>
+            <a:endParaRPr lang="en-IN" dirty="0"/>
+          </a:p>
+          <a:p>
+            <a:pPr marL="285750" indent="-285750">
+              <a:buFont typeface="Wingdings" panose="05000000000000000000" pitchFamily="2" charset="2"/>
+              <a:buChar char="Ø"/>
+            </a:pPr>
+            <a:endParaRPr lang="en-IN" dirty="0"/>
+          </a:p>
+          <a:p>
+            <a:pPr marL="285750" indent="-285750">
+              <a:buFont typeface="Wingdings" panose="05000000000000000000" pitchFamily="2" charset="2"/>
+              <a:buChar char="Ø"/>
+            </a:pPr>
+            <a:r>
+              <a:rPr lang="en-IN" dirty="0"/>
+              <a:t>Investing in research &amp; development</a:t>
+            </a:r>
+          </a:p>
+          <a:p>
+            <a:pPr marL="285750" indent="-285750">
+              <a:buFont typeface="Wingdings" panose="05000000000000000000" pitchFamily="2" charset="2"/>
+              <a:buChar char="Ø"/>
+            </a:pPr>
+            <a:endParaRPr lang="en-IN" dirty="0"/>
+          </a:p>
+          <a:p>
+            <a:pPr marL="285750" indent="-285750">
+              <a:buFont typeface="Wingdings" panose="05000000000000000000" pitchFamily="2" charset="2"/>
+              <a:buChar char="Ø"/>
+            </a:pPr>
+            <a:endParaRPr lang="en-IN" dirty="0"/>
+          </a:p>
+          <a:p>
+            <a:pPr marL="285750" indent="-285750">
+              <a:buFont typeface="Wingdings" panose="05000000000000000000" pitchFamily="2" charset="2"/>
+              <a:buChar char="Ø"/>
+            </a:pPr>
+            <a:r>
+              <a:rPr lang="en-IN" dirty="0"/>
+              <a:t>Globalized market</a:t>
+            </a:r>
+          </a:p>
+          <a:p>
+            <a:pPr marL="285750" indent="-285750">
+              <a:buFont typeface="Wingdings" panose="05000000000000000000" pitchFamily="2" charset="2"/>
+              <a:buChar char="Ø"/>
+            </a:pPr>
+            <a:endParaRPr lang="en-IN" dirty="0"/>
+          </a:p>
+          <a:p>
+            <a:pPr marL="285750" indent="-285750">
+              <a:buFont typeface="Wingdings" panose="05000000000000000000" pitchFamily="2" charset="2"/>
+              <a:buChar char="Ø"/>
+            </a:pPr>
+            <a:endParaRPr lang="en-IN" dirty="0"/>
+          </a:p>
+          <a:p>
+            <a:pPr marL="285750" indent="-285750">
+              <a:buFont typeface="Wingdings" panose="05000000000000000000" pitchFamily="2" charset="2"/>
+              <a:buChar char="Ø"/>
+            </a:pPr>
+            <a:r>
+              <a:rPr lang="en-IN" dirty="0"/>
+              <a:t>Creating accessories, bags etc rather than just clothes.</a:t>
+            </a:r>
+          </a:p>
+        </p:txBody>
+      </p:sp>
+      <p:pic>
+        <p:nvPicPr>
+          <p:cNvPr id="4" name="Picture 3">
+            <a:extLst>
+              <a:ext uri="{FF2B5EF4-FFF2-40B4-BE49-F238E27FC236}">
+                <a16:creationId xmlns:a16="http://schemas.microsoft.com/office/drawing/2014/main" id="{C8B57763-CACD-DE54-46F2-F0D199D96643}"/>
+              </a:ext>
+            </a:extLst>
+          </p:cNvPr>
+          <p:cNvPicPr>
+            <a:picLocks noChangeAspect="1"/>
+          </p:cNvPicPr>
+          <p:nvPr/>
+        </p:nvPicPr>
+        <p:blipFill>
+          <a:blip r:embed="rId2">
+            <a:extLst>
+              <a:ext uri="{28A0092B-C50C-407E-A947-70E740481C1C}">
+                <a14:useLocalDpi xmlns:a14="http://schemas.microsoft.com/office/drawing/2010/main" val="0"/>
+              </a:ext>
+            </a:extLst>
+          </a:blip>
+          <a:stretch>
+            <a:fillRect/>
+          </a:stretch>
+        </p:blipFill>
+        <p:spPr>
+          <a:xfrm>
+            <a:off x="6978910" y="0"/>
+            <a:ext cx="2546928" cy="1102754"/>
+          </a:xfrm>
+          <a:prstGeom prst="rect">
+            <a:avLst/>
+          </a:prstGeom>
+        </p:spPr>
+      </p:pic>
+    </p:spTree>
+    <p:extLst>
+      <p:ext uri="{BB962C8B-B14F-4D97-AF65-F5344CB8AC3E}">
+        <p14:creationId xmlns:p14="http://schemas.microsoft.com/office/powerpoint/2010/main" val="2469288904"/>
+      </p:ext>
+    </p:extLst>
+  </p:cSld>
+  <p:clrMapOvr>
+    <a:masterClrMapping/>
+  </p:clrMapOvr>
+</p:sld>
+</file>
+
+<file path=ppt/slides/slide15.xml><?xml version="1.0" encoding="utf-8"?>
+<p:sld xmlns:a="http://schemas.openxmlformats.org/drawingml/2006/main" xmlns:r="http://schemas.openxmlformats.org/officeDocument/2006/relationships" xmlns:p="http://schemas.openxmlformats.org/presentationml/2006/main">
+  <p:cSld>
+    <p:spTree>
+      <p:nvGrpSpPr>
+        <p:cNvPr id="1" name=""/>
+        <p:cNvGrpSpPr/>
+        <p:nvPr/>
+      </p:nvGrpSpPr>
+      <p:grpSpPr>
+        <a:xfrm>
+          <a:off x="0" y="0"/>
+          <a:ext cx="0" cy="0"/>
+          <a:chOff x="0" y="0"/>
+          <a:chExt cx="0" cy="0"/>
+        </a:xfrm>
+      </p:grpSpPr>
+      <p:sp>
+        <p:nvSpPr>
+          <p:cNvPr id="2" name="TextBox 1">
+            <a:extLst>
+              <a:ext uri="{FF2B5EF4-FFF2-40B4-BE49-F238E27FC236}">
+                <a16:creationId xmlns:a16="http://schemas.microsoft.com/office/drawing/2014/main" id="{4DA61C1F-2626-1E9E-4397-255AFE856209}"/>
+              </a:ext>
+            </a:extLst>
+          </p:cNvPr>
+          <p:cNvSpPr txBox="1"/>
+          <p:nvPr/>
+        </p:nvSpPr>
+        <p:spPr>
+          <a:xfrm>
+            <a:off x="724035" y="484631"/>
+            <a:ext cx="5843913" cy="523220"/>
+          </a:xfrm>
+          <a:prstGeom prst="rect">
+            <a:avLst/>
+          </a:prstGeom>
+          <a:noFill/>
+        </p:spPr>
+        <p:txBody>
+          <a:bodyPr wrap="square" rtlCol="0">
+            <a:spAutoFit/>
+          </a:bodyPr>
+          <a:lstStyle/>
+          <a:p>
+            <a:r>
+              <a:rPr lang="en-US" sz="2800" b="1" u="sng" dirty="0">
+                <a:solidFill>
+                  <a:srgbClr val="00B050"/>
+                </a:solidFill>
+              </a:rPr>
+              <a:t>OUR UNIQUE WAY OF MARKETING</a:t>
+            </a:r>
+            <a:endParaRPr lang="en-IN" sz="2800" b="1" u="sng" dirty="0">
+              <a:solidFill>
+                <a:srgbClr val="00B050"/>
+              </a:solidFill>
+            </a:endParaRPr>
+          </a:p>
+        </p:txBody>
+      </p:sp>
+      <p:pic>
+        <p:nvPicPr>
+          <p:cNvPr id="4" name="Picture 3">
+            <a:extLst>
+              <a:ext uri="{FF2B5EF4-FFF2-40B4-BE49-F238E27FC236}">
+                <a16:creationId xmlns:a16="http://schemas.microsoft.com/office/drawing/2014/main" id="{C8B57763-CACD-DE54-46F2-F0D199D96643}"/>
+              </a:ext>
+            </a:extLst>
+          </p:cNvPr>
+          <p:cNvPicPr>
+            <a:picLocks noChangeAspect="1"/>
+          </p:cNvPicPr>
+          <p:nvPr/>
+        </p:nvPicPr>
+        <p:blipFill>
+          <a:blip r:embed="rId2">
+            <a:extLst>
+              <a:ext uri="{28A0092B-C50C-407E-A947-70E740481C1C}">
+                <a14:useLocalDpi xmlns:a14="http://schemas.microsoft.com/office/drawing/2010/main" val="0"/>
+              </a:ext>
+            </a:extLst>
+          </a:blip>
+          <a:stretch>
+            <a:fillRect/>
+          </a:stretch>
+        </p:blipFill>
+        <p:spPr>
+          <a:xfrm>
+            <a:off x="6978910" y="0"/>
+            <a:ext cx="2546928" cy="1102754"/>
+          </a:xfrm>
+          <a:prstGeom prst="rect">
+            <a:avLst/>
+          </a:prstGeom>
+        </p:spPr>
+      </p:pic>
+      <p:pic>
+        <p:nvPicPr>
+          <p:cNvPr id="7" name="Picture 6">
+            <a:extLst>
+              <a:ext uri="{FF2B5EF4-FFF2-40B4-BE49-F238E27FC236}">
+                <a16:creationId xmlns:a16="http://schemas.microsoft.com/office/drawing/2014/main" id="{0C437655-47D7-ADC0-2C31-11A8C293AE5C}"/>
+              </a:ext>
+            </a:extLst>
+          </p:cNvPr>
+          <p:cNvPicPr>
+            <a:picLocks noChangeAspect="1"/>
+          </p:cNvPicPr>
+          <p:nvPr/>
+        </p:nvPicPr>
+        <p:blipFill>
+          <a:blip r:embed="rId3">
+            <a:extLst>
+              <a:ext uri="{28A0092B-C50C-407E-A947-70E740481C1C}">
+                <a14:useLocalDpi xmlns:a14="http://schemas.microsoft.com/office/drawing/2010/main" val="0"/>
+              </a:ext>
+            </a:extLst>
+          </a:blip>
+          <a:stretch>
+            <a:fillRect/>
+          </a:stretch>
+        </p:blipFill>
+        <p:spPr>
+          <a:xfrm>
+            <a:off x="549980" y="1677397"/>
+            <a:ext cx="3503205" cy="3503205"/>
+          </a:xfrm>
+          <a:prstGeom prst="rect">
+            <a:avLst/>
+          </a:prstGeom>
+          <a:ln w="228600" cap="sq" cmpd="thickThin">
+            <a:solidFill>
+              <a:srgbClr val="000000"/>
+            </a:solidFill>
+            <a:prstDash val="solid"/>
+            <a:miter lim="800000"/>
+          </a:ln>
+          <a:effectLst>
+            <a:innerShdw blurRad="76200">
+              <a:srgbClr val="000000"/>
+            </a:innerShdw>
+          </a:effectLst>
+        </p:spPr>
+      </p:pic>
+      <p:pic>
+        <p:nvPicPr>
+          <p:cNvPr id="9" name="Picture 8">
+            <a:extLst>
+              <a:ext uri="{FF2B5EF4-FFF2-40B4-BE49-F238E27FC236}">
+                <a16:creationId xmlns:a16="http://schemas.microsoft.com/office/drawing/2014/main" id="{5B7B26DF-5C50-18E6-BAB5-0517699AB228}"/>
+              </a:ext>
+            </a:extLst>
+          </p:cNvPr>
+          <p:cNvPicPr>
+            <a:picLocks noChangeAspect="1"/>
+          </p:cNvPicPr>
+          <p:nvPr/>
+        </p:nvPicPr>
+        <p:blipFill>
+          <a:blip r:embed="rId4">
+            <a:extLst>
+              <a:ext uri="{28A0092B-C50C-407E-A947-70E740481C1C}">
+                <a14:useLocalDpi xmlns:a14="http://schemas.microsoft.com/office/drawing/2010/main" val="0"/>
+              </a:ext>
+            </a:extLst>
+          </a:blip>
+          <a:stretch>
+            <a:fillRect/>
+          </a:stretch>
+        </p:blipFill>
+        <p:spPr>
+          <a:xfrm>
+            <a:off x="4667501" y="2624293"/>
+            <a:ext cx="2242683" cy="3888658"/>
+          </a:xfrm>
+          <a:prstGeom prst="rect">
+            <a:avLst/>
+          </a:prstGeom>
+          <a:ln w="228600" cap="sq" cmpd="thickThin">
+            <a:solidFill>
+              <a:srgbClr val="000000"/>
+            </a:solidFill>
+            <a:prstDash val="solid"/>
+            <a:miter lim="800000"/>
+          </a:ln>
+          <a:effectLst>
+            <a:innerShdw blurRad="76200">
+              <a:srgbClr val="000000"/>
+            </a:innerShdw>
+          </a:effectLst>
+        </p:spPr>
+      </p:pic>
+      <p:pic>
+        <p:nvPicPr>
+          <p:cNvPr id="11" name="Picture 10">
+            <a:extLst>
+              <a:ext uri="{FF2B5EF4-FFF2-40B4-BE49-F238E27FC236}">
+                <a16:creationId xmlns:a16="http://schemas.microsoft.com/office/drawing/2014/main" id="{8D3E6599-0194-A1B7-2297-A040136A0DF0}"/>
+              </a:ext>
+            </a:extLst>
+          </p:cNvPr>
+          <p:cNvPicPr>
+            <a:picLocks noChangeAspect="1"/>
+          </p:cNvPicPr>
+          <p:nvPr/>
+        </p:nvPicPr>
+        <p:blipFill>
+          <a:blip r:embed="rId5">
+            <a:extLst>
+              <a:ext uri="{28A0092B-C50C-407E-A947-70E740481C1C}">
+                <a14:useLocalDpi xmlns:a14="http://schemas.microsoft.com/office/drawing/2010/main" val="0"/>
+              </a:ext>
+            </a:extLst>
+          </a:blip>
+          <a:stretch>
+            <a:fillRect/>
+          </a:stretch>
+        </p:blipFill>
+        <p:spPr>
+          <a:xfrm>
+            <a:off x="7524500" y="1677397"/>
+            <a:ext cx="3503205" cy="3503205"/>
+          </a:xfrm>
+          <a:prstGeom prst="rect">
+            <a:avLst/>
+          </a:prstGeom>
+          <a:ln w="228600" cap="sq" cmpd="thickThin">
+            <a:solidFill>
+              <a:srgbClr val="000000"/>
+            </a:solidFill>
+            <a:prstDash val="solid"/>
+            <a:miter lim="800000"/>
+          </a:ln>
+          <a:effectLst>
+            <a:innerShdw blurRad="76200">
+              <a:srgbClr val="000000"/>
+            </a:innerShdw>
+          </a:effectLst>
+        </p:spPr>
+      </p:pic>
+    </p:spTree>
+    <p:extLst>
+      <p:ext uri="{BB962C8B-B14F-4D97-AF65-F5344CB8AC3E}">
+        <p14:creationId xmlns:p14="http://schemas.microsoft.com/office/powerpoint/2010/main" val="3813748493"/>
+      </p:ext>
+    </p:extLst>
+  </p:cSld>
+  <p:clrMapOvr>
+    <a:masterClrMapping/>
+  </p:clrMapOvr>
+</p:sld>
+</file>
+
+<file path=ppt/slides/slide16.xml><?xml version="1.0" encoding="utf-8"?>
+<p:sld xmlns:a="http://schemas.openxmlformats.org/drawingml/2006/main" xmlns:r="http://schemas.openxmlformats.org/officeDocument/2006/relationships" xmlns:p="http://schemas.openxmlformats.org/presentationml/2006/main">
+  <p:cSld>
+    <p:spTree>
+      <p:nvGrpSpPr>
+        <p:cNvPr id="1" name=""/>
+        <p:cNvGrpSpPr/>
+        <p:nvPr/>
+      </p:nvGrpSpPr>
+      <p:grpSpPr>
+        <a:xfrm>
+          <a:off x="0" y="0"/>
+          <a:ext cx="0" cy="0"/>
+          <a:chOff x="0" y="0"/>
+          <a:chExt cx="0" cy="0"/>
+        </a:xfrm>
+      </p:grpSpPr>
+      <p:sp>
+        <p:nvSpPr>
+          <p:cNvPr id="2" name="TextBox 1">
+            <a:extLst>
+              <a:ext uri="{FF2B5EF4-FFF2-40B4-BE49-F238E27FC236}">
+                <a16:creationId xmlns:a16="http://schemas.microsoft.com/office/drawing/2014/main" id="{4DA61C1F-2626-1E9E-4397-255AFE856209}"/>
+              </a:ext>
+            </a:extLst>
+          </p:cNvPr>
+          <p:cNvSpPr txBox="1"/>
+          <p:nvPr/>
+        </p:nvSpPr>
+        <p:spPr>
+          <a:xfrm>
+            <a:off x="724035" y="484631"/>
+            <a:ext cx="4698357" cy="523220"/>
+          </a:xfrm>
+          <a:prstGeom prst="rect">
+            <a:avLst/>
+          </a:prstGeom>
+          <a:noFill/>
+        </p:spPr>
+        <p:txBody>
+          <a:bodyPr wrap="square" rtlCol="0">
+            <a:spAutoFit/>
+          </a:bodyPr>
+          <a:lstStyle/>
+          <a:p>
+            <a:r>
+              <a:rPr lang="en-US" sz="2800" b="1" u="sng" dirty="0">
+                <a:solidFill>
+                  <a:srgbClr val="00B050"/>
+                </a:solidFill>
+              </a:rPr>
+              <a:t>CONCLUSION</a:t>
+            </a:r>
+            <a:endParaRPr lang="en-IN" sz="2800" b="1" u="sng" dirty="0">
+              <a:solidFill>
+                <a:srgbClr val="00B050"/>
+              </a:solidFill>
+            </a:endParaRPr>
+          </a:p>
+        </p:txBody>
+      </p:sp>
+      <p:sp>
+        <p:nvSpPr>
+          <p:cNvPr id="6" name="TextBox 5">
+            <a:extLst>
+              <a:ext uri="{FF2B5EF4-FFF2-40B4-BE49-F238E27FC236}">
+                <a16:creationId xmlns:a16="http://schemas.microsoft.com/office/drawing/2014/main" id="{778D9B83-6FA9-204C-0E2A-B762DB752752}"/>
+              </a:ext>
+            </a:extLst>
+          </p:cNvPr>
+          <p:cNvSpPr txBox="1"/>
+          <p:nvPr/>
+        </p:nvSpPr>
+        <p:spPr>
+          <a:xfrm>
+            <a:off x="724035" y="1298448"/>
+            <a:ext cx="8494776" cy="1754326"/>
+          </a:xfrm>
+          <a:prstGeom prst="rect">
+            <a:avLst/>
+          </a:prstGeom>
+          <a:noFill/>
+        </p:spPr>
+        <p:txBody>
+          <a:bodyPr wrap="square" rtlCol="0">
+            <a:spAutoFit/>
+          </a:bodyPr>
+          <a:lstStyle/>
+          <a:p>
+            <a:pPr marL="285750" indent="-285750">
+              <a:buFont typeface="Wingdings" panose="05000000000000000000" pitchFamily="2" charset="2"/>
+              <a:buChar char="Ø"/>
+            </a:pPr>
+            <a:r>
+              <a:rPr lang="en-IN" dirty="0"/>
+              <a:t>Creating unique sustainable clothes while taking care of our mother nature.</a:t>
+            </a:r>
+          </a:p>
+          <a:p>
+            <a:endParaRPr lang="en-IN" dirty="0"/>
+          </a:p>
+          <a:p>
+            <a:pPr marL="285750" indent="-285750">
+              <a:buFont typeface="Wingdings" panose="05000000000000000000" pitchFamily="2" charset="2"/>
+              <a:buChar char="Ø"/>
+            </a:pPr>
+            <a:r>
+              <a:rPr lang="en-IN" dirty="0"/>
+              <a:t>Less water pollution, no animal cruelty, no wastage, huge amount of lands being conserved while making profile.</a:t>
+            </a:r>
+          </a:p>
+          <a:p>
+            <a:pPr marL="285750" indent="-285750">
+              <a:buFont typeface="Wingdings" panose="05000000000000000000" pitchFamily="2" charset="2"/>
+              <a:buChar char="Ø"/>
+            </a:pPr>
+            <a:endParaRPr lang="en-IN" dirty="0"/>
+          </a:p>
+          <a:p>
+            <a:pPr marL="285750" indent="-285750">
+              <a:buFont typeface="Wingdings" panose="05000000000000000000" pitchFamily="2" charset="2"/>
+              <a:buChar char="Ø"/>
+            </a:pPr>
+            <a:r>
+              <a:rPr lang="en-IN" dirty="0"/>
+              <a:t>Creating employment scopes.</a:t>
+            </a:r>
+          </a:p>
+        </p:txBody>
+      </p:sp>
+      <p:pic>
+        <p:nvPicPr>
+          <p:cNvPr id="4" name="Picture 3">
+            <a:extLst>
+              <a:ext uri="{FF2B5EF4-FFF2-40B4-BE49-F238E27FC236}">
+                <a16:creationId xmlns:a16="http://schemas.microsoft.com/office/drawing/2014/main" id="{C8B57763-CACD-DE54-46F2-F0D199D96643}"/>
+              </a:ext>
+            </a:extLst>
+          </p:cNvPr>
+          <p:cNvPicPr>
+            <a:picLocks noChangeAspect="1"/>
+          </p:cNvPicPr>
+          <p:nvPr/>
+        </p:nvPicPr>
+        <p:blipFill>
+          <a:blip r:embed="rId2">
+            <a:extLst>
+              <a:ext uri="{28A0092B-C50C-407E-A947-70E740481C1C}">
+                <a14:useLocalDpi xmlns:a14="http://schemas.microsoft.com/office/drawing/2010/main" val="0"/>
+              </a:ext>
+            </a:extLst>
+          </a:blip>
+          <a:stretch>
+            <a:fillRect/>
+          </a:stretch>
+        </p:blipFill>
+        <p:spPr>
+          <a:xfrm>
+            <a:off x="6978910" y="0"/>
+            <a:ext cx="2546928" cy="1102754"/>
+          </a:xfrm>
+          <a:prstGeom prst="rect">
+            <a:avLst/>
+          </a:prstGeom>
+        </p:spPr>
+      </p:pic>
+    </p:spTree>
+    <p:extLst>
+      <p:ext uri="{BB962C8B-B14F-4D97-AF65-F5344CB8AC3E}">
+        <p14:creationId xmlns:p14="http://schemas.microsoft.com/office/powerpoint/2010/main" val="1857757552"/>
+      </p:ext>
+    </p:extLst>
+  </p:cSld>
+  <p:clrMapOvr>
+    <a:masterClrMapping/>
+  </p:clrMapOvr>
+</p:sld>
+</file>
+
 <file path=ppt/slides/slide2.xml><?xml version="1.0" encoding="utf-8"?>
 <p:sld xmlns:a="http://schemas.openxmlformats.org/drawingml/2006/main" xmlns:r="http://schemas.openxmlformats.org/officeDocument/2006/relationships" xmlns:p="http://schemas.openxmlformats.org/presentationml/2006/main">
   <p:cSld>
@@ -7195,7 +8801,7 @@
         <p:spPr>
           <a:xfrm>
             <a:off x="553586" y="484631"/>
-            <a:ext cx="5899673" cy="523220"/>
+            <a:ext cx="5899673" cy="954107"/>
           </a:xfrm>
           <a:prstGeom prst="rect">
             <a:avLst/>
@@ -7209,7 +8815,7 @@
           <a:lstStyle/>
           <a:p>
             <a:r>
-              <a:rPr lang="en-IN" sz="2800" u="sng" dirty="0">
+              <a:rPr lang="en-IN" sz="2800" b="1" u="sng" dirty="0">
                 <a:solidFill>
                   <a:srgbClr val="00B050"/>
                 </a:solidFill>
@@ -7221,7 +8827,7 @@
                   </a:outerShdw>
                 </a:effectLst>
               </a:rPr>
-              <a:t>Problems in Today’s Textile Industry</a:t>
+              <a:t>PROBLEMS IN TODAY’S TEXTILE INDUSTRY</a:t>
             </a:r>
           </a:p>
         </p:txBody>
@@ -7376,7 +8982,7 @@
           <a:lstStyle/>
           <a:p>
             <a:r>
-              <a:rPr lang="en-IN" sz="2800" u="sng" dirty="0">
+              <a:rPr lang="en-IN" sz="2800" b="1" u="sng" dirty="0">
                 <a:solidFill>
                   <a:srgbClr val="00B050"/>
                 </a:solidFill>
@@ -7388,7 +8994,7 @@
                   </a:outerShdw>
                 </a:effectLst>
               </a:rPr>
-              <a:t>What exactly is 3D Printing?</a:t>
+              <a:t>WHAT EXACTLY IS 3D PRINTING?</a:t>
             </a:r>
           </a:p>
         </p:txBody>
@@ -7721,7 +9327,7 @@
           <a:lstStyle/>
           <a:p>
             <a:r>
-              <a:rPr lang="en-IN" sz="2800" u="sng" dirty="0">
+              <a:rPr lang="en-IN" sz="2800" b="1" u="sng" dirty="0">
                 <a:solidFill>
                   <a:srgbClr val="00B050"/>
                 </a:solidFill>
@@ -8019,14 +9625,14 @@
           <a:lstStyle/>
           <a:p>
             <a:r>
-              <a:rPr lang="en-US" sz="2800" u="sng" dirty="0">
+              <a:rPr lang="en-US" sz="2800" b="1" u="sng" dirty="0">
                 <a:solidFill>
                   <a:srgbClr val="00B050"/>
                 </a:solidFill>
               </a:rPr>
               <a:t>Continued…</a:t>
             </a:r>
-            <a:endParaRPr lang="en-IN" sz="2800" u="sng" dirty="0">
+            <a:endParaRPr lang="en-IN" sz="2800" b="1" u="sng" dirty="0">
               <a:solidFill>
                 <a:srgbClr val="00B050"/>
               </a:solidFill>
@@ -8173,7 +9779,7 @@
         <p:spPr>
           <a:xfrm>
             <a:off x="724035" y="484631"/>
-            <a:ext cx="5283475" cy="523220"/>
+            <a:ext cx="5428094" cy="523220"/>
           </a:xfrm>
           <a:prstGeom prst="rect">
             <a:avLst/>
@@ -8187,14 +9793,14 @@
           <a:lstStyle/>
           <a:p>
             <a:r>
-              <a:rPr lang="en-US" sz="2800" u="sng" dirty="0">
+              <a:rPr lang="en-US" sz="2800" b="1" u="sng" dirty="0">
                 <a:solidFill>
                   <a:srgbClr val="00B050"/>
                 </a:solidFill>
               </a:rPr>
               <a:t>HOW DOES OUR SYSTEM WORK?</a:t>
             </a:r>
-            <a:endParaRPr lang="en-IN" sz="2800" u="sng" dirty="0">
+            <a:endParaRPr lang="en-IN" sz="2800" b="1" u="sng" dirty="0">
               <a:solidFill>
                 <a:srgbClr val="00B050"/>
               </a:solidFill>
@@ -8342,7 +9948,7 @@
             <a:pPr algn="ctr"/>
             <a:r>
               <a:rPr lang="en-US" b="1" dirty="0"/>
-              <a:t>Customer choose their designs</a:t>
+              <a:t>Customers choose their designs</a:t>
             </a:r>
             <a:endParaRPr lang="en-IN" b="1" dirty="0"/>
           </a:p>
@@ -8490,7 +10096,7 @@
             <a:pPr algn="ctr"/>
             <a:r>
               <a:rPr lang="en-US" b="1" dirty="0"/>
-              <a:t>After usage collecting the used product by giving the customer digital credits which they might use to buy new clothes from our website at a discount.</a:t>
+              <a:t>After usage collecting the used product by giving the customer digital credits which they might use to buy new clothes or make a new cloth out of their old ones</a:t>
             </a:r>
             <a:endParaRPr lang="en-IN" b="1" dirty="0"/>
           </a:p>
@@ -8511,7 +10117,7 @@
         <p:spPr>
           <a:xfrm>
             <a:off x="244785" y="1981938"/>
-            <a:ext cx="3365822" cy="1200329"/>
+            <a:ext cx="3365822" cy="923330"/>
           </a:xfrm>
           <a:prstGeom prst="rect">
             <a:avLst/>
@@ -8527,7 +10133,7 @@
             <a:pPr algn="ctr"/>
             <a:r>
               <a:rPr lang="en-US" b="1" dirty="0"/>
-              <a:t>Damaged products will be used as filaments and would then be converted to clothes. </a:t>
+              <a:t>Old products will be used as filaments and would then be converted to clothes. </a:t>
             </a:r>
             <a:endParaRPr lang="en-IN" b="1" dirty="0"/>
           </a:p>
@@ -8937,7 +10543,7 @@
         <p:spPr>
           <a:xfrm>
             <a:off x="724035" y="484631"/>
-            <a:ext cx="4457565" cy="523220"/>
+            <a:ext cx="4929513" cy="523220"/>
           </a:xfrm>
           <a:prstGeom prst="rect">
             <a:avLst/>
@@ -8951,14 +10557,14 @@
           <a:lstStyle/>
           <a:p>
             <a:r>
-              <a:rPr lang="en-US" sz="2800" u="sng" dirty="0">
+              <a:rPr lang="en-US" sz="2800" b="1" u="sng" dirty="0">
                 <a:solidFill>
                   <a:srgbClr val="00B050"/>
                 </a:solidFill>
               </a:rPr>
               <a:t>OUR FINANCIAL STRATEGY</a:t>
             </a:r>
-            <a:endParaRPr lang="en-IN" sz="2800" u="sng" dirty="0">
+            <a:endParaRPr lang="en-IN" sz="2800" b="1" u="sng" dirty="0">
               <a:solidFill>
                 <a:srgbClr val="00B050"/>
               </a:solidFill>
@@ -9683,8 +11289,8 @@
         </p:blipFill>
         <p:spPr>
           <a:xfrm>
-            <a:off x="5035044" y="1767840"/>
-            <a:ext cx="6225349" cy="4146156"/>
+            <a:off x="6515178" y="1297858"/>
+            <a:ext cx="4952787" cy="3298615"/>
           </a:xfrm>
           <a:prstGeom prst="roundRect">
             <a:avLst>
@@ -9730,7 +11336,7 @@
         <p:spPr>
           <a:xfrm>
             <a:off x="724035" y="484631"/>
-            <a:ext cx="4521733" cy="523220"/>
+            <a:ext cx="4870520" cy="523220"/>
           </a:xfrm>
           <a:prstGeom prst="rect">
             <a:avLst/>
@@ -9744,14 +11350,14 @@
           <a:lstStyle/>
           <a:p>
             <a:r>
-              <a:rPr lang="en-US" sz="2800" u="sng" dirty="0">
+              <a:rPr lang="en-US" sz="2800" b="1" u="sng" dirty="0">
                 <a:solidFill>
                   <a:srgbClr val="00B050"/>
                 </a:solidFill>
               </a:rPr>
               <a:t>OUR MARKETING STRATEGY</a:t>
             </a:r>
-            <a:endParaRPr lang="en-IN" sz="2800" u="sng" dirty="0">
+            <a:endParaRPr lang="en-IN" sz="2800" b="1" u="sng" dirty="0">
               <a:solidFill>
                 <a:srgbClr val="00B050"/>
               </a:solidFill>
@@ -10033,8 +11639,8 @@
         </p:blipFill>
         <p:spPr>
           <a:xfrm>
-            <a:off x="5245768" y="1518505"/>
-            <a:ext cx="6330380" cy="4222363"/>
+            <a:off x="6219161" y="1435510"/>
+            <a:ext cx="5408198" cy="3607268"/>
           </a:xfrm>
           <a:prstGeom prst="roundRect">
             <a:avLst>
@@ -10094,14 +11700,14 @@
           <a:lstStyle/>
           <a:p>
             <a:r>
-              <a:rPr lang="en-US" sz="2800" u="sng" dirty="0">
+              <a:rPr lang="en-US" sz="2800" b="1" u="sng" dirty="0">
                 <a:solidFill>
                   <a:srgbClr val="00B050"/>
                 </a:solidFill>
               </a:rPr>
               <a:t>Continued…</a:t>
             </a:r>
-            <a:endParaRPr lang="en-IN" sz="2800" u="sng" dirty="0">
+            <a:endParaRPr lang="en-IN" sz="2800" b="1" u="sng" dirty="0">
               <a:solidFill>
                 <a:srgbClr val="00B050"/>
               </a:solidFill>
